--- a/Session1_Slides.pptx
+++ b/Session1_Slides.pptx
@@ -108,6 +108,10 @@
     <p:sldId id="353" r:id="rId105"/>
     <p:sldId id="354" r:id="rId106"/>
     <p:sldId id="355" r:id="rId107"/>
+    <p:sldId id="356" r:id="rId108"/>
+    <p:sldId id="357" r:id="rId109"/>
+    <p:sldId id="358" r:id="rId110"/>
+    <p:sldId id="359" r:id="rId111"/>
   </p:sldIdLst>
   <p:sldSz cx="13004800" cy="9753600"/>
   <p:notesSz cx="6858000" cy="9144000"/>
@@ -1044,365 +1048,6 @@
     </a:lvl9pPr>
   </p:notesStyle>
 </p:notesMaster>
-</file>
-
-<file path=ppt/notesSlides/notesSlide1.xml><?xml version="1.0" encoding="utf-8"?>
-<p:notes xmlns:a="http://schemas.openxmlformats.org/drawingml/2006/main" xmlns:r="http://schemas.openxmlformats.org/officeDocument/2006/relationships" xmlns:p="http://schemas.openxmlformats.org/presentationml/2006/main" showMasterSp="1" showMasterPhAnim="1">
-  <p:cSld>
-    <p:spTree>
-      <p:nvGrpSpPr>
-        <p:cNvPr id="1" name=""/>
-        <p:cNvGrpSpPr/>
-        <p:nvPr/>
-      </p:nvGrpSpPr>
-      <p:grpSpPr>
-        <a:xfrm>
-          <a:off x="0" y="0"/>
-          <a:ext cx="0" cy="0"/>
-          <a:chOff x="0" y="0"/>
-          <a:chExt cx="0" cy="0"/>
-        </a:xfrm>
-      </p:grpSpPr>
-      <p:sp>
-        <p:nvSpPr>
-          <p:cNvPr id="250" name="Shape 250"/>
-          <p:cNvSpPr/>
-          <p:nvPr>
-            <p:ph type="sldImg"/>
-          </p:nvPr>
-        </p:nvSpPr>
-        <p:spPr>
-          <a:prstGeom prst="rect">
-            <a:avLst/>
-          </a:prstGeom>
-        </p:spPr>
-        <p:txBody>
-          <a:bodyPr/>
-          <a:lstStyle/>
-          <a:p>
-            <a:pPr/>
-          </a:p>
-        </p:txBody>
-      </p:sp>
-      <p:sp>
-        <p:nvSpPr>
-          <p:cNvPr id="251" name="Shape 251"/>
-          <p:cNvSpPr/>
-          <p:nvPr>
-            <p:ph type="body" sz="quarter" idx="1"/>
-          </p:nvPr>
-        </p:nvSpPr>
-        <p:spPr>
-          <a:prstGeom prst="rect">
-            <a:avLst/>
-          </a:prstGeom>
-        </p:spPr>
-        <p:txBody>
-          <a:bodyPr/>
-          <a:lstStyle/>
-          <a:p>
-            <a:pPr/>
-            <a:r>
-              <a:t>Emphasize that fav_number is an ARBITRARY name</a:t>
-            </a:r>
-          </a:p>
-          <a:p>
-            <a:pPr/>
-          </a:p>
-          <a:p>
-            <a:pPr/>
-            <a:r>
-              <a:t>Call it labelling things</a:t>
-            </a:r>
-          </a:p>
-        </p:txBody>
-      </p:sp>
-    </p:spTree>
-  </p:cSld>
-  <p:clrMapOvr>
-    <a:masterClrMapping/>
-  </p:clrMapOvr>
-</p:notes>
-</file>
-
-<file path=ppt/notesSlides/notesSlide2.xml><?xml version="1.0" encoding="utf-8"?>
-<p:notes xmlns:a="http://schemas.openxmlformats.org/drawingml/2006/main" xmlns:r="http://schemas.openxmlformats.org/officeDocument/2006/relationships" xmlns:p="http://schemas.openxmlformats.org/presentationml/2006/main" showMasterSp="1" showMasterPhAnim="1">
-  <p:cSld>
-    <p:spTree>
-      <p:nvGrpSpPr>
-        <p:cNvPr id="1" name=""/>
-        <p:cNvGrpSpPr/>
-        <p:nvPr/>
-      </p:nvGrpSpPr>
-      <p:grpSpPr>
-        <a:xfrm>
-          <a:off x="0" y="0"/>
-          <a:ext cx="0" cy="0"/>
-          <a:chOff x="0" y="0"/>
-          <a:chExt cx="0" cy="0"/>
-        </a:xfrm>
-      </p:grpSpPr>
-      <p:sp>
-        <p:nvSpPr>
-          <p:cNvPr id="291" name="Shape 291"/>
-          <p:cNvSpPr/>
-          <p:nvPr>
-            <p:ph type="sldImg"/>
-          </p:nvPr>
-        </p:nvSpPr>
-        <p:spPr>
-          <a:prstGeom prst="rect">
-            <a:avLst/>
-          </a:prstGeom>
-        </p:spPr>
-        <p:txBody>
-          <a:bodyPr/>
-          <a:lstStyle/>
-          <a:p>
-            <a:pPr/>
-          </a:p>
-        </p:txBody>
-      </p:sp>
-      <p:sp>
-        <p:nvSpPr>
-          <p:cNvPr id="292" name="Shape 292"/>
-          <p:cNvSpPr/>
-          <p:nvPr>
-            <p:ph type="body" sz="quarter" idx="1"/>
-          </p:nvPr>
-        </p:nvSpPr>
-        <p:spPr>
-          <a:prstGeom prst="rect">
-            <a:avLst/>
-          </a:prstGeom>
-        </p:spPr>
-        <p:txBody>
-          <a:bodyPr/>
-          <a:lstStyle/>
-          <a:p>
-            <a:pPr/>
-            <a:r>
-              <a:t>good to note: Snake case. Cannot have spaces in variable names</a:t>
-            </a:r>
-          </a:p>
-        </p:txBody>
-      </p:sp>
-    </p:spTree>
-  </p:cSld>
-  <p:clrMapOvr>
-    <a:masterClrMapping/>
-  </p:clrMapOvr>
-</p:notes>
-</file>
-
-<file path=ppt/notesSlides/notesSlide3.xml><?xml version="1.0" encoding="utf-8"?>
-<p:notes xmlns:a="http://schemas.openxmlformats.org/drawingml/2006/main" xmlns:r="http://schemas.openxmlformats.org/officeDocument/2006/relationships" xmlns:p="http://schemas.openxmlformats.org/presentationml/2006/main" showMasterSp="1" showMasterPhAnim="1">
-  <p:cSld>
-    <p:spTree>
-      <p:nvGrpSpPr>
-        <p:cNvPr id="1" name=""/>
-        <p:cNvGrpSpPr/>
-        <p:nvPr/>
-      </p:nvGrpSpPr>
-      <p:grpSpPr>
-        <a:xfrm>
-          <a:off x="0" y="0"/>
-          <a:ext cx="0" cy="0"/>
-          <a:chOff x="0" y="0"/>
-          <a:chExt cx="0" cy="0"/>
-        </a:xfrm>
-      </p:grpSpPr>
-      <p:sp>
-        <p:nvSpPr>
-          <p:cNvPr id="396" name="Shape 396"/>
-          <p:cNvSpPr/>
-          <p:nvPr>
-            <p:ph type="sldImg"/>
-          </p:nvPr>
-        </p:nvSpPr>
-        <p:spPr>
-          <a:prstGeom prst="rect">
-            <a:avLst/>
-          </a:prstGeom>
-        </p:spPr>
-        <p:txBody>
-          <a:bodyPr/>
-          <a:lstStyle/>
-          <a:p>
-            <a:pPr/>
-          </a:p>
-        </p:txBody>
-      </p:sp>
-      <p:sp>
-        <p:nvSpPr>
-          <p:cNvPr id="397" name="Shape 397"/>
-          <p:cNvSpPr/>
-          <p:nvPr>
-            <p:ph type="body" sz="quarter" idx="1"/>
-          </p:nvPr>
-        </p:nvSpPr>
-        <p:spPr>
-          <a:prstGeom prst="rect">
-            <a:avLst/>
-          </a:prstGeom>
-        </p:spPr>
-        <p:txBody>
-          <a:bodyPr/>
-          <a:lstStyle/>
-          <a:p>
-            <a:pPr/>
-            <a:r>
-              <a:t>Related because strings are for HUMANS. How do you show humans? PRINT</a:t>
-            </a:r>
-          </a:p>
-        </p:txBody>
-      </p:sp>
-    </p:spTree>
-  </p:cSld>
-  <p:clrMapOvr>
-    <a:masterClrMapping/>
-  </p:clrMapOvr>
-</p:notes>
-</file>
-
-<file path=ppt/notesSlides/notesSlide4.xml><?xml version="1.0" encoding="utf-8"?>
-<p:notes xmlns:a="http://schemas.openxmlformats.org/drawingml/2006/main" xmlns:r="http://schemas.openxmlformats.org/officeDocument/2006/relationships" xmlns:p="http://schemas.openxmlformats.org/presentationml/2006/main" showMasterSp="1" showMasterPhAnim="1">
-  <p:cSld>
-    <p:spTree>
-      <p:nvGrpSpPr>
-        <p:cNvPr id="1" name=""/>
-        <p:cNvGrpSpPr/>
-        <p:nvPr/>
-      </p:nvGrpSpPr>
-      <p:grpSpPr>
-        <a:xfrm>
-          <a:off x="0" y="0"/>
-          <a:ext cx="0" cy="0"/>
-          <a:chOff x="0" y="0"/>
-          <a:chExt cx="0" cy="0"/>
-        </a:xfrm>
-      </p:grpSpPr>
-      <p:sp>
-        <p:nvSpPr>
-          <p:cNvPr id="433" name="Shape 433"/>
-          <p:cNvSpPr/>
-          <p:nvPr>
-            <p:ph type="sldImg"/>
-          </p:nvPr>
-        </p:nvSpPr>
-        <p:spPr>
-          <a:prstGeom prst="rect">
-            <a:avLst/>
-          </a:prstGeom>
-        </p:spPr>
-        <p:txBody>
-          <a:bodyPr/>
-          <a:lstStyle/>
-          <a:p>
-            <a:pPr/>
-          </a:p>
-        </p:txBody>
-      </p:sp>
-      <p:sp>
-        <p:nvSpPr>
-          <p:cNvPr id="434" name="Shape 434"/>
-          <p:cNvSpPr/>
-          <p:nvPr>
-            <p:ph type="body" sz="quarter" idx="1"/>
-          </p:nvPr>
-        </p:nvSpPr>
-        <p:spPr>
-          <a:prstGeom prst="rect">
-            <a:avLst/>
-          </a:prstGeom>
-        </p:spPr>
-        <p:txBody>
-          <a:bodyPr/>
-          <a:lstStyle/>
-          <a:p>
-            <a:pPr/>
-            <a:r>
-              <a:t>OBJECTIVE comes first, show how that works, then explain</a:t>
-            </a:r>
-          </a:p>
-        </p:txBody>
-      </p:sp>
-    </p:spTree>
-  </p:cSld>
-  <p:clrMapOvr>
-    <a:masterClrMapping/>
-  </p:clrMapOvr>
-</p:notes>
-</file>
-
-<file path=ppt/notesSlides/notesSlide5.xml><?xml version="1.0" encoding="utf-8"?>
-<p:notes xmlns:a="http://schemas.openxmlformats.org/drawingml/2006/main" xmlns:r="http://schemas.openxmlformats.org/officeDocument/2006/relationships" xmlns:p="http://schemas.openxmlformats.org/presentationml/2006/main" showMasterSp="1" showMasterPhAnim="1">
-  <p:cSld>
-    <p:spTree>
-      <p:nvGrpSpPr>
-        <p:cNvPr id="1" name=""/>
-        <p:cNvGrpSpPr/>
-        <p:nvPr/>
-      </p:nvGrpSpPr>
-      <p:grpSpPr>
-        <a:xfrm>
-          <a:off x="0" y="0"/>
-          <a:ext cx="0" cy="0"/>
-          <a:chOff x="0" y="0"/>
-          <a:chExt cx="0" cy="0"/>
-        </a:xfrm>
-      </p:grpSpPr>
-      <p:sp>
-        <p:nvSpPr>
-          <p:cNvPr id="440" name="Shape 440"/>
-          <p:cNvSpPr/>
-          <p:nvPr>
-            <p:ph type="sldImg"/>
-          </p:nvPr>
-        </p:nvSpPr>
-        <p:spPr>
-          <a:prstGeom prst="rect">
-            <a:avLst/>
-          </a:prstGeom>
-        </p:spPr>
-        <p:txBody>
-          <a:bodyPr/>
-          <a:lstStyle/>
-          <a:p>
-            <a:pPr/>
-          </a:p>
-        </p:txBody>
-      </p:sp>
-      <p:sp>
-        <p:nvSpPr>
-          <p:cNvPr id="441" name="Shape 441"/>
-          <p:cNvSpPr/>
-          <p:nvPr>
-            <p:ph type="body" sz="quarter" idx="1"/>
-          </p:nvPr>
-        </p:nvSpPr>
-        <p:spPr>
-          <a:prstGeom prst="rect">
-            <a:avLst/>
-          </a:prstGeom>
-        </p:spPr>
-        <p:txBody>
-          <a:bodyPr/>
-          <a:lstStyle/>
-          <a:p>
-            <a:pPr/>
-            <a:r>
-              <a:t>OBJECTIVE comes first, show how that works, then explain</a:t>
-            </a:r>
-          </a:p>
-        </p:txBody>
-      </p:sp>
-    </p:spTree>
-  </p:cSld>
-  <p:clrMapOvr>
-    <a:masterClrMapping/>
-  </p:clrMapOvr>
-</p:notes>
 </file>
 
 <file path=ppt/slideLayouts/slideLayout1.xml><?xml version="1.0" encoding="utf-8"?>
@@ -6027,7 +5672,7 @@
       </p:grpSpPr>
       <p:sp>
         <p:nvSpPr>
-          <p:cNvPr id="573" name="Shape 573"/>
+          <p:cNvPr id="568" name="Shape 568"/>
           <p:cNvSpPr/>
           <p:nvPr>
             <p:ph type="title"/>
@@ -6036,7 +5681,7 @@
         <p:spPr>
           <a:xfrm>
             <a:off x="406400" y="1536700"/>
-            <a:ext cx="12192000" cy="1367235"/>
+            <a:ext cx="12192000" cy="1169260"/>
           </a:xfrm>
           <a:prstGeom prst="rect">
             <a:avLst/>
@@ -6045,30 +5690,641 @@
         <p:txBody>
           <a:bodyPr/>
           <a:lstStyle>
-            <a:lvl1pPr>
-              <a:defRPr sz="7000"/>
+            <a:lvl1pPr defTabSz="403097">
+              <a:spcBef>
+                <a:spcPts val="1900"/>
+              </a:spcBef>
+              <a:defRPr sz="8280"/>
             </a:lvl1pPr>
           </a:lstStyle>
           <a:p>
             <a:pPr/>
             <a:r>
-              <a:t>Concepts covered so Far</a:t>
-            </a:r>
-          </a:p>
-        </p:txBody>
-      </p:sp>
+              <a:t>Defining A Function</a:t>
+            </a:r>
+          </a:p>
+        </p:txBody>
+      </p:sp>
+      <p:sp>
+        <p:nvSpPr>
+          <p:cNvPr id="569" name="Shape 569"/>
+          <p:cNvSpPr/>
+          <p:nvPr/>
+        </p:nvSpPr>
+        <p:spPr>
+          <a:xfrm>
+            <a:off x="495150" y="3282950"/>
+            <a:ext cx="11562527" cy="3187701"/>
+          </a:xfrm>
+          <a:prstGeom prst="rect">
+            <a:avLst/>
+          </a:prstGeom>
+          <a:ln w="12700">
+            <a:miter lim="400000"/>
+          </a:ln>
+          <a:extLst>
+            <a:ext uri="{C572A759-6A51-4108-AA02-DFA0A04FC94B}">
+              <ma14:wrappingTextBoxFlag xmlns:ma14="http://schemas.microsoft.com/office/mac/drawingml/2011/main" val="1"/>
+            </a:ext>
+          </a:extLst>
+        </p:spPr>
+        <p:txBody>
+          <a:bodyPr lIns="50800" tIns="50800" rIns="50800" bIns="50800" anchor="ctr">
+            <a:spAutoFit/>
+          </a:bodyPr>
+          <a:lstStyle/>
+          <a:p>
+            <a:pPr>
+              <a:defRPr sz="5400">
+                <a:latin typeface="Anonymous Pro for Powerline"/>
+                <a:ea typeface="Anonymous Pro for Powerline"/>
+                <a:cs typeface="Anonymous Pro for Powerline"/>
+                <a:sym typeface="Anonymous Pro for Powerline"/>
+              </a:defRPr>
+            </a:pPr>
+            <a:r>
+              <a:t>def double(my_name):</a:t>
+            </a:r>
+          </a:p>
+          <a:p>
+            <a:pPr>
+              <a:defRPr sz="5400">
+                <a:latin typeface="Anonymous Pro for Powerline"/>
+                <a:ea typeface="Anonymous Pro for Powerline"/>
+                <a:cs typeface="Anonymous Pro for Powerline"/>
+                <a:sym typeface="Anonymous Pro for Powerline"/>
+              </a:defRPr>
+            </a:pPr>
+            <a:r>
+              <a:t>    answer = my_name + my_name</a:t>
+            </a:r>
+          </a:p>
+          <a:p>
+            <a:pPr>
+              <a:defRPr sz="5400">
+                <a:latin typeface="Anonymous Pro for Powerline"/>
+                <a:ea typeface="Anonymous Pro for Powerline"/>
+                <a:cs typeface="Anonymous Pro for Powerline"/>
+                <a:sym typeface="Anonymous Pro for Powerline"/>
+              </a:defRPr>
+            </a:pPr>
+            <a:r>
+              <a:t>    </a:t>
+            </a:r>
+            <a:r>
+              <a:rPr>
+                <a:solidFill>
+                  <a:schemeClr val="accent3"/>
+                </a:solidFill>
+              </a:rPr>
+              <a:t>return</a:t>
+            </a:r>
+            <a:r>
+              <a:t> answer</a:t>
+            </a:r>
+          </a:p>
+        </p:txBody>
+      </p:sp>
+    </p:spTree>
+  </p:cSld>
+  <p:clrMapOvr>
+    <a:masterClrMapping/>
+  </p:clrMapOvr>
+  <p:transition xmlns:p14="http://schemas.microsoft.com/office/powerpoint/2010/main" spd="med" advClick="1"/>
+</p:sld>
+</file>
+
+<file path=ppt/slides/slide101.xml><?xml version="1.0" encoding="utf-8"?>
+<p:sld xmlns:a="http://schemas.openxmlformats.org/drawingml/2006/main" xmlns:r="http://schemas.openxmlformats.org/officeDocument/2006/relationships" xmlns:p="http://schemas.openxmlformats.org/presentationml/2006/main" showMasterSp="1" showMasterPhAnim="1">
+  <p:cSld>
+    <p:spTree>
+      <p:nvGrpSpPr>
+        <p:cNvPr id="1" name=""/>
+        <p:cNvGrpSpPr/>
+        <p:nvPr/>
+      </p:nvGrpSpPr>
+      <p:grpSpPr>
+        <a:xfrm>
+          <a:off x="0" y="0"/>
+          <a:ext cx="0" cy="0"/>
+          <a:chOff x="0" y="0"/>
+          <a:chExt cx="0" cy="0"/>
+        </a:xfrm>
+      </p:grpSpPr>
+      <p:sp>
+        <p:nvSpPr>
+          <p:cNvPr id="571" name="Shape 571"/>
+          <p:cNvSpPr/>
+          <p:nvPr>
+            <p:ph type="title"/>
+          </p:nvPr>
+        </p:nvSpPr>
+        <p:spPr>
+          <a:xfrm>
+            <a:off x="406400" y="1536700"/>
+            <a:ext cx="12192000" cy="1169260"/>
+          </a:xfrm>
+          <a:prstGeom prst="rect">
+            <a:avLst/>
+          </a:prstGeom>
+        </p:spPr>
+        <p:txBody>
+          <a:bodyPr/>
+          <a:lstStyle>
+            <a:lvl1pPr defTabSz="403097">
+              <a:spcBef>
+                <a:spcPts val="1900"/>
+              </a:spcBef>
+              <a:defRPr sz="8280"/>
+            </a:lvl1pPr>
+          </a:lstStyle>
+          <a:p>
+            <a:pPr/>
+            <a:r>
+              <a:t>Calling A Function</a:t>
+            </a:r>
+          </a:p>
+        </p:txBody>
+      </p:sp>
+      <p:sp>
+        <p:nvSpPr>
+          <p:cNvPr id="572" name="Shape 572"/>
+          <p:cNvSpPr/>
+          <p:nvPr/>
+        </p:nvSpPr>
+        <p:spPr>
+          <a:xfrm>
+            <a:off x="495150" y="4413249"/>
+            <a:ext cx="11562527" cy="927101"/>
+          </a:xfrm>
+          <a:prstGeom prst="rect">
+            <a:avLst/>
+          </a:prstGeom>
+          <a:ln w="12700">
+            <a:miter lim="400000"/>
+          </a:ln>
+          <a:extLst>
+            <a:ext uri="{C572A759-6A51-4108-AA02-DFA0A04FC94B}">
+              <ma14:wrappingTextBoxFlag xmlns:ma14="http://schemas.microsoft.com/office/mac/drawingml/2011/main" val="1"/>
+            </a:ext>
+          </a:extLst>
+        </p:spPr>
+        <p:txBody>
+          <a:bodyPr lIns="50800" tIns="50800" rIns="50800" bIns="50800" anchor="ctr">
+            <a:spAutoFit/>
+          </a:bodyPr>
+          <a:lstStyle>
+            <a:lvl1pPr>
+              <a:defRPr sz="5400">
+                <a:latin typeface="Anonymous Pro for Powerline"/>
+                <a:ea typeface="Anonymous Pro for Powerline"/>
+                <a:cs typeface="Anonymous Pro for Powerline"/>
+                <a:sym typeface="Anonymous Pro for Powerline"/>
+              </a:defRPr>
+            </a:lvl1pPr>
+          </a:lstStyle>
+          <a:p>
+            <a:pPr/>
+            <a:r>
+              <a:t>double(“Rob”)</a:t>
+            </a:r>
+          </a:p>
+        </p:txBody>
+      </p:sp>
+    </p:spTree>
+  </p:cSld>
+  <p:clrMapOvr>
+    <a:masterClrMapping/>
+  </p:clrMapOvr>
+  <p:transition xmlns:p14="http://schemas.microsoft.com/office/powerpoint/2010/main" spd="med" advClick="1"/>
+</p:sld>
+</file>
+
+<file path=ppt/slides/slide102.xml><?xml version="1.0" encoding="utf-8"?>
+<p:sld xmlns:a="http://schemas.openxmlformats.org/drawingml/2006/main" xmlns:r="http://schemas.openxmlformats.org/officeDocument/2006/relationships" xmlns:p="http://schemas.openxmlformats.org/presentationml/2006/main" showMasterSp="1" showMasterPhAnim="1">
+  <p:cSld>
+    <p:spTree>
+      <p:nvGrpSpPr>
+        <p:cNvPr id="1" name=""/>
+        <p:cNvGrpSpPr/>
+        <p:nvPr/>
+      </p:nvGrpSpPr>
+      <p:grpSpPr>
+        <a:xfrm>
+          <a:off x="0" y="0"/>
+          <a:ext cx="0" cy="0"/>
+          <a:chOff x="0" y="0"/>
+          <a:chExt cx="0" cy="0"/>
+        </a:xfrm>
+      </p:grpSpPr>
       <p:sp>
         <p:nvSpPr>
           <p:cNvPr id="574" name="Shape 574"/>
           <p:cNvSpPr/>
           <p:nvPr>
-            <p:ph type="body" idx="1"/>
+            <p:ph type="title"/>
           </p:nvPr>
         </p:nvSpPr>
         <p:spPr>
           <a:xfrm>
-            <a:off x="406400" y="2929466"/>
-            <a:ext cx="12192000" cy="6108701"/>
+            <a:off x="406400" y="1536700"/>
+            <a:ext cx="12192000" cy="1169260"/>
+          </a:xfrm>
+          <a:prstGeom prst="rect">
+            <a:avLst/>
+          </a:prstGeom>
+        </p:spPr>
+        <p:txBody>
+          <a:bodyPr/>
+          <a:lstStyle>
+            <a:lvl1pPr defTabSz="403097">
+              <a:spcBef>
+                <a:spcPts val="1900"/>
+              </a:spcBef>
+              <a:defRPr sz="8280"/>
+            </a:lvl1pPr>
+          </a:lstStyle>
+          <a:p>
+            <a:pPr/>
+            <a:r>
+              <a:t>Calling A Function</a:t>
+            </a:r>
+          </a:p>
+        </p:txBody>
+      </p:sp>
+      <p:sp>
+        <p:nvSpPr>
+          <p:cNvPr id="575" name="Shape 575"/>
+          <p:cNvSpPr/>
+          <p:nvPr/>
+        </p:nvSpPr>
+        <p:spPr>
+          <a:xfrm>
+            <a:off x="495150" y="4413249"/>
+            <a:ext cx="11562527" cy="927101"/>
+          </a:xfrm>
+          <a:prstGeom prst="rect">
+            <a:avLst/>
+          </a:prstGeom>
+          <a:ln w="12700">
+            <a:miter lim="400000"/>
+          </a:ln>
+          <a:extLst>
+            <a:ext uri="{C572A759-6A51-4108-AA02-DFA0A04FC94B}">
+              <ma14:wrappingTextBoxFlag xmlns:ma14="http://schemas.microsoft.com/office/mac/drawingml/2011/main" val="1"/>
+            </a:ext>
+          </a:extLst>
+        </p:spPr>
+        <p:txBody>
+          <a:bodyPr lIns="50800" tIns="50800" rIns="50800" bIns="50800" anchor="ctr">
+            <a:spAutoFit/>
+          </a:bodyPr>
+          <a:lstStyle>
+            <a:lvl1pPr>
+              <a:defRPr sz="5400">
+                <a:latin typeface="Anonymous Pro for Powerline"/>
+                <a:ea typeface="Anonymous Pro for Powerline"/>
+                <a:cs typeface="Anonymous Pro for Powerline"/>
+                <a:sym typeface="Anonymous Pro for Powerline"/>
+              </a:defRPr>
+            </a:lvl1pPr>
+          </a:lstStyle>
+          <a:p>
+            <a:pPr/>
+            <a:r>
+              <a:t>double(“Rob”)</a:t>
+            </a:r>
+          </a:p>
+        </p:txBody>
+      </p:sp>
+      <p:sp>
+        <p:nvSpPr>
+          <p:cNvPr id="576" name="Shape 576"/>
+          <p:cNvSpPr/>
+          <p:nvPr/>
+        </p:nvSpPr>
+        <p:spPr>
+          <a:xfrm rot="13500000">
+            <a:off x="2473624" y="6203699"/>
+            <a:ext cx="2933304" cy="518251"/>
+          </a:xfrm>
+          <a:prstGeom prst="rightArrow">
+            <a:avLst>
+              <a:gd name="adj1" fmla="val 34174"/>
+              <a:gd name="adj2" fmla="val 145948"/>
+            </a:avLst>
+          </a:prstGeom>
+          <a:solidFill>
+            <a:schemeClr val="accent5"/>
+          </a:solidFill>
+          <a:ln w="12700">
+            <a:miter lim="400000"/>
+          </a:ln>
+        </p:spPr>
+        <p:txBody>
+          <a:bodyPr lIns="50800" tIns="50800" rIns="50800" bIns="50800" anchor="ctr"/>
+          <a:lstStyle/>
+          <a:p>
+            <a:pPr algn="ctr">
+              <a:lnSpc>
+                <a:spcPct val="80000"/>
+              </a:lnSpc>
+              <a:spcBef>
+                <a:spcPts val="0"/>
+              </a:spcBef>
+              <a:defRPr cap="all" sz="2800">
+                <a:solidFill>
+                  <a:srgbClr val="FFFFFF"/>
+                </a:solidFill>
+                <a:latin typeface="+mn-lt"/>
+                <a:ea typeface="+mn-ea"/>
+                <a:cs typeface="+mn-cs"/>
+                <a:sym typeface="DIN Condensed"/>
+              </a:defRPr>
+            </a:pPr>
+          </a:p>
+        </p:txBody>
+      </p:sp>
+      <p:sp>
+        <p:nvSpPr>
+          <p:cNvPr id="577" name="Shape 577"/>
+          <p:cNvSpPr/>
+          <p:nvPr/>
+        </p:nvSpPr>
+        <p:spPr>
+          <a:xfrm>
+            <a:off x="5128058" y="7149299"/>
+            <a:ext cx="3260599" cy="1143001"/>
+          </a:xfrm>
+          <a:prstGeom prst="rect">
+            <a:avLst/>
+          </a:prstGeom>
+          <a:ln w="12700">
+            <a:miter lim="400000"/>
+          </a:ln>
+          <a:extLst>
+            <a:ext uri="{C572A759-6A51-4108-AA02-DFA0A04FC94B}">
+              <ma14:wrappingTextBoxFlag xmlns:ma14="http://schemas.microsoft.com/office/mac/drawingml/2011/main" val="1"/>
+            </a:ext>
+          </a:extLst>
+        </p:spPr>
+        <p:txBody>
+          <a:bodyPr wrap="none" lIns="50800" tIns="50800" rIns="50800" bIns="50800" anchor="ctr">
+            <a:spAutoFit/>
+          </a:bodyPr>
+          <a:lstStyle>
+            <a:lvl1pPr>
+              <a:defRPr sz="6000">
+                <a:solidFill>
+                  <a:schemeClr val="accent5"/>
+                </a:solidFill>
+              </a:defRPr>
+            </a:lvl1pPr>
+          </a:lstStyle>
+          <a:p>
+            <a:pPr/>
+            <a:r>
+              <a:t>no space</a:t>
+            </a:r>
+          </a:p>
+        </p:txBody>
+      </p:sp>
+    </p:spTree>
+  </p:cSld>
+  <p:clrMapOvr>
+    <a:masterClrMapping/>
+  </p:clrMapOvr>
+  <p:transition xmlns:p14="http://schemas.microsoft.com/office/powerpoint/2010/main" spd="med" advClick="1"/>
+</p:sld>
+</file>
+
+<file path=ppt/slides/slide103.xml><?xml version="1.0" encoding="utf-8"?>
+<p:sld xmlns:a="http://schemas.openxmlformats.org/drawingml/2006/main" xmlns:r="http://schemas.openxmlformats.org/officeDocument/2006/relationships" xmlns:p="http://schemas.openxmlformats.org/presentationml/2006/main" showMasterSp="1" showMasterPhAnim="1">
+  <p:cSld>
+    <p:spTree>
+      <p:nvGrpSpPr>
+        <p:cNvPr id="1" name=""/>
+        <p:cNvGrpSpPr/>
+        <p:nvPr/>
+      </p:nvGrpSpPr>
+      <p:grpSpPr>
+        <a:xfrm>
+          <a:off x="0" y="0"/>
+          <a:ext cx="0" cy="0"/>
+          <a:chOff x="0" y="0"/>
+          <a:chExt cx="0" cy="0"/>
+        </a:xfrm>
+      </p:grpSpPr>
+      <p:sp>
+        <p:nvSpPr>
+          <p:cNvPr id="579" name="Shape 579"/>
+          <p:cNvSpPr/>
+          <p:nvPr>
+            <p:ph type="title"/>
+          </p:nvPr>
+        </p:nvSpPr>
+        <p:spPr>
+          <a:xfrm>
+            <a:off x="406400" y="1536700"/>
+            <a:ext cx="12192000" cy="1169260"/>
+          </a:xfrm>
+          <a:prstGeom prst="rect">
+            <a:avLst/>
+          </a:prstGeom>
+        </p:spPr>
+        <p:txBody>
+          <a:bodyPr/>
+          <a:lstStyle>
+            <a:lvl1pPr defTabSz="403097">
+              <a:spcBef>
+                <a:spcPts val="1900"/>
+              </a:spcBef>
+              <a:defRPr sz="8280"/>
+            </a:lvl1pPr>
+          </a:lstStyle>
+          <a:p>
+            <a:pPr/>
+            <a:r>
+              <a:t>Calling A Function</a:t>
+            </a:r>
+          </a:p>
+        </p:txBody>
+      </p:sp>
+      <p:sp>
+        <p:nvSpPr>
+          <p:cNvPr id="580" name="Shape 580"/>
+          <p:cNvSpPr/>
+          <p:nvPr/>
+        </p:nvSpPr>
+        <p:spPr>
+          <a:xfrm>
+            <a:off x="495150" y="4413249"/>
+            <a:ext cx="11562527" cy="927101"/>
+          </a:xfrm>
+          <a:prstGeom prst="rect">
+            <a:avLst/>
+          </a:prstGeom>
+          <a:ln w="12700">
+            <a:miter lim="400000"/>
+          </a:ln>
+          <a:extLst>
+            <a:ext uri="{C572A759-6A51-4108-AA02-DFA0A04FC94B}">
+              <ma14:wrappingTextBoxFlag xmlns:ma14="http://schemas.microsoft.com/office/mac/drawingml/2011/main" val="1"/>
+            </a:ext>
+          </a:extLst>
+        </p:spPr>
+        <p:txBody>
+          <a:bodyPr lIns="50800" tIns="50800" rIns="50800" bIns="50800" anchor="ctr">
+            <a:spAutoFit/>
+          </a:bodyPr>
+          <a:lstStyle>
+            <a:lvl1pPr>
+              <a:defRPr sz="5400">
+                <a:latin typeface="Anonymous Pro for Powerline"/>
+                <a:ea typeface="Anonymous Pro for Powerline"/>
+                <a:cs typeface="Anonymous Pro for Powerline"/>
+                <a:sym typeface="Anonymous Pro for Powerline"/>
+              </a:defRPr>
+            </a:lvl1pPr>
+          </a:lstStyle>
+          <a:p>
+            <a:pPr/>
+            <a:r>
+              <a:t>double(“Rob”)</a:t>
+            </a:r>
+          </a:p>
+        </p:txBody>
+      </p:sp>
+      <p:sp>
+        <p:nvSpPr>
+          <p:cNvPr id="581" name="Shape 581"/>
+          <p:cNvSpPr/>
+          <p:nvPr/>
+        </p:nvSpPr>
+        <p:spPr>
+          <a:xfrm rot="21591301">
+            <a:off x="686250" y="6138653"/>
+            <a:ext cx="1620784" cy="518252"/>
+          </a:xfrm>
+          <a:prstGeom prst="rightArrow">
+            <a:avLst>
+              <a:gd name="adj1" fmla="val 34174"/>
+              <a:gd name="adj2" fmla="val 145948"/>
+            </a:avLst>
+          </a:prstGeom>
+          <a:solidFill>
+            <a:schemeClr val="accent5"/>
+          </a:solidFill>
+          <a:ln w="12700">
+            <a:miter lim="400000"/>
+          </a:ln>
+        </p:spPr>
+        <p:txBody>
+          <a:bodyPr lIns="50800" tIns="50800" rIns="50800" bIns="50800" anchor="ctr"/>
+          <a:lstStyle/>
+          <a:p>
+            <a:pPr algn="ctr">
+              <a:lnSpc>
+                <a:spcPct val="80000"/>
+              </a:lnSpc>
+              <a:spcBef>
+                <a:spcPts val="0"/>
+              </a:spcBef>
+              <a:defRPr cap="all" sz="2800">
+                <a:solidFill>
+                  <a:srgbClr val="FFFFFF"/>
+                </a:solidFill>
+                <a:latin typeface="+mn-lt"/>
+                <a:ea typeface="+mn-ea"/>
+                <a:cs typeface="+mn-cs"/>
+                <a:sym typeface="DIN Condensed"/>
+              </a:defRPr>
+            </a:pPr>
+          </a:p>
+        </p:txBody>
+      </p:sp>
+      <p:sp>
+        <p:nvSpPr>
+          <p:cNvPr id="582" name="Shape 582"/>
+          <p:cNvSpPr/>
+          <p:nvPr/>
+        </p:nvSpPr>
+        <p:spPr>
+          <a:xfrm>
+            <a:off x="2506543" y="5826142"/>
+            <a:ext cx="3579877" cy="1143001"/>
+          </a:xfrm>
+          <a:prstGeom prst="rect">
+            <a:avLst/>
+          </a:prstGeom>
+          <a:ln w="12700">
+            <a:miter lim="400000"/>
+          </a:ln>
+          <a:extLst>
+            <a:ext uri="{C572A759-6A51-4108-AA02-DFA0A04FC94B}">
+              <ma14:wrappingTextBoxFlag xmlns:ma14="http://schemas.microsoft.com/office/mac/drawingml/2011/main" val="1"/>
+            </a:ext>
+          </a:extLst>
+        </p:spPr>
+        <p:txBody>
+          <a:bodyPr wrap="none" lIns="50800" tIns="50800" rIns="50800" bIns="50800" anchor="ctr">
+            <a:spAutoFit/>
+          </a:bodyPr>
+          <a:lstStyle>
+            <a:lvl1pPr>
+              <a:defRPr sz="6000">
+                <a:solidFill>
+                  <a:schemeClr val="accent5"/>
+                </a:solidFill>
+              </a:defRPr>
+            </a:lvl1pPr>
+          </a:lstStyle>
+          <a:p>
+            <a:pPr/>
+            <a:r>
+              <a:t>“RobRob”</a:t>
+            </a:r>
+          </a:p>
+        </p:txBody>
+      </p:sp>
+    </p:spTree>
+  </p:cSld>
+  <p:clrMapOvr>
+    <a:masterClrMapping/>
+  </p:clrMapOvr>
+  <p:transition xmlns:p14="http://schemas.microsoft.com/office/powerpoint/2010/main" spd="med" advClick="1"/>
+</p:sld>
+</file>
+
+<file path=ppt/slides/slide104.xml><?xml version="1.0" encoding="utf-8"?>
+<p:sld xmlns:a="http://schemas.openxmlformats.org/drawingml/2006/main" xmlns:r="http://schemas.openxmlformats.org/officeDocument/2006/relationships" xmlns:p="http://schemas.openxmlformats.org/presentationml/2006/main" showMasterSp="1" showMasterPhAnim="1">
+  <p:cSld>
+    <p:spTree>
+      <p:nvGrpSpPr>
+        <p:cNvPr id="1" name=""/>
+        <p:cNvGrpSpPr/>
+        <p:nvPr/>
+      </p:nvGrpSpPr>
+      <p:grpSpPr>
+        <a:xfrm>
+          <a:off x="0" y="0"/>
+          <a:ext cx="0" cy="0"/>
+          <a:chOff x="0" y="0"/>
+          <a:chExt cx="0" cy="0"/>
+        </a:xfrm>
+      </p:grpSpPr>
+      <p:sp>
+        <p:nvSpPr>
+          <p:cNvPr id="584" name="Shape 584"/>
+          <p:cNvSpPr/>
+          <p:nvPr>
+            <p:ph type="title"/>
+          </p:nvPr>
+        </p:nvSpPr>
+        <p:spPr>
+          <a:xfrm>
+            <a:off x="2802102" y="4038600"/>
+            <a:ext cx="7400596" cy="4521200"/>
           </a:xfrm>
           <a:prstGeom prst="rect">
             <a:avLst/>
@@ -6078,35 +6334,9 @@
           <a:bodyPr/>
           <a:lstStyle/>
           <a:p>
-            <a:pPr marL="444500" indent="-444500">
-              <a:defRPr sz="4800"/>
-            </a:pPr>
-            <a:r>
-              <a:t>Lists</a:t>
-            </a:r>
-          </a:p>
-          <a:p>
-            <a:pPr marL="444500" indent="-444500">
-              <a:defRPr sz="4800"/>
-            </a:pPr>
-            <a:r>
-              <a:t>Zero-indexing</a:t>
-            </a:r>
-          </a:p>
-          <a:p>
-            <a:pPr marL="444500" indent="-444500">
-              <a:defRPr sz="4800"/>
-            </a:pPr>
-            <a:r>
-              <a:t>Slicing</a:t>
-            </a:r>
-          </a:p>
-          <a:p>
-            <a:pPr marL="444500" indent="-444500">
-              <a:defRPr sz="4800"/>
-            </a:pPr>
-            <a:r>
-              <a:t>Sequence</a:t>
+            <a:pPr/>
+            <a:r>
+              <a:t>Exercises</a:t>
             </a:r>
           </a:p>
         </p:txBody>
@@ -6327,7 +6557,7 @@
 </file>
 
 <file path=ppt/slides/slide13.xml><?xml version="1.0" encoding="utf-8"?>
-<p:sld xmlns:a="http://schemas.openxmlformats.org/drawingml/2006/main" xmlns:r="http://schemas.openxmlformats.org/officeDocument/2006/relationships" xmlns:p="http://schemas.openxmlformats.org/presentationml/2006/main" show="0" showMasterSp="1" showMasterPhAnim="1">
+<p:sld xmlns:a="http://schemas.openxmlformats.org/drawingml/2006/main" xmlns:r="http://schemas.openxmlformats.org/officeDocument/2006/relationships" xmlns:p="http://schemas.openxmlformats.org/presentationml/2006/main" showMasterSp="1" showMasterPhAnim="1">
   <p:cSld>
     <p:spTree>
       <p:nvGrpSpPr>
@@ -6750,7 +6980,7 @@
               <a:defRPr sz="6144"/>
             </a:pPr>
             <a:r>
-              <a:t>15 minutes for lesson &amp; demo</a:t>
+              <a:t>10 minutes for lesson &amp; demo</a:t>
             </a:r>
           </a:p>
           <a:p>
@@ -7527,7 +7757,7 @@
       </p:grpSpPr>
       <p:sp>
         <p:nvSpPr>
-          <p:cNvPr id="253" name="Shape 253"/>
+          <p:cNvPr id="251" name="Shape 251"/>
           <p:cNvSpPr/>
           <p:nvPr>
             <p:ph type="title"/>
@@ -7562,7 +7792,7 @@
       </p:sp>
       <p:sp>
         <p:nvSpPr>
-          <p:cNvPr id="254" name="Shape 254"/>
+          <p:cNvPr id="252" name="Shape 252"/>
           <p:cNvSpPr/>
           <p:nvPr/>
         </p:nvSpPr>
@@ -7607,7 +7837,7 @@
       </p:sp>
       <p:sp>
         <p:nvSpPr>
-          <p:cNvPr id="255" name="Shape 255"/>
+          <p:cNvPr id="253" name="Shape 253"/>
           <p:cNvSpPr/>
           <p:nvPr/>
         </p:nvSpPr>
@@ -7652,7 +7882,7 @@
       </p:sp>
       <p:sp>
         <p:nvSpPr>
-          <p:cNvPr id="256" name="Shape 256"/>
+          <p:cNvPr id="254" name="Shape 254"/>
           <p:cNvSpPr/>
           <p:nvPr/>
         </p:nvSpPr>
@@ -7700,7 +7930,7 @@
       </p:sp>
       <p:sp>
         <p:nvSpPr>
-          <p:cNvPr id="257" name="Shape 257"/>
+          <p:cNvPr id="255" name="Shape 255"/>
           <p:cNvSpPr/>
           <p:nvPr/>
         </p:nvSpPr>
@@ -7770,7 +8000,7 @@
       </p:grpSpPr>
       <p:sp>
         <p:nvSpPr>
-          <p:cNvPr id="259" name="Shape 259"/>
+          <p:cNvPr id="257" name="Shape 257"/>
           <p:cNvSpPr/>
           <p:nvPr>
             <p:ph type="title"/>
@@ -7805,7 +8035,7 @@
       </p:sp>
       <p:sp>
         <p:nvSpPr>
-          <p:cNvPr id="260" name="Shape 260"/>
+          <p:cNvPr id="258" name="Shape 258"/>
           <p:cNvSpPr/>
           <p:nvPr/>
         </p:nvSpPr>
@@ -7876,7 +8106,7 @@
       </p:grpSpPr>
       <p:sp>
         <p:nvSpPr>
-          <p:cNvPr id="262" name="Shape 262"/>
+          <p:cNvPr id="260" name="Shape 260"/>
           <p:cNvSpPr/>
           <p:nvPr>
             <p:ph type="title"/>
@@ -7911,7 +8141,7 @@
       </p:sp>
       <p:sp>
         <p:nvSpPr>
-          <p:cNvPr id="263" name="Shape 263"/>
+          <p:cNvPr id="261" name="Shape 261"/>
           <p:cNvSpPr/>
           <p:nvPr/>
         </p:nvSpPr>
@@ -7959,7 +8189,7 @@
       </p:sp>
       <p:sp>
         <p:nvSpPr>
-          <p:cNvPr id="264" name="Shape 264"/>
+          <p:cNvPr id="262" name="Shape 262"/>
           <p:cNvSpPr/>
           <p:nvPr/>
         </p:nvSpPr>
@@ -8003,7 +8233,7 @@
       </p:sp>
       <p:sp>
         <p:nvSpPr>
-          <p:cNvPr id="265" name="Shape 265"/>
+          <p:cNvPr id="263" name="Shape 263"/>
           <p:cNvSpPr/>
           <p:nvPr/>
         </p:nvSpPr>
@@ -8074,7 +8304,7 @@
       </p:grpSpPr>
       <p:sp>
         <p:nvSpPr>
-          <p:cNvPr id="267" name="Shape 267"/>
+          <p:cNvPr id="265" name="Shape 265"/>
           <p:cNvSpPr/>
           <p:nvPr>
             <p:ph type="title"/>
@@ -8109,7 +8339,7 @@
       </p:sp>
       <p:sp>
         <p:nvSpPr>
-          <p:cNvPr id="268" name="Shape 268"/>
+          <p:cNvPr id="266" name="Shape 266"/>
           <p:cNvSpPr/>
           <p:nvPr/>
         </p:nvSpPr>
@@ -8157,7 +8387,7 @@
       </p:sp>
       <p:sp>
         <p:nvSpPr>
-          <p:cNvPr id="269" name="Shape 269"/>
+          <p:cNvPr id="267" name="Shape 267"/>
           <p:cNvSpPr/>
           <p:nvPr/>
         </p:nvSpPr>
@@ -8201,7 +8431,7 @@
       </p:sp>
       <p:sp>
         <p:nvSpPr>
-          <p:cNvPr id="270" name="Shape 270"/>
+          <p:cNvPr id="268" name="Shape 268"/>
           <p:cNvSpPr/>
           <p:nvPr/>
         </p:nvSpPr>
@@ -8246,7 +8476,7 @@
       </p:sp>
       <p:sp>
         <p:nvSpPr>
-          <p:cNvPr id="271" name="Shape 271"/>
+          <p:cNvPr id="269" name="Shape 269"/>
           <p:cNvSpPr/>
           <p:nvPr/>
         </p:nvSpPr>
@@ -8294,7 +8524,7 @@
       </p:sp>
       <p:sp>
         <p:nvSpPr>
-          <p:cNvPr id="272" name="Shape 272"/>
+          <p:cNvPr id="270" name="Shape 270"/>
           <p:cNvSpPr/>
           <p:nvPr/>
         </p:nvSpPr>
@@ -8364,7 +8594,7 @@
       </p:grpSpPr>
       <p:sp>
         <p:nvSpPr>
-          <p:cNvPr id="274" name="Shape 274"/>
+          <p:cNvPr id="272" name="Shape 272"/>
           <p:cNvSpPr/>
           <p:nvPr>
             <p:ph type="title"/>
@@ -8399,7 +8629,7 @@
       </p:sp>
       <p:sp>
         <p:nvSpPr>
-          <p:cNvPr id="275" name="Shape 275"/>
+          <p:cNvPr id="273" name="Shape 273"/>
           <p:cNvSpPr/>
           <p:nvPr/>
         </p:nvSpPr>
@@ -8447,7 +8677,7 @@
       </p:sp>
       <p:sp>
         <p:nvSpPr>
-          <p:cNvPr id="276" name="Shape 276"/>
+          <p:cNvPr id="274" name="Shape 274"/>
           <p:cNvSpPr/>
           <p:nvPr/>
         </p:nvSpPr>
@@ -8491,7 +8721,7 @@
       </p:sp>
       <p:sp>
         <p:nvSpPr>
-          <p:cNvPr id="277" name="Shape 277"/>
+          <p:cNvPr id="275" name="Shape 275"/>
           <p:cNvSpPr/>
           <p:nvPr/>
         </p:nvSpPr>
@@ -8536,7 +8766,7 @@
       </p:sp>
       <p:sp>
         <p:nvSpPr>
-          <p:cNvPr id="278" name="Shape 278"/>
+          <p:cNvPr id="276" name="Shape 276"/>
           <p:cNvSpPr/>
           <p:nvPr/>
         </p:nvSpPr>
@@ -8584,7 +8814,7 @@
       </p:sp>
       <p:sp>
         <p:nvSpPr>
-          <p:cNvPr id="279" name="Shape 279"/>
+          <p:cNvPr id="277" name="Shape 277"/>
           <p:cNvSpPr/>
           <p:nvPr/>
         </p:nvSpPr>
@@ -8654,7 +8884,7 @@
       </p:grpSpPr>
       <p:sp>
         <p:nvSpPr>
-          <p:cNvPr id="281" name="Shape 281"/>
+          <p:cNvPr id="279" name="Shape 279"/>
           <p:cNvSpPr/>
           <p:nvPr>
             <p:ph type="title"/>
@@ -8686,7 +8916,7 @@
       </p:sp>
       <p:sp>
         <p:nvSpPr>
-          <p:cNvPr id="282" name="Shape 282"/>
+          <p:cNvPr id="280" name="Shape 280"/>
           <p:cNvSpPr/>
           <p:nvPr>
             <p:ph type="body" idx="1"/>
@@ -8766,7 +8996,7 @@
       </p:grpSpPr>
       <p:sp>
         <p:nvSpPr>
-          <p:cNvPr id="284" name="Shape 284"/>
+          <p:cNvPr id="282" name="Shape 282"/>
           <p:cNvSpPr/>
           <p:nvPr>
             <p:ph type="title"/>
@@ -8801,7 +9031,7 @@
       </p:sp>
       <p:sp>
         <p:nvSpPr>
-          <p:cNvPr id="285" name="Shape 285"/>
+          <p:cNvPr id="283" name="Shape 283"/>
           <p:cNvSpPr/>
           <p:nvPr/>
         </p:nvSpPr>
@@ -8872,7 +9102,7 @@
       </p:grpSpPr>
       <p:sp>
         <p:nvSpPr>
-          <p:cNvPr id="287" name="Shape 287"/>
+          <p:cNvPr id="285" name="Shape 285"/>
           <p:cNvSpPr/>
           <p:nvPr>
             <p:ph type="title"/>
@@ -8907,7 +9137,7 @@
       </p:sp>
       <p:sp>
         <p:nvSpPr>
-          <p:cNvPr id="288" name="Shape 288"/>
+          <p:cNvPr id="286" name="Shape 286"/>
           <p:cNvSpPr/>
           <p:nvPr/>
         </p:nvSpPr>
@@ -8952,7 +9182,7 @@
       </p:sp>
       <p:sp>
         <p:nvSpPr>
-          <p:cNvPr id="289" name="Shape 289"/>
+          <p:cNvPr id="287" name="Shape 287"/>
           <p:cNvSpPr/>
           <p:nvPr/>
         </p:nvSpPr>
@@ -8997,7 +9227,7 @@
       </p:sp>
       <p:sp>
         <p:nvSpPr>
-          <p:cNvPr id="290" name="Shape 290"/>
+          <p:cNvPr id="288" name="Shape 288"/>
           <p:cNvSpPr/>
           <p:nvPr/>
         </p:nvSpPr>
@@ -9258,7 +9488,7 @@
       </p:grpSpPr>
       <p:sp>
         <p:nvSpPr>
-          <p:cNvPr id="294" name="Shape 294"/>
+          <p:cNvPr id="290" name="Shape 290"/>
           <p:cNvSpPr/>
           <p:nvPr>
             <p:ph type="title"/>
@@ -9293,7 +9523,7 @@
       </p:sp>
       <p:sp>
         <p:nvSpPr>
-          <p:cNvPr id="295" name="Shape 295"/>
+          <p:cNvPr id="291" name="Shape 291"/>
           <p:cNvSpPr/>
           <p:nvPr/>
         </p:nvSpPr>
@@ -9338,7 +9568,7 @@
       </p:sp>
       <p:sp>
         <p:nvSpPr>
-          <p:cNvPr id="296" name="Shape 296"/>
+          <p:cNvPr id="292" name="Shape 292"/>
           <p:cNvSpPr/>
           <p:nvPr/>
         </p:nvSpPr>
@@ -9383,7 +9613,7 @@
       </p:sp>
       <p:sp>
         <p:nvSpPr>
-          <p:cNvPr id="297" name="Shape 297"/>
+          <p:cNvPr id="293" name="Shape 293"/>
           <p:cNvSpPr/>
           <p:nvPr/>
         </p:nvSpPr>
@@ -9428,7 +9658,7 @@
       </p:sp>
       <p:sp>
         <p:nvSpPr>
-          <p:cNvPr id="298" name="Shape 298"/>
+          <p:cNvPr id="294" name="Shape 294"/>
           <p:cNvSpPr/>
           <p:nvPr/>
         </p:nvSpPr>
@@ -9499,7 +9729,7 @@
       </p:grpSpPr>
       <p:sp>
         <p:nvSpPr>
-          <p:cNvPr id="300" name="Shape 300"/>
+          <p:cNvPr id="296" name="Shape 296"/>
           <p:cNvSpPr/>
           <p:nvPr>
             <p:ph type="title"/>
@@ -9534,7 +9764,7 @@
       </p:sp>
       <p:sp>
         <p:nvSpPr>
-          <p:cNvPr id="301" name="Shape 301"/>
+          <p:cNvPr id="297" name="Shape 297"/>
           <p:cNvSpPr/>
           <p:nvPr/>
         </p:nvSpPr>
@@ -9579,7 +9809,7 @@
       </p:sp>
       <p:sp>
         <p:nvSpPr>
-          <p:cNvPr id="302" name="Shape 302"/>
+          <p:cNvPr id="298" name="Shape 298"/>
           <p:cNvSpPr/>
           <p:nvPr/>
         </p:nvSpPr>
@@ -9624,7 +9854,7 @@
       </p:sp>
       <p:sp>
         <p:nvSpPr>
-          <p:cNvPr id="303" name="Shape 303"/>
+          <p:cNvPr id="299" name="Shape 299"/>
           <p:cNvSpPr/>
           <p:nvPr/>
         </p:nvSpPr>
@@ -9669,7 +9899,7 @@
       </p:sp>
       <p:sp>
         <p:nvSpPr>
-          <p:cNvPr id="304" name="Shape 304"/>
+          <p:cNvPr id="300" name="Shape 300"/>
           <p:cNvSpPr/>
           <p:nvPr/>
         </p:nvSpPr>
@@ -9714,7 +9944,7 @@
       </p:sp>
       <p:sp>
         <p:nvSpPr>
-          <p:cNvPr id="305" name="Shape 305"/>
+          <p:cNvPr id="301" name="Shape 301"/>
           <p:cNvSpPr/>
           <p:nvPr/>
         </p:nvSpPr>
@@ -9759,7 +9989,7 @@
       </p:sp>
       <p:sp>
         <p:nvSpPr>
-          <p:cNvPr id="306" name="Shape 306"/>
+          <p:cNvPr id="302" name="Shape 302"/>
           <p:cNvSpPr/>
           <p:nvPr/>
         </p:nvSpPr>
@@ -9830,7 +10060,7 @@
       </p:grpSpPr>
       <p:sp>
         <p:nvSpPr>
-          <p:cNvPr id="308" name="Shape 308"/>
+          <p:cNvPr id="304" name="Shape 304"/>
           <p:cNvSpPr/>
           <p:nvPr>
             <p:ph type="title"/>
@@ -9865,7 +10095,7 @@
       </p:sp>
       <p:sp>
         <p:nvSpPr>
-          <p:cNvPr id="309" name="Shape 309"/>
+          <p:cNvPr id="305" name="Shape 305"/>
           <p:cNvSpPr/>
           <p:nvPr/>
         </p:nvSpPr>
@@ -9910,7 +10140,7 @@
       </p:sp>
       <p:sp>
         <p:nvSpPr>
-          <p:cNvPr id="310" name="Shape 310"/>
+          <p:cNvPr id="306" name="Shape 306"/>
           <p:cNvSpPr/>
           <p:nvPr/>
         </p:nvSpPr>
@@ -9955,7 +10185,7 @@
       </p:sp>
       <p:sp>
         <p:nvSpPr>
-          <p:cNvPr id="311" name="Shape 311"/>
+          <p:cNvPr id="307" name="Shape 307"/>
           <p:cNvSpPr/>
           <p:nvPr/>
         </p:nvSpPr>
@@ -10000,7 +10230,7 @@
       </p:sp>
       <p:sp>
         <p:nvSpPr>
-          <p:cNvPr id="312" name="Shape 312"/>
+          <p:cNvPr id="308" name="Shape 308"/>
           <p:cNvSpPr/>
           <p:nvPr/>
         </p:nvSpPr>
@@ -10045,7 +10275,7 @@
       </p:sp>
       <p:sp>
         <p:nvSpPr>
-          <p:cNvPr id="313" name="Shape 313"/>
+          <p:cNvPr id="309" name="Shape 309"/>
           <p:cNvSpPr/>
           <p:nvPr/>
         </p:nvSpPr>
@@ -10090,7 +10320,7 @@
       </p:sp>
       <p:sp>
         <p:nvSpPr>
-          <p:cNvPr id="314" name="Shape 314"/>
+          <p:cNvPr id="310" name="Shape 310"/>
           <p:cNvSpPr/>
           <p:nvPr/>
         </p:nvSpPr>
@@ -10135,7 +10365,7 @@
       </p:sp>
       <p:sp>
         <p:nvSpPr>
-          <p:cNvPr id="315" name="Shape 315"/>
+          <p:cNvPr id="311" name="Shape 311"/>
           <p:cNvSpPr/>
           <p:nvPr/>
         </p:nvSpPr>
@@ -10206,7 +10436,7 @@
       </p:grpSpPr>
       <p:sp>
         <p:nvSpPr>
-          <p:cNvPr id="317" name="Shape 317"/>
+          <p:cNvPr id="313" name="Shape 313"/>
           <p:cNvSpPr/>
           <p:nvPr>
             <p:ph type="title"/>
@@ -10241,7 +10471,7 @@
       </p:sp>
       <p:sp>
         <p:nvSpPr>
-          <p:cNvPr id="318" name="Shape 318"/>
+          <p:cNvPr id="314" name="Shape 314"/>
           <p:cNvSpPr/>
           <p:nvPr/>
         </p:nvSpPr>
@@ -10286,7 +10516,7 @@
       </p:sp>
       <p:sp>
         <p:nvSpPr>
-          <p:cNvPr id="319" name="Shape 319"/>
+          <p:cNvPr id="315" name="Shape 315"/>
           <p:cNvSpPr/>
           <p:nvPr/>
         </p:nvSpPr>
@@ -10331,7 +10561,7 @@
       </p:sp>
       <p:sp>
         <p:nvSpPr>
-          <p:cNvPr id="320" name="Shape 320"/>
+          <p:cNvPr id="316" name="Shape 316"/>
           <p:cNvSpPr/>
           <p:nvPr/>
         </p:nvSpPr>
@@ -10376,7 +10606,7 @@
       </p:sp>
       <p:sp>
         <p:nvSpPr>
-          <p:cNvPr id="321" name="Shape 321"/>
+          <p:cNvPr id="317" name="Shape 317"/>
           <p:cNvSpPr/>
           <p:nvPr/>
         </p:nvSpPr>
@@ -10421,7 +10651,7 @@
       </p:sp>
       <p:sp>
         <p:nvSpPr>
-          <p:cNvPr id="322" name="Shape 322"/>
+          <p:cNvPr id="318" name="Shape 318"/>
           <p:cNvSpPr/>
           <p:nvPr/>
         </p:nvSpPr>
@@ -10466,7 +10696,7 @@
       </p:sp>
       <p:sp>
         <p:nvSpPr>
-          <p:cNvPr id="323" name="Shape 323"/>
+          <p:cNvPr id="319" name="Shape 319"/>
           <p:cNvSpPr/>
           <p:nvPr/>
         </p:nvSpPr>
@@ -10511,7 +10741,7 @@
       </p:sp>
       <p:sp>
         <p:nvSpPr>
-          <p:cNvPr id="324" name="Shape 324"/>
+          <p:cNvPr id="320" name="Shape 320"/>
           <p:cNvSpPr/>
           <p:nvPr/>
         </p:nvSpPr>
@@ -10556,7 +10786,7 @@
       </p:sp>
       <p:sp>
         <p:nvSpPr>
-          <p:cNvPr id="325" name="Shape 325"/>
+          <p:cNvPr id="321" name="Shape 321"/>
           <p:cNvSpPr/>
           <p:nvPr/>
         </p:nvSpPr>
@@ -10601,7 +10831,7 @@
       </p:sp>
       <p:sp>
         <p:nvSpPr>
-          <p:cNvPr id="326" name="Shape 326"/>
+          <p:cNvPr id="322" name="Shape 322"/>
           <p:cNvSpPr/>
           <p:nvPr/>
         </p:nvSpPr>
@@ -10672,7 +10902,7 @@
       </p:grpSpPr>
       <p:sp>
         <p:nvSpPr>
-          <p:cNvPr id="328" name="Shape 328"/>
+          <p:cNvPr id="324" name="Shape 324"/>
           <p:cNvSpPr/>
           <p:nvPr>
             <p:ph type="title"/>
@@ -10707,7 +10937,7 @@
       </p:sp>
       <p:sp>
         <p:nvSpPr>
-          <p:cNvPr id="329" name="Shape 329"/>
+          <p:cNvPr id="325" name="Shape 325"/>
           <p:cNvSpPr/>
           <p:nvPr>
             <p:ph type="body" sz="half" idx="1"/>
@@ -10792,7 +11022,7 @@
       </p:grpSpPr>
       <p:sp>
         <p:nvSpPr>
-          <p:cNvPr id="331" name="Shape 331"/>
+          <p:cNvPr id="327" name="Shape 327"/>
           <p:cNvSpPr/>
           <p:nvPr>
             <p:ph type="title"/>
@@ -10827,7 +11057,7 @@
       </p:sp>
       <p:sp>
         <p:nvSpPr>
-          <p:cNvPr id="332" name="Shape 332"/>
+          <p:cNvPr id="328" name="Shape 328"/>
           <p:cNvSpPr/>
           <p:nvPr>
             <p:ph type="body" sz="half" idx="1"/>
@@ -10912,7 +11142,7 @@
       </p:grpSpPr>
       <p:pic>
         <p:nvPicPr>
-          <p:cNvPr id="334" name="calculator.jpeg"/>
+          <p:cNvPr id="330" name="calculator.jpeg"/>
           <p:cNvPicPr>
             <a:picLocks noChangeAspect="1"/>
           </p:cNvPicPr>
@@ -10937,7 +11167,7 @@
       </p:pic>
       <p:sp>
         <p:nvSpPr>
-          <p:cNvPr id="335" name="Shape 335"/>
+          <p:cNvPr id="331" name="Shape 331"/>
           <p:cNvSpPr/>
           <p:nvPr>
             <p:ph type="title"/>
@@ -10965,7 +11195,7 @@
       </p:sp>
       <p:sp>
         <p:nvSpPr>
-          <p:cNvPr id="336" name="Shape 336"/>
+          <p:cNvPr id="332" name="Shape 332"/>
           <p:cNvSpPr/>
           <p:nvPr>
             <p:ph type="body" sz="half" idx="1"/>
@@ -11029,7 +11259,7 @@
       </p:grpSpPr>
       <p:sp>
         <p:nvSpPr>
-          <p:cNvPr id="338" name="Shape 338"/>
+          <p:cNvPr id="334" name="Shape 334"/>
           <p:cNvSpPr/>
           <p:nvPr>
             <p:ph type="title"/>
@@ -11064,7 +11294,7 @@
       </p:sp>
       <p:sp>
         <p:nvSpPr>
-          <p:cNvPr id="339" name="Shape 339"/>
+          <p:cNvPr id="335" name="Shape 335"/>
           <p:cNvSpPr/>
           <p:nvPr>
             <p:ph type="body" idx="1"/>
@@ -11128,7 +11358,7 @@
       </p:grpSpPr>
       <p:sp>
         <p:nvSpPr>
-          <p:cNvPr id="341" name="Shape 341"/>
+          <p:cNvPr id="337" name="Shape 337"/>
           <p:cNvSpPr/>
           <p:nvPr>
             <p:ph type="title"/>
@@ -11163,7 +11393,7 @@
       </p:sp>
       <p:sp>
         <p:nvSpPr>
-          <p:cNvPr id="342" name="Shape 342"/>
+          <p:cNvPr id="338" name="Shape 338"/>
           <p:cNvSpPr/>
           <p:nvPr>
             <p:ph type="body" idx="1"/>
@@ -11239,7 +11469,7 @@
       </p:grpSpPr>
       <p:sp>
         <p:nvSpPr>
-          <p:cNvPr id="344" name="Shape 344"/>
+          <p:cNvPr id="340" name="Shape 340"/>
           <p:cNvSpPr/>
           <p:nvPr>
             <p:ph type="title"/>
@@ -11274,7 +11504,7 @@
       </p:sp>
       <p:sp>
         <p:nvSpPr>
-          <p:cNvPr id="345" name="Shape 345"/>
+          <p:cNvPr id="341" name="Shape 341"/>
           <p:cNvSpPr/>
           <p:nvPr>
             <p:ph type="body" sz="half" idx="1"/>
@@ -11463,7 +11693,7 @@
       </p:grpSpPr>
       <p:sp>
         <p:nvSpPr>
-          <p:cNvPr id="347" name="Shape 347"/>
+          <p:cNvPr id="343" name="Shape 343"/>
           <p:cNvSpPr/>
           <p:nvPr>
             <p:ph type="title"/>
@@ -11498,7 +11728,7 @@
       </p:sp>
       <p:sp>
         <p:nvSpPr>
-          <p:cNvPr id="348" name="Shape 348"/>
+          <p:cNvPr id="344" name="Shape 344"/>
           <p:cNvSpPr/>
           <p:nvPr>
             <p:ph type="body" sz="half" idx="1"/>
@@ -11583,7 +11813,7 @@
       </p:grpSpPr>
       <p:sp>
         <p:nvSpPr>
-          <p:cNvPr id="350" name="Shape 350"/>
+          <p:cNvPr id="346" name="Shape 346"/>
           <p:cNvSpPr/>
           <p:nvPr>
             <p:ph type="title"/>
@@ -11618,7 +11848,7 @@
       </p:sp>
       <p:sp>
         <p:nvSpPr>
-          <p:cNvPr id="351" name="Shape 351"/>
+          <p:cNvPr id="347" name="Shape 347"/>
           <p:cNvSpPr/>
           <p:nvPr>
             <p:ph type="body" idx="1"/>
@@ -11722,7 +11952,7 @@
       </p:grpSpPr>
       <p:sp>
         <p:nvSpPr>
-          <p:cNvPr id="353" name="Shape 353"/>
+          <p:cNvPr id="349" name="Shape 349"/>
           <p:cNvSpPr/>
           <p:nvPr>
             <p:ph type="title"/>
@@ -11757,7 +11987,7 @@
       </p:sp>
       <p:sp>
         <p:nvSpPr>
-          <p:cNvPr id="354" name="Shape 354"/>
+          <p:cNvPr id="350" name="Shape 350"/>
           <p:cNvSpPr/>
           <p:nvPr>
             <p:ph type="body" sz="half" idx="1"/>
@@ -11833,7 +12063,7 @@
       </p:grpSpPr>
       <p:sp>
         <p:nvSpPr>
-          <p:cNvPr id="356" name="Shape 356"/>
+          <p:cNvPr id="352" name="Shape 352"/>
           <p:cNvSpPr/>
           <p:nvPr>
             <p:ph type="title"/>
@@ -11865,7 +12095,7 @@
       </p:sp>
       <p:sp>
         <p:nvSpPr>
-          <p:cNvPr id="357" name="Shape 357"/>
+          <p:cNvPr id="353" name="Shape 353"/>
           <p:cNvSpPr/>
           <p:nvPr>
             <p:ph type="body" idx="1"/>
@@ -11945,7 +12175,7 @@
       </p:grpSpPr>
       <p:sp>
         <p:nvSpPr>
-          <p:cNvPr id="359" name="Shape 359"/>
+          <p:cNvPr id="355" name="Shape 355"/>
           <p:cNvSpPr/>
           <p:nvPr>
             <p:ph type="title"/>
@@ -11999,7 +12229,7 @@
       </p:grpSpPr>
       <p:sp>
         <p:nvSpPr>
-          <p:cNvPr id="361" name="Shape 361"/>
+          <p:cNvPr id="357" name="Shape 357"/>
           <p:cNvSpPr/>
           <p:nvPr>
             <p:ph type="title"/>
@@ -12034,7 +12264,7 @@
       </p:sp>
       <p:sp>
         <p:nvSpPr>
-          <p:cNvPr id="362" name="Shape 362"/>
+          <p:cNvPr id="358" name="Shape 358"/>
           <p:cNvSpPr/>
           <p:nvPr>
             <p:ph type="body" sz="half" idx="1"/>
@@ -12119,7 +12349,7 @@
       </p:grpSpPr>
       <p:sp>
         <p:nvSpPr>
-          <p:cNvPr id="364" name="Shape 364"/>
+          <p:cNvPr id="360" name="Shape 360"/>
           <p:cNvSpPr/>
           <p:nvPr>
             <p:ph type="title"/>
@@ -12154,7 +12384,7 @@
       </p:sp>
       <p:sp>
         <p:nvSpPr>
-          <p:cNvPr id="365" name="Shape 365"/>
+          <p:cNvPr id="361" name="Shape 361"/>
           <p:cNvSpPr/>
           <p:nvPr/>
         </p:nvSpPr>
@@ -12225,7 +12455,7 @@
       </p:grpSpPr>
       <p:sp>
         <p:nvSpPr>
-          <p:cNvPr id="367" name="Shape 367"/>
+          <p:cNvPr id="363" name="Shape 363"/>
           <p:cNvSpPr/>
           <p:nvPr>
             <p:ph type="title"/>
@@ -12260,7 +12490,7 @@
       </p:sp>
       <p:sp>
         <p:nvSpPr>
-          <p:cNvPr id="368" name="Shape 368"/>
+          <p:cNvPr id="364" name="Shape 364"/>
           <p:cNvSpPr/>
           <p:nvPr/>
         </p:nvSpPr>
@@ -12305,7 +12535,7 @@
       </p:sp>
       <p:sp>
         <p:nvSpPr>
-          <p:cNvPr id="369" name="Shape 369"/>
+          <p:cNvPr id="365" name="Shape 365"/>
           <p:cNvSpPr/>
           <p:nvPr/>
         </p:nvSpPr>
@@ -12353,7 +12583,7 @@
       </p:sp>
       <p:sp>
         <p:nvSpPr>
-          <p:cNvPr id="370" name="Shape 370"/>
+          <p:cNvPr id="366" name="Shape 366"/>
           <p:cNvSpPr/>
           <p:nvPr/>
         </p:nvSpPr>
@@ -12423,7 +12653,7 @@
       </p:grpSpPr>
       <p:sp>
         <p:nvSpPr>
-          <p:cNvPr id="372" name="Shape 372"/>
+          <p:cNvPr id="368" name="Shape 368"/>
           <p:cNvSpPr/>
           <p:nvPr>
             <p:ph type="title"/>
@@ -12458,7 +12688,7 @@
       </p:sp>
       <p:sp>
         <p:nvSpPr>
-          <p:cNvPr id="373" name="Shape 373"/>
+          <p:cNvPr id="369" name="Shape 369"/>
           <p:cNvSpPr/>
           <p:nvPr/>
         </p:nvSpPr>
@@ -12503,7 +12733,7 @@
       </p:sp>
       <p:sp>
         <p:nvSpPr>
-          <p:cNvPr id="374" name="Shape 374"/>
+          <p:cNvPr id="370" name="Shape 370"/>
           <p:cNvSpPr/>
           <p:nvPr/>
         </p:nvSpPr>
@@ -12551,7 +12781,7 @@
       </p:sp>
       <p:sp>
         <p:nvSpPr>
-          <p:cNvPr id="375" name="Shape 375"/>
+          <p:cNvPr id="371" name="Shape 371"/>
           <p:cNvSpPr/>
           <p:nvPr/>
         </p:nvSpPr>
@@ -12621,7 +12851,7 @@
       </p:grpSpPr>
       <p:pic>
         <p:nvPicPr>
-          <p:cNvPr id="377" name="pasted-image.gif"/>
+          <p:cNvPr id="373" name="pasted-image.gif"/>
           <p:cNvPicPr>
             <a:picLocks noChangeAspect="1"/>
           </p:cNvPicPr>
@@ -12730,7 +12960,7 @@
       </p:grpSpPr>
       <p:sp>
         <p:nvSpPr>
-          <p:cNvPr id="379" name="Shape 379"/>
+          <p:cNvPr id="375" name="Shape 375"/>
           <p:cNvSpPr/>
           <p:nvPr>
             <p:ph type="title"/>
@@ -12758,57 +12988,97 @@
           <a:p>
             <a:pPr/>
             <a:r>
-              <a:t>F-Strings</a:t>
-            </a:r>
-          </a:p>
-        </p:txBody>
-      </p:sp>
-      <p:sp>
-        <p:nvSpPr>
-          <p:cNvPr id="380" name="Shape 380"/>
-          <p:cNvSpPr/>
-          <p:nvPr>
-            <p:ph type="body" idx="1"/>
-          </p:nvPr>
-        </p:nvSpPr>
-        <p:spPr>
-          <a:xfrm>
-            <a:off x="406400" y="3953767"/>
-            <a:ext cx="12192000" cy="4998601"/>
-          </a:xfrm>
-          <a:prstGeom prst="rect">
-            <a:avLst/>
-          </a:prstGeom>
-        </p:spPr>
-        <p:txBody>
-          <a:bodyPr/>
-          <a:lstStyle/>
-          <a:p>
-            <a:pPr marL="705970" indent="-705970">
-              <a:buClrTx/>
-              <a:buSzPct val="40000"/>
-              <a:buFontTx/>
-              <a:buBlip>
-                <a:blip r:embed="rId2"/>
-              </a:buBlip>
-              <a:defRPr sz="6400"/>
-            </a:pPr>
-            <a:r>
-              <a:t>Text with variables injected</a:t>
-            </a:r>
-          </a:p>
-          <a:p>
-            <a:pPr marL="705970" indent="-705970">
-              <a:buClrTx/>
-              <a:buSzPct val="40000"/>
-              <a:buFontTx/>
-              <a:buBlip>
-                <a:blip r:embed="rId2"/>
-              </a:buBlip>
-              <a:defRPr sz="6400"/>
-            </a:pPr>
-            <a:r>
-              <a:t>Normal string but with an “f” before the quotes</a:t>
+              <a:t>Indexing Syntax</a:t>
+            </a:r>
+          </a:p>
+        </p:txBody>
+      </p:sp>
+      <p:sp>
+        <p:nvSpPr>
+          <p:cNvPr id="376" name="Shape 376"/>
+          <p:cNvSpPr/>
+          <p:nvPr/>
+        </p:nvSpPr>
+        <p:spPr>
+          <a:xfrm>
+            <a:off x="439081" y="4072620"/>
+            <a:ext cx="2606498" cy="1041401"/>
+          </a:xfrm>
+          <a:prstGeom prst="rect">
+            <a:avLst/>
+          </a:prstGeom>
+          <a:ln w="12700">
+            <a:miter lim="400000"/>
+          </a:ln>
+          <a:extLst>
+            <a:ext uri="{C572A759-6A51-4108-AA02-DFA0A04FC94B}">
+              <ma14:wrappingTextBoxFlag xmlns:ma14="http://schemas.microsoft.com/office/mac/drawingml/2011/main" val="1"/>
+            </a:ext>
+          </a:extLst>
+        </p:spPr>
+        <p:txBody>
+          <a:bodyPr wrap="none" lIns="50800" tIns="50800" rIns="50800" bIns="50800" anchor="ctr">
+            <a:spAutoFit/>
+          </a:bodyPr>
+          <a:lstStyle>
+            <a:lvl1pPr>
+              <a:defRPr sz="5400">
+                <a:latin typeface="Avenir Next"/>
+                <a:ea typeface="Avenir Next"/>
+                <a:cs typeface="Avenir Next"/>
+                <a:sym typeface="Avenir Next"/>
+              </a:defRPr>
+            </a:lvl1pPr>
+          </a:lstStyle>
+          <a:p>
+            <a:pPr/>
+            <a:r>
+              <a:t>English:</a:t>
+            </a:r>
+          </a:p>
+        </p:txBody>
+      </p:sp>
+      <p:sp>
+        <p:nvSpPr>
+          <p:cNvPr id="377" name="Shape 377"/>
+          <p:cNvSpPr/>
+          <p:nvPr/>
+        </p:nvSpPr>
+        <p:spPr>
+          <a:xfrm>
+            <a:off x="460247" y="5482166"/>
+            <a:ext cx="12105472" cy="1066801"/>
+          </a:xfrm>
+          <a:prstGeom prst="rect">
+            <a:avLst/>
+          </a:prstGeom>
+          <a:ln w="12700">
+            <a:miter lim="400000"/>
+          </a:ln>
+          <a:extLst>
+            <a:ext uri="{C572A759-6A51-4108-AA02-DFA0A04FC94B}">
+              <ma14:wrappingTextBoxFlag xmlns:ma14="http://schemas.microsoft.com/office/mac/drawingml/2011/main" val="1"/>
+            </a:ext>
+          </a:extLst>
+        </p:spPr>
+        <p:txBody>
+          <a:bodyPr lIns="50800" tIns="50800" rIns="50800" bIns="50800" anchor="ctr">
+            <a:spAutoFit/>
+          </a:bodyPr>
+          <a:lstStyle>
+            <a:lvl1pPr>
+              <a:defRPr i="1" sz="5600">
+                <a:latin typeface="Avenir Next"/>
+                <a:ea typeface="Avenir Next"/>
+                <a:cs typeface="Avenir Next"/>
+                <a:sym typeface="Avenir Next"/>
+              </a:defRPr>
+            </a:lvl1pPr>
+          </a:lstStyle>
+          <a:p>
+            <a:pPr/>
+            <a:r>
+              <a:t>get the first letter in my_string</a:t>
             </a:r>
           </a:p>
         </p:txBody>
@@ -12841,7 +13111,7 @@
       </p:grpSpPr>
       <p:sp>
         <p:nvSpPr>
-          <p:cNvPr id="382" name="Shape 382"/>
+          <p:cNvPr id="379" name="Shape 379"/>
           <p:cNvSpPr/>
           <p:nvPr>
             <p:ph type="title"/>
@@ -12869,21 +13139,21 @@
           <a:p>
             <a:pPr/>
             <a:r>
-              <a:t>F-strings</a:t>
-            </a:r>
-          </a:p>
-        </p:txBody>
-      </p:sp>
-      <p:sp>
-        <p:nvSpPr>
-          <p:cNvPr id="383" name="Shape 383"/>
+              <a:t>Indexing Syntax</a:t>
+            </a:r>
+          </a:p>
+        </p:txBody>
+      </p:sp>
+      <p:sp>
+        <p:nvSpPr>
+          <p:cNvPr id="380" name="Shape 380"/>
           <p:cNvSpPr/>
           <p:nvPr/>
         </p:nvSpPr>
         <p:spPr>
           <a:xfrm>
-            <a:off x="487154" y="4540249"/>
-            <a:ext cx="6769895" cy="1079501"/>
+            <a:off x="3759560" y="4413249"/>
+            <a:ext cx="4692606" cy="927101"/>
           </a:xfrm>
           <a:prstGeom prst="rect">
             <a:avLst/>
@@ -12898,12 +13168,12 @@
           </a:extLst>
         </p:spPr>
         <p:txBody>
-          <a:bodyPr wrap="none" lIns="50800" tIns="50800" rIns="50800" bIns="50800" anchor="ctr">
+          <a:bodyPr lIns="50800" tIns="50800" rIns="50800" bIns="50800" anchor="ctr">
             <a:spAutoFit/>
           </a:bodyPr>
           <a:lstStyle>
             <a:lvl1pPr>
-              <a:defRPr sz="6400">
+              <a:defRPr sz="5400">
                 <a:latin typeface="Anonymous Pro for Powerline"/>
                 <a:ea typeface="Anonymous Pro for Powerline"/>
                 <a:cs typeface="Anonymous Pro for Powerline"/>
@@ -12914,7 +13184,7 @@
           <a:p>
             <a:pPr/>
             <a:r>
-              <a:t>my_name = “rob”</a:t>
+              <a:t>my_string[0]</a:t>
             </a:r>
           </a:p>
         </p:txBody>
@@ -12947,7 +13217,7 @@
       </p:grpSpPr>
       <p:sp>
         <p:nvSpPr>
-          <p:cNvPr id="385" name="Shape 385"/>
+          <p:cNvPr id="382" name="Shape 382"/>
           <p:cNvSpPr/>
           <p:nvPr>
             <p:ph type="title"/>
@@ -12975,21 +13245,21 @@
           <a:p>
             <a:pPr/>
             <a:r>
-              <a:t>F-strings</a:t>
-            </a:r>
-          </a:p>
-        </p:txBody>
-      </p:sp>
-      <p:sp>
-        <p:nvSpPr>
-          <p:cNvPr id="386" name="Shape 386"/>
+              <a:t>Indexing Syntax</a:t>
+            </a:r>
+          </a:p>
+        </p:txBody>
+      </p:sp>
+      <p:sp>
+        <p:nvSpPr>
+          <p:cNvPr id="383" name="Shape 383"/>
           <p:cNvSpPr/>
           <p:nvPr/>
         </p:nvSpPr>
         <p:spPr>
           <a:xfrm>
-            <a:off x="487154" y="4540249"/>
-            <a:ext cx="8988426" cy="1079501"/>
+            <a:off x="439081" y="4072620"/>
+            <a:ext cx="6041670" cy="1041401"/>
           </a:xfrm>
           <a:prstGeom prst="rect">
             <a:avLst/>
@@ -13009,18 +13279,63 @@
           </a:bodyPr>
           <a:lstStyle>
             <a:lvl1pPr>
-              <a:defRPr sz="6400">
-                <a:latin typeface="Anonymous Pro for Powerline"/>
-                <a:ea typeface="Anonymous Pro for Powerline"/>
-                <a:cs typeface="Anonymous Pro for Powerline"/>
-                <a:sym typeface="Anonymous Pro for Powerline"/>
+              <a:defRPr sz="5400">
+                <a:latin typeface="Avenir Next"/>
+                <a:ea typeface="Avenir Next"/>
+                <a:cs typeface="Avenir Next"/>
+                <a:sym typeface="Avenir Next"/>
               </a:defRPr>
             </a:lvl1pPr>
           </a:lstStyle>
           <a:p>
             <a:pPr/>
             <a:r>
-              <a:t>f“Hello, {my_name}!”</a:t>
+              <a:t>English translation:</a:t>
+            </a:r>
+          </a:p>
+        </p:txBody>
+      </p:sp>
+      <p:sp>
+        <p:nvSpPr>
+          <p:cNvPr id="384" name="Shape 384"/>
+          <p:cNvSpPr/>
+          <p:nvPr/>
+        </p:nvSpPr>
+        <p:spPr>
+          <a:xfrm>
+            <a:off x="460247" y="5482166"/>
+            <a:ext cx="12105472" cy="1066801"/>
+          </a:xfrm>
+          <a:prstGeom prst="rect">
+            <a:avLst/>
+          </a:prstGeom>
+          <a:ln w="12700">
+            <a:miter lim="400000"/>
+          </a:ln>
+          <a:extLst>
+            <a:ext uri="{C572A759-6A51-4108-AA02-DFA0A04FC94B}">
+              <ma14:wrappingTextBoxFlag xmlns:ma14="http://schemas.microsoft.com/office/mac/drawingml/2011/main" val="1"/>
+            </a:ext>
+          </a:extLst>
+        </p:spPr>
+        <p:txBody>
+          <a:bodyPr lIns="50800" tIns="50800" rIns="50800" bIns="50800" anchor="ctr">
+            <a:spAutoFit/>
+          </a:bodyPr>
+          <a:lstStyle>
+            <a:lvl1pPr>
+              <a:defRPr i="1" sz="5600">
+                <a:latin typeface="Avenir Next"/>
+                <a:ea typeface="Avenir Next"/>
+                <a:cs typeface="Avenir Next"/>
+                <a:sym typeface="Avenir Next"/>
+              </a:defRPr>
+            </a:lvl1pPr>
+          </a:lstStyle>
+          <a:p>
+            <a:pPr/>
+            <a:r>
+              <a:t>get the seventh letter in my_string</a:t>
             </a:r>
           </a:p>
         </p:txBody>
@@ -13053,7 +13368,7 @@
       </p:grpSpPr>
       <p:sp>
         <p:nvSpPr>
-          <p:cNvPr id="388" name="Shape 388"/>
+          <p:cNvPr id="386" name="Shape 386"/>
           <p:cNvSpPr/>
           <p:nvPr>
             <p:ph type="title"/>
@@ -13081,21 +13396,21 @@
           <a:p>
             <a:pPr/>
             <a:r>
-              <a:t>F-strings</a:t>
-            </a:r>
-          </a:p>
-        </p:txBody>
-      </p:sp>
-      <p:sp>
-        <p:nvSpPr>
-          <p:cNvPr id="389" name="Shape 389"/>
+              <a:t>Indexing Syntax</a:t>
+            </a:r>
+          </a:p>
+        </p:txBody>
+      </p:sp>
+      <p:sp>
+        <p:nvSpPr>
+          <p:cNvPr id="387" name="Shape 387"/>
           <p:cNvSpPr/>
           <p:nvPr/>
         </p:nvSpPr>
         <p:spPr>
           <a:xfrm>
-            <a:off x="487154" y="4540249"/>
-            <a:ext cx="8988426" cy="1079501"/>
+            <a:off x="4552634" y="4413249"/>
+            <a:ext cx="4850746" cy="927101"/>
           </a:xfrm>
           <a:prstGeom prst="rect">
             <a:avLst/>
@@ -13110,12 +13425,12 @@
           </a:extLst>
         </p:spPr>
         <p:txBody>
-          <a:bodyPr wrap="none" lIns="50800" tIns="50800" rIns="50800" bIns="50800" anchor="ctr">
+          <a:bodyPr lIns="50800" tIns="50800" rIns="50800" bIns="50800" anchor="ctr">
             <a:spAutoFit/>
           </a:bodyPr>
           <a:lstStyle>
             <a:lvl1pPr>
-              <a:defRPr sz="6400">
+              <a:defRPr sz="5400">
                 <a:latin typeface="Anonymous Pro for Powerline"/>
                 <a:ea typeface="Anonymous Pro for Powerline"/>
                 <a:cs typeface="Anonymous Pro for Powerline"/>
@@ -13126,99 +13441,7 @@
           <a:p>
             <a:pPr/>
             <a:r>
-              <a:t>f“Hello, {my_name}!”</a:t>
-            </a:r>
-          </a:p>
-        </p:txBody>
-      </p:sp>
-      <p:sp>
-        <p:nvSpPr>
-          <p:cNvPr id="390" name="Shape 390"/>
-          <p:cNvSpPr/>
-          <p:nvPr/>
-        </p:nvSpPr>
-        <p:spPr>
-          <a:xfrm rot="21559398">
-            <a:off x="744741" y="6986397"/>
-            <a:ext cx="1892995" cy="518251"/>
-          </a:xfrm>
-          <a:prstGeom prst="rightArrow">
-            <a:avLst>
-              <a:gd name="adj1" fmla="val 34174"/>
-              <a:gd name="adj2" fmla="val 145948"/>
-            </a:avLst>
-          </a:prstGeom>
-          <a:solidFill>
-            <a:schemeClr val="accent5"/>
-          </a:solidFill>
-          <a:ln w="12700">
-            <a:miter lim="400000"/>
-          </a:ln>
-        </p:spPr>
-        <p:txBody>
-          <a:bodyPr lIns="50800" tIns="50800" rIns="50800" bIns="50800" anchor="ctr"/>
-          <a:lstStyle/>
-          <a:p>
-            <a:pPr algn="ctr">
-              <a:lnSpc>
-                <a:spcPct val="80000"/>
-              </a:lnSpc>
-              <a:spcBef>
-                <a:spcPts val="0"/>
-              </a:spcBef>
-              <a:defRPr cap="all" sz="2800">
-                <a:solidFill>
-                  <a:srgbClr val="FFFFFF"/>
-                </a:solidFill>
-                <a:latin typeface="+mn-lt"/>
-                <a:ea typeface="+mn-ea"/>
-                <a:cs typeface="+mn-cs"/>
-                <a:sym typeface="DIN Condensed"/>
-              </a:defRPr>
-            </a:pPr>
-          </a:p>
-        </p:txBody>
-      </p:sp>
-      <p:sp>
-        <p:nvSpPr>
-          <p:cNvPr id="391" name="Shape 391"/>
-          <p:cNvSpPr/>
-          <p:nvPr/>
-        </p:nvSpPr>
-        <p:spPr>
-          <a:xfrm>
-            <a:off x="2987235" y="6671777"/>
-            <a:ext cx="4381501" cy="1143001"/>
-          </a:xfrm>
-          <a:prstGeom prst="rect">
-            <a:avLst/>
-          </a:prstGeom>
-          <a:ln w="12700">
-            <a:miter lim="400000"/>
-          </a:ln>
-          <a:extLst>
-            <a:ext uri="{C572A759-6A51-4108-AA02-DFA0A04FC94B}">
-              <ma14:wrappingTextBoxFlag xmlns:ma14="http://schemas.microsoft.com/office/mac/drawingml/2011/main" val="1"/>
-            </a:ext>
-          </a:extLst>
-        </p:spPr>
-        <p:txBody>
-          <a:bodyPr wrap="none" lIns="50800" tIns="50800" rIns="50800" bIns="50800" anchor="ctr">
-            <a:spAutoFit/>
-          </a:bodyPr>
-          <a:lstStyle>
-            <a:lvl1pPr>
-              <a:defRPr sz="6000">
-                <a:solidFill>
-                  <a:schemeClr val="accent5"/>
-                </a:solidFill>
-              </a:defRPr>
-            </a:lvl1pPr>
-          </a:lstStyle>
-          <a:p>
-            <a:pPr/>
-            <a:r>
-              <a:t>“Hello, Rob”</a:t>
+              <a:t>my_string[6]</a:t>
             </a:r>
           </a:p>
         </p:txBody>
@@ -13251,7 +13474,7 @@
       </p:grpSpPr>
       <p:sp>
         <p:nvSpPr>
-          <p:cNvPr id="393" name="Shape 393"/>
+          <p:cNvPr id="389" name="Shape 389"/>
           <p:cNvSpPr/>
           <p:nvPr>
             <p:ph type="title"/>
@@ -13279,20 +13502,20 @@
           <a:p>
             <a:pPr/>
             <a:r>
-              <a:t>Print Statement</a:t>
-            </a:r>
-          </a:p>
-        </p:txBody>
-      </p:sp>
-      <p:sp>
-        <p:nvSpPr>
-          <p:cNvPr id="394" name="Shape 394"/>
+              <a:t>Indexing Syntax</a:t>
+            </a:r>
+          </a:p>
+        </p:txBody>
+      </p:sp>
+      <p:sp>
+        <p:nvSpPr>
+          <p:cNvPr id="390" name="Shape 390"/>
           <p:cNvSpPr/>
           <p:nvPr/>
         </p:nvSpPr>
         <p:spPr>
           <a:xfrm>
-            <a:off x="466598" y="3886353"/>
+            <a:off x="439081" y="4072620"/>
             <a:ext cx="2606498" cy="1041401"/>
           </a:xfrm>
           <a:prstGeom prst="rect">
@@ -13331,13 +13554,13 @@
       </p:sp>
       <p:sp>
         <p:nvSpPr>
-          <p:cNvPr id="395" name="Shape 395"/>
+          <p:cNvPr id="391" name="Shape 391"/>
           <p:cNvSpPr/>
           <p:nvPr/>
         </p:nvSpPr>
         <p:spPr>
           <a:xfrm>
-            <a:off x="487764" y="5295900"/>
+            <a:off x="460247" y="5482166"/>
             <a:ext cx="12105472" cy="1066801"/>
           </a:xfrm>
           <a:prstGeom prst="rect">
@@ -13369,7 +13592,7 @@
           <a:p>
             <a:pPr/>
             <a:r>
-              <a:t>Print my_name on the screen</a:t>
+              <a:t>get the last letter in my_string</a:t>
             </a:r>
           </a:p>
         </p:txBody>
@@ -13402,7 +13625,7 @@
       </p:grpSpPr>
       <p:sp>
         <p:nvSpPr>
-          <p:cNvPr id="399" name="Shape 399"/>
+          <p:cNvPr id="393" name="Shape 393"/>
           <p:cNvSpPr/>
           <p:nvPr>
             <p:ph type="title"/>
@@ -13430,21 +13653,21 @@
           <a:p>
             <a:pPr/>
             <a:r>
-              <a:t>Print Statement</a:t>
-            </a:r>
-          </a:p>
-        </p:txBody>
-      </p:sp>
-      <p:sp>
-        <p:nvSpPr>
-          <p:cNvPr id="400" name="Shape 400"/>
+              <a:t>Indexing Syntax</a:t>
+            </a:r>
+          </a:p>
+        </p:txBody>
+      </p:sp>
+      <p:sp>
+        <p:nvSpPr>
+          <p:cNvPr id="394" name="Shape 394"/>
           <p:cNvSpPr/>
           <p:nvPr/>
         </p:nvSpPr>
         <p:spPr>
           <a:xfrm>
-            <a:off x="466598" y="3886353"/>
-            <a:ext cx="2606498" cy="1041401"/>
+            <a:off x="4552634" y="4413249"/>
+            <a:ext cx="5408881" cy="927101"/>
           </a:xfrm>
           <a:prstGeom prst="rect">
             <a:avLst/>
@@ -13459,112 +13682,23 @@
           </a:extLst>
         </p:spPr>
         <p:txBody>
-          <a:bodyPr wrap="none" lIns="50800" tIns="50800" rIns="50800" bIns="50800" anchor="ctr">
+          <a:bodyPr lIns="50800" tIns="50800" rIns="50800" bIns="50800" anchor="ctr">
             <a:spAutoFit/>
           </a:bodyPr>
           <a:lstStyle>
             <a:lvl1pPr>
               <a:defRPr sz="5400">
-                <a:latin typeface="Avenir Next"/>
-                <a:ea typeface="Avenir Next"/>
-                <a:cs typeface="Avenir Next"/>
-                <a:sym typeface="Avenir Next"/>
+                <a:latin typeface="Anonymous Pro for Powerline"/>
+                <a:ea typeface="Anonymous Pro for Powerline"/>
+                <a:cs typeface="Anonymous Pro for Powerline"/>
+                <a:sym typeface="Anonymous Pro for Powerline"/>
               </a:defRPr>
             </a:lvl1pPr>
           </a:lstStyle>
           <a:p>
             <a:pPr/>
             <a:r>
-              <a:t>English:</a:t>
-            </a:r>
-          </a:p>
-        </p:txBody>
-      </p:sp>
-      <p:sp>
-        <p:nvSpPr>
-          <p:cNvPr id="401" name="Shape 401"/>
-          <p:cNvSpPr/>
-          <p:nvPr/>
-        </p:nvSpPr>
-        <p:spPr>
-          <a:xfrm>
-            <a:off x="487764" y="5295900"/>
-            <a:ext cx="12105472" cy="1066801"/>
-          </a:xfrm>
-          <a:prstGeom prst="rect">
-            <a:avLst/>
-          </a:prstGeom>
-          <a:ln w="12700">
-            <a:miter lim="400000"/>
-          </a:ln>
-          <a:extLst>
-            <a:ext uri="{C572A759-6A51-4108-AA02-DFA0A04FC94B}">
-              <ma14:wrappingTextBoxFlag xmlns:ma14="http://schemas.microsoft.com/office/mac/drawingml/2011/main" val="1"/>
-            </a:ext>
-          </a:extLst>
-        </p:spPr>
-        <p:txBody>
-          <a:bodyPr lIns="50800" tIns="50800" rIns="50800" bIns="50800" anchor="ctr">
-            <a:spAutoFit/>
-          </a:bodyPr>
-          <a:lstStyle>
-            <a:lvl1pPr>
-              <a:defRPr i="1" sz="5600">
-                <a:latin typeface="Avenir Next"/>
-                <a:ea typeface="Avenir Next"/>
-                <a:cs typeface="Avenir Next"/>
-                <a:sym typeface="Avenir Next"/>
-              </a:defRPr>
-            </a:lvl1pPr>
-          </a:lstStyle>
-          <a:p>
-            <a:pPr/>
-            <a:r>
-              <a:t>Print my_name on the screen</a:t>
-            </a:r>
-          </a:p>
-        </p:txBody>
-      </p:sp>
-      <p:sp>
-        <p:nvSpPr>
-          <p:cNvPr id="402" name="Shape 402"/>
-          <p:cNvSpPr/>
-          <p:nvPr/>
-        </p:nvSpPr>
-        <p:spPr>
-          <a:xfrm>
-            <a:off x="475483" y="7091418"/>
-            <a:ext cx="12710893" cy="1143001"/>
-          </a:xfrm>
-          <a:prstGeom prst="rect">
-            <a:avLst/>
-          </a:prstGeom>
-          <a:ln w="12700">
-            <a:miter lim="400000"/>
-          </a:ln>
-          <a:extLst>
-            <a:ext uri="{C572A759-6A51-4108-AA02-DFA0A04FC94B}">
-              <ma14:wrappingTextBoxFlag xmlns:ma14="http://schemas.microsoft.com/office/mac/drawingml/2011/main" val="1"/>
-            </a:ext>
-          </a:extLst>
-        </p:spPr>
-        <p:txBody>
-          <a:bodyPr lIns="50800" tIns="50800" rIns="50800" bIns="50800" anchor="ctr">
-            <a:spAutoFit/>
-          </a:bodyPr>
-          <a:lstStyle>
-            <a:lvl1pPr>
-              <a:defRPr sz="6000">
-                <a:solidFill>
-                  <a:schemeClr val="accent5"/>
-                </a:solidFill>
-              </a:defRPr>
-            </a:lvl1pPr>
-          </a:lstStyle>
-          <a:p>
-            <a:pPr/>
-            <a:r>
-              <a:t>(Useful for peeking into variables)</a:t>
+              <a:t>my_string[-1]</a:t>
             </a:r>
           </a:p>
         </p:txBody>
@@ -13597,7 +13731,7 @@
       </p:grpSpPr>
       <p:sp>
         <p:nvSpPr>
-          <p:cNvPr id="404" name="Shape 404"/>
+          <p:cNvPr id="396" name="Shape 396"/>
           <p:cNvSpPr/>
           <p:nvPr>
             <p:ph type="title"/>
@@ -13625,21 +13759,21 @@
           <a:p>
             <a:pPr/>
             <a:r>
-              <a:t>print Statement</a:t>
-            </a:r>
-          </a:p>
-        </p:txBody>
-      </p:sp>
-      <p:sp>
-        <p:nvSpPr>
-          <p:cNvPr id="405" name="Shape 405"/>
+              <a:t>Slice Syntax</a:t>
+            </a:r>
+          </a:p>
+        </p:txBody>
+      </p:sp>
+      <p:sp>
+        <p:nvSpPr>
+          <p:cNvPr id="397" name="Shape 397"/>
           <p:cNvSpPr/>
           <p:nvPr/>
         </p:nvSpPr>
         <p:spPr>
           <a:xfrm>
-            <a:off x="1786334" y="4337049"/>
-            <a:ext cx="6326188" cy="1079501"/>
+            <a:off x="439081" y="4072620"/>
+            <a:ext cx="2606498" cy="1041401"/>
           </a:xfrm>
           <a:prstGeom prst="rect">
             <a:avLst/>
@@ -13659,18 +13793,63 @@
           </a:bodyPr>
           <a:lstStyle>
             <a:lvl1pPr>
-              <a:defRPr sz="6400">
-                <a:latin typeface="Anonymous Pro for Powerline"/>
-                <a:ea typeface="Anonymous Pro for Powerline"/>
-                <a:cs typeface="Anonymous Pro for Powerline"/>
-                <a:sym typeface="Anonymous Pro for Powerline"/>
+              <a:defRPr sz="5400">
+                <a:latin typeface="Avenir Next"/>
+                <a:ea typeface="Avenir Next"/>
+                <a:cs typeface="Avenir Next"/>
+                <a:sym typeface="Avenir Next"/>
               </a:defRPr>
             </a:lvl1pPr>
           </a:lstStyle>
           <a:p>
             <a:pPr/>
             <a:r>
-              <a:t>print(my_name)</a:t>
+              <a:t>English:</a:t>
+            </a:r>
+          </a:p>
+        </p:txBody>
+      </p:sp>
+      <p:sp>
+        <p:nvSpPr>
+          <p:cNvPr id="398" name="Shape 398"/>
+          <p:cNvSpPr/>
+          <p:nvPr/>
+        </p:nvSpPr>
+        <p:spPr>
+          <a:xfrm>
+            <a:off x="513296" y="5482166"/>
+            <a:ext cx="12484889" cy="1066801"/>
+          </a:xfrm>
+          <a:prstGeom prst="rect">
+            <a:avLst/>
+          </a:prstGeom>
+          <a:ln w="12700">
+            <a:miter lim="400000"/>
+          </a:ln>
+          <a:extLst>
+            <a:ext uri="{C572A759-6A51-4108-AA02-DFA0A04FC94B}">
+              <ma14:wrappingTextBoxFlag xmlns:ma14="http://schemas.microsoft.com/office/mac/drawingml/2011/main" val="1"/>
+            </a:ext>
+          </a:extLst>
+        </p:spPr>
+        <p:txBody>
+          <a:bodyPr lIns="50800" tIns="50800" rIns="50800" bIns="50800" anchor="ctr">
+            <a:spAutoFit/>
+          </a:bodyPr>
+          <a:lstStyle>
+            <a:lvl1pPr>
+              <a:defRPr i="1" sz="5600">
+                <a:latin typeface="Avenir Next"/>
+                <a:ea typeface="Avenir Next"/>
+                <a:cs typeface="Avenir Next"/>
+                <a:sym typeface="Avenir Next"/>
+              </a:defRPr>
+            </a:lvl1pPr>
+          </a:lstStyle>
+          <a:p>
+            <a:pPr/>
+            <a:r>
+              <a:t>get the first four letters of my_string</a:t>
             </a:r>
           </a:p>
         </p:txBody>
@@ -13703,7 +13882,7 @@
       </p:grpSpPr>
       <p:sp>
         <p:nvSpPr>
-          <p:cNvPr id="407" name="Shape 407"/>
+          <p:cNvPr id="400" name="Shape 400"/>
           <p:cNvSpPr/>
           <p:nvPr>
             <p:ph type="title"/>
@@ -13731,21 +13910,21 @@
           <a:p>
             <a:pPr/>
             <a:r>
-              <a:t>print Statement</a:t>
-            </a:r>
-          </a:p>
-        </p:txBody>
-      </p:sp>
-      <p:sp>
-        <p:nvSpPr>
-          <p:cNvPr id="408" name="Shape 408"/>
+              <a:t>SLICE Syntax</a:t>
+            </a:r>
+          </a:p>
+        </p:txBody>
+      </p:sp>
+      <p:sp>
+        <p:nvSpPr>
+          <p:cNvPr id="401" name="Shape 401"/>
           <p:cNvSpPr/>
           <p:nvPr/>
         </p:nvSpPr>
         <p:spPr>
           <a:xfrm>
-            <a:off x="1786334" y="4337049"/>
-            <a:ext cx="6326188" cy="1079501"/>
+            <a:off x="3774461" y="4078816"/>
+            <a:ext cx="5455878" cy="927101"/>
           </a:xfrm>
           <a:prstGeom prst="rect">
             <a:avLst/>
@@ -13760,12 +13939,12 @@
           </a:extLst>
         </p:spPr>
         <p:txBody>
-          <a:bodyPr wrap="none" lIns="50800" tIns="50800" rIns="50800" bIns="50800" anchor="ctr">
+          <a:bodyPr lIns="50800" tIns="50800" rIns="50800" bIns="50800" anchor="ctr">
             <a:spAutoFit/>
           </a:bodyPr>
           <a:lstStyle>
             <a:lvl1pPr>
-              <a:defRPr sz="6400">
+              <a:defRPr sz="5400">
                 <a:latin typeface="Anonymous Pro for Powerline"/>
                 <a:ea typeface="Anonymous Pro for Powerline"/>
                 <a:cs typeface="Anonymous Pro for Powerline"/>
@@ -13776,99 +13955,7 @@
           <a:p>
             <a:pPr/>
             <a:r>
-              <a:t>print(my_name)</a:t>
-            </a:r>
-          </a:p>
-        </p:txBody>
-      </p:sp>
-      <p:sp>
-        <p:nvSpPr>
-          <p:cNvPr id="409" name="Shape 409"/>
-          <p:cNvSpPr/>
-          <p:nvPr/>
-        </p:nvSpPr>
-        <p:spPr>
-          <a:xfrm rot="16200000">
-            <a:off x="1423362" y="6668244"/>
-            <a:ext cx="2933304" cy="518251"/>
-          </a:xfrm>
-          <a:prstGeom prst="rightArrow">
-            <a:avLst>
-              <a:gd name="adj1" fmla="val 34174"/>
-              <a:gd name="adj2" fmla="val 145948"/>
-            </a:avLst>
-          </a:prstGeom>
-          <a:solidFill>
-            <a:schemeClr val="accent5"/>
-          </a:solidFill>
-          <a:ln w="12700">
-            <a:miter lim="400000"/>
-          </a:ln>
-        </p:spPr>
-        <p:txBody>
-          <a:bodyPr lIns="50800" tIns="50800" rIns="50800" bIns="50800" anchor="ctr"/>
-          <a:lstStyle/>
-          <a:p>
-            <a:pPr algn="ctr">
-              <a:lnSpc>
-                <a:spcPct val="80000"/>
-              </a:lnSpc>
-              <a:spcBef>
-                <a:spcPts val="0"/>
-              </a:spcBef>
-              <a:defRPr cap="all" sz="2800">
-                <a:solidFill>
-                  <a:srgbClr val="FFFFFF"/>
-                </a:solidFill>
-                <a:latin typeface="+mn-lt"/>
-                <a:ea typeface="+mn-ea"/>
-                <a:cs typeface="+mn-cs"/>
-                <a:sym typeface="DIN Condensed"/>
-              </a:defRPr>
-            </a:pPr>
-          </a:p>
-        </p:txBody>
-      </p:sp>
-      <p:sp>
-        <p:nvSpPr>
-          <p:cNvPr id="410" name="Shape 410"/>
-          <p:cNvSpPr/>
-          <p:nvPr/>
-        </p:nvSpPr>
-        <p:spPr>
-          <a:xfrm>
-            <a:off x="1431545" y="8282117"/>
-            <a:ext cx="2970277" cy="1143001"/>
-          </a:xfrm>
-          <a:prstGeom prst="rect">
-            <a:avLst/>
-          </a:prstGeom>
-          <a:ln w="12700">
-            <a:miter lim="400000"/>
-          </a:ln>
-          <a:extLst>
-            <a:ext uri="{C572A759-6A51-4108-AA02-DFA0A04FC94B}">
-              <ma14:wrappingTextBoxFlag xmlns:ma14="http://schemas.microsoft.com/office/mac/drawingml/2011/main" val="1"/>
-            </a:ext>
-          </a:extLst>
-        </p:spPr>
-        <p:txBody>
-          <a:bodyPr wrap="none" lIns="50800" tIns="50800" rIns="50800" bIns="50800" anchor="ctr">
-            <a:spAutoFit/>
-          </a:bodyPr>
-          <a:lstStyle>
-            <a:lvl1pPr>
-              <a:defRPr sz="6000">
-                <a:solidFill>
-                  <a:schemeClr val="accent5"/>
-                </a:solidFill>
-              </a:defRPr>
-            </a:lvl1pPr>
-          </a:lstStyle>
-          <a:p>
-            <a:pPr/>
-            <a:r>
-              <a:t>function</a:t>
+              <a:t>my_string[0:4]</a:t>
             </a:r>
           </a:p>
         </p:txBody>
@@ -13901,7 +13988,7 @@
       </p:grpSpPr>
       <p:sp>
         <p:nvSpPr>
-          <p:cNvPr id="412" name="Shape 412"/>
+          <p:cNvPr id="403" name="Shape 403"/>
           <p:cNvSpPr/>
           <p:nvPr>
             <p:ph type="title"/>
@@ -13929,21 +14016,21 @@
           <a:p>
             <a:pPr/>
             <a:r>
-              <a:t>print Statement</a:t>
-            </a:r>
-          </a:p>
-        </p:txBody>
-      </p:sp>
-      <p:sp>
-        <p:nvSpPr>
-          <p:cNvPr id="413" name="Shape 413"/>
+              <a:t>SLICE Syntax</a:t>
+            </a:r>
+          </a:p>
+        </p:txBody>
+      </p:sp>
+      <p:sp>
+        <p:nvSpPr>
+          <p:cNvPr id="404" name="Shape 404"/>
           <p:cNvSpPr/>
           <p:nvPr/>
         </p:nvSpPr>
         <p:spPr>
           <a:xfrm>
-            <a:off x="1786334" y="4337049"/>
-            <a:ext cx="6326188" cy="1079501"/>
+            <a:off x="3774461" y="4078816"/>
+            <a:ext cx="5455878" cy="927101"/>
           </a:xfrm>
           <a:prstGeom prst="rect">
             <a:avLst/>
@@ -13958,12 +14045,12 @@
           </a:extLst>
         </p:spPr>
         <p:txBody>
-          <a:bodyPr wrap="none" lIns="50800" tIns="50800" rIns="50800" bIns="50800" anchor="ctr">
+          <a:bodyPr lIns="50800" tIns="50800" rIns="50800" bIns="50800" anchor="ctr">
             <a:spAutoFit/>
           </a:bodyPr>
           <a:lstStyle>
             <a:lvl1pPr>
-              <a:defRPr sz="6400">
+              <a:defRPr sz="5400">
                 <a:latin typeface="Anonymous Pro for Powerline"/>
                 <a:ea typeface="Anonymous Pro for Powerline"/>
                 <a:cs typeface="Anonymous Pro for Powerline"/>
@@ -13974,26 +14061,26 @@
           <a:p>
             <a:pPr/>
             <a:r>
-              <a:t>print(my_name)</a:t>
-            </a:r>
-          </a:p>
-        </p:txBody>
-      </p:sp>
-      <p:sp>
-        <p:nvSpPr>
-          <p:cNvPr id="414" name="Shape 414"/>
+              <a:t>my_string[0:4]</a:t>
+            </a:r>
+          </a:p>
+        </p:txBody>
+      </p:sp>
+      <p:sp>
+        <p:nvSpPr>
+          <p:cNvPr id="405" name="Shape 405"/>
           <p:cNvSpPr/>
           <p:nvPr/>
         </p:nvSpPr>
         <p:spPr>
           <a:xfrm rot="16200000">
-            <a:off x="1423362" y="6668244"/>
-            <a:ext cx="2933304" cy="518251"/>
+            <a:off x="7306733" y="5596466"/>
+            <a:ext cx="2375297" cy="1270001"/>
           </a:xfrm>
           <a:prstGeom prst="rightArrow">
             <a:avLst>
-              <a:gd name="adj1" fmla="val 34174"/>
-              <a:gd name="adj2" fmla="val 145948"/>
+              <a:gd name="adj1" fmla="val 32000"/>
+              <a:gd name="adj2" fmla="val 64000"/>
             </a:avLst>
           </a:prstGeom>
           <a:solidFill>
@@ -14029,14 +14116,14 @@
       </p:sp>
       <p:sp>
         <p:nvSpPr>
-          <p:cNvPr id="415" name="Shape 415"/>
+          <p:cNvPr id="406" name="Shape 406"/>
           <p:cNvSpPr/>
           <p:nvPr/>
         </p:nvSpPr>
         <p:spPr>
           <a:xfrm>
-            <a:off x="1431545" y="8282117"/>
-            <a:ext cx="2970277" cy="1143001"/>
+            <a:off x="6881481" y="7643283"/>
+            <a:ext cx="3225801" cy="800101"/>
           </a:xfrm>
           <a:prstGeom prst="rect">
             <a:avLst/>
@@ -14056,7 +14143,7 @@
           </a:bodyPr>
           <a:lstStyle>
             <a:lvl1pPr>
-              <a:defRPr sz="6000">
+              <a:defRPr sz="4000">
                 <a:solidFill>
                   <a:schemeClr val="accent5"/>
                 </a:solidFill>
@@ -14066,99 +14153,7 @@
           <a:p>
             <a:pPr/>
             <a:r>
-              <a:t>function</a:t>
-            </a:r>
-          </a:p>
-        </p:txBody>
-      </p:sp>
-      <p:sp>
-        <p:nvSpPr>
-          <p:cNvPr id="416" name="Shape 416"/>
-          <p:cNvSpPr/>
-          <p:nvPr/>
-        </p:nvSpPr>
-        <p:spPr>
-          <a:xfrm rot="16200000">
-            <a:off x="5324802" y="6592241"/>
-            <a:ext cx="2933304" cy="518252"/>
-          </a:xfrm>
-          <a:prstGeom prst="rightArrow">
-            <a:avLst>
-              <a:gd name="adj1" fmla="val 34174"/>
-              <a:gd name="adj2" fmla="val 145948"/>
-            </a:avLst>
-          </a:prstGeom>
-          <a:solidFill>
-            <a:schemeClr val="accent5"/>
-          </a:solidFill>
-          <a:ln w="12700">
-            <a:miter lim="400000"/>
-          </a:ln>
-        </p:spPr>
-        <p:txBody>
-          <a:bodyPr lIns="50800" tIns="50800" rIns="50800" bIns="50800" anchor="ctr"/>
-          <a:lstStyle/>
-          <a:p>
-            <a:pPr algn="ctr">
-              <a:lnSpc>
-                <a:spcPct val="80000"/>
-              </a:lnSpc>
-              <a:spcBef>
-                <a:spcPts val="0"/>
-              </a:spcBef>
-              <a:defRPr cap="all" sz="2800">
-                <a:solidFill>
-                  <a:srgbClr val="FFFFFF"/>
-                </a:solidFill>
-                <a:latin typeface="+mn-lt"/>
-                <a:ea typeface="+mn-ea"/>
-                <a:cs typeface="+mn-cs"/>
-                <a:sym typeface="DIN Condensed"/>
-              </a:defRPr>
-            </a:pPr>
-          </a:p>
-        </p:txBody>
-      </p:sp>
-      <p:sp>
-        <p:nvSpPr>
-          <p:cNvPr id="417" name="Shape 417"/>
-          <p:cNvSpPr/>
-          <p:nvPr/>
-        </p:nvSpPr>
-        <p:spPr>
-          <a:xfrm>
-            <a:off x="5332985" y="8206115"/>
-            <a:ext cx="7423405" cy="1143001"/>
-          </a:xfrm>
-          <a:prstGeom prst="rect">
-            <a:avLst/>
-          </a:prstGeom>
-          <a:ln w="12700">
-            <a:miter lim="400000"/>
-          </a:ln>
-          <a:extLst>
-            <a:ext uri="{C572A759-6A51-4108-AA02-DFA0A04FC94B}">
-              <ma14:wrappingTextBoxFlag xmlns:ma14="http://schemas.microsoft.com/office/mac/drawingml/2011/main" val="1"/>
-            </a:ext>
-          </a:extLst>
-        </p:spPr>
-        <p:txBody>
-          <a:bodyPr wrap="none" lIns="50800" tIns="50800" rIns="50800" bIns="50800" anchor="ctr">
-            <a:spAutoFit/>
-          </a:bodyPr>
-          <a:lstStyle>
-            <a:lvl1pPr>
-              <a:defRPr sz="6000">
-                <a:solidFill>
-                  <a:schemeClr val="accent5"/>
-                </a:solidFill>
-              </a:defRPr>
-            </a:lvl1pPr>
-          </a:lstStyle>
-          <a:p>
-            <a:pPr/>
-            <a:r>
-              <a:t>input (aka argument)</a:t>
+              <a:t>not included!</a:t>
             </a:r>
           </a:p>
         </p:txBody>
@@ -14191,7 +14186,7 @@
       </p:grpSpPr>
       <p:sp>
         <p:nvSpPr>
-          <p:cNvPr id="419" name="Shape 419"/>
+          <p:cNvPr id="408" name="Shape 408"/>
           <p:cNvSpPr/>
           <p:nvPr>
             <p:ph type="title"/>
@@ -14219,66 +14214,97 @@
           <a:p>
             <a:pPr/>
             <a:r>
-              <a:t>Function</a:t>
-            </a:r>
-          </a:p>
-        </p:txBody>
-      </p:sp>
-      <p:sp>
-        <p:nvSpPr>
-          <p:cNvPr id="420" name="Shape 420"/>
-          <p:cNvSpPr/>
-          <p:nvPr>
-            <p:ph type="body" sz="half" idx="1"/>
-          </p:nvPr>
-        </p:nvSpPr>
-        <p:spPr>
-          <a:xfrm>
-            <a:off x="406400" y="3953767"/>
-            <a:ext cx="12192000" cy="2531601"/>
-          </a:xfrm>
-          <a:prstGeom prst="rect">
-            <a:avLst/>
-          </a:prstGeom>
-        </p:spPr>
-        <p:txBody>
-          <a:bodyPr/>
-          <a:lstStyle/>
-          <a:p>
-            <a:pPr marL="642433" indent="-642433" defTabSz="531622">
-              <a:spcBef>
-                <a:spcPts val="2500"/>
-              </a:spcBef>
-              <a:buClrTx/>
-              <a:buSzPct val="40000"/>
-              <a:buFontTx/>
-              <a:buBlip>
-                <a:blip r:embed="rId2"/>
-              </a:buBlip>
-              <a:defRPr sz="5824"/>
-            </a:pPr>
-            <a:r>
-              <a:t>Performs an action</a:t>
-            </a:r>
-          </a:p>
-          <a:p>
-            <a:pPr marL="642433" indent="-642433" defTabSz="531622">
-              <a:lnSpc>
-                <a:spcPct val="200000"/>
-              </a:lnSpc>
-              <a:spcBef>
-                <a:spcPts val="2500"/>
-              </a:spcBef>
-              <a:buClrTx/>
-              <a:buSzPct val="40000"/>
-              <a:buFontTx/>
-              <a:buBlip>
-                <a:blip r:embed="rId2"/>
-              </a:buBlip>
-              <a:defRPr sz="5824"/>
-            </a:pPr>
-            <a:r>
-              <a:t>Action in example: print to screen</a:t>
+              <a:t>Slice Syntax</a:t>
+            </a:r>
+          </a:p>
+        </p:txBody>
+      </p:sp>
+      <p:sp>
+        <p:nvSpPr>
+          <p:cNvPr id="409" name="Shape 409"/>
+          <p:cNvSpPr/>
+          <p:nvPr/>
+        </p:nvSpPr>
+        <p:spPr>
+          <a:xfrm>
+            <a:off x="439081" y="4072620"/>
+            <a:ext cx="2606498" cy="1041401"/>
+          </a:xfrm>
+          <a:prstGeom prst="rect">
+            <a:avLst/>
+          </a:prstGeom>
+          <a:ln w="12700">
+            <a:miter lim="400000"/>
+          </a:ln>
+          <a:extLst>
+            <a:ext uri="{C572A759-6A51-4108-AA02-DFA0A04FC94B}">
+              <ma14:wrappingTextBoxFlag xmlns:ma14="http://schemas.microsoft.com/office/mac/drawingml/2011/main" val="1"/>
+            </a:ext>
+          </a:extLst>
+        </p:spPr>
+        <p:txBody>
+          <a:bodyPr wrap="none" lIns="50800" tIns="50800" rIns="50800" bIns="50800" anchor="ctr">
+            <a:spAutoFit/>
+          </a:bodyPr>
+          <a:lstStyle>
+            <a:lvl1pPr>
+              <a:defRPr sz="5400">
+                <a:latin typeface="Avenir Next"/>
+                <a:ea typeface="Avenir Next"/>
+                <a:cs typeface="Avenir Next"/>
+                <a:sym typeface="Avenir Next"/>
+              </a:defRPr>
+            </a:lvl1pPr>
+          </a:lstStyle>
+          <a:p>
+            <a:pPr/>
+            <a:r>
+              <a:t>English:</a:t>
+            </a:r>
+          </a:p>
+        </p:txBody>
+      </p:sp>
+      <p:sp>
+        <p:nvSpPr>
+          <p:cNvPr id="410" name="Shape 410"/>
+          <p:cNvSpPr/>
+          <p:nvPr/>
+        </p:nvSpPr>
+        <p:spPr>
+          <a:xfrm>
+            <a:off x="460247" y="5482166"/>
+            <a:ext cx="12105472" cy="1066801"/>
+          </a:xfrm>
+          <a:prstGeom prst="rect">
+            <a:avLst/>
+          </a:prstGeom>
+          <a:ln w="12700">
+            <a:miter lim="400000"/>
+          </a:ln>
+          <a:extLst>
+            <a:ext uri="{C572A759-6A51-4108-AA02-DFA0A04FC94B}">
+              <ma14:wrappingTextBoxFlag xmlns:ma14="http://schemas.microsoft.com/office/mac/drawingml/2011/main" val="1"/>
+            </a:ext>
+          </a:extLst>
+        </p:spPr>
+        <p:txBody>
+          <a:bodyPr lIns="50800" tIns="50800" rIns="50800" bIns="50800" anchor="ctr">
+            <a:spAutoFit/>
+          </a:bodyPr>
+          <a:lstStyle>
+            <a:lvl1pPr>
+              <a:defRPr i="1" sz="5600">
+                <a:latin typeface="Avenir Next"/>
+                <a:ea typeface="Avenir Next"/>
+                <a:cs typeface="Avenir Next"/>
+                <a:sym typeface="Avenir Next"/>
+              </a:defRPr>
+            </a:lvl1pPr>
+          </a:lstStyle>
+          <a:p>
+            <a:pPr/>
+            <a:r>
+              <a:t>get all the letters up to the third</a:t>
             </a:r>
           </a:p>
         </p:txBody>
@@ -14414,7 +14440,7 @@
       </p:grpSpPr>
       <p:sp>
         <p:nvSpPr>
-          <p:cNvPr id="422" name="Shape 422"/>
+          <p:cNvPr id="412" name="Shape 412"/>
           <p:cNvSpPr/>
           <p:nvPr>
             <p:ph type="title"/>
@@ -14442,21 +14468,21 @@
           <a:p>
             <a:pPr/>
             <a:r>
-              <a:t>Function vs method</a:t>
-            </a:r>
-          </a:p>
-        </p:txBody>
-      </p:sp>
-      <p:sp>
-        <p:nvSpPr>
-          <p:cNvPr id="423" name="Shape 423"/>
+              <a:t>SLICE Syntax</a:t>
+            </a:r>
+          </a:p>
+        </p:txBody>
+      </p:sp>
+      <p:sp>
+        <p:nvSpPr>
+          <p:cNvPr id="413" name="Shape 413"/>
           <p:cNvSpPr/>
           <p:nvPr/>
         </p:nvSpPr>
         <p:spPr>
           <a:xfrm>
-            <a:off x="466598" y="3924453"/>
-            <a:ext cx="11726396" cy="965201"/>
+            <a:off x="3774461" y="4078816"/>
+            <a:ext cx="5455878" cy="927101"/>
           </a:xfrm>
           <a:prstGeom prst="rect">
             <a:avLst/>
@@ -14471,80 +14497,23 @@
           </a:extLst>
         </p:spPr>
         <p:txBody>
-          <a:bodyPr wrap="none" lIns="50800" tIns="50800" rIns="50800" bIns="50800" anchor="ctr">
-            <a:spAutoFit/>
-          </a:bodyPr>
-          <a:lstStyle/>
-          <a:p>
-            <a:pPr marL="705970" indent="-705970">
-              <a:buSzPct val="40000"/>
-              <a:buBlip>
-                <a:blip r:embed="rId2"/>
-              </a:buBlip>
-              <a:defRPr sz="5000">
-                <a:latin typeface="Avenir Next"/>
-                <a:ea typeface="Avenir Next"/>
-                <a:cs typeface="Avenir Next"/>
-                <a:sym typeface="Avenir Next"/>
-              </a:defRPr>
-            </a:pPr>
-            <a:r>
-              <a:rPr u="sng"/>
-              <a:t>Same</a:t>
-            </a:r>
-            <a:r>
-              <a:t>: performs an “action” with input</a:t>
-            </a:r>
-          </a:p>
-        </p:txBody>
-      </p:sp>
-      <p:sp>
-        <p:nvSpPr>
-          <p:cNvPr id="424" name="Shape 424"/>
-          <p:cNvSpPr/>
-          <p:nvPr/>
-        </p:nvSpPr>
-        <p:spPr>
-          <a:xfrm>
-            <a:off x="466598" y="5897033"/>
-            <a:ext cx="12071604" cy="965201"/>
-          </a:xfrm>
-          <a:prstGeom prst="rect">
-            <a:avLst/>
-          </a:prstGeom>
-          <a:ln w="12700">
-            <a:miter lim="400000"/>
-          </a:ln>
-          <a:extLst>
-            <a:ext uri="{C572A759-6A51-4108-AA02-DFA0A04FC94B}">
-              <ma14:wrappingTextBoxFlag xmlns:ma14="http://schemas.microsoft.com/office/mac/drawingml/2011/main" val="1"/>
-            </a:ext>
-          </a:extLst>
-        </p:spPr>
-        <p:txBody>
           <a:bodyPr lIns="50800" tIns="50800" rIns="50800" bIns="50800" anchor="ctr">
             <a:spAutoFit/>
           </a:bodyPr>
-          <a:lstStyle/>
-          <a:p>
-            <a:pPr marL="705970" indent="-705970">
-              <a:buSzPct val="40000"/>
-              <a:buBlip>
-                <a:blip r:embed="rId2"/>
-              </a:buBlip>
-              <a:defRPr sz="5000">
-                <a:latin typeface="Avenir Next"/>
-                <a:ea typeface="Avenir Next"/>
-                <a:cs typeface="Avenir Next"/>
-                <a:sym typeface="Avenir Next"/>
+          <a:lstStyle>
+            <a:lvl1pPr>
+              <a:defRPr sz="5400">
+                <a:latin typeface="Anonymous Pro for Powerline"/>
+                <a:ea typeface="Anonymous Pro for Powerline"/>
+                <a:cs typeface="Anonymous Pro for Powerline"/>
+                <a:sym typeface="Anonymous Pro for Powerline"/>
               </a:defRPr>
-            </a:pPr>
-            <a:r>
-              <a:rPr u="sng"/>
-              <a:t>Different</a:t>
-            </a:r>
-            <a:r>
-              <a:t>: where input comes from</a:t>
+            </a:lvl1pPr>
+          </a:lstStyle>
+          <a:p>
+            <a:pPr/>
+            <a:r>
+              <a:t>my_string[:3]</a:t>
             </a:r>
           </a:p>
         </p:txBody>
@@ -14577,7 +14546,7 @@
       </p:grpSpPr>
       <p:sp>
         <p:nvSpPr>
-          <p:cNvPr id="426" name="Shape 426"/>
+          <p:cNvPr id="415" name="Shape 415"/>
           <p:cNvSpPr/>
           <p:nvPr>
             <p:ph type="title"/>
@@ -14605,21 +14574,21 @@
           <a:p>
             <a:pPr/>
             <a:r>
-              <a:t>method Example</a:t>
-            </a:r>
-          </a:p>
-        </p:txBody>
-      </p:sp>
-      <p:sp>
-        <p:nvSpPr>
-          <p:cNvPr id="427" name="Shape 427"/>
+              <a:t>Slice Syntax</a:t>
+            </a:r>
+          </a:p>
+        </p:txBody>
+      </p:sp>
+      <p:sp>
+        <p:nvSpPr>
+          <p:cNvPr id="416" name="Shape 416"/>
           <p:cNvSpPr/>
           <p:nvPr/>
         </p:nvSpPr>
         <p:spPr>
           <a:xfrm>
-            <a:off x="1717005" y="4761444"/>
-            <a:ext cx="9570790" cy="1041401"/>
+            <a:off x="439081" y="4072620"/>
+            <a:ext cx="2606498" cy="1041401"/>
           </a:xfrm>
           <a:prstGeom prst="rect">
             <a:avLst/>
@@ -14639,18 +14608,63 @@
           </a:bodyPr>
           <a:lstStyle>
             <a:lvl1pPr>
-              <a:defRPr sz="6200">
-                <a:latin typeface="Anonymous Pro for Powerline"/>
-                <a:ea typeface="Anonymous Pro for Powerline"/>
-                <a:cs typeface="Anonymous Pro for Powerline"/>
-                <a:sym typeface="Anonymous Pro for Powerline"/>
+              <a:defRPr sz="5400">
+                <a:latin typeface="Avenir Next"/>
+                <a:ea typeface="Avenir Next"/>
+                <a:cs typeface="Avenir Next"/>
+                <a:sym typeface="Avenir Next"/>
               </a:defRPr>
             </a:lvl1pPr>
           </a:lstStyle>
           <a:p>
             <a:pPr/>
             <a:r>
-              <a:t>“Rob”.replace(“R”,“B”)</a:t>
+              <a:t>English:</a:t>
+            </a:r>
+          </a:p>
+        </p:txBody>
+      </p:sp>
+      <p:sp>
+        <p:nvSpPr>
+          <p:cNvPr id="417" name="Shape 417"/>
+          <p:cNvSpPr/>
+          <p:nvPr/>
+        </p:nvSpPr>
+        <p:spPr>
+          <a:xfrm>
+            <a:off x="449664" y="5354242"/>
+            <a:ext cx="12105472" cy="2032001"/>
+          </a:xfrm>
+          <a:prstGeom prst="rect">
+            <a:avLst/>
+          </a:prstGeom>
+          <a:ln w="12700">
+            <a:miter lim="400000"/>
+          </a:ln>
+          <a:extLst>
+            <a:ext uri="{C572A759-6A51-4108-AA02-DFA0A04FC94B}">
+              <ma14:wrappingTextBoxFlag xmlns:ma14="http://schemas.microsoft.com/office/mac/drawingml/2011/main" val="1"/>
+            </a:ext>
+          </a:extLst>
+        </p:spPr>
+        <p:txBody>
+          <a:bodyPr lIns="50800" tIns="50800" rIns="50800" bIns="50800" anchor="ctr">
+            <a:spAutoFit/>
+          </a:bodyPr>
+          <a:lstStyle>
+            <a:lvl1pPr>
+              <a:defRPr i="1" sz="5600">
+                <a:latin typeface="Avenir Next"/>
+                <a:ea typeface="Avenir Next"/>
+                <a:cs typeface="Avenir Next"/>
+                <a:sym typeface="Avenir Next"/>
+              </a:defRPr>
+            </a:lvl1pPr>
+          </a:lstStyle>
+          <a:p>
+            <a:pPr/>
+            <a:r>
+              <a:t>grab from the third element through until the end</a:t>
             </a:r>
           </a:p>
         </p:txBody>
@@ -14683,7 +14697,7 @@
       </p:grpSpPr>
       <p:sp>
         <p:nvSpPr>
-          <p:cNvPr id="429" name="Shape 429"/>
+          <p:cNvPr id="419" name="Shape 419"/>
           <p:cNvSpPr/>
           <p:nvPr>
             <p:ph type="title"/>
@@ -14711,21 +14725,21 @@
           <a:p>
             <a:pPr/>
             <a:r>
-              <a:t>method Example</a:t>
-            </a:r>
-          </a:p>
-        </p:txBody>
-      </p:sp>
-      <p:sp>
-        <p:nvSpPr>
-          <p:cNvPr id="430" name="Shape 430"/>
+              <a:t>SLICE Syntax</a:t>
+            </a:r>
+          </a:p>
+        </p:txBody>
+      </p:sp>
+      <p:sp>
+        <p:nvSpPr>
+          <p:cNvPr id="420" name="Shape 420"/>
           <p:cNvSpPr/>
           <p:nvPr/>
         </p:nvSpPr>
         <p:spPr>
           <a:xfrm>
-            <a:off x="1717005" y="4761444"/>
-            <a:ext cx="9570790" cy="1041401"/>
+            <a:off x="3774461" y="4078816"/>
+            <a:ext cx="5455878" cy="927101"/>
           </a:xfrm>
           <a:prstGeom prst="rect">
             <a:avLst/>
@@ -14740,12 +14754,12 @@
           </a:extLst>
         </p:spPr>
         <p:txBody>
-          <a:bodyPr wrap="none" lIns="50800" tIns="50800" rIns="50800" bIns="50800" anchor="ctr">
+          <a:bodyPr lIns="50800" tIns="50800" rIns="50800" bIns="50800" anchor="ctr">
             <a:spAutoFit/>
           </a:bodyPr>
           <a:lstStyle>
             <a:lvl1pPr>
-              <a:defRPr sz="6200">
+              <a:defRPr sz="5400">
                 <a:latin typeface="Anonymous Pro for Powerline"/>
                 <a:ea typeface="Anonymous Pro for Powerline"/>
                 <a:cs typeface="Anonymous Pro for Powerline"/>
@@ -14756,99 +14770,7 @@
           <a:p>
             <a:pPr/>
             <a:r>
-              <a:t>“Rob”.replace(“R”,“B”)</a:t>
-            </a:r>
-          </a:p>
-        </p:txBody>
-      </p:sp>
-      <p:sp>
-        <p:nvSpPr>
-          <p:cNvPr id="431" name="Shape 431"/>
-          <p:cNvSpPr/>
-          <p:nvPr/>
-        </p:nvSpPr>
-        <p:spPr>
-          <a:xfrm rot="21591301">
-            <a:off x="1978286" y="6822672"/>
-            <a:ext cx="1620784" cy="518251"/>
-          </a:xfrm>
-          <a:prstGeom prst="rightArrow">
-            <a:avLst>
-              <a:gd name="adj1" fmla="val 34174"/>
-              <a:gd name="adj2" fmla="val 145948"/>
-            </a:avLst>
-          </a:prstGeom>
-          <a:solidFill>
-            <a:schemeClr val="accent5"/>
-          </a:solidFill>
-          <a:ln w="12700">
-            <a:miter lim="400000"/>
-          </a:ln>
-        </p:spPr>
-        <p:txBody>
-          <a:bodyPr lIns="50800" tIns="50800" rIns="50800" bIns="50800" anchor="ctr"/>
-          <a:lstStyle/>
-          <a:p>
-            <a:pPr algn="ctr">
-              <a:lnSpc>
-                <a:spcPct val="80000"/>
-              </a:lnSpc>
-              <a:spcBef>
-                <a:spcPts val="0"/>
-              </a:spcBef>
-              <a:defRPr cap="all" sz="2800">
-                <a:solidFill>
-                  <a:srgbClr val="FFFFFF"/>
-                </a:solidFill>
-                <a:latin typeface="+mn-lt"/>
-                <a:ea typeface="+mn-ea"/>
-                <a:cs typeface="+mn-cs"/>
-                <a:sym typeface="DIN Condensed"/>
-              </a:defRPr>
-            </a:pPr>
-          </a:p>
-        </p:txBody>
-      </p:sp>
-      <p:sp>
-        <p:nvSpPr>
-          <p:cNvPr id="432" name="Shape 432"/>
-          <p:cNvSpPr/>
-          <p:nvPr/>
-        </p:nvSpPr>
-        <p:spPr>
-          <a:xfrm>
-            <a:off x="3798578" y="6510161"/>
-            <a:ext cx="2202181" cy="1143001"/>
-          </a:xfrm>
-          <a:prstGeom prst="rect">
-            <a:avLst/>
-          </a:prstGeom>
-          <a:ln w="12700">
-            <a:miter lim="400000"/>
-          </a:ln>
-          <a:extLst>
-            <a:ext uri="{C572A759-6A51-4108-AA02-DFA0A04FC94B}">
-              <ma14:wrappingTextBoxFlag xmlns:ma14="http://schemas.microsoft.com/office/mac/drawingml/2011/main" val="1"/>
-            </a:ext>
-          </a:extLst>
-        </p:spPr>
-        <p:txBody>
-          <a:bodyPr wrap="none" lIns="50800" tIns="50800" rIns="50800" bIns="50800" anchor="ctr">
-            <a:spAutoFit/>
-          </a:bodyPr>
-          <a:lstStyle>
-            <a:lvl1pPr>
-              <a:defRPr sz="6000">
-                <a:solidFill>
-                  <a:schemeClr val="accent5"/>
-                </a:solidFill>
-              </a:defRPr>
-            </a:lvl1pPr>
-          </a:lstStyle>
-          <a:p>
-            <a:pPr/>
-            <a:r>
-              <a:t>“Bob”</a:t>
+              <a:t>my_string[2:]</a:t>
             </a:r>
           </a:p>
         </p:txBody>
@@ -14881,7 +14803,7 @@
       </p:grpSpPr>
       <p:sp>
         <p:nvSpPr>
-          <p:cNvPr id="436" name="Shape 436"/>
+          <p:cNvPr id="422" name="Shape 422"/>
           <p:cNvSpPr/>
           <p:nvPr>
             <p:ph type="title"/>
@@ -14909,21 +14831,21 @@
           <a:p>
             <a:pPr/>
             <a:r>
-              <a:t>method Example</a:t>
-            </a:r>
-          </a:p>
-        </p:txBody>
-      </p:sp>
-      <p:sp>
-        <p:nvSpPr>
-          <p:cNvPr id="437" name="Shape 437"/>
+              <a:t>Slice: step</a:t>
+            </a:r>
+          </a:p>
+        </p:txBody>
+      </p:sp>
+      <p:sp>
+        <p:nvSpPr>
+          <p:cNvPr id="423" name="Shape 423"/>
           <p:cNvSpPr/>
           <p:nvPr/>
         </p:nvSpPr>
         <p:spPr>
           <a:xfrm>
-            <a:off x="1717005" y="4761444"/>
-            <a:ext cx="9570790" cy="1041401"/>
+            <a:off x="495150" y="4413249"/>
+            <a:ext cx="11562527" cy="927101"/>
           </a:xfrm>
           <a:prstGeom prst="rect">
             <a:avLst/>
@@ -14938,12 +14860,12 @@
           </a:extLst>
         </p:spPr>
         <p:txBody>
-          <a:bodyPr wrap="none" lIns="50800" tIns="50800" rIns="50800" bIns="50800" anchor="ctr">
+          <a:bodyPr lIns="50800" tIns="50800" rIns="50800" bIns="50800" anchor="ctr">
             <a:spAutoFit/>
           </a:bodyPr>
           <a:lstStyle>
             <a:lvl1pPr>
-              <a:defRPr sz="6200">
+              <a:defRPr sz="5400">
                 <a:latin typeface="Anonymous Pro for Powerline"/>
                 <a:ea typeface="Anonymous Pro for Powerline"/>
                 <a:cs typeface="Anonymous Pro for Powerline"/>
@@ -14954,99 +14876,7 @@
           <a:p>
             <a:pPr/>
             <a:r>
-              <a:t>“Rob”.replace(“R”,“B”)</a:t>
-            </a:r>
-          </a:p>
-        </p:txBody>
-      </p:sp>
-      <p:sp>
-        <p:nvSpPr>
-          <p:cNvPr id="438" name="Shape 438"/>
-          <p:cNvSpPr/>
-          <p:nvPr/>
-        </p:nvSpPr>
-        <p:spPr>
-          <a:xfrm rot="16200000">
-            <a:off x="1978286" y="6391994"/>
-            <a:ext cx="1620784" cy="518251"/>
-          </a:xfrm>
-          <a:prstGeom prst="rightArrow">
-            <a:avLst>
-              <a:gd name="adj1" fmla="val 34174"/>
-              <a:gd name="adj2" fmla="val 145948"/>
-            </a:avLst>
-          </a:prstGeom>
-          <a:solidFill>
-            <a:schemeClr val="accent5"/>
-          </a:solidFill>
-          <a:ln w="12700">
-            <a:miter lim="400000"/>
-          </a:ln>
-        </p:spPr>
-        <p:txBody>
-          <a:bodyPr lIns="50800" tIns="50800" rIns="50800" bIns="50800" anchor="ctr"/>
-          <a:lstStyle/>
-          <a:p>
-            <a:pPr algn="ctr">
-              <a:lnSpc>
-                <a:spcPct val="80000"/>
-              </a:lnSpc>
-              <a:spcBef>
-                <a:spcPts val="0"/>
-              </a:spcBef>
-              <a:defRPr cap="all" sz="2800">
-                <a:solidFill>
-                  <a:srgbClr val="FFFFFF"/>
-                </a:solidFill>
-                <a:latin typeface="+mn-lt"/>
-                <a:ea typeface="+mn-ea"/>
-                <a:cs typeface="+mn-cs"/>
-                <a:sym typeface="DIN Condensed"/>
-              </a:defRPr>
-            </a:pPr>
-          </a:p>
-        </p:txBody>
-      </p:sp>
-      <p:sp>
-        <p:nvSpPr>
-          <p:cNvPr id="439" name="Shape 439"/>
-          <p:cNvSpPr/>
-          <p:nvPr/>
-        </p:nvSpPr>
-        <p:spPr>
-          <a:xfrm>
-            <a:off x="1303539" y="7499394"/>
-            <a:ext cx="6147817" cy="1143001"/>
-          </a:xfrm>
-          <a:prstGeom prst="rect">
-            <a:avLst/>
-          </a:prstGeom>
-          <a:ln w="12700">
-            <a:miter lim="400000"/>
-          </a:ln>
-          <a:extLst>
-            <a:ext uri="{C572A759-6A51-4108-AA02-DFA0A04FC94B}">
-              <ma14:wrappingTextBoxFlag xmlns:ma14="http://schemas.microsoft.com/office/mac/drawingml/2011/main" val="1"/>
-            </a:ext>
-          </a:extLst>
-        </p:spPr>
-        <p:txBody>
-          <a:bodyPr wrap="none" lIns="50800" tIns="50800" rIns="50800" bIns="50800" anchor="ctr">
-            <a:spAutoFit/>
-          </a:bodyPr>
-          <a:lstStyle>
-            <a:lvl1pPr>
-              <a:defRPr sz="6000">
-                <a:solidFill>
-                  <a:schemeClr val="accent5"/>
-                </a:solidFill>
-              </a:defRPr>
-            </a:lvl1pPr>
-          </a:lstStyle>
-          <a:p>
-            <a:pPr/>
-            <a:r>
-              <a:t>method on string</a:t>
+              <a:t>[start_index:end_index]</a:t>
             </a:r>
           </a:p>
         </p:txBody>
@@ -15079,7 +14909,7 @@
       </p:grpSpPr>
       <p:sp>
         <p:nvSpPr>
-          <p:cNvPr id="443" name="Shape 443"/>
+          <p:cNvPr id="425" name="Shape 425"/>
           <p:cNvSpPr/>
           <p:nvPr>
             <p:ph type="title"/>
@@ -15107,21 +14937,21 @@
           <a:p>
             <a:pPr/>
             <a:r>
-              <a:t>Function vs method</a:t>
-            </a:r>
-          </a:p>
-        </p:txBody>
-      </p:sp>
-      <p:sp>
-        <p:nvSpPr>
-          <p:cNvPr id="444" name="Shape 444"/>
+              <a:t>Slice: step</a:t>
+            </a:r>
+          </a:p>
+        </p:txBody>
+      </p:sp>
+      <p:sp>
+        <p:nvSpPr>
+          <p:cNvPr id="426" name="Shape 426"/>
           <p:cNvSpPr/>
           <p:nvPr/>
         </p:nvSpPr>
         <p:spPr>
           <a:xfrm>
-            <a:off x="556367" y="4260849"/>
-            <a:ext cx="11454710" cy="927101"/>
+            <a:off x="495150" y="4413249"/>
+            <a:ext cx="11562527" cy="927101"/>
           </a:xfrm>
           <a:prstGeom prst="rect">
             <a:avLst/>
@@ -15139,157 +14969,29 @@
           <a:bodyPr lIns="50800" tIns="50800" rIns="50800" bIns="50800" anchor="ctr">
             <a:spAutoFit/>
           </a:bodyPr>
-          <a:lstStyle>
-            <a:lvl1pPr>
+          <a:lstStyle/>
+          <a:p>
+            <a:pPr>
               <a:defRPr sz="5400">
                 <a:latin typeface="Anonymous Pro for Powerline"/>
                 <a:ea typeface="Anonymous Pro for Powerline"/>
                 <a:cs typeface="Anonymous Pro for Powerline"/>
                 <a:sym typeface="Anonymous Pro for Powerline"/>
               </a:defRPr>
-            </a:lvl1pPr>
-          </a:lstStyle>
-          <a:p>
-            <a:pPr/>
-            <a:r>
-              <a:t>print(“Rob”)</a:t>
-            </a:r>
-          </a:p>
-        </p:txBody>
-      </p:sp>
-      <p:sp>
-        <p:nvSpPr>
-          <p:cNvPr id="445" name="Shape 445"/>
-          <p:cNvSpPr/>
-          <p:nvPr/>
-        </p:nvSpPr>
-        <p:spPr>
-          <a:xfrm>
-            <a:off x="351328" y="6877049"/>
-            <a:ext cx="11454710" cy="927101"/>
-          </a:xfrm>
-          <a:prstGeom prst="rect">
-            <a:avLst/>
-          </a:prstGeom>
-          <a:ln w="12700">
-            <a:miter lim="400000"/>
-          </a:ln>
-          <a:extLst>
-            <a:ext uri="{C572A759-6A51-4108-AA02-DFA0A04FC94B}">
-              <ma14:wrappingTextBoxFlag xmlns:ma14="http://schemas.microsoft.com/office/mac/drawingml/2011/main" val="1"/>
-            </a:ext>
-          </a:extLst>
-        </p:spPr>
-        <p:txBody>
-          <a:bodyPr lIns="50800" tIns="50800" rIns="50800" bIns="50800" anchor="ctr">
-            <a:spAutoFit/>
-          </a:bodyPr>
-          <a:lstStyle>
-            <a:lvl1pPr>
-              <a:defRPr sz="5400">
-                <a:latin typeface="Anonymous Pro for Powerline"/>
-                <a:ea typeface="Anonymous Pro for Powerline"/>
-                <a:cs typeface="Anonymous Pro for Powerline"/>
-                <a:sym typeface="Anonymous Pro for Powerline"/>
-              </a:defRPr>
-            </a:lvl1pPr>
-          </a:lstStyle>
-          <a:p>
-            <a:pPr/>
-            <a:r>
-              <a:t>“Rob”.replace(“R”,“B”)</a:t>
-            </a:r>
-          </a:p>
-        </p:txBody>
-      </p:sp>
-      <p:sp>
-        <p:nvSpPr>
-          <p:cNvPr id="446" name="Shape 446"/>
-          <p:cNvSpPr/>
-          <p:nvPr/>
-        </p:nvSpPr>
-        <p:spPr>
-          <a:xfrm rot="10800000">
-            <a:off x="5532582" y="4194604"/>
-            <a:ext cx="1270001" cy="1270001"/>
-          </a:xfrm>
-          <a:prstGeom prst="rightArrow">
-            <a:avLst>
-              <a:gd name="adj1" fmla="val 32000"/>
-              <a:gd name="adj2" fmla="val 64000"/>
-            </a:avLst>
-          </a:prstGeom>
-          <a:solidFill>
-            <a:schemeClr val="accent1"/>
-          </a:solidFill>
-          <a:ln w="12700">
-            <a:miter lim="400000"/>
-          </a:ln>
-        </p:spPr>
-        <p:txBody>
-          <a:bodyPr lIns="50800" tIns="50800" rIns="50800" bIns="50800" anchor="ctr"/>
-          <a:lstStyle/>
-          <a:p>
-            <a:pPr algn="ctr">
-              <a:lnSpc>
-                <a:spcPct val="80000"/>
-              </a:lnSpc>
-              <a:spcBef>
-                <a:spcPts val="0"/>
-              </a:spcBef>
-              <a:defRPr cap="all" sz="2800">
+            </a:pPr>
+            <a:r>
+              <a:t>[start_index:end_index:</a:t>
+            </a:r>
+            <a:r>
+              <a:rPr>
                 <a:solidFill>
-                  <a:srgbClr val="FFFFFF"/>
+                  <a:schemeClr val="accent3"/>
                 </a:solidFill>
-                <a:latin typeface="+mn-lt"/>
-                <a:ea typeface="+mn-ea"/>
-                <a:cs typeface="+mn-cs"/>
-                <a:sym typeface="DIN Condensed"/>
-              </a:defRPr>
-            </a:pPr>
-          </a:p>
-        </p:txBody>
-      </p:sp>
-      <p:sp>
-        <p:nvSpPr>
-          <p:cNvPr id="447" name="Shape 447"/>
-          <p:cNvSpPr/>
-          <p:nvPr/>
-        </p:nvSpPr>
-        <p:spPr>
-          <a:xfrm>
-            <a:off x="7179408" y="4080304"/>
-            <a:ext cx="4151261" cy="1498601"/>
-          </a:xfrm>
-          <a:prstGeom prst="rect">
-            <a:avLst/>
-          </a:prstGeom>
-          <a:ln w="12700">
-            <a:miter lim="400000"/>
-          </a:ln>
-          <a:extLst>
-            <a:ext uri="{C572A759-6A51-4108-AA02-DFA0A04FC94B}">
-              <ma14:wrappingTextBoxFlag xmlns:ma14="http://schemas.microsoft.com/office/mac/drawingml/2011/main" val="1"/>
-            </a:ext>
-          </a:extLst>
-        </p:spPr>
-        <p:txBody>
-          <a:bodyPr lIns="50800" tIns="50800" rIns="50800" bIns="50800" anchor="ctr">
-            <a:spAutoFit/>
-          </a:bodyPr>
-          <a:lstStyle>
-            <a:lvl1pPr>
-              <a:defRPr sz="4000">
-                <a:solidFill>
-                  <a:schemeClr val="accent1"/>
-                </a:solidFill>
-              </a:defRPr>
-            </a:lvl1pPr>
-          </a:lstStyle>
-          <a:p>
-            <a:pPr/>
-            <a:r>
-              <a:t>Input between parentheses</a:t>
+              </a:rPr>
+              <a:t>step</a:t>
+            </a:r>
+            <a:r>
+              <a:t>]</a:t>
             </a:r>
           </a:p>
         </p:txBody>
@@ -15322,7 +15024,7 @@
       </p:grpSpPr>
       <p:sp>
         <p:nvSpPr>
-          <p:cNvPr id="449" name="Shape 449"/>
+          <p:cNvPr id="428" name="Shape 428"/>
           <p:cNvSpPr/>
           <p:nvPr>
             <p:ph type="title"/>
@@ -15350,21 +15052,21 @@
           <a:p>
             <a:pPr/>
             <a:r>
-              <a:t>Function vs method</a:t>
-            </a:r>
-          </a:p>
-        </p:txBody>
-      </p:sp>
-      <p:sp>
-        <p:nvSpPr>
-          <p:cNvPr id="450" name="Shape 450"/>
+              <a:t>Slice: step</a:t>
+            </a:r>
+          </a:p>
+        </p:txBody>
+      </p:sp>
+      <p:sp>
+        <p:nvSpPr>
+          <p:cNvPr id="429" name="Shape 429"/>
           <p:cNvSpPr/>
           <p:nvPr/>
         </p:nvSpPr>
         <p:spPr>
           <a:xfrm>
-            <a:off x="556367" y="4260849"/>
-            <a:ext cx="11454710" cy="927101"/>
+            <a:off x="925828" y="4413249"/>
+            <a:ext cx="11562527" cy="927101"/>
           </a:xfrm>
           <a:prstGeom prst="rect">
             <a:avLst/>
@@ -15382,249 +15084,29 @@
           <a:bodyPr lIns="50800" tIns="50800" rIns="50800" bIns="50800" anchor="ctr">
             <a:spAutoFit/>
           </a:bodyPr>
-          <a:lstStyle>
-            <a:lvl1pPr>
+          <a:lstStyle/>
+          <a:p>
+            <a:pPr>
               <a:defRPr sz="5400">
                 <a:latin typeface="Anonymous Pro for Powerline"/>
                 <a:ea typeface="Anonymous Pro for Powerline"/>
                 <a:cs typeface="Anonymous Pro for Powerline"/>
                 <a:sym typeface="Anonymous Pro for Powerline"/>
               </a:defRPr>
-            </a:lvl1pPr>
-          </a:lstStyle>
-          <a:p>
-            <a:pPr/>
-            <a:r>
-              <a:t>print(“Rob”)</a:t>
-            </a:r>
-          </a:p>
-        </p:txBody>
-      </p:sp>
-      <p:sp>
-        <p:nvSpPr>
-          <p:cNvPr id="451" name="Shape 451"/>
-          <p:cNvSpPr/>
-          <p:nvPr/>
-        </p:nvSpPr>
-        <p:spPr>
-          <a:xfrm>
-            <a:off x="351328" y="6877049"/>
-            <a:ext cx="11454710" cy="927101"/>
-          </a:xfrm>
-          <a:prstGeom prst="rect">
-            <a:avLst/>
-          </a:prstGeom>
-          <a:ln w="12700">
-            <a:miter lim="400000"/>
-          </a:ln>
-          <a:extLst>
-            <a:ext uri="{C572A759-6A51-4108-AA02-DFA0A04FC94B}">
-              <ma14:wrappingTextBoxFlag xmlns:ma14="http://schemas.microsoft.com/office/mac/drawingml/2011/main" val="1"/>
-            </a:ext>
-          </a:extLst>
-        </p:spPr>
-        <p:txBody>
-          <a:bodyPr lIns="50800" tIns="50800" rIns="50800" bIns="50800" anchor="ctr">
-            <a:spAutoFit/>
-          </a:bodyPr>
-          <a:lstStyle>
-            <a:lvl1pPr>
-              <a:defRPr sz="5400">
-                <a:latin typeface="Anonymous Pro for Powerline"/>
-                <a:ea typeface="Anonymous Pro for Powerline"/>
-                <a:cs typeface="Anonymous Pro for Powerline"/>
-                <a:sym typeface="Anonymous Pro for Powerline"/>
-              </a:defRPr>
-            </a:lvl1pPr>
-          </a:lstStyle>
-          <a:p>
-            <a:pPr/>
-            <a:r>
-              <a:t>“Rob”.replace(“R”,“B”)</a:t>
-            </a:r>
-          </a:p>
-        </p:txBody>
-      </p:sp>
-      <p:sp>
-        <p:nvSpPr>
-          <p:cNvPr id="452" name="Shape 452"/>
-          <p:cNvSpPr/>
-          <p:nvPr/>
-        </p:nvSpPr>
-        <p:spPr>
-          <a:xfrm rot="10800000">
-            <a:off x="5532582" y="4194604"/>
-            <a:ext cx="1270001" cy="1270001"/>
-          </a:xfrm>
-          <a:prstGeom prst="rightArrow">
-            <a:avLst>
-              <a:gd name="adj1" fmla="val 32000"/>
-              <a:gd name="adj2" fmla="val 64000"/>
-            </a:avLst>
-          </a:prstGeom>
-          <a:solidFill>
-            <a:schemeClr val="accent1"/>
-          </a:solidFill>
-          <a:ln w="12700">
-            <a:miter lim="400000"/>
-          </a:ln>
-        </p:spPr>
-        <p:txBody>
-          <a:bodyPr lIns="50800" tIns="50800" rIns="50800" bIns="50800" anchor="ctr"/>
-          <a:lstStyle/>
-          <a:p>
-            <a:pPr algn="ctr">
-              <a:lnSpc>
-                <a:spcPct val="80000"/>
-              </a:lnSpc>
-              <a:spcBef>
-                <a:spcPts val="0"/>
-              </a:spcBef>
-              <a:defRPr cap="all" sz="2800">
+            </a:pPr>
+            <a:r>
+              <a:t>my_list[::</a:t>
+            </a:r>
+            <a:r>
+              <a:rPr>
                 <a:solidFill>
-                  <a:srgbClr val="FFFFFF"/>
+                  <a:schemeClr val="accent3"/>
                 </a:solidFill>
-                <a:latin typeface="+mn-lt"/>
-                <a:ea typeface="+mn-ea"/>
-                <a:cs typeface="+mn-cs"/>
-                <a:sym typeface="DIN Condensed"/>
-              </a:defRPr>
-            </a:pPr>
-          </a:p>
-        </p:txBody>
-      </p:sp>
-      <p:sp>
-        <p:nvSpPr>
-          <p:cNvPr id="453" name="Shape 453"/>
-          <p:cNvSpPr/>
-          <p:nvPr/>
-        </p:nvSpPr>
-        <p:spPr>
-          <a:xfrm>
-            <a:off x="7179408" y="4080304"/>
-            <a:ext cx="4151261" cy="1498601"/>
-          </a:xfrm>
-          <a:prstGeom prst="rect">
-            <a:avLst/>
-          </a:prstGeom>
-          <a:ln w="12700">
-            <a:miter lim="400000"/>
-          </a:ln>
-          <a:extLst>
-            <a:ext uri="{C572A759-6A51-4108-AA02-DFA0A04FC94B}">
-              <ma14:wrappingTextBoxFlag xmlns:ma14="http://schemas.microsoft.com/office/mac/drawingml/2011/main" val="1"/>
-            </a:ext>
-          </a:extLst>
-        </p:spPr>
-        <p:txBody>
-          <a:bodyPr lIns="50800" tIns="50800" rIns="50800" bIns="50800" anchor="ctr">
-            <a:spAutoFit/>
-          </a:bodyPr>
-          <a:lstStyle>
-            <a:lvl1pPr>
-              <a:defRPr sz="4000">
-                <a:solidFill>
-                  <a:schemeClr val="accent1"/>
-                </a:solidFill>
-              </a:defRPr>
-            </a:lvl1pPr>
-          </a:lstStyle>
-          <a:p>
-            <a:pPr/>
-            <a:r>
-              <a:t>Input between parentheses</a:t>
-            </a:r>
-          </a:p>
-        </p:txBody>
-      </p:sp>
-      <p:sp>
-        <p:nvSpPr>
-          <p:cNvPr id="454" name="Shape 454"/>
-          <p:cNvSpPr/>
-          <p:nvPr/>
-        </p:nvSpPr>
-        <p:spPr>
-          <a:xfrm rot="10800000">
-            <a:off x="8779028" y="6756400"/>
-            <a:ext cx="1270001" cy="1270000"/>
-          </a:xfrm>
-          <a:prstGeom prst="rightArrow">
-            <a:avLst>
-              <a:gd name="adj1" fmla="val 32000"/>
-              <a:gd name="adj2" fmla="val 64000"/>
-            </a:avLst>
-          </a:prstGeom>
-          <a:solidFill>
-            <a:schemeClr val="accent1"/>
-          </a:solidFill>
-          <a:ln w="12700">
-            <a:miter lim="400000"/>
-          </a:ln>
-        </p:spPr>
-        <p:txBody>
-          <a:bodyPr lIns="50800" tIns="50800" rIns="50800" bIns="50800" anchor="ctr"/>
-          <a:lstStyle/>
-          <a:p>
-            <a:pPr algn="ctr">
-              <a:lnSpc>
-                <a:spcPct val="80000"/>
-              </a:lnSpc>
-              <a:spcBef>
-                <a:spcPts val="0"/>
-              </a:spcBef>
-              <a:defRPr cap="all" sz="2800">
-                <a:solidFill>
-                  <a:srgbClr val="FFFFFF"/>
-                </a:solidFill>
-                <a:latin typeface="+mn-lt"/>
-                <a:ea typeface="+mn-ea"/>
-                <a:cs typeface="+mn-cs"/>
-                <a:sym typeface="DIN Condensed"/>
-              </a:defRPr>
-            </a:pPr>
-          </a:p>
-        </p:txBody>
-      </p:sp>
-      <p:sp>
-        <p:nvSpPr>
-          <p:cNvPr id="455" name="Shape 455"/>
-          <p:cNvSpPr/>
-          <p:nvPr/>
-        </p:nvSpPr>
-        <p:spPr>
-          <a:xfrm>
-            <a:off x="10232389" y="6642100"/>
-            <a:ext cx="2642996" cy="1498601"/>
-          </a:xfrm>
-          <a:prstGeom prst="rect">
-            <a:avLst/>
-          </a:prstGeom>
-          <a:ln w="12700">
-            <a:miter lim="400000"/>
-          </a:ln>
-          <a:extLst>
-            <a:ext uri="{C572A759-6A51-4108-AA02-DFA0A04FC94B}">
-              <ma14:wrappingTextBoxFlag xmlns:ma14="http://schemas.microsoft.com/office/mac/drawingml/2011/main" val="1"/>
-            </a:ext>
-          </a:extLst>
-        </p:spPr>
-        <p:txBody>
-          <a:bodyPr lIns="50800" tIns="50800" rIns="50800" bIns="50800" anchor="ctr">
-            <a:spAutoFit/>
-          </a:bodyPr>
-          <a:lstStyle>
-            <a:lvl1pPr>
-              <a:defRPr sz="4000">
-                <a:solidFill>
-                  <a:schemeClr val="accent1"/>
-                </a:solidFill>
-              </a:defRPr>
-            </a:lvl1pPr>
-          </a:lstStyle>
-          <a:p>
-            <a:pPr/>
-            <a:r>
-              <a:t>Main input before dot</a:t>
+              </a:rPr>
+              <a:t>2</a:t>
+            </a:r>
+            <a:r>
+              <a:t>]</a:t>
             </a:r>
           </a:p>
         </p:txBody>
@@ -15655,44 +15137,19 @@
           <a:chExt cx="0" cy="0"/>
         </a:xfrm>
       </p:grpSpPr>
-      <p:pic>
-        <p:nvPicPr>
-          <p:cNvPr id="457" name="pasted-image.jpeg"/>
-          <p:cNvPicPr>
-            <a:picLocks noChangeAspect="1"/>
-          </p:cNvPicPr>
-          <p:nvPr>
-            <p:ph type="pic" idx="13"/>
-          </p:nvPr>
-        </p:nvPicPr>
-        <p:blipFill>
-          <a:blip r:embed="rId2">
-            <a:extLst/>
-          </a:blip>
-          <a:srcRect l="45970" t="0" r="18091" b="0"/>
-          <a:stretch>
-            <a:fillRect/>
-          </a:stretch>
-        </p:blipFill>
-        <p:spPr>
-          <a:xfrm>
-            <a:off x="0" y="0"/>
-            <a:ext cx="5486400" cy="9753600"/>
-          </a:xfrm>
-          <a:prstGeom prst="rect">
-            <a:avLst/>
-          </a:prstGeom>
-        </p:spPr>
-      </p:pic>
-      <p:sp>
-        <p:nvSpPr>
-          <p:cNvPr id="458" name="Shape 458"/>
+      <p:sp>
+        <p:nvSpPr>
+          <p:cNvPr id="431" name="Shape 431"/>
           <p:cNvSpPr/>
           <p:nvPr>
             <p:ph type="title"/>
           </p:nvPr>
         </p:nvSpPr>
         <p:spPr>
+          <a:xfrm>
+            <a:off x="406400" y="1536700"/>
+            <a:ext cx="12192000" cy="1169260"/>
+          </a:xfrm>
           <a:prstGeom prst="rect">
             <a:avLst/>
           </a:prstGeom>
@@ -15700,38 +15157,163 @@
         <p:txBody>
           <a:bodyPr/>
           <a:lstStyle>
-            <a:lvl1pPr defTabSz="514095">
-              <a:defRPr sz="14960"/>
+            <a:lvl1pPr defTabSz="403097">
+              <a:spcBef>
+                <a:spcPts val="1900"/>
+              </a:spcBef>
+              <a:defRPr sz="8280"/>
             </a:lvl1pPr>
           </a:lstStyle>
           <a:p>
             <a:pPr/>
             <a:r>
-              <a:t>Functions</a:t>
-            </a:r>
-          </a:p>
-        </p:txBody>
-      </p:sp>
-      <p:sp>
-        <p:nvSpPr>
-          <p:cNvPr id="459" name="Shape 459"/>
-          <p:cNvSpPr/>
-          <p:nvPr>
-            <p:ph type="body" sz="quarter" idx="1"/>
-          </p:nvPr>
-        </p:nvSpPr>
-        <p:spPr>
-          <a:prstGeom prst="rect">
-            <a:avLst/>
-          </a:prstGeom>
-        </p:spPr>
-        <p:txBody>
-          <a:bodyPr/>
+              <a:t>Slice: step</a:t>
+            </a:r>
+          </a:p>
+        </p:txBody>
+      </p:sp>
+      <p:sp>
+        <p:nvSpPr>
+          <p:cNvPr id="432" name="Shape 432"/>
+          <p:cNvSpPr/>
+          <p:nvPr/>
+        </p:nvSpPr>
+        <p:spPr>
+          <a:xfrm>
+            <a:off x="925828" y="4413249"/>
+            <a:ext cx="11562527" cy="927101"/>
+          </a:xfrm>
+          <a:prstGeom prst="rect">
+            <a:avLst/>
+          </a:prstGeom>
+          <a:ln w="12700">
+            <a:miter lim="400000"/>
+          </a:ln>
+          <a:extLst>
+            <a:ext uri="{C572A759-6A51-4108-AA02-DFA0A04FC94B}">
+              <ma14:wrappingTextBoxFlag xmlns:ma14="http://schemas.microsoft.com/office/mac/drawingml/2011/main" val="1"/>
+            </a:ext>
+          </a:extLst>
+        </p:spPr>
+        <p:txBody>
+          <a:bodyPr lIns="50800" tIns="50800" rIns="50800" bIns="50800" anchor="ctr">
+            <a:spAutoFit/>
+          </a:bodyPr>
           <a:lstStyle/>
           <a:p>
-            <a:pPr/>
-            <a:r>
-              <a:t>Defining your own</a:t>
+            <a:pPr>
+              <a:defRPr sz="5400">
+                <a:latin typeface="Anonymous Pro for Powerline"/>
+                <a:ea typeface="Anonymous Pro for Powerline"/>
+                <a:cs typeface="Anonymous Pro for Powerline"/>
+                <a:sym typeface="Anonymous Pro for Powerline"/>
+              </a:defRPr>
+            </a:pPr>
+            <a:r>
+              <a:t>my_list[::</a:t>
+            </a:r>
+            <a:r>
+              <a:rPr>
+                <a:solidFill>
+                  <a:schemeClr val="accent3"/>
+                </a:solidFill>
+              </a:rPr>
+              <a:t>2</a:t>
+            </a:r>
+            <a:r>
+              <a:t>]</a:t>
+            </a:r>
+          </a:p>
+        </p:txBody>
+      </p:sp>
+      <p:sp>
+        <p:nvSpPr>
+          <p:cNvPr id="433" name="Shape 433"/>
+          <p:cNvSpPr/>
+          <p:nvPr/>
+        </p:nvSpPr>
+        <p:spPr>
+          <a:xfrm rot="21591301">
+            <a:off x="686250" y="6138653"/>
+            <a:ext cx="1620784" cy="518252"/>
+          </a:xfrm>
+          <a:prstGeom prst="rightArrow">
+            <a:avLst>
+              <a:gd name="adj1" fmla="val 34174"/>
+              <a:gd name="adj2" fmla="val 145948"/>
+            </a:avLst>
+          </a:prstGeom>
+          <a:solidFill>
+            <a:schemeClr val="accent5"/>
+          </a:solidFill>
+          <a:ln w="12700">
+            <a:miter lim="400000"/>
+          </a:ln>
+        </p:spPr>
+        <p:txBody>
+          <a:bodyPr lIns="50800" tIns="50800" rIns="50800" bIns="50800" anchor="ctr"/>
+          <a:lstStyle/>
+          <a:p>
+            <a:pPr algn="ctr">
+              <a:lnSpc>
+                <a:spcPct val="80000"/>
+              </a:lnSpc>
+              <a:spcBef>
+                <a:spcPts val="0"/>
+              </a:spcBef>
+              <a:defRPr cap="all" sz="2800">
+                <a:solidFill>
+                  <a:srgbClr val="FFFFFF"/>
+                </a:solidFill>
+                <a:latin typeface="+mn-lt"/>
+                <a:ea typeface="+mn-ea"/>
+                <a:cs typeface="+mn-cs"/>
+                <a:sym typeface="DIN Condensed"/>
+              </a:defRPr>
+            </a:pPr>
+          </a:p>
+        </p:txBody>
+      </p:sp>
+      <p:sp>
+        <p:nvSpPr>
+          <p:cNvPr id="434" name="Shape 434"/>
+          <p:cNvSpPr/>
+          <p:nvPr/>
+        </p:nvSpPr>
+        <p:spPr>
+          <a:xfrm>
+            <a:off x="2506543" y="5826142"/>
+            <a:ext cx="6538723" cy="1143001"/>
+          </a:xfrm>
+          <a:prstGeom prst="rect">
+            <a:avLst/>
+          </a:prstGeom>
+          <a:ln w="12700">
+            <a:miter lim="400000"/>
+          </a:ln>
+          <a:extLst>
+            <a:ext uri="{C572A759-6A51-4108-AA02-DFA0A04FC94B}">
+              <ma14:wrappingTextBoxFlag xmlns:ma14="http://schemas.microsoft.com/office/mac/drawingml/2011/main" val="1"/>
+            </a:ext>
+          </a:extLst>
+        </p:spPr>
+        <p:txBody>
+          <a:bodyPr wrap="none" lIns="50800" tIns="50800" rIns="50800" bIns="50800" anchor="ctr">
+            <a:spAutoFit/>
+          </a:bodyPr>
+          <a:lstStyle>
+            <a:lvl1pPr>
+              <a:defRPr sz="6000">
+                <a:solidFill>
+                  <a:schemeClr val="accent5"/>
+                </a:solidFill>
+              </a:defRPr>
+            </a:lvl1pPr>
+          </a:lstStyle>
+          <a:p>
+            <a:pPr/>
+            <a:r>
+              <a:t>even # items in list</a:t>
             </a:r>
           </a:p>
         </p:txBody>
@@ -15764,7 +15346,7 @@
       </p:grpSpPr>
       <p:sp>
         <p:nvSpPr>
-          <p:cNvPr id="461" name="Shape 461"/>
+          <p:cNvPr id="436" name="Shape 436"/>
           <p:cNvSpPr/>
           <p:nvPr>
             <p:ph type="title"/>
@@ -15792,45 +15374,72 @@
           <a:p>
             <a:pPr/>
             <a:r>
-              <a:t>Defining a Function</a:t>
-            </a:r>
-          </a:p>
-        </p:txBody>
-      </p:sp>
-      <p:sp>
-        <p:nvSpPr>
-          <p:cNvPr id="462" name="Shape 462"/>
-          <p:cNvSpPr/>
-          <p:nvPr>
-            <p:ph type="body" sz="half" idx="1"/>
-          </p:nvPr>
-        </p:nvSpPr>
-        <p:spPr>
-          <a:xfrm>
-            <a:off x="406400" y="3953767"/>
-            <a:ext cx="12192000" cy="2531601"/>
-          </a:xfrm>
-          <a:prstGeom prst="rect">
-            <a:avLst/>
-          </a:prstGeom>
-        </p:spPr>
-        <p:txBody>
-          <a:bodyPr/>
-          <a:lstStyle>
-            <a:lvl1pPr marL="705970" indent="-705970">
-              <a:buClrTx/>
-              <a:buSzPct val="40000"/>
-              <a:buFontTx/>
-              <a:buBlip>
-                <a:blip r:embed="rId2"/>
-              </a:buBlip>
-              <a:defRPr sz="6400"/>
-            </a:lvl1pPr>
-          </a:lstStyle>
-          <a:p>
-            <a:pPr/>
-            <a:r>
-              <a:t>Reusable chunk of code</a:t>
+              <a:t>Slice: step</a:t>
+            </a:r>
+          </a:p>
+        </p:txBody>
+      </p:sp>
+      <p:sp>
+        <p:nvSpPr>
+          <p:cNvPr id="437" name="Shape 437"/>
+          <p:cNvSpPr/>
+          <p:nvPr/>
+        </p:nvSpPr>
+        <p:spPr>
+          <a:xfrm>
+            <a:off x="925828" y="4413249"/>
+            <a:ext cx="11562527" cy="927101"/>
+          </a:xfrm>
+          <a:prstGeom prst="rect">
+            <a:avLst/>
+          </a:prstGeom>
+          <a:ln w="12700">
+            <a:miter lim="400000"/>
+          </a:ln>
+          <a:extLst>
+            <a:ext uri="{C572A759-6A51-4108-AA02-DFA0A04FC94B}">
+              <ma14:wrappingTextBoxFlag xmlns:ma14="http://schemas.microsoft.com/office/mac/drawingml/2011/main" val="1"/>
+            </a:ext>
+          </a:extLst>
+        </p:spPr>
+        <p:txBody>
+          <a:bodyPr lIns="50800" tIns="50800" rIns="50800" bIns="50800" anchor="ctr">
+            <a:spAutoFit/>
+          </a:bodyPr>
+          <a:lstStyle/>
+          <a:p>
+            <a:pPr>
+              <a:defRPr sz="5400">
+                <a:latin typeface="Anonymous Pro for Powerline"/>
+                <a:ea typeface="Anonymous Pro for Powerline"/>
+                <a:cs typeface="Anonymous Pro for Powerline"/>
+                <a:sym typeface="Anonymous Pro for Powerline"/>
+              </a:defRPr>
+            </a:pPr>
+            <a:r>
+              <a:t>my_list[</a:t>
+            </a:r>
+            <a:r>
+              <a:rPr>
+                <a:solidFill>
+                  <a:schemeClr val="accent3"/>
+                </a:solidFill>
+              </a:rPr>
+              <a:t>1</a:t>
+            </a:r>
+            <a:r>
+              <a:t>::</a:t>
+            </a:r>
+            <a:r>
+              <a:rPr>
+                <a:solidFill>
+                  <a:schemeClr val="accent3"/>
+                </a:solidFill>
+              </a:rPr>
+              <a:t>2</a:t>
+            </a:r>
+            <a:r>
+              <a:t>]</a:t>
             </a:r>
           </a:p>
         </p:txBody>
@@ -15863,7 +15472,7 @@
       </p:grpSpPr>
       <p:sp>
         <p:nvSpPr>
-          <p:cNvPr id="464" name="Shape 464"/>
+          <p:cNvPr id="439" name="Shape 439"/>
           <p:cNvSpPr/>
           <p:nvPr>
             <p:ph type="title"/>
@@ -15891,63 +15500,164 @@
           <a:p>
             <a:pPr/>
             <a:r>
-              <a:t>Defining a Function</a:t>
-            </a:r>
-          </a:p>
-        </p:txBody>
-      </p:sp>
-      <p:sp>
-        <p:nvSpPr>
-          <p:cNvPr id="465" name="Shape 465"/>
-          <p:cNvSpPr/>
-          <p:nvPr>
-            <p:ph type="body" sz="half" idx="1"/>
-          </p:nvPr>
-        </p:nvSpPr>
-        <p:spPr>
-          <a:xfrm>
-            <a:off x="406400" y="3953767"/>
-            <a:ext cx="12192000" cy="2531601"/>
-          </a:xfrm>
-          <a:prstGeom prst="rect">
-            <a:avLst/>
-          </a:prstGeom>
-        </p:spPr>
-        <p:txBody>
-          <a:bodyPr/>
+              <a:t>Slice: step</a:t>
+            </a:r>
+          </a:p>
+        </p:txBody>
+      </p:sp>
+      <p:sp>
+        <p:nvSpPr>
+          <p:cNvPr id="440" name="Shape 440"/>
+          <p:cNvSpPr/>
+          <p:nvPr/>
+        </p:nvSpPr>
+        <p:spPr>
+          <a:xfrm>
+            <a:off x="925828" y="4413249"/>
+            <a:ext cx="11562527" cy="927101"/>
+          </a:xfrm>
+          <a:prstGeom prst="rect">
+            <a:avLst/>
+          </a:prstGeom>
+          <a:ln w="12700">
+            <a:miter lim="400000"/>
+          </a:ln>
+          <a:extLst>
+            <a:ext uri="{C572A759-6A51-4108-AA02-DFA0A04FC94B}">
+              <ma14:wrappingTextBoxFlag xmlns:ma14="http://schemas.microsoft.com/office/mac/drawingml/2011/main" val="1"/>
+            </a:ext>
+          </a:extLst>
+        </p:spPr>
+        <p:txBody>
+          <a:bodyPr lIns="50800" tIns="50800" rIns="50800" bIns="50800" anchor="ctr">
+            <a:spAutoFit/>
+          </a:bodyPr>
           <a:lstStyle/>
           <a:p>
-            <a:pPr marL="663612" indent="-663612" defTabSz="549148">
+            <a:pPr>
+              <a:defRPr sz="5400">
+                <a:latin typeface="Anonymous Pro for Powerline"/>
+                <a:ea typeface="Anonymous Pro for Powerline"/>
+                <a:cs typeface="Anonymous Pro for Powerline"/>
+                <a:sym typeface="Anonymous Pro for Powerline"/>
+              </a:defRPr>
+            </a:pPr>
+            <a:r>
+              <a:t>my_list[</a:t>
+            </a:r>
+            <a:r>
+              <a:rPr>
+                <a:solidFill>
+                  <a:schemeClr val="accent3"/>
+                </a:solidFill>
+              </a:rPr>
+              <a:t>1</a:t>
+            </a:r>
+            <a:r>
+              <a:t>::</a:t>
+            </a:r>
+            <a:r>
+              <a:rPr>
+                <a:solidFill>
+                  <a:schemeClr val="accent3"/>
+                </a:solidFill>
+              </a:rPr>
+              <a:t>2</a:t>
+            </a:r>
+            <a:r>
+              <a:t>]</a:t>
+            </a:r>
+          </a:p>
+        </p:txBody>
+      </p:sp>
+      <p:sp>
+        <p:nvSpPr>
+          <p:cNvPr id="441" name="Shape 441"/>
+          <p:cNvSpPr/>
+          <p:nvPr/>
+        </p:nvSpPr>
+        <p:spPr>
+          <a:xfrm rot="21591301">
+            <a:off x="686250" y="6138653"/>
+            <a:ext cx="1620784" cy="518252"/>
+          </a:xfrm>
+          <a:prstGeom prst="rightArrow">
+            <a:avLst>
+              <a:gd name="adj1" fmla="val 34174"/>
+              <a:gd name="adj2" fmla="val 145948"/>
+            </a:avLst>
+          </a:prstGeom>
+          <a:solidFill>
+            <a:schemeClr val="accent5"/>
+          </a:solidFill>
+          <a:ln w="12700">
+            <a:miter lim="400000"/>
+          </a:ln>
+        </p:spPr>
+        <p:txBody>
+          <a:bodyPr lIns="50800" tIns="50800" rIns="50800" bIns="50800" anchor="ctr"/>
+          <a:lstStyle/>
+          <a:p>
+            <a:pPr algn="ctr">
+              <a:lnSpc>
+                <a:spcPct val="80000"/>
+              </a:lnSpc>
               <a:spcBef>
-                <a:spcPts val="2600"/>
+                <a:spcPts val="0"/>
               </a:spcBef>
-              <a:buClrTx/>
-              <a:buSzPct val="40000"/>
-              <a:buFontTx/>
-              <a:buBlip>
-                <a:blip r:embed="rId2"/>
-              </a:buBlip>
-              <a:defRPr sz="6016"/>
+              <a:defRPr cap="all" sz="2800">
+                <a:solidFill>
+                  <a:srgbClr val="FFFFFF"/>
+                </a:solidFill>
+                <a:latin typeface="+mn-lt"/>
+                <a:ea typeface="+mn-ea"/>
+                <a:cs typeface="+mn-cs"/>
+                <a:sym typeface="DIN Condensed"/>
+              </a:defRPr>
             </a:pPr>
-            <a:r>
-              <a:t>Reusable chunk of code</a:t>
-            </a:r>
-          </a:p>
-          <a:p>
-            <a:pPr marL="663612" indent="-663612" defTabSz="549148">
-              <a:spcBef>
-                <a:spcPts val="2600"/>
-              </a:spcBef>
-              <a:buClrTx/>
-              <a:buSzPct val="40000"/>
-              <a:buFontTx/>
-              <a:buBlip>
-                <a:blip r:embed="rId2"/>
-              </a:buBlip>
-              <a:defRPr sz="6016"/>
-            </a:pPr>
-            <a:r>
-              <a:t>Build action from basic functions</a:t>
+          </a:p>
+        </p:txBody>
+      </p:sp>
+      <p:sp>
+        <p:nvSpPr>
+          <p:cNvPr id="442" name="Shape 442"/>
+          <p:cNvSpPr/>
+          <p:nvPr/>
+        </p:nvSpPr>
+        <p:spPr>
+          <a:xfrm>
+            <a:off x="2506543" y="5826142"/>
+            <a:ext cx="6270499" cy="1143001"/>
+          </a:xfrm>
+          <a:prstGeom prst="rect">
+            <a:avLst/>
+          </a:prstGeom>
+          <a:ln w="12700">
+            <a:miter lim="400000"/>
+          </a:ln>
+          <a:extLst>
+            <a:ext uri="{C572A759-6A51-4108-AA02-DFA0A04FC94B}">
+              <ma14:wrappingTextBoxFlag xmlns:ma14="http://schemas.microsoft.com/office/mac/drawingml/2011/main" val="1"/>
+            </a:ext>
+          </a:extLst>
+        </p:spPr>
+        <p:txBody>
+          <a:bodyPr wrap="none" lIns="50800" tIns="50800" rIns="50800" bIns="50800" anchor="ctr">
+            <a:spAutoFit/>
+          </a:bodyPr>
+          <a:lstStyle>
+            <a:lvl1pPr>
+              <a:defRPr sz="6000">
+                <a:solidFill>
+                  <a:schemeClr val="accent5"/>
+                </a:solidFill>
+              </a:defRPr>
+            </a:lvl1pPr>
+          </a:lstStyle>
+          <a:p>
+            <a:pPr/>
+            <a:r>
+              <a:t>odd # items in list</a:t>
             </a:r>
           </a:p>
         </p:txBody>
@@ -15980,7 +15690,7 @@
       </p:grpSpPr>
       <p:sp>
         <p:nvSpPr>
-          <p:cNvPr id="467" name="Shape 467"/>
+          <p:cNvPr id="444" name="Shape 444"/>
           <p:cNvSpPr/>
           <p:nvPr>
             <p:ph type="title"/>
@@ -16008,21 +15718,21 @@
           <a:p>
             <a:pPr/>
             <a:r>
-              <a:t>Defining A Function</a:t>
-            </a:r>
-          </a:p>
-        </p:txBody>
-      </p:sp>
-      <p:sp>
-        <p:nvSpPr>
-          <p:cNvPr id="468" name="Shape 468"/>
+              <a:t>Slice: step</a:t>
+            </a:r>
+          </a:p>
+        </p:txBody>
+      </p:sp>
+      <p:sp>
+        <p:nvSpPr>
+          <p:cNvPr id="445" name="Shape 445"/>
           <p:cNvSpPr/>
           <p:nvPr/>
         </p:nvSpPr>
         <p:spPr>
           <a:xfrm>
-            <a:off x="495150" y="3848099"/>
-            <a:ext cx="11562527" cy="2057401"/>
+            <a:off x="925828" y="4413249"/>
+            <a:ext cx="11562527" cy="927101"/>
           </a:xfrm>
           <a:prstGeom prst="rect">
             <a:avLst/>
@@ -16051,28 +15761,18 @@
               </a:defRPr>
             </a:pPr>
             <a:r>
+              <a:t>my_list[::</a:t>
+            </a:r>
+            <a:r>
               <a:rPr>
                 <a:solidFill>
                   <a:schemeClr val="accent3"/>
                 </a:solidFill>
               </a:rPr>
-              <a:t>def</a:t>
-            </a:r>
-            <a:r>
-              <a:t> double(my_name):</a:t>
-            </a:r>
-          </a:p>
-          <a:p>
-            <a:pPr>
-              <a:defRPr sz="5400">
-                <a:latin typeface="Anonymous Pro for Powerline"/>
-                <a:ea typeface="Anonymous Pro for Powerline"/>
-                <a:cs typeface="Anonymous Pro for Powerline"/>
-                <a:sym typeface="Anonymous Pro for Powerline"/>
-              </a:defRPr>
-            </a:pPr>
-            <a:r>
-              <a:t>    return my_name + my_name</a:t>
+              <a:t>-1</a:t>
+            </a:r>
+            <a:r>
+              <a:t>]</a:t>
             </a:r>
           </a:p>
         </p:txBody>
@@ -16212,7 +15912,7 @@
       </p:grpSpPr>
       <p:sp>
         <p:nvSpPr>
-          <p:cNvPr id="470" name="Shape 470"/>
+          <p:cNvPr id="447" name="Shape 447"/>
           <p:cNvSpPr/>
           <p:nvPr>
             <p:ph type="title"/>
@@ -16240,21 +15940,21 @@
           <a:p>
             <a:pPr/>
             <a:r>
-              <a:t>Defining A Function</a:t>
-            </a:r>
-          </a:p>
-        </p:txBody>
-      </p:sp>
-      <p:sp>
-        <p:nvSpPr>
-          <p:cNvPr id="471" name="Shape 471"/>
+              <a:t>Slice: step</a:t>
+            </a:r>
+          </a:p>
+        </p:txBody>
+      </p:sp>
+      <p:sp>
+        <p:nvSpPr>
+          <p:cNvPr id="448" name="Shape 448"/>
           <p:cNvSpPr/>
           <p:nvPr/>
         </p:nvSpPr>
         <p:spPr>
           <a:xfrm>
-            <a:off x="495150" y="3848099"/>
-            <a:ext cx="11562527" cy="2057401"/>
+            <a:off x="925828" y="4413249"/>
+            <a:ext cx="11562527" cy="927101"/>
           </a:xfrm>
           <a:prstGeom prst="rect">
             <a:avLst/>
@@ -16283,7 +15983,7 @@
               </a:defRPr>
             </a:pPr>
             <a:r>
-              <a:t>def </a:t>
+              <a:t>my_list[::</a:t>
             </a:r>
             <a:r>
               <a:rPr>
@@ -16291,23 +15991,102 @@
                   <a:schemeClr val="accent3"/>
                 </a:solidFill>
               </a:rPr>
-              <a:t>double</a:t>
-            </a:r>
-            <a:r>
-              <a:t>(my_name):</a:t>
-            </a:r>
-          </a:p>
-          <a:p>
-            <a:pPr>
-              <a:defRPr sz="5400">
-                <a:latin typeface="Anonymous Pro for Powerline"/>
-                <a:ea typeface="Anonymous Pro for Powerline"/>
-                <a:cs typeface="Anonymous Pro for Powerline"/>
-                <a:sym typeface="Anonymous Pro for Powerline"/>
+              <a:t>-1</a:t>
+            </a:r>
+            <a:r>
+              <a:t>]</a:t>
+            </a:r>
+          </a:p>
+        </p:txBody>
+      </p:sp>
+      <p:sp>
+        <p:nvSpPr>
+          <p:cNvPr id="449" name="Shape 449"/>
+          <p:cNvSpPr/>
+          <p:nvPr/>
+        </p:nvSpPr>
+        <p:spPr>
+          <a:xfrm rot="21591301">
+            <a:off x="686250" y="6138653"/>
+            <a:ext cx="1620784" cy="518252"/>
+          </a:xfrm>
+          <a:prstGeom prst="rightArrow">
+            <a:avLst>
+              <a:gd name="adj1" fmla="val 34174"/>
+              <a:gd name="adj2" fmla="val 145948"/>
+            </a:avLst>
+          </a:prstGeom>
+          <a:solidFill>
+            <a:schemeClr val="accent5"/>
+          </a:solidFill>
+          <a:ln w="12700">
+            <a:miter lim="400000"/>
+          </a:ln>
+        </p:spPr>
+        <p:txBody>
+          <a:bodyPr lIns="50800" tIns="50800" rIns="50800" bIns="50800" anchor="ctr"/>
+          <a:lstStyle/>
+          <a:p>
+            <a:pPr algn="ctr">
+              <a:lnSpc>
+                <a:spcPct val="80000"/>
+              </a:lnSpc>
+              <a:spcBef>
+                <a:spcPts val="0"/>
+              </a:spcBef>
+              <a:defRPr cap="all" sz="2800">
+                <a:solidFill>
+                  <a:srgbClr val="FFFFFF"/>
+                </a:solidFill>
+                <a:latin typeface="+mn-lt"/>
+                <a:ea typeface="+mn-ea"/>
+                <a:cs typeface="+mn-cs"/>
+                <a:sym typeface="DIN Condensed"/>
               </a:defRPr>
             </a:pPr>
-            <a:r>
-              <a:t>    return my_name + my_name</a:t>
+          </a:p>
+        </p:txBody>
+      </p:sp>
+      <p:sp>
+        <p:nvSpPr>
+          <p:cNvPr id="450" name="Shape 450"/>
+          <p:cNvSpPr/>
+          <p:nvPr/>
+        </p:nvSpPr>
+        <p:spPr>
+          <a:xfrm>
+            <a:off x="2506543" y="5826142"/>
+            <a:ext cx="3859531" cy="1143001"/>
+          </a:xfrm>
+          <a:prstGeom prst="rect">
+            <a:avLst/>
+          </a:prstGeom>
+          <a:ln w="12700">
+            <a:miter lim="400000"/>
+          </a:ln>
+          <a:extLst>
+            <a:ext uri="{C572A759-6A51-4108-AA02-DFA0A04FC94B}">
+              <ma14:wrappingTextBoxFlag xmlns:ma14="http://schemas.microsoft.com/office/mac/drawingml/2011/main" val="1"/>
+            </a:ext>
+          </a:extLst>
+        </p:spPr>
+        <p:txBody>
+          <a:bodyPr wrap="none" lIns="50800" tIns="50800" rIns="50800" bIns="50800" anchor="ctr">
+            <a:spAutoFit/>
+          </a:bodyPr>
+          <a:lstStyle>
+            <a:lvl1pPr>
+              <a:defRPr sz="6000">
+                <a:solidFill>
+                  <a:schemeClr val="accent5"/>
+                </a:solidFill>
+              </a:defRPr>
+            </a:lvl1pPr>
+          </a:lstStyle>
+          <a:p>
+            <a:pPr/>
+            <a:r>
+              <a:t>reverse list</a:t>
             </a:r>
           </a:p>
         </p:txBody>
@@ -16340,7 +16119,7 @@
       </p:grpSpPr>
       <p:sp>
         <p:nvSpPr>
-          <p:cNvPr id="473" name="Shape 473"/>
+          <p:cNvPr id="452" name="Shape 452"/>
           <p:cNvSpPr/>
           <p:nvPr>
             <p:ph type="title"/>
@@ -16348,8 +16127,8 @@
         </p:nvSpPr>
         <p:spPr>
           <a:xfrm>
-            <a:off x="406400" y="1536700"/>
-            <a:ext cx="12192000" cy="1169260"/>
+            <a:off x="2802102" y="4038600"/>
+            <a:ext cx="7400596" cy="4521200"/>
           </a:xfrm>
           <a:prstGeom prst="rect">
             <a:avLst/>
@@ -16357,85 +16136,11 @@
         </p:spPr>
         <p:txBody>
           <a:bodyPr/>
-          <a:lstStyle>
-            <a:lvl1pPr defTabSz="403097">
-              <a:spcBef>
-                <a:spcPts val="1900"/>
-              </a:spcBef>
-              <a:defRPr sz="8280"/>
-            </a:lvl1pPr>
-          </a:lstStyle>
-          <a:p>
-            <a:pPr/>
-            <a:r>
-              <a:t>Defining A Function</a:t>
-            </a:r>
-          </a:p>
-        </p:txBody>
-      </p:sp>
-      <p:sp>
-        <p:nvSpPr>
-          <p:cNvPr id="474" name="Shape 474"/>
-          <p:cNvSpPr/>
-          <p:nvPr/>
-        </p:nvSpPr>
-        <p:spPr>
-          <a:xfrm>
-            <a:off x="495150" y="3848099"/>
-            <a:ext cx="11562527" cy="2057401"/>
-          </a:xfrm>
-          <a:prstGeom prst="rect">
-            <a:avLst/>
-          </a:prstGeom>
-          <a:ln w="12700">
-            <a:miter lim="400000"/>
-          </a:ln>
-          <a:extLst>
-            <a:ext uri="{C572A759-6A51-4108-AA02-DFA0A04FC94B}">
-              <ma14:wrappingTextBoxFlag xmlns:ma14="http://schemas.microsoft.com/office/mac/drawingml/2011/main" val="1"/>
-            </a:ext>
-          </a:extLst>
-        </p:spPr>
-        <p:txBody>
-          <a:bodyPr lIns="50800" tIns="50800" rIns="50800" bIns="50800" anchor="ctr">
-            <a:spAutoFit/>
-          </a:bodyPr>
           <a:lstStyle/>
           <a:p>
-            <a:pPr>
-              <a:defRPr sz="5400">
-                <a:latin typeface="Anonymous Pro for Powerline"/>
-                <a:ea typeface="Anonymous Pro for Powerline"/>
-                <a:cs typeface="Anonymous Pro for Powerline"/>
-                <a:sym typeface="Anonymous Pro for Powerline"/>
-              </a:defRPr>
-            </a:pPr>
-            <a:r>
-              <a:t>def double(</a:t>
-            </a:r>
-            <a:r>
-              <a:rPr>
-                <a:solidFill>
-                  <a:schemeClr val="accent3"/>
-                </a:solidFill>
-              </a:rPr>
-              <a:t>my_name</a:t>
-            </a:r>
-            <a:r>
-              <a:t>):</a:t>
-            </a:r>
-          </a:p>
-          <a:p>
-            <a:pPr>
-              <a:defRPr sz="5400">
-                <a:latin typeface="Anonymous Pro for Powerline"/>
-                <a:ea typeface="Anonymous Pro for Powerline"/>
-                <a:cs typeface="Anonymous Pro for Powerline"/>
-                <a:sym typeface="Anonymous Pro for Powerline"/>
-              </a:defRPr>
-            </a:pPr>
-            <a:r>
-              <a:t>    return my_name + my_name</a:t>
+            <a:pPr/>
+            <a:r>
+              <a:t>Exercises</a:t>
             </a:r>
           </a:p>
         </p:txBody>
@@ -16450,7 +16155,7 @@
 </file>
 
 <file path=ppt/slides/slide72.xml><?xml version="1.0" encoding="utf-8"?>
-<p:sld xmlns:a="http://schemas.openxmlformats.org/drawingml/2006/main" xmlns:r="http://schemas.openxmlformats.org/officeDocument/2006/relationships" xmlns:p="http://schemas.openxmlformats.org/presentationml/2006/main" showMasterSp="1" showMasterPhAnim="1">
+<p:sld xmlns:a="http://schemas.openxmlformats.org/drawingml/2006/main" xmlns:r="http://schemas.openxmlformats.org/officeDocument/2006/relationships" xmlns:p="http://schemas.openxmlformats.org/presentationml/2006/main" show="0" showMasterSp="1" showMasterPhAnim="1">
   <p:cSld>
     <p:spTree>
       <p:nvGrpSpPr>
@@ -16468,7 +16173,7 @@
       </p:grpSpPr>
       <p:sp>
         <p:nvSpPr>
-          <p:cNvPr id="476" name="Shape 476"/>
+          <p:cNvPr id="454" name="Shape 454"/>
           <p:cNvSpPr/>
           <p:nvPr>
             <p:ph type="title"/>
@@ -16496,74 +16201,57 @@
           <a:p>
             <a:pPr/>
             <a:r>
-              <a:t>Defining A Function</a:t>
-            </a:r>
-          </a:p>
-        </p:txBody>
-      </p:sp>
-      <p:sp>
-        <p:nvSpPr>
-          <p:cNvPr id="477" name="Shape 477"/>
-          <p:cNvSpPr/>
-          <p:nvPr/>
-        </p:nvSpPr>
-        <p:spPr>
-          <a:xfrm>
-            <a:off x="495150" y="3848099"/>
-            <a:ext cx="11562527" cy="2057401"/>
-          </a:xfrm>
-          <a:prstGeom prst="rect">
-            <a:avLst/>
-          </a:prstGeom>
-          <a:ln w="12700">
-            <a:miter lim="400000"/>
-          </a:ln>
-          <a:extLst>
-            <a:ext uri="{C572A759-6A51-4108-AA02-DFA0A04FC94B}">
-              <ma14:wrappingTextBoxFlag xmlns:ma14="http://schemas.microsoft.com/office/mac/drawingml/2011/main" val="1"/>
-            </a:ext>
-          </a:extLst>
-        </p:spPr>
-        <p:txBody>
-          <a:bodyPr lIns="50800" tIns="50800" rIns="50800" bIns="50800" anchor="ctr">
-            <a:spAutoFit/>
-          </a:bodyPr>
+              <a:t>F-Strings</a:t>
+            </a:r>
+          </a:p>
+        </p:txBody>
+      </p:sp>
+      <p:sp>
+        <p:nvSpPr>
+          <p:cNvPr id="455" name="Shape 455"/>
+          <p:cNvSpPr/>
+          <p:nvPr>
+            <p:ph type="body" idx="1"/>
+          </p:nvPr>
+        </p:nvSpPr>
+        <p:spPr>
+          <a:xfrm>
+            <a:off x="406400" y="3953767"/>
+            <a:ext cx="12192000" cy="4998601"/>
+          </a:xfrm>
+          <a:prstGeom prst="rect">
+            <a:avLst/>
+          </a:prstGeom>
+        </p:spPr>
+        <p:txBody>
+          <a:bodyPr/>
           <a:lstStyle/>
           <a:p>
-            <a:pPr>
-              <a:defRPr sz="5400">
-                <a:latin typeface="Anonymous Pro for Powerline"/>
-                <a:ea typeface="Anonymous Pro for Powerline"/>
-                <a:cs typeface="Anonymous Pro for Powerline"/>
-                <a:sym typeface="Anonymous Pro for Powerline"/>
-              </a:defRPr>
+            <a:pPr marL="705970" indent="-705970">
+              <a:buClrTx/>
+              <a:buSzPct val="40000"/>
+              <a:buFontTx/>
+              <a:buBlip>
+                <a:blip r:embed="rId2"/>
+              </a:buBlip>
+              <a:defRPr sz="6400"/>
             </a:pPr>
             <a:r>
-              <a:t>def double(my_name):</a:t>
-            </a:r>
-          </a:p>
-          <a:p>
-            <a:pPr>
-              <a:defRPr sz="5400">
-                <a:latin typeface="Anonymous Pro for Powerline"/>
-                <a:ea typeface="Anonymous Pro for Powerline"/>
-                <a:cs typeface="Anonymous Pro for Powerline"/>
-                <a:sym typeface="Anonymous Pro for Powerline"/>
-              </a:defRPr>
+              <a:t>Text with variables injected</a:t>
+            </a:r>
+          </a:p>
+          <a:p>
+            <a:pPr marL="705970" indent="-705970">
+              <a:buClrTx/>
+              <a:buSzPct val="40000"/>
+              <a:buFontTx/>
+              <a:buBlip>
+                <a:blip r:embed="rId2"/>
+              </a:buBlip>
+              <a:defRPr sz="6400"/>
             </a:pPr>
             <a:r>
-              <a:t>    </a:t>
-            </a:r>
-            <a:r>
-              <a:rPr>
-                <a:solidFill>
-                  <a:schemeClr val="accent3"/>
-                </a:solidFill>
-              </a:rPr>
-              <a:t>return</a:t>
-            </a:r>
-            <a:r>
-              <a:t> my_name + my_name</a:t>
+              <a:t>Normal string but with an “f” before the quotes</a:t>
             </a:r>
           </a:p>
         </p:txBody>
@@ -16578,7 +16266,7 @@
 </file>
 
 <file path=ppt/slides/slide73.xml><?xml version="1.0" encoding="utf-8"?>
-<p:sld xmlns:a="http://schemas.openxmlformats.org/drawingml/2006/main" xmlns:r="http://schemas.openxmlformats.org/officeDocument/2006/relationships" xmlns:p="http://schemas.openxmlformats.org/presentationml/2006/main" showMasterSp="1" showMasterPhAnim="1">
+<p:sld xmlns:a="http://schemas.openxmlformats.org/drawingml/2006/main" xmlns:r="http://schemas.openxmlformats.org/officeDocument/2006/relationships" xmlns:p="http://schemas.openxmlformats.org/presentationml/2006/main" show="0" showMasterSp="1" showMasterPhAnim="1">
   <p:cSld>
     <p:spTree>
       <p:nvGrpSpPr>
@@ -16596,7 +16284,7 @@
       </p:grpSpPr>
       <p:sp>
         <p:nvSpPr>
-          <p:cNvPr id="479" name="Shape 479"/>
+          <p:cNvPr id="457" name="Shape 457"/>
           <p:cNvSpPr/>
           <p:nvPr>
             <p:ph type="title"/>
@@ -16624,21 +16312,21 @@
           <a:p>
             <a:pPr/>
             <a:r>
-              <a:t>Defining A Function</a:t>
-            </a:r>
-          </a:p>
-        </p:txBody>
-      </p:sp>
-      <p:sp>
-        <p:nvSpPr>
-          <p:cNvPr id="480" name="Shape 480"/>
+              <a:t>F-strings</a:t>
+            </a:r>
+          </a:p>
+        </p:txBody>
+      </p:sp>
+      <p:sp>
+        <p:nvSpPr>
+          <p:cNvPr id="458" name="Shape 458"/>
           <p:cNvSpPr/>
           <p:nvPr/>
         </p:nvSpPr>
         <p:spPr>
           <a:xfrm>
-            <a:off x="495150" y="3848099"/>
-            <a:ext cx="11562527" cy="2057401"/>
+            <a:off x="487154" y="4540249"/>
+            <a:ext cx="6769895" cy="1079501"/>
           </a:xfrm>
           <a:prstGeom prst="rect">
             <a:avLst/>
@@ -16653,42 +16341,23 @@
           </a:extLst>
         </p:spPr>
         <p:txBody>
-          <a:bodyPr lIns="50800" tIns="50800" rIns="50800" bIns="50800" anchor="ctr">
+          <a:bodyPr wrap="none" lIns="50800" tIns="50800" rIns="50800" bIns="50800" anchor="ctr">
             <a:spAutoFit/>
           </a:bodyPr>
-          <a:lstStyle/>
-          <a:p>
-            <a:pPr>
-              <a:defRPr sz="5400">
+          <a:lstStyle>
+            <a:lvl1pPr>
+              <a:defRPr sz="6400">
                 <a:latin typeface="Anonymous Pro for Powerline"/>
                 <a:ea typeface="Anonymous Pro for Powerline"/>
                 <a:cs typeface="Anonymous Pro for Powerline"/>
                 <a:sym typeface="Anonymous Pro for Powerline"/>
               </a:defRPr>
-            </a:pPr>
-            <a:r>
-              <a:t>def double(my_name):</a:t>
-            </a:r>
-          </a:p>
-          <a:p>
-            <a:pPr>
-              <a:defRPr sz="5400">
-                <a:latin typeface="Anonymous Pro for Powerline"/>
-                <a:ea typeface="Anonymous Pro for Powerline"/>
-                <a:cs typeface="Anonymous Pro for Powerline"/>
-                <a:sym typeface="Anonymous Pro for Powerline"/>
-              </a:defRPr>
-            </a:pPr>
-            <a:r>
-              <a:t>    return </a:t>
-            </a:r>
-            <a:r>
-              <a:rPr>
-                <a:solidFill>
-                  <a:schemeClr val="accent3"/>
-                </a:solidFill>
-              </a:rPr>
-              <a:t>my_name + my_name</a:t>
+            </a:lvl1pPr>
+          </a:lstStyle>
+          <a:p>
+            <a:pPr/>
+            <a:r>
+              <a:t>my_name = “rob”</a:t>
             </a:r>
           </a:p>
         </p:txBody>
@@ -16703,7 +16372,7 @@
 </file>
 
 <file path=ppt/slides/slide74.xml><?xml version="1.0" encoding="utf-8"?>
-<p:sld xmlns:a="http://schemas.openxmlformats.org/drawingml/2006/main" xmlns:r="http://schemas.openxmlformats.org/officeDocument/2006/relationships" xmlns:p="http://schemas.openxmlformats.org/presentationml/2006/main" showMasterSp="1" showMasterPhAnim="1">
+<p:sld xmlns:a="http://schemas.openxmlformats.org/drawingml/2006/main" xmlns:r="http://schemas.openxmlformats.org/officeDocument/2006/relationships" xmlns:p="http://schemas.openxmlformats.org/presentationml/2006/main" show="0" showMasterSp="1" showMasterPhAnim="1">
   <p:cSld>
     <p:spTree>
       <p:nvGrpSpPr>
@@ -16721,7 +16390,7 @@
       </p:grpSpPr>
       <p:sp>
         <p:nvSpPr>
-          <p:cNvPr id="482" name="Shape 482"/>
+          <p:cNvPr id="460" name="Shape 460"/>
           <p:cNvSpPr/>
           <p:nvPr>
             <p:ph type="title"/>
@@ -16730,7 +16399,7 @@
         <p:spPr>
           <a:xfrm>
             <a:off x="406400" y="1536700"/>
-            <a:ext cx="12192000" cy="1367235"/>
+            <a:ext cx="12192000" cy="1169260"/>
           </a:xfrm>
           <a:prstGeom prst="rect">
             <a:avLst/>
@@ -16739,68 +16408,62 @@
         <p:txBody>
           <a:bodyPr/>
           <a:lstStyle>
-            <a:lvl1pPr>
-              <a:defRPr sz="7000"/>
+            <a:lvl1pPr defTabSz="403097">
+              <a:spcBef>
+                <a:spcPts val="1900"/>
+              </a:spcBef>
+              <a:defRPr sz="8280"/>
             </a:lvl1pPr>
           </a:lstStyle>
           <a:p>
             <a:pPr/>
             <a:r>
-              <a:t>Concepts covered so Far</a:t>
-            </a:r>
-          </a:p>
-        </p:txBody>
-      </p:sp>
-      <p:sp>
-        <p:nvSpPr>
-          <p:cNvPr id="483" name="Shape 483"/>
-          <p:cNvSpPr/>
-          <p:nvPr>
-            <p:ph type="body" idx="1"/>
-          </p:nvPr>
-        </p:nvSpPr>
-        <p:spPr>
-          <a:xfrm>
-            <a:off x="406400" y="2929466"/>
-            <a:ext cx="12192000" cy="6108701"/>
-          </a:xfrm>
-          <a:prstGeom prst="rect">
-            <a:avLst/>
-          </a:prstGeom>
-        </p:spPr>
-        <p:txBody>
-          <a:bodyPr/>
-          <a:lstStyle/>
-          <a:p>
-            <a:pPr marL="444500" indent="-444500">
-              <a:defRPr sz="4800"/>
-            </a:pPr>
-            <a:r>
-              <a:t>String</a:t>
-            </a:r>
-          </a:p>
-          <a:p>
-            <a:pPr marL="444500" indent="-444500">
-              <a:defRPr sz="4800"/>
-            </a:pPr>
-            <a:r>
-              <a:t>Print statement</a:t>
-            </a:r>
-          </a:p>
-          <a:p>
-            <a:pPr marL="444500" indent="-444500">
-              <a:defRPr sz="4800"/>
-            </a:pPr>
-            <a:r>
-              <a:t>Function</a:t>
-            </a:r>
-          </a:p>
-          <a:p>
-            <a:pPr marL="444500" indent="-444500">
-              <a:defRPr sz="4800"/>
-            </a:pPr>
-            <a:r>
-              <a:t>Method</a:t>
+              <a:t>F-strings</a:t>
+            </a:r>
+          </a:p>
+        </p:txBody>
+      </p:sp>
+      <p:sp>
+        <p:nvSpPr>
+          <p:cNvPr id="461" name="Shape 461"/>
+          <p:cNvSpPr/>
+          <p:nvPr/>
+        </p:nvSpPr>
+        <p:spPr>
+          <a:xfrm>
+            <a:off x="487154" y="4540249"/>
+            <a:ext cx="8988426" cy="1079501"/>
+          </a:xfrm>
+          <a:prstGeom prst="rect">
+            <a:avLst/>
+          </a:prstGeom>
+          <a:ln w="12700">
+            <a:miter lim="400000"/>
+          </a:ln>
+          <a:extLst>
+            <a:ext uri="{C572A759-6A51-4108-AA02-DFA0A04FC94B}">
+              <ma14:wrappingTextBoxFlag xmlns:ma14="http://schemas.microsoft.com/office/mac/drawingml/2011/main" val="1"/>
+            </a:ext>
+          </a:extLst>
+        </p:spPr>
+        <p:txBody>
+          <a:bodyPr wrap="none" lIns="50800" tIns="50800" rIns="50800" bIns="50800" anchor="ctr">
+            <a:spAutoFit/>
+          </a:bodyPr>
+          <a:lstStyle>
+            <a:lvl1pPr>
+              <a:defRPr sz="6400">
+                <a:latin typeface="Anonymous Pro for Powerline"/>
+                <a:ea typeface="Anonymous Pro for Powerline"/>
+                <a:cs typeface="Anonymous Pro for Powerline"/>
+                <a:sym typeface="Anonymous Pro for Powerline"/>
+              </a:defRPr>
+            </a:lvl1pPr>
+          </a:lstStyle>
+          <a:p>
+            <a:pPr/>
+            <a:r>
+              <a:t>f“Hello, {my_name}!”</a:t>
             </a:r>
           </a:p>
         </p:txBody>
@@ -16815,7 +16478,7 @@
 </file>
 
 <file path=ppt/slides/slide75.xml><?xml version="1.0" encoding="utf-8"?>
-<p:sld xmlns:a="http://schemas.openxmlformats.org/drawingml/2006/main" xmlns:r="http://schemas.openxmlformats.org/officeDocument/2006/relationships" xmlns:p="http://schemas.openxmlformats.org/presentationml/2006/main" showMasterSp="1" showMasterPhAnim="1">
+<p:sld xmlns:a="http://schemas.openxmlformats.org/drawingml/2006/main" xmlns:r="http://schemas.openxmlformats.org/officeDocument/2006/relationships" xmlns:p="http://schemas.openxmlformats.org/presentationml/2006/main" show="0" showMasterSp="1" showMasterPhAnim="1">
   <p:cSld>
     <p:spTree>
       <p:nvGrpSpPr>
@@ -16833,7 +16496,7 @@
       </p:grpSpPr>
       <p:sp>
         <p:nvSpPr>
-          <p:cNvPr id="485" name="Shape 485"/>
+          <p:cNvPr id="463" name="Shape 463"/>
           <p:cNvSpPr/>
           <p:nvPr>
             <p:ph type="title"/>
@@ -16841,8 +16504,8 @@
         </p:nvSpPr>
         <p:spPr>
           <a:xfrm>
-            <a:off x="2802102" y="4038600"/>
-            <a:ext cx="7400596" cy="4521200"/>
+            <a:off x="406400" y="1536700"/>
+            <a:ext cx="12192000" cy="1169260"/>
           </a:xfrm>
           <a:prstGeom prst="rect">
             <a:avLst/>
@@ -16850,11 +16513,155 @@
         </p:spPr>
         <p:txBody>
           <a:bodyPr/>
+          <a:lstStyle>
+            <a:lvl1pPr defTabSz="403097">
+              <a:spcBef>
+                <a:spcPts val="1900"/>
+              </a:spcBef>
+              <a:defRPr sz="8280"/>
+            </a:lvl1pPr>
+          </a:lstStyle>
+          <a:p>
+            <a:pPr/>
+            <a:r>
+              <a:t>F-strings</a:t>
+            </a:r>
+          </a:p>
+        </p:txBody>
+      </p:sp>
+      <p:sp>
+        <p:nvSpPr>
+          <p:cNvPr id="464" name="Shape 464"/>
+          <p:cNvSpPr/>
+          <p:nvPr/>
+        </p:nvSpPr>
+        <p:spPr>
+          <a:xfrm>
+            <a:off x="487154" y="4540249"/>
+            <a:ext cx="8988426" cy="1079501"/>
+          </a:xfrm>
+          <a:prstGeom prst="rect">
+            <a:avLst/>
+          </a:prstGeom>
+          <a:ln w="12700">
+            <a:miter lim="400000"/>
+          </a:ln>
+          <a:extLst>
+            <a:ext uri="{C572A759-6A51-4108-AA02-DFA0A04FC94B}">
+              <ma14:wrappingTextBoxFlag xmlns:ma14="http://schemas.microsoft.com/office/mac/drawingml/2011/main" val="1"/>
+            </a:ext>
+          </a:extLst>
+        </p:spPr>
+        <p:txBody>
+          <a:bodyPr wrap="none" lIns="50800" tIns="50800" rIns="50800" bIns="50800" anchor="ctr">
+            <a:spAutoFit/>
+          </a:bodyPr>
+          <a:lstStyle>
+            <a:lvl1pPr>
+              <a:defRPr sz="6400">
+                <a:latin typeface="Anonymous Pro for Powerline"/>
+                <a:ea typeface="Anonymous Pro for Powerline"/>
+                <a:cs typeface="Anonymous Pro for Powerline"/>
+                <a:sym typeface="Anonymous Pro for Powerline"/>
+              </a:defRPr>
+            </a:lvl1pPr>
+          </a:lstStyle>
+          <a:p>
+            <a:pPr/>
+            <a:r>
+              <a:t>f“Hello, {my_name}!”</a:t>
+            </a:r>
+          </a:p>
+        </p:txBody>
+      </p:sp>
+      <p:sp>
+        <p:nvSpPr>
+          <p:cNvPr id="465" name="Shape 465"/>
+          <p:cNvSpPr/>
+          <p:nvPr/>
+        </p:nvSpPr>
+        <p:spPr>
+          <a:xfrm rot="21559398">
+            <a:off x="744741" y="6986397"/>
+            <a:ext cx="1892995" cy="518251"/>
+          </a:xfrm>
+          <a:prstGeom prst="rightArrow">
+            <a:avLst>
+              <a:gd name="adj1" fmla="val 34174"/>
+              <a:gd name="adj2" fmla="val 145948"/>
+            </a:avLst>
+          </a:prstGeom>
+          <a:solidFill>
+            <a:schemeClr val="accent5"/>
+          </a:solidFill>
+          <a:ln w="12700">
+            <a:miter lim="400000"/>
+          </a:ln>
+        </p:spPr>
+        <p:txBody>
+          <a:bodyPr lIns="50800" tIns="50800" rIns="50800" bIns="50800" anchor="ctr"/>
           <a:lstStyle/>
           <a:p>
-            <a:pPr/>
-            <a:r>
-              <a:t>Exercises</a:t>
+            <a:pPr algn="ctr">
+              <a:lnSpc>
+                <a:spcPct val="80000"/>
+              </a:lnSpc>
+              <a:spcBef>
+                <a:spcPts val="0"/>
+              </a:spcBef>
+              <a:defRPr cap="all" sz="2800">
+                <a:solidFill>
+                  <a:srgbClr val="FFFFFF"/>
+                </a:solidFill>
+                <a:latin typeface="+mn-lt"/>
+                <a:ea typeface="+mn-ea"/>
+                <a:cs typeface="+mn-cs"/>
+                <a:sym typeface="DIN Condensed"/>
+              </a:defRPr>
+            </a:pPr>
+          </a:p>
+        </p:txBody>
+      </p:sp>
+      <p:sp>
+        <p:nvSpPr>
+          <p:cNvPr id="466" name="Shape 466"/>
+          <p:cNvSpPr/>
+          <p:nvPr/>
+        </p:nvSpPr>
+        <p:spPr>
+          <a:xfrm>
+            <a:off x="2987235" y="6671777"/>
+            <a:ext cx="4381501" cy="1143001"/>
+          </a:xfrm>
+          <a:prstGeom prst="rect">
+            <a:avLst/>
+          </a:prstGeom>
+          <a:ln w="12700">
+            <a:miter lim="400000"/>
+          </a:ln>
+          <a:extLst>
+            <a:ext uri="{C572A759-6A51-4108-AA02-DFA0A04FC94B}">
+              <ma14:wrappingTextBoxFlag xmlns:ma14="http://schemas.microsoft.com/office/mac/drawingml/2011/main" val="1"/>
+            </a:ext>
+          </a:extLst>
+        </p:spPr>
+        <p:txBody>
+          <a:bodyPr wrap="none" lIns="50800" tIns="50800" rIns="50800" bIns="50800" anchor="ctr">
+            <a:spAutoFit/>
+          </a:bodyPr>
+          <a:lstStyle>
+            <a:lvl1pPr>
+              <a:defRPr sz="6000">
+                <a:solidFill>
+                  <a:schemeClr val="accent5"/>
+                </a:solidFill>
+              </a:defRPr>
+            </a:lvl1pPr>
+          </a:lstStyle>
+          <a:p>
+            <a:pPr/>
+            <a:r>
+              <a:t>“Hello, Rob”</a:t>
             </a:r>
           </a:p>
         </p:txBody>
@@ -16887,7 +16694,7 @@
       </p:grpSpPr>
       <p:sp>
         <p:nvSpPr>
-          <p:cNvPr id="487" name="Shape 487"/>
+          <p:cNvPr id="468" name="Shape 468"/>
           <p:cNvSpPr/>
           <p:nvPr>
             <p:ph type="title"/>
@@ -16915,66 +16722,97 @@
           <a:p>
             <a:pPr/>
             <a:r>
-              <a:t>List</a:t>
-            </a:r>
-          </a:p>
-        </p:txBody>
-      </p:sp>
-      <p:sp>
-        <p:nvSpPr>
-          <p:cNvPr id="488" name="Shape 488"/>
-          <p:cNvSpPr/>
-          <p:nvPr>
-            <p:ph type="body" sz="half" idx="1"/>
-          </p:nvPr>
-        </p:nvSpPr>
-        <p:spPr>
-          <a:xfrm>
-            <a:off x="406400" y="3953767"/>
-            <a:ext cx="12192000" cy="2531601"/>
-          </a:xfrm>
-          <a:prstGeom prst="rect">
-            <a:avLst/>
-          </a:prstGeom>
-        </p:spPr>
-        <p:txBody>
-          <a:bodyPr/>
-          <a:lstStyle/>
-          <a:p>
-            <a:pPr marL="663612" indent="-663612" defTabSz="549148">
-              <a:spcBef>
-                <a:spcPts val="2600"/>
-              </a:spcBef>
-              <a:buClrTx/>
-              <a:buSzPct val="40000"/>
-              <a:buFontTx/>
-              <a:buBlip>
-                <a:blip r:embed="rId2"/>
-              </a:buBlip>
-              <a:defRPr sz="6016"/>
-            </a:pPr>
-            <a:r>
-              <a:t>Ordered</a:t>
-            </a:r>
-          </a:p>
-          <a:p>
-            <a:pPr marL="663612" indent="-663612" defTabSz="549148">
-              <a:lnSpc>
-                <a:spcPct val="200000"/>
-              </a:lnSpc>
-              <a:spcBef>
-                <a:spcPts val="2600"/>
-              </a:spcBef>
-              <a:buClrTx/>
-              <a:buSzPct val="40000"/>
-              <a:buFontTx/>
-              <a:buBlip>
-                <a:blip r:embed="rId2"/>
-              </a:buBlip>
-              <a:defRPr sz="6016"/>
-            </a:pPr>
-            <a:r>
-              <a:t>No set length or data type</a:t>
+              <a:t>Print Statement</a:t>
+            </a:r>
+          </a:p>
+        </p:txBody>
+      </p:sp>
+      <p:sp>
+        <p:nvSpPr>
+          <p:cNvPr id="469" name="Shape 469"/>
+          <p:cNvSpPr/>
+          <p:nvPr/>
+        </p:nvSpPr>
+        <p:spPr>
+          <a:xfrm>
+            <a:off x="466598" y="3886353"/>
+            <a:ext cx="2606498" cy="1041401"/>
+          </a:xfrm>
+          <a:prstGeom prst="rect">
+            <a:avLst/>
+          </a:prstGeom>
+          <a:ln w="12700">
+            <a:miter lim="400000"/>
+          </a:ln>
+          <a:extLst>
+            <a:ext uri="{C572A759-6A51-4108-AA02-DFA0A04FC94B}">
+              <ma14:wrappingTextBoxFlag xmlns:ma14="http://schemas.microsoft.com/office/mac/drawingml/2011/main" val="1"/>
+            </a:ext>
+          </a:extLst>
+        </p:spPr>
+        <p:txBody>
+          <a:bodyPr wrap="none" lIns="50800" tIns="50800" rIns="50800" bIns="50800" anchor="ctr">
+            <a:spAutoFit/>
+          </a:bodyPr>
+          <a:lstStyle>
+            <a:lvl1pPr>
+              <a:defRPr sz="5400">
+                <a:latin typeface="Avenir Next"/>
+                <a:ea typeface="Avenir Next"/>
+                <a:cs typeface="Avenir Next"/>
+                <a:sym typeface="Avenir Next"/>
+              </a:defRPr>
+            </a:lvl1pPr>
+          </a:lstStyle>
+          <a:p>
+            <a:pPr/>
+            <a:r>
+              <a:t>English:</a:t>
+            </a:r>
+          </a:p>
+        </p:txBody>
+      </p:sp>
+      <p:sp>
+        <p:nvSpPr>
+          <p:cNvPr id="470" name="Shape 470"/>
+          <p:cNvSpPr/>
+          <p:nvPr/>
+        </p:nvSpPr>
+        <p:spPr>
+          <a:xfrm>
+            <a:off x="487764" y="5295900"/>
+            <a:ext cx="12105472" cy="1066801"/>
+          </a:xfrm>
+          <a:prstGeom prst="rect">
+            <a:avLst/>
+          </a:prstGeom>
+          <a:ln w="12700">
+            <a:miter lim="400000"/>
+          </a:ln>
+          <a:extLst>
+            <a:ext uri="{C572A759-6A51-4108-AA02-DFA0A04FC94B}">
+              <ma14:wrappingTextBoxFlag xmlns:ma14="http://schemas.microsoft.com/office/mac/drawingml/2011/main" val="1"/>
+            </a:ext>
+          </a:extLst>
+        </p:spPr>
+        <p:txBody>
+          <a:bodyPr lIns="50800" tIns="50800" rIns="50800" bIns="50800" anchor="ctr">
+            <a:spAutoFit/>
+          </a:bodyPr>
+          <a:lstStyle>
+            <a:lvl1pPr>
+              <a:defRPr i="1" sz="5600">
+                <a:latin typeface="Avenir Next"/>
+                <a:ea typeface="Avenir Next"/>
+                <a:cs typeface="Avenir Next"/>
+                <a:sym typeface="Avenir Next"/>
+              </a:defRPr>
+            </a:lvl1pPr>
+          </a:lstStyle>
+          <a:p>
+            <a:pPr/>
+            <a:r>
+              <a:t>Print my_name on the screen</a:t>
             </a:r>
           </a:p>
         </p:txBody>
@@ -17007,7 +16845,7 @@
       </p:grpSpPr>
       <p:sp>
         <p:nvSpPr>
-          <p:cNvPr id="490" name="Shape 490"/>
+          <p:cNvPr id="472" name="Shape 472"/>
           <p:cNvSpPr/>
           <p:nvPr>
             <p:ph type="title"/>
@@ -17035,21 +16873,21 @@
           <a:p>
             <a:pPr/>
             <a:r>
-              <a:t>List: Basic usage</a:t>
-            </a:r>
-          </a:p>
-        </p:txBody>
-      </p:sp>
-      <p:sp>
-        <p:nvSpPr>
-          <p:cNvPr id="491" name="Shape 491"/>
+              <a:t>Print Statement</a:t>
+            </a:r>
+          </a:p>
+        </p:txBody>
+      </p:sp>
+      <p:sp>
+        <p:nvSpPr>
+          <p:cNvPr id="473" name="Shape 473"/>
           <p:cNvSpPr/>
           <p:nvPr/>
         </p:nvSpPr>
         <p:spPr>
           <a:xfrm>
-            <a:off x="657967" y="4413249"/>
-            <a:ext cx="11454710" cy="927101"/>
+            <a:off x="466598" y="3886353"/>
+            <a:ext cx="2606498" cy="1041401"/>
           </a:xfrm>
           <a:prstGeom prst="rect">
             <a:avLst/>
@@ -17064,23 +16902,112 @@
           </a:extLst>
         </p:spPr>
         <p:txBody>
+          <a:bodyPr wrap="none" lIns="50800" tIns="50800" rIns="50800" bIns="50800" anchor="ctr">
+            <a:spAutoFit/>
+          </a:bodyPr>
+          <a:lstStyle>
+            <a:lvl1pPr>
+              <a:defRPr sz="5400">
+                <a:latin typeface="Avenir Next"/>
+                <a:ea typeface="Avenir Next"/>
+                <a:cs typeface="Avenir Next"/>
+                <a:sym typeface="Avenir Next"/>
+              </a:defRPr>
+            </a:lvl1pPr>
+          </a:lstStyle>
+          <a:p>
+            <a:pPr/>
+            <a:r>
+              <a:t>English:</a:t>
+            </a:r>
+          </a:p>
+        </p:txBody>
+      </p:sp>
+      <p:sp>
+        <p:nvSpPr>
+          <p:cNvPr id="474" name="Shape 474"/>
+          <p:cNvSpPr/>
+          <p:nvPr/>
+        </p:nvSpPr>
+        <p:spPr>
+          <a:xfrm>
+            <a:off x="487764" y="5295900"/>
+            <a:ext cx="12105472" cy="1066801"/>
+          </a:xfrm>
+          <a:prstGeom prst="rect">
+            <a:avLst/>
+          </a:prstGeom>
+          <a:ln w="12700">
+            <a:miter lim="400000"/>
+          </a:ln>
+          <a:extLst>
+            <a:ext uri="{C572A759-6A51-4108-AA02-DFA0A04FC94B}">
+              <ma14:wrappingTextBoxFlag xmlns:ma14="http://schemas.microsoft.com/office/mac/drawingml/2011/main" val="1"/>
+            </a:ext>
+          </a:extLst>
+        </p:spPr>
+        <p:txBody>
           <a:bodyPr lIns="50800" tIns="50800" rIns="50800" bIns="50800" anchor="ctr">
             <a:spAutoFit/>
           </a:bodyPr>
           <a:lstStyle>
             <a:lvl1pPr>
-              <a:defRPr sz="5400">
-                <a:latin typeface="Anonymous Pro for Powerline"/>
-                <a:ea typeface="Anonymous Pro for Powerline"/>
-                <a:cs typeface="Anonymous Pro for Powerline"/>
-                <a:sym typeface="Anonymous Pro for Powerline"/>
+              <a:defRPr i="1" sz="5600">
+                <a:latin typeface="Avenir Next"/>
+                <a:ea typeface="Avenir Next"/>
+                <a:cs typeface="Avenir Next"/>
+                <a:sym typeface="Avenir Next"/>
               </a:defRPr>
             </a:lvl1pPr>
           </a:lstStyle>
           <a:p>
             <a:pPr/>
             <a:r>
-              <a:t>my_list = [1, “two”, 3.0]</a:t>
+              <a:t>Print my_name on the screen</a:t>
+            </a:r>
+          </a:p>
+        </p:txBody>
+      </p:sp>
+      <p:sp>
+        <p:nvSpPr>
+          <p:cNvPr id="475" name="Shape 475"/>
+          <p:cNvSpPr/>
+          <p:nvPr/>
+        </p:nvSpPr>
+        <p:spPr>
+          <a:xfrm>
+            <a:off x="475483" y="7091418"/>
+            <a:ext cx="12710893" cy="1143001"/>
+          </a:xfrm>
+          <a:prstGeom prst="rect">
+            <a:avLst/>
+          </a:prstGeom>
+          <a:ln w="12700">
+            <a:miter lim="400000"/>
+          </a:ln>
+          <a:extLst>
+            <a:ext uri="{C572A759-6A51-4108-AA02-DFA0A04FC94B}">
+              <ma14:wrappingTextBoxFlag xmlns:ma14="http://schemas.microsoft.com/office/mac/drawingml/2011/main" val="1"/>
+            </a:ext>
+          </a:extLst>
+        </p:spPr>
+        <p:txBody>
+          <a:bodyPr lIns="50800" tIns="50800" rIns="50800" bIns="50800" anchor="ctr">
+            <a:spAutoFit/>
+          </a:bodyPr>
+          <a:lstStyle>
+            <a:lvl1pPr>
+              <a:defRPr sz="6000">
+                <a:solidFill>
+                  <a:schemeClr val="accent5"/>
+                </a:solidFill>
+              </a:defRPr>
+            </a:lvl1pPr>
+          </a:lstStyle>
+          <a:p>
+            <a:pPr/>
+            <a:r>
+              <a:t>(Useful for peeking into variables)</a:t>
             </a:r>
           </a:p>
         </p:txBody>
@@ -17113,7 +17040,7 @@
       </p:grpSpPr>
       <p:sp>
         <p:nvSpPr>
-          <p:cNvPr id="493" name="Shape 493"/>
+          <p:cNvPr id="477" name="Shape 477"/>
           <p:cNvSpPr/>
           <p:nvPr>
             <p:ph type="title"/>
@@ -17141,21 +17068,21 @@
           <a:p>
             <a:pPr/>
             <a:r>
-              <a:t>List: Basic usage</a:t>
-            </a:r>
-          </a:p>
-        </p:txBody>
-      </p:sp>
-      <p:sp>
-        <p:nvSpPr>
-          <p:cNvPr id="494" name="Shape 494"/>
+              <a:t>print Statement</a:t>
+            </a:r>
+          </a:p>
+        </p:txBody>
+      </p:sp>
+      <p:sp>
+        <p:nvSpPr>
+          <p:cNvPr id="478" name="Shape 478"/>
           <p:cNvSpPr/>
           <p:nvPr/>
         </p:nvSpPr>
         <p:spPr>
           <a:xfrm>
-            <a:off x="657967" y="4413249"/>
-            <a:ext cx="11454710" cy="927101"/>
+            <a:off x="1786334" y="4337049"/>
+            <a:ext cx="6326188" cy="1079501"/>
           </a:xfrm>
           <a:prstGeom prst="rect">
             <a:avLst/>
@@ -17170,12 +17097,12 @@
           </a:extLst>
         </p:spPr>
         <p:txBody>
-          <a:bodyPr lIns="50800" tIns="50800" rIns="50800" bIns="50800" anchor="ctr">
+          <a:bodyPr wrap="none" lIns="50800" tIns="50800" rIns="50800" bIns="50800" anchor="ctr">
             <a:spAutoFit/>
           </a:bodyPr>
           <a:lstStyle>
             <a:lvl1pPr>
-              <a:defRPr sz="5400">
+              <a:defRPr sz="6400">
                 <a:latin typeface="Anonymous Pro for Powerline"/>
                 <a:ea typeface="Anonymous Pro for Powerline"/>
                 <a:cs typeface="Anonymous Pro for Powerline"/>
@@ -17186,7 +17113,7 @@
           <a:p>
             <a:pPr/>
             <a:r>
-              <a:t>my_list.append(4)</a:t>
+              <a:t>print(my_name)</a:t>
             </a:r>
           </a:p>
         </p:txBody>
@@ -17219,7 +17146,7 @@
       </p:grpSpPr>
       <p:sp>
         <p:nvSpPr>
-          <p:cNvPr id="496" name="Shape 496"/>
+          <p:cNvPr id="480" name="Shape 480"/>
           <p:cNvSpPr/>
           <p:nvPr>
             <p:ph type="title"/>
@@ -17247,21 +17174,21 @@
           <a:p>
             <a:pPr/>
             <a:r>
-              <a:t>List: Basic usage</a:t>
-            </a:r>
-          </a:p>
-        </p:txBody>
-      </p:sp>
-      <p:sp>
-        <p:nvSpPr>
-          <p:cNvPr id="497" name="Shape 497"/>
+              <a:t>print Statement</a:t>
+            </a:r>
+          </a:p>
+        </p:txBody>
+      </p:sp>
+      <p:sp>
+        <p:nvSpPr>
+          <p:cNvPr id="481" name="Shape 481"/>
           <p:cNvSpPr/>
           <p:nvPr/>
         </p:nvSpPr>
         <p:spPr>
           <a:xfrm>
-            <a:off x="657967" y="4413249"/>
-            <a:ext cx="11454710" cy="927101"/>
+            <a:off x="1786334" y="4337049"/>
+            <a:ext cx="6326188" cy="1079501"/>
           </a:xfrm>
           <a:prstGeom prst="rect">
             <a:avLst/>
@@ -17276,12 +17203,12 @@
           </a:extLst>
         </p:spPr>
         <p:txBody>
-          <a:bodyPr lIns="50800" tIns="50800" rIns="50800" bIns="50800" anchor="ctr">
+          <a:bodyPr wrap="none" lIns="50800" tIns="50800" rIns="50800" bIns="50800" anchor="ctr">
             <a:spAutoFit/>
           </a:bodyPr>
           <a:lstStyle>
             <a:lvl1pPr>
-              <a:defRPr sz="5400">
+              <a:defRPr sz="6400">
                 <a:latin typeface="Anonymous Pro for Powerline"/>
                 <a:ea typeface="Anonymous Pro for Powerline"/>
                 <a:cs typeface="Anonymous Pro for Powerline"/>
@@ -17292,26 +17219,26 @@
           <a:p>
             <a:pPr/>
             <a:r>
-              <a:t>my_list.append(4)</a:t>
-            </a:r>
-          </a:p>
-        </p:txBody>
-      </p:sp>
-      <p:sp>
-        <p:nvSpPr>
-          <p:cNvPr id="498" name="Shape 498"/>
+              <a:t>print(my_name)</a:t>
+            </a:r>
+          </a:p>
+        </p:txBody>
+      </p:sp>
+      <p:sp>
+        <p:nvSpPr>
+          <p:cNvPr id="482" name="Shape 482"/>
           <p:cNvSpPr/>
           <p:nvPr/>
         </p:nvSpPr>
         <p:spPr>
           <a:xfrm rot="16200000">
-            <a:off x="2197487" y="6050951"/>
-            <a:ext cx="2588174" cy="1253669"/>
+            <a:off x="1423362" y="6668244"/>
+            <a:ext cx="2933304" cy="518251"/>
           </a:xfrm>
           <a:prstGeom prst="rightArrow">
             <a:avLst>
-              <a:gd name="adj1" fmla="val 32000"/>
-              <a:gd name="adj2" fmla="val 64000"/>
+              <a:gd name="adj1" fmla="val 34174"/>
+              <a:gd name="adj2" fmla="val 145948"/>
             </a:avLst>
           </a:prstGeom>
           <a:solidFill>
@@ -17347,14 +17274,14 @@
       </p:sp>
       <p:sp>
         <p:nvSpPr>
-          <p:cNvPr id="499" name="Shape 499"/>
+          <p:cNvPr id="483" name="Shape 483"/>
           <p:cNvSpPr/>
           <p:nvPr/>
         </p:nvSpPr>
         <p:spPr>
           <a:xfrm>
-            <a:off x="2396998" y="8132233"/>
-            <a:ext cx="2421891" cy="965201"/>
+            <a:off x="1431545" y="8282117"/>
+            <a:ext cx="2970277" cy="1143001"/>
           </a:xfrm>
           <a:prstGeom prst="rect">
             <a:avLst/>
@@ -17374,7 +17301,7 @@
           </a:bodyPr>
           <a:lstStyle>
             <a:lvl1pPr>
-              <a:defRPr sz="5000">
+              <a:defRPr sz="6000">
                 <a:solidFill>
                   <a:schemeClr val="accent5"/>
                 </a:solidFill>
@@ -17384,7 +17311,7 @@
           <a:p>
             <a:pPr/>
             <a:r>
-              <a:t>Method</a:t>
+              <a:t>function</a:t>
             </a:r>
           </a:p>
         </p:txBody>
@@ -17528,7 +17455,7 @@
       </p:grpSpPr>
       <p:sp>
         <p:nvSpPr>
-          <p:cNvPr id="501" name="Shape 501"/>
+          <p:cNvPr id="485" name="Shape 485"/>
           <p:cNvSpPr/>
           <p:nvPr>
             <p:ph type="title"/>
@@ -17556,21 +17483,21 @@
           <a:p>
             <a:pPr/>
             <a:r>
-              <a:t>List: Basic usage</a:t>
-            </a:r>
-          </a:p>
-        </p:txBody>
-      </p:sp>
-      <p:sp>
-        <p:nvSpPr>
-          <p:cNvPr id="502" name="Shape 502"/>
+              <a:t>print Statement</a:t>
+            </a:r>
+          </a:p>
+        </p:txBody>
+      </p:sp>
+      <p:sp>
+        <p:nvSpPr>
+          <p:cNvPr id="486" name="Shape 486"/>
           <p:cNvSpPr/>
           <p:nvPr/>
         </p:nvSpPr>
         <p:spPr>
           <a:xfrm>
-            <a:off x="657967" y="4413249"/>
-            <a:ext cx="11454710" cy="927101"/>
+            <a:off x="1786334" y="4337049"/>
+            <a:ext cx="6326188" cy="1079501"/>
           </a:xfrm>
           <a:prstGeom prst="rect">
             <a:avLst/>
@@ -17585,12 +17512,12 @@
           </a:extLst>
         </p:spPr>
         <p:txBody>
-          <a:bodyPr lIns="50800" tIns="50800" rIns="50800" bIns="50800" anchor="ctr">
+          <a:bodyPr wrap="none" lIns="50800" tIns="50800" rIns="50800" bIns="50800" anchor="ctr">
             <a:spAutoFit/>
           </a:bodyPr>
           <a:lstStyle>
             <a:lvl1pPr>
-              <a:defRPr sz="5400">
+              <a:defRPr sz="6400">
                 <a:latin typeface="Anonymous Pro for Powerline"/>
                 <a:ea typeface="Anonymous Pro for Powerline"/>
                 <a:cs typeface="Anonymous Pro for Powerline"/>
@@ -17601,7 +17528,191 @@
           <a:p>
             <a:pPr/>
             <a:r>
-              <a:t>last_item = my_list.pop()</a:t>
+              <a:t>print(my_name)</a:t>
+            </a:r>
+          </a:p>
+        </p:txBody>
+      </p:sp>
+      <p:sp>
+        <p:nvSpPr>
+          <p:cNvPr id="487" name="Shape 487"/>
+          <p:cNvSpPr/>
+          <p:nvPr/>
+        </p:nvSpPr>
+        <p:spPr>
+          <a:xfrm rot="16200000">
+            <a:off x="1423362" y="6668244"/>
+            <a:ext cx="2933304" cy="518251"/>
+          </a:xfrm>
+          <a:prstGeom prst="rightArrow">
+            <a:avLst>
+              <a:gd name="adj1" fmla="val 34174"/>
+              <a:gd name="adj2" fmla="val 145948"/>
+            </a:avLst>
+          </a:prstGeom>
+          <a:solidFill>
+            <a:schemeClr val="accent5"/>
+          </a:solidFill>
+          <a:ln w="12700">
+            <a:miter lim="400000"/>
+          </a:ln>
+        </p:spPr>
+        <p:txBody>
+          <a:bodyPr lIns="50800" tIns="50800" rIns="50800" bIns="50800" anchor="ctr"/>
+          <a:lstStyle/>
+          <a:p>
+            <a:pPr algn="ctr">
+              <a:lnSpc>
+                <a:spcPct val="80000"/>
+              </a:lnSpc>
+              <a:spcBef>
+                <a:spcPts val="0"/>
+              </a:spcBef>
+              <a:defRPr cap="all" sz="2800">
+                <a:solidFill>
+                  <a:srgbClr val="FFFFFF"/>
+                </a:solidFill>
+                <a:latin typeface="+mn-lt"/>
+                <a:ea typeface="+mn-ea"/>
+                <a:cs typeface="+mn-cs"/>
+                <a:sym typeface="DIN Condensed"/>
+              </a:defRPr>
+            </a:pPr>
+          </a:p>
+        </p:txBody>
+      </p:sp>
+      <p:sp>
+        <p:nvSpPr>
+          <p:cNvPr id="488" name="Shape 488"/>
+          <p:cNvSpPr/>
+          <p:nvPr/>
+        </p:nvSpPr>
+        <p:spPr>
+          <a:xfrm>
+            <a:off x="1431545" y="8282117"/>
+            <a:ext cx="2970277" cy="1143001"/>
+          </a:xfrm>
+          <a:prstGeom prst="rect">
+            <a:avLst/>
+          </a:prstGeom>
+          <a:ln w="12700">
+            <a:miter lim="400000"/>
+          </a:ln>
+          <a:extLst>
+            <a:ext uri="{C572A759-6A51-4108-AA02-DFA0A04FC94B}">
+              <ma14:wrappingTextBoxFlag xmlns:ma14="http://schemas.microsoft.com/office/mac/drawingml/2011/main" val="1"/>
+            </a:ext>
+          </a:extLst>
+        </p:spPr>
+        <p:txBody>
+          <a:bodyPr wrap="none" lIns="50800" tIns="50800" rIns="50800" bIns="50800" anchor="ctr">
+            <a:spAutoFit/>
+          </a:bodyPr>
+          <a:lstStyle>
+            <a:lvl1pPr>
+              <a:defRPr sz="6000">
+                <a:solidFill>
+                  <a:schemeClr val="accent5"/>
+                </a:solidFill>
+              </a:defRPr>
+            </a:lvl1pPr>
+          </a:lstStyle>
+          <a:p>
+            <a:pPr/>
+            <a:r>
+              <a:t>function</a:t>
+            </a:r>
+          </a:p>
+        </p:txBody>
+      </p:sp>
+      <p:sp>
+        <p:nvSpPr>
+          <p:cNvPr id="489" name="Shape 489"/>
+          <p:cNvSpPr/>
+          <p:nvPr/>
+        </p:nvSpPr>
+        <p:spPr>
+          <a:xfrm rot="16200000">
+            <a:off x="5324802" y="6592241"/>
+            <a:ext cx="2933304" cy="518252"/>
+          </a:xfrm>
+          <a:prstGeom prst="rightArrow">
+            <a:avLst>
+              <a:gd name="adj1" fmla="val 34174"/>
+              <a:gd name="adj2" fmla="val 145948"/>
+            </a:avLst>
+          </a:prstGeom>
+          <a:solidFill>
+            <a:schemeClr val="accent5"/>
+          </a:solidFill>
+          <a:ln w="12700">
+            <a:miter lim="400000"/>
+          </a:ln>
+        </p:spPr>
+        <p:txBody>
+          <a:bodyPr lIns="50800" tIns="50800" rIns="50800" bIns="50800" anchor="ctr"/>
+          <a:lstStyle/>
+          <a:p>
+            <a:pPr algn="ctr">
+              <a:lnSpc>
+                <a:spcPct val="80000"/>
+              </a:lnSpc>
+              <a:spcBef>
+                <a:spcPts val="0"/>
+              </a:spcBef>
+              <a:defRPr cap="all" sz="2800">
+                <a:solidFill>
+                  <a:srgbClr val="FFFFFF"/>
+                </a:solidFill>
+                <a:latin typeface="+mn-lt"/>
+                <a:ea typeface="+mn-ea"/>
+                <a:cs typeface="+mn-cs"/>
+                <a:sym typeface="DIN Condensed"/>
+              </a:defRPr>
+            </a:pPr>
+          </a:p>
+        </p:txBody>
+      </p:sp>
+      <p:sp>
+        <p:nvSpPr>
+          <p:cNvPr id="490" name="Shape 490"/>
+          <p:cNvSpPr/>
+          <p:nvPr/>
+        </p:nvSpPr>
+        <p:spPr>
+          <a:xfrm>
+            <a:off x="5332985" y="8206115"/>
+            <a:ext cx="7423405" cy="1143001"/>
+          </a:xfrm>
+          <a:prstGeom prst="rect">
+            <a:avLst/>
+          </a:prstGeom>
+          <a:ln w="12700">
+            <a:miter lim="400000"/>
+          </a:ln>
+          <a:extLst>
+            <a:ext uri="{C572A759-6A51-4108-AA02-DFA0A04FC94B}">
+              <ma14:wrappingTextBoxFlag xmlns:ma14="http://schemas.microsoft.com/office/mac/drawingml/2011/main" val="1"/>
+            </a:ext>
+          </a:extLst>
+        </p:spPr>
+        <p:txBody>
+          <a:bodyPr wrap="none" lIns="50800" tIns="50800" rIns="50800" bIns="50800" anchor="ctr">
+            <a:spAutoFit/>
+          </a:bodyPr>
+          <a:lstStyle>
+            <a:lvl1pPr>
+              <a:defRPr sz="6000">
+                <a:solidFill>
+                  <a:schemeClr val="accent5"/>
+                </a:solidFill>
+              </a:defRPr>
+            </a:lvl1pPr>
+          </a:lstStyle>
+          <a:p>
+            <a:pPr/>
+            <a:r>
+              <a:t>input (aka argument)</a:t>
             </a:r>
           </a:p>
         </p:txBody>
@@ -17634,7 +17745,7 @@
       </p:grpSpPr>
       <p:sp>
         <p:nvSpPr>
-          <p:cNvPr id="504" name="Shape 504"/>
+          <p:cNvPr id="492" name="Shape 492"/>
           <p:cNvSpPr/>
           <p:nvPr>
             <p:ph type="title"/>
@@ -17662,52 +17773,66 @@
           <a:p>
             <a:pPr/>
             <a:r>
-              <a:t>List: Basic usage</a:t>
-            </a:r>
-          </a:p>
-        </p:txBody>
-      </p:sp>
-      <p:sp>
-        <p:nvSpPr>
-          <p:cNvPr id="505" name="Shape 505"/>
-          <p:cNvSpPr/>
-          <p:nvPr/>
-        </p:nvSpPr>
-        <p:spPr>
-          <a:xfrm>
-            <a:off x="657967" y="4413249"/>
-            <a:ext cx="11454710" cy="927101"/>
-          </a:xfrm>
-          <a:prstGeom prst="rect">
-            <a:avLst/>
-          </a:prstGeom>
-          <a:ln w="12700">
-            <a:miter lim="400000"/>
-          </a:ln>
-          <a:extLst>
-            <a:ext uri="{C572A759-6A51-4108-AA02-DFA0A04FC94B}">
-              <ma14:wrappingTextBoxFlag xmlns:ma14="http://schemas.microsoft.com/office/mac/drawingml/2011/main" val="1"/>
-            </a:ext>
-          </a:extLst>
-        </p:spPr>
-        <p:txBody>
-          <a:bodyPr lIns="50800" tIns="50800" rIns="50800" bIns="50800" anchor="ctr">
-            <a:spAutoFit/>
-          </a:bodyPr>
-          <a:lstStyle>
-            <a:lvl1pPr>
-              <a:defRPr sz="5400">
-                <a:latin typeface="Anonymous Pro for Powerline"/>
-                <a:ea typeface="Anonymous Pro for Powerline"/>
-                <a:cs typeface="Anonymous Pro for Powerline"/>
-                <a:sym typeface="Anonymous Pro for Powerline"/>
-              </a:defRPr>
-            </a:lvl1pPr>
-          </a:lstStyle>
-          <a:p>
-            <a:pPr/>
-            <a:r>
-              <a:t>first_item = my_list.pop(0)</a:t>
+              <a:t>Function</a:t>
+            </a:r>
+          </a:p>
+        </p:txBody>
+      </p:sp>
+      <p:sp>
+        <p:nvSpPr>
+          <p:cNvPr id="493" name="Shape 493"/>
+          <p:cNvSpPr/>
+          <p:nvPr>
+            <p:ph type="body" sz="half" idx="1"/>
+          </p:nvPr>
+        </p:nvSpPr>
+        <p:spPr>
+          <a:xfrm>
+            <a:off x="406400" y="3953767"/>
+            <a:ext cx="12192000" cy="2531601"/>
+          </a:xfrm>
+          <a:prstGeom prst="rect">
+            <a:avLst/>
+          </a:prstGeom>
+        </p:spPr>
+        <p:txBody>
+          <a:bodyPr/>
+          <a:lstStyle/>
+          <a:p>
+            <a:pPr marL="642433" indent="-642433" defTabSz="531622">
+              <a:spcBef>
+                <a:spcPts val="2500"/>
+              </a:spcBef>
+              <a:buClrTx/>
+              <a:buSzPct val="40000"/>
+              <a:buFontTx/>
+              <a:buBlip>
+                <a:blip r:embed="rId2"/>
+              </a:buBlip>
+              <a:defRPr sz="5824"/>
+            </a:pPr>
+            <a:r>
+              <a:t>Performs an action</a:t>
+            </a:r>
+          </a:p>
+          <a:p>
+            <a:pPr marL="642433" indent="-642433" defTabSz="531622">
+              <a:lnSpc>
+                <a:spcPct val="200000"/>
+              </a:lnSpc>
+              <a:spcBef>
+                <a:spcPts val="2500"/>
+              </a:spcBef>
+              <a:buClrTx/>
+              <a:buSzPct val="40000"/>
+              <a:buFontTx/>
+              <a:buBlip>
+                <a:blip r:embed="rId2"/>
+              </a:buBlip>
+              <a:defRPr sz="5824"/>
+            </a:pPr>
+            <a:r>
+              <a:t>Action in example: print to screen</a:t>
             </a:r>
           </a:p>
         </p:txBody>
@@ -17740,7 +17865,7 @@
       </p:grpSpPr>
       <p:sp>
         <p:nvSpPr>
-          <p:cNvPr id="507" name="Shape 507"/>
+          <p:cNvPr id="495" name="Shape 495"/>
           <p:cNvSpPr/>
           <p:nvPr>
             <p:ph type="title"/>
@@ -17768,21 +17893,21 @@
           <a:p>
             <a:pPr/>
             <a:r>
-              <a:t>List: Basic usage</a:t>
-            </a:r>
-          </a:p>
-        </p:txBody>
-      </p:sp>
-      <p:sp>
-        <p:nvSpPr>
-          <p:cNvPr id="508" name="Shape 508"/>
+              <a:t>Function vs method</a:t>
+            </a:r>
+          </a:p>
+        </p:txBody>
+      </p:sp>
+      <p:sp>
+        <p:nvSpPr>
+          <p:cNvPr id="496" name="Shape 496"/>
           <p:cNvSpPr/>
           <p:nvPr/>
         </p:nvSpPr>
         <p:spPr>
           <a:xfrm>
-            <a:off x="657967" y="4413249"/>
-            <a:ext cx="11454710" cy="927101"/>
+            <a:off x="466598" y="3924453"/>
+            <a:ext cx="11726396" cy="965201"/>
           </a:xfrm>
           <a:prstGeom prst="rect">
             <a:avLst/>
@@ -17797,37 +17922,43 @@
           </a:extLst>
         </p:spPr>
         <p:txBody>
-          <a:bodyPr lIns="50800" tIns="50800" rIns="50800" bIns="50800" anchor="ctr">
+          <a:bodyPr wrap="none" lIns="50800" tIns="50800" rIns="50800" bIns="50800" anchor="ctr">
             <a:spAutoFit/>
           </a:bodyPr>
-          <a:lstStyle>
-            <a:lvl1pPr>
-              <a:defRPr sz="5400">
-                <a:latin typeface="Anonymous Pro for Powerline"/>
-                <a:ea typeface="Anonymous Pro for Powerline"/>
-                <a:cs typeface="Anonymous Pro for Powerline"/>
-                <a:sym typeface="Anonymous Pro for Powerline"/>
+          <a:lstStyle/>
+          <a:p>
+            <a:pPr marL="705970" indent="-705970">
+              <a:buSzPct val="40000"/>
+              <a:buBlip>
+                <a:blip r:embed="rId2"/>
+              </a:buBlip>
+              <a:defRPr sz="5000">
+                <a:latin typeface="Avenir Next"/>
+                <a:ea typeface="Avenir Next"/>
+                <a:cs typeface="Avenir Next"/>
+                <a:sym typeface="Avenir Next"/>
               </a:defRPr>
-            </a:lvl1pPr>
-          </a:lstStyle>
-          <a:p>
-            <a:pPr/>
-            <a:r>
-              <a:t>first_item = my_list.pop(0)</a:t>
-            </a:r>
-          </a:p>
-        </p:txBody>
-      </p:sp>
-      <p:sp>
-        <p:nvSpPr>
-          <p:cNvPr id="509" name="Shape 509"/>
+            </a:pPr>
+            <a:r>
+              <a:rPr u="sng"/>
+              <a:t>Same</a:t>
+            </a:r>
+            <a:r>
+              <a:t>: performs an “action” with input</a:t>
+            </a:r>
+          </a:p>
+        </p:txBody>
+      </p:sp>
+      <p:sp>
+        <p:nvSpPr>
+          <p:cNvPr id="497" name="Shape 497"/>
           <p:cNvSpPr/>
           <p:nvPr/>
         </p:nvSpPr>
         <p:spPr>
           <a:xfrm>
-            <a:off x="2526588" y="6121553"/>
-            <a:ext cx="7951624" cy="1041401"/>
+            <a:off x="466598" y="5897033"/>
+            <a:ext cx="12071604" cy="965201"/>
           </a:xfrm>
           <a:prstGeom prst="rect">
             <a:avLst/>
@@ -17842,26 +17973,29 @@
           </a:extLst>
         </p:spPr>
         <p:txBody>
-          <a:bodyPr wrap="none" lIns="50800" tIns="50800" rIns="50800" bIns="50800" anchor="ctr">
+          <a:bodyPr lIns="50800" tIns="50800" rIns="50800" bIns="50800" anchor="ctr">
             <a:spAutoFit/>
           </a:bodyPr>
-          <a:lstStyle>
-            <a:lvl1pPr>
-              <a:defRPr sz="5400">
-                <a:solidFill>
-                  <a:srgbClr val="E52932"/>
-                </a:solidFill>
+          <a:lstStyle/>
+          <a:p>
+            <a:pPr marL="705970" indent="-705970">
+              <a:buSzPct val="40000"/>
+              <a:buBlip>
+                <a:blip r:embed="rId2"/>
+              </a:buBlip>
+              <a:defRPr sz="5000">
                 <a:latin typeface="Avenir Next"/>
                 <a:ea typeface="Avenir Next"/>
                 <a:cs typeface="Avenir Next"/>
                 <a:sym typeface="Avenir Next"/>
               </a:defRPr>
-            </a:lvl1pPr>
-          </a:lstStyle>
-          <a:p>
-            <a:pPr/>
-            <a:r>
-              <a:t>Beware of zero-indexing!</a:t>
+            </a:pPr>
+            <a:r>
+              <a:rPr u="sng"/>
+              <a:t>Different</a:t>
+            </a:r>
+            <a:r>
+              <a:t>: where input comes from</a:t>
             </a:r>
           </a:p>
         </p:txBody>
@@ -17894,7 +18028,7 @@
       </p:grpSpPr>
       <p:sp>
         <p:nvSpPr>
-          <p:cNvPr id="511" name="Shape 511"/>
+          <p:cNvPr id="499" name="Shape 499"/>
           <p:cNvSpPr/>
           <p:nvPr>
             <p:ph type="title"/>
@@ -17922,21 +18056,21 @@
           <a:p>
             <a:pPr/>
             <a:r>
-              <a:t>Indexing Syntax</a:t>
-            </a:r>
-          </a:p>
-        </p:txBody>
-      </p:sp>
-      <p:sp>
-        <p:nvSpPr>
-          <p:cNvPr id="512" name="Shape 512"/>
+              <a:t>method Example</a:t>
+            </a:r>
+          </a:p>
+        </p:txBody>
+      </p:sp>
+      <p:sp>
+        <p:nvSpPr>
+          <p:cNvPr id="500" name="Shape 500"/>
           <p:cNvSpPr/>
           <p:nvPr/>
         </p:nvSpPr>
         <p:spPr>
           <a:xfrm>
-            <a:off x="439081" y="4072620"/>
-            <a:ext cx="2606498" cy="1041401"/>
+            <a:off x="1717005" y="4761444"/>
+            <a:ext cx="9570790" cy="1041401"/>
           </a:xfrm>
           <a:prstGeom prst="rect">
             <a:avLst/>
@@ -17956,63 +18090,18 @@
           </a:bodyPr>
           <a:lstStyle>
             <a:lvl1pPr>
-              <a:defRPr sz="5400">
-                <a:latin typeface="Avenir Next"/>
-                <a:ea typeface="Avenir Next"/>
-                <a:cs typeface="Avenir Next"/>
-                <a:sym typeface="Avenir Next"/>
+              <a:defRPr sz="6200">
+                <a:latin typeface="Anonymous Pro for Powerline"/>
+                <a:ea typeface="Anonymous Pro for Powerline"/>
+                <a:cs typeface="Anonymous Pro for Powerline"/>
+                <a:sym typeface="Anonymous Pro for Powerline"/>
               </a:defRPr>
             </a:lvl1pPr>
           </a:lstStyle>
           <a:p>
             <a:pPr/>
             <a:r>
-              <a:t>English:</a:t>
-            </a:r>
-          </a:p>
-        </p:txBody>
-      </p:sp>
-      <p:sp>
-        <p:nvSpPr>
-          <p:cNvPr id="513" name="Shape 513"/>
-          <p:cNvSpPr/>
-          <p:nvPr/>
-        </p:nvSpPr>
-        <p:spPr>
-          <a:xfrm>
-            <a:off x="460247" y="5482166"/>
-            <a:ext cx="12105472" cy="1066801"/>
-          </a:xfrm>
-          <a:prstGeom prst="rect">
-            <a:avLst/>
-          </a:prstGeom>
-          <a:ln w="12700">
-            <a:miter lim="400000"/>
-          </a:ln>
-          <a:extLst>
-            <a:ext uri="{C572A759-6A51-4108-AA02-DFA0A04FC94B}">
-              <ma14:wrappingTextBoxFlag xmlns:ma14="http://schemas.microsoft.com/office/mac/drawingml/2011/main" val="1"/>
-            </a:ext>
-          </a:extLst>
-        </p:spPr>
-        <p:txBody>
-          <a:bodyPr lIns="50800" tIns="50800" rIns="50800" bIns="50800" anchor="ctr">
-            <a:spAutoFit/>
-          </a:bodyPr>
-          <a:lstStyle>
-            <a:lvl1pPr>
-              <a:defRPr i="1" sz="5600">
-                <a:latin typeface="Avenir Next"/>
-                <a:ea typeface="Avenir Next"/>
-                <a:cs typeface="Avenir Next"/>
-                <a:sym typeface="Avenir Next"/>
-              </a:defRPr>
-            </a:lvl1pPr>
-          </a:lstStyle>
-          <a:p>
-            <a:pPr/>
-            <a:r>
-              <a:t>get the first element in my_list</a:t>
+              <a:t>“Rob”.replace(“R”,“B”)</a:t>
             </a:r>
           </a:p>
         </p:txBody>
@@ -18045,7 +18134,7 @@
       </p:grpSpPr>
       <p:sp>
         <p:nvSpPr>
-          <p:cNvPr id="515" name="Shape 515"/>
+          <p:cNvPr id="502" name="Shape 502"/>
           <p:cNvSpPr/>
           <p:nvPr>
             <p:ph type="title"/>
@@ -18073,21 +18162,21 @@
           <a:p>
             <a:pPr/>
             <a:r>
-              <a:t>Indexing Syntax</a:t>
-            </a:r>
-          </a:p>
-        </p:txBody>
-      </p:sp>
-      <p:sp>
-        <p:nvSpPr>
-          <p:cNvPr id="516" name="Shape 516"/>
+              <a:t>method Example</a:t>
+            </a:r>
+          </a:p>
+        </p:txBody>
+      </p:sp>
+      <p:sp>
+        <p:nvSpPr>
+          <p:cNvPr id="503" name="Shape 503"/>
           <p:cNvSpPr/>
           <p:nvPr/>
         </p:nvSpPr>
         <p:spPr>
           <a:xfrm>
-            <a:off x="4552634" y="4413249"/>
-            <a:ext cx="3899532" cy="927101"/>
+            <a:off x="1717005" y="4761444"/>
+            <a:ext cx="9570790" cy="1041401"/>
           </a:xfrm>
           <a:prstGeom prst="rect">
             <a:avLst/>
@@ -18102,12 +18191,12 @@
           </a:extLst>
         </p:spPr>
         <p:txBody>
-          <a:bodyPr lIns="50800" tIns="50800" rIns="50800" bIns="50800" anchor="ctr">
+          <a:bodyPr wrap="none" lIns="50800" tIns="50800" rIns="50800" bIns="50800" anchor="ctr">
             <a:spAutoFit/>
           </a:bodyPr>
           <a:lstStyle>
             <a:lvl1pPr>
-              <a:defRPr sz="5400">
+              <a:defRPr sz="6200">
                 <a:latin typeface="Anonymous Pro for Powerline"/>
                 <a:ea typeface="Anonymous Pro for Powerline"/>
                 <a:cs typeface="Anonymous Pro for Powerline"/>
@@ -18118,7 +18207,99 @@
           <a:p>
             <a:pPr/>
             <a:r>
-              <a:t>my_list[0]</a:t>
+              <a:t>“Rob”.replace(“R”,“B”)</a:t>
+            </a:r>
+          </a:p>
+        </p:txBody>
+      </p:sp>
+      <p:sp>
+        <p:nvSpPr>
+          <p:cNvPr id="504" name="Shape 504"/>
+          <p:cNvSpPr/>
+          <p:nvPr/>
+        </p:nvSpPr>
+        <p:spPr>
+          <a:xfrm rot="21591301">
+            <a:off x="1978286" y="6822672"/>
+            <a:ext cx="1620784" cy="518251"/>
+          </a:xfrm>
+          <a:prstGeom prst="rightArrow">
+            <a:avLst>
+              <a:gd name="adj1" fmla="val 34174"/>
+              <a:gd name="adj2" fmla="val 145948"/>
+            </a:avLst>
+          </a:prstGeom>
+          <a:solidFill>
+            <a:schemeClr val="accent5"/>
+          </a:solidFill>
+          <a:ln w="12700">
+            <a:miter lim="400000"/>
+          </a:ln>
+        </p:spPr>
+        <p:txBody>
+          <a:bodyPr lIns="50800" tIns="50800" rIns="50800" bIns="50800" anchor="ctr"/>
+          <a:lstStyle/>
+          <a:p>
+            <a:pPr algn="ctr">
+              <a:lnSpc>
+                <a:spcPct val="80000"/>
+              </a:lnSpc>
+              <a:spcBef>
+                <a:spcPts val="0"/>
+              </a:spcBef>
+              <a:defRPr cap="all" sz="2800">
+                <a:solidFill>
+                  <a:srgbClr val="FFFFFF"/>
+                </a:solidFill>
+                <a:latin typeface="+mn-lt"/>
+                <a:ea typeface="+mn-ea"/>
+                <a:cs typeface="+mn-cs"/>
+                <a:sym typeface="DIN Condensed"/>
+              </a:defRPr>
+            </a:pPr>
+          </a:p>
+        </p:txBody>
+      </p:sp>
+      <p:sp>
+        <p:nvSpPr>
+          <p:cNvPr id="505" name="Shape 505"/>
+          <p:cNvSpPr/>
+          <p:nvPr/>
+        </p:nvSpPr>
+        <p:spPr>
+          <a:xfrm>
+            <a:off x="3798578" y="6510161"/>
+            <a:ext cx="2202181" cy="1143001"/>
+          </a:xfrm>
+          <a:prstGeom prst="rect">
+            <a:avLst/>
+          </a:prstGeom>
+          <a:ln w="12700">
+            <a:miter lim="400000"/>
+          </a:ln>
+          <a:extLst>
+            <a:ext uri="{C572A759-6A51-4108-AA02-DFA0A04FC94B}">
+              <ma14:wrappingTextBoxFlag xmlns:ma14="http://schemas.microsoft.com/office/mac/drawingml/2011/main" val="1"/>
+            </a:ext>
+          </a:extLst>
+        </p:spPr>
+        <p:txBody>
+          <a:bodyPr wrap="none" lIns="50800" tIns="50800" rIns="50800" bIns="50800" anchor="ctr">
+            <a:spAutoFit/>
+          </a:bodyPr>
+          <a:lstStyle>
+            <a:lvl1pPr>
+              <a:defRPr sz="6000">
+                <a:solidFill>
+                  <a:schemeClr val="accent5"/>
+                </a:solidFill>
+              </a:defRPr>
+            </a:lvl1pPr>
+          </a:lstStyle>
+          <a:p>
+            <a:pPr/>
+            <a:r>
+              <a:t>“Bob”</a:t>
             </a:r>
           </a:p>
         </p:txBody>
@@ -18151,7 +18332,7 @@
       </p:grpSpPr>
       <p:sp>
         <p:nvSpPr>
-          <p:cNvPr id="518" name="Shape 518"/>
+          <p:cNvPr id="507" name="Shape 507"/>
           <p:cNvSpPr/>
           <p:nvPr>
             <p:ph type="title"/>
@@ -18179,21 +18360,21 @@
           <a:p>
             <a:pPr/>
             <a:r>
-              <a:t>Indexing Syntax</a:t>
-            </a:r>
-          </a:p>
-        </p:txBody>
-      </p:sp>
-      <p:sp>
-        <p:nvSpPr>
-          <p:cNvPr id="519" name="Shape 519"/>
+              <a:t>method Example</a:t>
+            </a:r>
+          </a:p>
+        </p:txBody>
+      </p:sp>
+      <p:sp>
+        <p:nvSpPr>
+          <p:cNvPr id="508" name="Shape 508"/>
           <p:cNvSpPr/>
           <p:nvPr/>
         </p:nvSpPr>
         <p:spPr>
           <a:xfrm>
-            <a:off x="4552634" y="4413249"/>
-            <a:ext cx="3899532" cy="927101"/>
+            <a:off x="1717005" y="4761444"/>
+            <a:ext cx="9570790" cy="1041401"/>
           </a:xfrm>
           <a:prstGeom prst="rect">
             <a:avLst/>
@@ -18208,12 +18389,12 @@
           </a:extLst>
         </p:spPr>
         <p:txBody>
-          <a:bodyPr lIns="50800" tIns="50800" rIns="50800" bIns="50800" anchor="ctr">
+          <a:bodyPr wrap="none" lIns="50800" tIns="50800" rIns="50800" bIns="50800" anchor="ctr">
             <a:spAutoFit/>
           </a:bodyPr>
           <a:lstStyle>
             <a:lvl1pPr>
-              <a:defRPr sz="5400">
+              <a:defRPr sz="6200">
                 <a:latin typeface="Anonymous Pro for Powerline"/>
                 <a:ea typeface="Anonymous Pro for Powerline"/>
                 <a:cs typeface="Anonymous Pro for Powerline"/>
@@ -18224,7 +18405,99 @@
           <a:p>
             <a:pPr/>
             <a:r>
-              <a:t>my_list[0]</a:t>
+              <a:t>“Rob”.replace(“R”,“B”)</a:t>
+            </a:r>
+          </a:p>
+        </p:txBody>
+      </p:sp>
+      <p:sp>
+        <p:nvSpPr>
+          <p:cNvPr id="509" name="Shape 509"/>
+          <p:cNvSpPr/>
+          <p:nvPr/>
+        </p:nvSpPr>
+        <p:spPr>
+          <a:xfrm rot="16200000">
+            <a:off x="1978286" y="6391994"/>
+            <a:ext cx="1620784" cy="518251"/>
+          </a:xfrm>
+          <a:prstGeom prst="rightArrow">
+            <a:avLst>
+              <a:gd name="adj1" fmla="val 34174"/>
+              <a:gd name="adj2" fmla="val 145948"/>
+            </a:avLst>
+          </a:prstGeom>
+          <a:solidFill>
+            <a:schemeClr val="accent5"/>
+          </a:solidFill>
+          <a:ln w="12700">
+            <a:miter lim="400000"/>
+          </a:ln>
+        </p:spPr>
+        <p:txBody>
+          <a:bodyPr lIns="50800" tIns="50800" rIns="50800" bIns="50800" anchor="ctr"/>
+          <a:lstStyle/>
+          <a:p>
+            <a:pPr algn="ctr">
+              <a:lnSpc>
+                <a:spcPct val="80000"/>
+              </a:lnSpc>
+              <a:spcBef>
+                <a:spcPts val="0"/>
+              </a:spcBef>
+              <a:defRPr cap="all" sz="2800">
+                <a:solidFill>
+                  <a:srgbClr val="FFFFFF"/>
+                </a:solidFill>
+                <a:latin typeface="+mn-lt"/>
+                <a:ea typeface="+mn-ea"/>
+                <a:cs typeface="+mn-cs"/>
+                <a:sym typeface="DIN Condensed"/>
+              </a:defRPr>
+            </a:pPr>
+          </a:p>
+        </p:txBody>
+      </p:sp>
+      <p:sp>
+        <p:nvSpPr>
+          <p:cNvPr id="510" name="Shape 510"/>
+          <p:cNvSpPr/>
+          <p:nvPr/>
+        </p:nvSpPr>
+        <p:spPr>
+          <a:xfrm>
+            <a:off x="1303539" y="7499394"/>
+            <a:ext cx="6147817" cy="1143001"/>
+          </a:xfrm>
+          <a:prstGeom prst="rect">
+            <a:avLst/>
+          </a:prstGeom>
+          <a:ln w="12700">
+            <a:miter lim="400000"/>
+          </a:ln>
+          <a:extLst>
+            <a:ext uri="{C572A759-6A51-4108-AA02-DFA0A04FC94B}">
+              <ma14:wrappingTextBoxFlag xmlns:ma14="http://schemas.microsoft.com/office/mac/drawingml/2011/main" val="1"/>
+            </a:ext>
+          </a:extLst>
+        </p:spPr>
+        <p:txBody>
+          <a:bodyPr wrap="none" lIns="50800" tIns="50800" rIns="50800" bIns="50800" anchor="ctr">
+            <a:spAutoFit/>
+          </a:bodyPr>
+          <a:lstStyle>
+            <a:lvl1pPr>
+              <a:defRPr sz="6000">
+                <a:solidFill>
+                  <a:schemeClr val="accent5"/>
+                </a:solidFill>
+              </a:defRPr>
+            </a:lvl1pPr>
+          </a:lstStyle>
+          <a:p>
+            <a:pPr/>
+            <a:r>
+              <a:t>method on string</a:t>
             </a:r>
           </a:p>
         </p:txBody>
@@ -18257,7 +18530,7 @@
       </p:grpSpPr>
       <p:sp>
         <p:nvSpPr>
-          <p:cNvPr id="521" name="Shape 521"/>
+          <p:cNvPr id="512" name="Shape 512"/>
           <p:cNvSpPr/>
           <p:nvPr>
             <p:ph type="title"/>
@@ -18285,21 +18558,21 @@
           <a:p>
             <a:pPr/>
             <a:r>
-              <a:t>Indexing Syntax</a:t>
-            </a:r>
-          </a:p>
-        </p:txBody>
-      </p:sp>
-      <p:sp>
-        <p:nvSpPr>
-          <p:cNvPr id="522" name="Shape 522"/>
+              <a:t>Function vs method</a:t>
+            </a:r>
+          </a:p>
+        </p:txBody>
+      </p:sp>
+      <p:sp>
+        <p:nvSpPr>
+          <p:cNvPr id="513" name="Shape 513"/>
           <p:cNvSpPr/>
           <p:nvPr/>
         </p:nvSpPr>
         <p:spPr>
           <a:xfrm>
-            <a:off x="439081" y="4072620"/>
-            <a:ext cx="6041670" cy="1041401"/>
+            <a:off x="556367" y="4260849"/>
+            <a:ext cx="11454710" cy="927101"/>
           </a:xfrm>
           <a:prstGeom prst="rect">
             <a:avLst/>
@@ -18314,37 +18587,37 @@
           </a:extLst>
         </p:spPr>
         <p:txBody>
-          <a:bodyPr wrap="none" lIns="50800" tIns="50800" rIns="50800" bIns="50800" anchor="ctr">
+          <a:bodyPr lIns="50800" tIns="50800" rIns="50800" bIns="50800" anchor="ctr">
             <a:spAutoFit/>
           </a:bodyPr>
           <a:lstStyle>
             <a:lvl1pPr>
               <a:defRPr sz="5400">
-                <a:latin typeface="Avenir Next"/>
-                <a:ea typeface="Avenir Next"/>
-                <a:cs typeface="Avenir Next"/>
-                <a:sym typeface="Avenir Next"/>
+                <a:latin typeface="Anonymous Pro for Powerline"/>
+                <a:ea typeface="Anonymous Pro for Powerline"/>
+                <a:cs typeface="Anonymous Pro for Powerline"/>
+                <a:sym typeface="Anonymous Pro for Powerline"/>
               </a:defRPr>
             </a:lvl1pPr>
           </a:lstStyle>
           <a:p>
             <a:pPr/>
             <a:r>
-              <a:t>English translation:</a:t>
-            </a:r>
-          </a:p>
-        </p:txBody>
-      </p:sp>
-      <p:sp>
-        <p:nvSpPr>
-          <p:cNvPr id="523" name="Shape 523"/>
+              <a:t>print(“Rob”)</a:t>
+            </a:r>
+          </a:p>
+        </p:txBody>
+      </p:sp>
+      <p:sp>
+        <p:nvSpPr>
+          <p:cNvPr id="514" name="Shape 514"/>
           <p:cNvSpPr/>
           <p:nvPr/>
         </p:nvSpPr>
         <p:spPr>
           <a:xfrm>
-            <a:off x="460247" y="5482166"/>
-            <a:ext cx="12105472" cy="1066801"/>
+            <a:off x="351328" y="6877049"/>
+            <a:ext cx="11454710" cy="927101"/>
           </a:xfrm>
           <a:prstGeom prst="rect">
             <a:avLst/>
@@ -18364,18 +18637,110 @@
           </a:bodyPr>
           <a:lstStyle>
             <a:lvl1pPr>
-              <a:defRPr i="1" sz="5600">
-                <a:latin typeface="Avenir Next"/>
-                <a:ea typeface="Avenir Next"/>
-                <a:cs typeface="Avenir Next"/>
-                <a:sym typeface="Avenir Next"/>
+              <a:defRPr sz="5400">
+                <a:latin typeface="Anonymous Pro for Powerline"/>
+                <a:ea typeface="Anonymous Pro for Powerline"/>
+                <a:cs typeface="Anonymous Pro for Powerline"/>
+                <a:sym typeface="Anonymous Pro for Powerline"/>
               </a:defRPr>
             </a:lvl1pPr>
           </a:lstStyle>
           <a:p>
             <a:pPr/>
             <a:r>
-              <a:t>get the seventh element in my_list</a:t>
+              <a:t>“Rob”.replace(“R”,“B”)</a:t>
+            </a:r>
+          </a:p>
+        </p:txBody>
+      </p:sp>
+      <p:sp>
+        <p:nvSpPr>
+          <p:cNvPr id="515" name="Shape 515"/>
+          <p:cNvSpPr/>
+          <p:nvPr/>
+        </p:nvSpPr>
+        <p:spPr>
+          <a:xfrm rot="10800000">
+            <a:off x="5532582" y="4194604"/>
+            <a:ext cx="1270001" cy="1270001"/>
+          </a:xfrm>
+          <a:prstGeom prst="rightArrow">
+            <a:avLst>
+              <a:gd name="adj1" fmla="val 32000"/>
+              <a:gd name="adj2" fmla="val 64000"/>
+            </a:avLst>
+          </a:prstGeom>
+          <a:solidFill>
+            <a:schemeClr val="accent1"/>
+          </a:solidFill>
+          <a:ln w="12700">
+            <a:miter lim="400000"/>
+          </a:ln>
+        </p:spPr>
+        <p:txBody>
+          <a:bodyPr lIns="50800" tIns="50800" rIns="50800" bIns="50800" anchor="ctr"/>
+          <a:lstStyle/>
+          <a:p>
+            <a:pPr algn="ctr">
+              <a:lnSpc>
+                <a:spcPct val="80000"/>
+              </a:lnSpc>
+              <a:spcBef>
+                <a:spcPts val="0"/>
+              </a:spcBef>
+              <a:defRPr cap="all" sz="2800">
+                <a:solidFill>
+                  <a:srgbClr val="FFFFFF"/>
+                </a:solidFill>
+                <a:latin typeface="+mn-lt"/>
+                <a:ea typeface="+mn-ea"/>
+                <a:cs typeface="+mn-cs"/>
+                <a:sym typeface="DIN Condensed"/>
+              </a:defRPr>
+            </a:pPr>
+          </a:p>
+        </p:txBody>
+      </p:sp>
+      <p:sp>
+        <p:nvSpPr>
+          <p:cNvPr id="516" name="Shape 516"/>
+          <p:cNvSpPr/>
+          <p:nvPr/>
+        </p:nvSpPr>
+        <p:spPr>
+          <a:xfrm>
+            <a:off x="7179408" y="4080304"/>
+            <a:ext cx="4151261" cy="1498601"/>
+          </a:xfrm>
+          <a:prstGeom prst="rect">
+            <a:avLst/>
+          </a:prstGeom>
+          <a:ln w="12700">
+            <a:miter lim="400000"/>
+          </a:ln>
+          <a:extLst>
+            <a:ext uri="{C572A759-6A51-4108-AA02-DFA0A04FC94B}">
+              <ma14:wrappingTextBoxFlag xmlns:ma14="http://schemas.microsoft.com/office/mac/drawingml/2011/main" val="1"/>
+            </a:ext>
+          </a:extLst>
+        </p:spPr>
+        <p:txBody>
+          <a:bodyPr lIns="50800" tIns="50800" rIns="50800" bIns="50800" anchor="ctr">
+            <a:spAutoFit/>
+          </a:bodyPr>
+          <a:lstStyle>
+            <a:lvl1pPr>
+              <a:defRPr sz="4000">
+                <a:solidFill>
+                  <a:schemeClr val="accent1"/>
+                </a:solidFill>
+              </a:defRPr>
+            </a:lvl1pPr>
+          </a:lstStyle>
+          <a:p>
+            <a:pPr/>
+            <a:r>
+              <a:t>Input between parentheses</a:t>
             </a:r>
           </a:p>
         </p:txBody>
@@ -18408,7 +18773,7 @@
       </p:grpSpPr>
       <p:sp>
         <p:nvSpPr>
-          <p:cNvPr id="525" name="Shape 525"/>
+          <p:cNvPr id="518" name="Shape 518"/>
           <p:cNvSpPr/>
           <p:nvPr>
             <p:ph type="title"/>
@@ -18436,21 +18801,21 @@
           <a:p>
             <a:pPr/>
             <a:r>
-              <a:t>Indexing Syntax</a:t>
-            </a:r>
-          </a:p>
-        </p:txBody>
-      </p:sp>
-      <p:sp>
-        <p:nvSpPr>
-          <p:cNvPr id="526" name="Shape 526"/>
+              <a:t>Function vs method</a:t>
+            </a:r>
+          </a:p>
+        </p:txBody>
+      </p:sp>
+      <p:sp>
+        <p:nvSpPr>
+          <p:cNvPr id="519" name="Shape 519"/>
           <p:cNvSpPr/>
           <p:nvPr/>
         </p:nvSpPr>
         <p:spPr>
           <a:xfrm>
-            <a:off x="4552634" y="4413249"/>
-            <a:ext cx="3899532" cy="927101"/>
+            <a:off x="556367" y="4260849"/>
+            <a:ext cx="11454710" cy="927101"/>
           </a:xfrm>
           <a:prstGeom prst="rect">
             <a:avLst/>
@@ -18481,7 +18846,236 @@
           <a:p>
             <a:pPr/>
             <a:r>
-              <a:t>my_list[6]</a:t>
+              <a:t>print(“Rob”)</a:t>
+            </a:r>
+          </a:p>
+        </p:txBody>
+      </p:sp>
+      <p:sp>
+        <p:nvSpPr>
+          <p:cNvPr id="520" name="Shape 520"/>
+          <p:cNvSpPr/>
+          <p:nvPr/>
+        </p:nvSpPr>
+        <p:spPr>
+          <a:xfrm>
+            <a:off x="351328" y="6877049"/>
+            <a:ext cx="11454710" cy="927101"/>
+          </a:xfrm>
+          <a:prstGeom prst="rect">
+            <a:avLst/>
+          </a:prstGeom>
+          <a:ln w="12700">
+            <a:miter lim="400000"/>
+          </a:ln>
+          <a:extLst>
+            <a:ext uri="{C572A759-6A51-4108-AA02-DFA0A04FC94B}">
+              <ma14:wrappingTextBoxFlag xmlns:ma14="http://schemas.microsoft.com/office/mac/drawingml/2011/main" val="1"/>
+            </a:ext>
+          </a:extLst>
+        </p:spPr>
+        <p:txBody>
+          <a:bodyPr lIns="50800" tIns="50800" rIns="50800" bIns="50800" anchor="ctr">
+            <a:spAutoFit/>
+          </a:bodyPr>
+          <a:lstStyle>
+            <a:lvl1pPr>
+              <a:defRPr sz="5400">
+                <a:latin typeface="Anonymous Pro for Powerline"/>
+                <a:ea typeface="Anonymous Pro for Powerline"/>
+                <a:cs typeface="Anonymous Pro for Powerline"/>
+                <a:sym typeface="Anonymous Pro for Powerline"/>
+              </a:defRPr>
+            </a:lvl1pPr>
+          </a:lstStyle>
+          <a:p>
+            <a:pPr/>
+            <a:r>
+              <a:t>“Rob”.replace(“R”,“B”)</a:t>
+            </a:r>
+          </a:p>
+        </p:txBody>
+      </p:sp>
+      <p:sp>
+        <p:nvSpPr>
+          <p:cNvPr id="521" name="Shape 521"/>
+          <p:cNvSpPr/>
+          <p:nvPr/>
+        </p:nvSpPr>
+        <p:spPr>
+          <a:xfrm rot="10800000">
+            <a:off x="5532582" y="4194604"/>
+            <a:ext cx="1270001" cy="1270001"/>
+          </a:xfrm>
+          <a:prstGeom prst="rightArrow">
+            <a:avLst>
+              <a:gd name="adj1" fmla="val 32000"/>
+              <a:gd name="adj2" fmla="val 64000"/>
+            </a:avLst>
+          </a:prstGeom>
+          <a:solidFill>
+            <a:schemeClr val="accent1"/>
+          </a:solidFill>
+          <a:ln w="12700">
+            <a:miter lim="400000"/>
+          </a:ln>
+        </p:spPr>
+        <p:txBody>
+          <a:bodyPr lIns="50800" tIns="50800" rIns="50800" bIns="50800" anchor="ctr"/>
+          <a:lstStyle/>
+          <a:p>
+            <a:pPr algn="ctr">
+              <a:lnSpc>
+                <a:spcPct val="80000"/>
+              </a:lnSpc>
+              <a:spcBef>
+                <a:spcPts val="0"/>
+              </a:spcBef>
+              <a:defRPr cap="all" sz="2800">
+                <a:solidFill>
+                  <a:srgbClr val="FFFFFF"/>
+                </a:solidFill>
+                <a:latin typeface="+mn-lt"/>
+                <a:ea typeface="+mn-ea"/>
+                <a:cs typeface="+mn-cs"/>
+                <a:sym typeface="DIN Condensed"/>
+              </a:defRPr>
+            </a:pPr>
+          </a:p>
+        </p:txBody>
+      </p:sp>
+      <p:sp>
+        <p:nvSpPr>
+          <p:cNvPr id="522" name="Shape 522"/>
+          <p:cNvSpPr/>
+          <p:nvPr/>
+        </p:nvSpPr>
+        <p:spPr>
+          <a:xfrm>
+            <a:off x="7179408" y="4080304"/>
+            <a:ext cx="4151261" cy="1498601"/>
+          </a:xfrm>
+          <a:prstGeom prst="rect">
+            <a:avLst/>
+          </a:prstGeom>
+          <a:ln w="12700">
+            <a:miter lim="400000"/>
+          </a:ln>
+          <a:extLst>
+            <a:ext uri="{C572A759-6A51-4108-AA02-DFA0A04FC94B}">
+              <ma14:wrappingTextBoxFlag xmlns:ma14="http://schemas.microsoft.com/office/mac/drawingml/2011/main" val="1"/>
+            </a:ext>
+          </a:extLst>
+        </p:spPr>
+        <p:txBody>
+          <a:bodyPr lIns="50800" tIns="50800" rIns="50800" bIns="50800" anchor="ctr">
+            <a:spAutoFit/>
+          </a:bodyPr>
+          <a:lstStyle>
+            <a:lvl1pPr>
+              <a:defRPr sz="4000">
+                <a:solidFill>
+                  <a:schemeClr val="accent1"/>
+                </a:solidFill>
+              </a:defRPr>
+            </a:lvl1pPr>
+          </a:lstStyle>
+          <a:p>
+            <a:pPr/>
+            <a:r>
+              <a:t>Input between parentheses</a:t>
+            </a:r>
+          </a:p>
+        </p:txBody>
+      </p:sp>
+      <p:sp>
+        <p:nvSpPr>
+          <p:cNvPr id="523" name="Shape 523"/>
+          <p:cNvSpPr/>
+          <p:nvPr/>
+        </p:nvSpPr>
+        <p:spPr>
+          <a:xfrm rot="10800000">
+            <a:off x="8779028" y="6756400"/>
+            <a:ext cx="1270001" cy="1270000"/>
+          </a:xfrm>
+          <a:prstGeom prst="rightArrow">
+            <a:avLst>
+              <a:gd name="adj1" fmla="val 32000"/>
+              <a:gd name="adj2" fmla="val 64000"/>
+            </a:avLst>
+          </a:prstGeom>
+          <a:solidFill>
+            <a:schemeClr val="accent1"/>
+          </a:solidFill>
+          <a:ln w="12700">
+            <a:miter lim="400000"/>
+          </a:ln>
+        </p:spPr>
+        <p:txBody>
+          <a:bodyPr lIns="50800" tIns="50800" rIns="50800" bIns="50800" anchor="ctr"/>
+          <a:lstStyle/>
+          <a:p>
+            <a:pPr algn="ctr">
+              <a:lnSpc>
+                <a:spcPct val="80000"/>
+              </a:lnSpc>
+              <a:spcBef>
+                <a:spcPts val="0"/>
+              </a:spcBef>
+              <a:defRPr cap="all" sz="2800">
+                <a:solidFill>
+                  <a:srgbClr val="FFFFFF"/>
+                </a:solidFill>
+                <a:latin typeface="+mn-lt"/>
+                <a:ea typeface="+mn-ea"/>
+                <a:cs typeface="+mn-cs"/>
+                <a:sym typeface="DIN Condensed"/>
+              </a:defRPr>
+            </a:pPr>
+          </a:p>
+        </p:txBody>
+      </p:sp>
+      <p:sp>
+        <p:nvSpPr>
+          <p:cNvPr id="524" name="Shape 524"/>
+          <p:cNvSpPr/>
+          <p:nvPr/>
+        </p:nvSpPr>
+        <p:spPr>
+          <a:xfrm>
+            <a:off x="10232389" y="6642100"/>
+            <a:ext cx="2642996" cy="1498601"/>
+          </a:xfrm>
+          <a:prstGeom prst="rect">
+            <a:avLst/>
+          </a:prstGeom>
+          <a:ln w="12700">
+            <a:miter lim="400000"/>
+          </a:ln>
+          <a:extLst>
+            <a:ext uri="{C572A759-6A51-4108-AA02-DFA0A04FC94B}">
+              <ma14:wrappingTextBoxFlag xmlns:ma14="http://schemas.microsoft.com/office/mac/drawingml/2011/main" val="1"/>
+            </a:ext>
+          </a:extLst>
+        </p:spPr>
+        <p:txBody>
+          <a:bodyPr lIns="50800" tIns="50800" rIns="50800" bIns="50800" anchor="ctr">
+            <a:spAutoFit/>
+          </a:bodyPr>
+          <a:lstStyle>
+            <a:lvl1pPr>
+              <a:defRPr sz="4000">
+                <a:solidFill>
+                  <a:schemeClr val="accent1"/>
+                </a:solidFill>
+              </a:defRPr>
+            </a:lvl1pPr>
+          </a:lstStyle>
+          <a:p>
+            <a:pPr/>
+            <a:r>
+              <a:t>Main input before dot</a:t>
             </a:r>
           </a:p>
         </p:txBody>
@@ -18514,7 +19108,7 @@
       </p:grpSpPr>
       <p:sp>
         <p:nvSpPr>
-          <p:cNvPr id="528" name="Shape 528"/>
+          <p:cNvPr id="526" name="Shape 526"/>
           <p:cNvSpPr/>
           <p:nvPr>
             <p:ph type="title"/>
@@ -18523,7 +19117,7 @@
         <p:spPr>
           <a:xfrm>
             <a:off x="406400" y="1536700"/>
-            <a:ext cx="12192000" cy="1169260"/>
+            <a:ext cx="12192000" cy="1367235"/>
           </a:xfrm>
           <a:prstGeom prst="rect">
             <a:avLst/>
@@ -18532,107 +19126,60 @@
         <p:txBody>
           <a:bodyPr/>
           <a:lstStyle>
-            <a:lvl1pPr defTabSz="403097">
-              <a:spcBef>
-                <a:spcPts val="1900"/>
-              </a:spcBef>
-              <a:defRPr sz="8280"/>
+            <a:lvl1pPr>
+              <a:defRPr sz="7000"/>
             </a:lvl1pPr>
           </a:lstStyle>
           <a:p>
             <a:pPr/>
             <a:r>
-              <a:t>Indexing Syntax</a:t>
-            </a:r>
-          </a:p>
-        </p:txBody>
-      </p:sp>
-      <p:sp>
-        <p:nvSpPr>
-          <p:cNvPr id="529" name="Shape 529"/>
-          <p:cNvSpPr/>
-          <p:nvPr/>
-        </p:nvSpPr>
-        <p:spPr>
-          <a:xfrm>
-            <a:off x="439081" y="4072620"/>
-            <a:ext cx="2606498" cy="1041401"/>
-          </a:xfrm>
-          <a:prstGeom prst="rect">
-            <a:avLst/>
-          </a:prstGeom>
-          <a:ln w="12700">
-            <a:miter lim="400000"/>
-          </a:ln>
-          <a:extLst>
-            <a:ext uri="{C572A759-6A51-4108-AA02-DFA0A04FC94B}">
-              <ma14:wrappingTextBoxFlag xmlns:ma14="http://schemas.microsoft.com/office/mac/drawingml/2011/main" val="1"/>
-            </a:ext>
-          </a:extLst>
-        </p:spPr>
-        <p:txBody>
-          <a:bodyPr wrap="none" lIns="50800" tIns="50800" rIns="50800" bIns="50800" anchor="ctr">
-            <a:spAutoFit/>
-          </a:bodyPr>
-          <a:lstStyle>
-            <a:lvl1pPr>
-              <a:defRPr sz="5400">
-                <a:latin typeface="Avenir Next"/>
-                <a:ea typeface="Avenir Next"/>
-                <a:cs typeface="Avenir Next"/>
-                <a:sym typeface="Avenir Next"/>
-              </a:defRPr>
-            </a:lvl1pPr>
-          </a:lstStyle>
-          <a:p>
-            <a:pPr/>
-            <a:r>
-              <a:t>English:</a:t>
-            </a:r>
-          </a:p>
-        </p:txBody>
-      </p:sp>
-      <p:sp>
-        <p:nvSpPr>
-          <p:cNvPr id="530" name="Shape 530"/>
-          <p:cNvSpPr/>
-          <p:nvPr/>
-        </p:nvSpPr>
-        <p:spPr>
-          <a:xfrm>
-            <a:off x="460247" y="5482166"/>
-            <a:ext cx="12105472" cy="1066801"/>
-          </a:xfrm>
-          <a:prstGeom prst="rect">
-            <a:avLst/>
-          </a:prstGeom>
-          <a:ln w="12700">
-            <a:miter lim="400000"/>
-          </a:ln>
-          <a:extLst>
-            <a:ext uri="{C572A759-6A51-4108-AA02-DFA0A04FC94B}">
-              <ma14:wrappingTextBoxFlag xmlns:ma14="http://schemas.microsoft.com/office/mac/drawingml/2011/main" val="1"/>
-            </a:ext>
-          </a:extLst>
-        </p:spPr>
-        <p:txBody>
-          <a:bodyPr lIns="50800" tIns="50800" rIns="50800" bIns="50800" anchor="ctr">
-            <a:spAutoFit/>
-          </a:bodyPr>
-          <a:lstStyle>
-            <a:lvl1pPr>
-              <a:defRPr i="1" sz="5600">
-                <a:latin typeface="Avenir Next"/>
-                <a:ea typeface="Avenir Next"/>
-                <a:cs typeface="Avenir Next"/>
-                <a:sym typeface="Avenir Next"/>
-              </a:defRPr>
-            </a:lvl1pPr>
-          </a:lstStyle>
-          <a:p>
-            <a:pPr/>
-            <a:r>
-              <a:t>get the last element in my_list</a:t>
+              <a:t>Concepts covered so Far</a:t>
+            </a:r>
+          </a:p>
+        </p:txBody>
+      </p:sp>
+      <p:sp>
+        <p:nvSpPr>
+          <p:cNvPr id="527" name="Shape 527"/>
+          <p:cNvSpPr/>
+          <p:nvPr>
+            <p:ph type="body" idx="1"/>
+          </p:nvPr>
+        </p:nvSpPr>
+        <p:spPr>
+          <a:xfrm>
+            <a:off x="406400" y="2929466"/>
+            <a:ext cx="12192000" cy="6108701"/>
+          </a:xfrm>
+          <a:prstGeom prst="rect">
+            <a:avLst/>
+          </a:prstGeom>
+        </p:spPr>
+        <p:txBody>
+          <a:bodyPr/>
+          <a:lstStyle/>
+          <a:p>
+            <a:pPr marL="444500" indent="-444500">
+              <a:defRPr sz="4800"/>
+            </a:pPr>
+            <a:r>
+              <a:t>Print statement</a:t>
+            </a:r>
+          </a:p>
+          <a:p>
+            <a:pPr marL="444500" indent="-444500">
+              <a:defRPr sz="4800"/>
+            </a:pPr>
+            <a:r>
+              <a:t>Function</a:t>
+            </a:r>
+          </a:p>
+          <a:p>
+            <a:pPr marL="444500" indent="-444500">
+              <a:defRPr sz="4800"/>
+            </a:pPr>
+            <a:r>
+              <a:t>Method</a:t>
             </a:r>
           </a:p>
         </p:txBody>
@@ -18665,7 +19212,7 @@
       </p:grpSpPr>
       <p:sp>
         <p:nvSpPr>
-          <p:cNvPr id="532" name="Shape 532"/>
+          <p:cNvPr id="529" name="Shape 529"/>
           <p:cNvSpPr/>
           <p:nvPr>
             <p:ph type="title"/>
@@ -18673,8 +19220,8 @@
         </p:nvSpPr>
         <p:spPr>
           <a:xfrm>
-            <a:off x="406400" y="1536700"/>
-            <a:ext cx="12192000" cy="1169260"/>
+            <a:off x="2802102" y="4038600"/>
+            <a:ext cx="7400596" cy="4521200"/>
           </a:xfrm>
           <a:prstGeom prst="rect">
             <a:avLst/>
@@ -18682,63 +19229,11 @@
         </p:spPr>
         <p:txBody>
           <a:bodyPr/>
-          <a:lstStyle>
-            <a:lvl1pPr defTabSz="403097">
-              <a:spcBef>
-                <a:spcPts val="1900"/>
-              </a:spcBef>
-              <a:defRPr sz="8280"/>
-            </a:lvl1pPr>
-          </a:lstStyle>
-          <a:p>
-            <a:pPr/>
-            <a:r>
-              <a:t>Indexing Syntax</a:t>
-            </a:r>
-          </a:p>
-        </p:txBody>
-      </p:sp>
-      <p:sp>
-        <p:nvSpPr>
-          <p:cNvPr id="533" name="Shape 533"/>
-          <p:cNvSpPr/>
-          <p:nvPr/>
-        </p:nvSpPr>
-        <p:spPr>
-          <a:xfrm>
-            <a:off x="4552634" y="4413249"/>
-            <a:ext cx="4786416" cy="927101"/>
-          </a:xfrm>
-          <a:prstGeom prst="rect">
-            <a:avLst/>
-          </a:prstGeom>
-          <a:ln w="12700">
-            <a:miter lim="400000"/>
-          </a:ln>
-          <a:extLst>
-            <a:ext uri="{C572A759-6A51-4108-AA02-DFA0A04FC94B}">
-              <ma14:wrappingTextBoxFlag xmlns:ma14="http://schemas.microsoft.com/office/mac/drawingml/2011/main" val="1"/>
-            </a:ext>
-          </a:extLst>
-        </p:spPr>
-        <p:txBody>
-          <a:bodyPr lIns="50800" tIns="50800" rIns="50800" bIns="50800" anchor="ctr">
-            <a:spAutoFit/>
-          </a:bodyPr>
-          <a:lstStyle>
-            <a:lvl1pPr>
-              <a:defRPr sz="5400">
-                <a:latin typeface="Anonymous Pro for Powerline"/>
-                <a:ea typeface="Anonymous Pro for Powerline"/>
-                <a:cs typeface="Anonymous Pro for Powerline"/>
-                <a:sym typeface="Anonymous Pro for Powerline"/>
-              </a:defRPr>
-            </a:lvl1pPr>
-          </a:lstStyle>
-          <a:p>
-            <a:pPr/>
-            <a:r>
-              <a:t>my_list[-1]</a:t>
+          <a:lstStyle/>
+          <a:p>
+            <a:pPr/>
+            <a:r>
+              <a:t>Exercises</a:t>
             </a:r>
           </a:p>
         </p:txBody>
@@ -18903,19 +19398,44 @@
           <a:chExt cx="0" cy="0"/>
         </a:xfrm>
       </p:grpSpPr>
-      <p:sp>
-        <p:nvSpPr>
-          <p:cNvPr id="535" name="Shape 535"/>
+      <p:pic>
+        <p:nvPicPr>
+          <p:cNvPr id="531" name="pasted-image.jpeg"/>
+          <p:cNvPicPr>
+            <a:picLocks noChangeAspect="1"/>
+          </p:cNvPicPr>
+          <p:nvPr>
+            <p:ph type="pic" idx="13"/>
+          </p:nvPr>
+        </p:nvPicPr>
+        <p:blipFill>
+          <a:blip r:embed="rId2">
+            <a:extLst/>
+          </a:blip>
+          <a:srcRect l="45970" t="0" r="18091" b="0"/>
+          <a:stretch>
+            <a:fillRect/>
+          </a:stretch>
+        </p:blipFill>
+        <p:spPr>
+          <a:xfrm>
+            <a:off x="0" y="0"/>
+            <a:ext cx="5486400" cy="9753600"/>
+          </a:xfrm>
+          <a:prstGeom prst="rect">
+            <a:avLst/>
+          </a:prstGeom>
+        </p:spPr>
+      </p:pic>
+      <p:sp>
+        <p:nvSpPr>
+          <p:cNvPr id="532" name="Shape 532"/>
           <p:cNvSpPr/>
           <p:nvPr>
             <p:ph type="title"/>
           </p:nvPr>
         </p:nvSpPr>
         <p:spPr>
-          <a:xfrm>
-            <a:off x="406400" y="1536700"/>
-            <a:ext cx="12192000" cy="1169260"/>
-          </a:xfrm>
           <a:prstGeom prst="rect">
             <a:avLst/>
           </a:prstGeom>
@@ -18923,107 +19443,38 @@
         <p:txBody>
           <a:bodyPr/>
           <a:lstStyle>
-            <a:lvl1pPr defTabSz="403097">
-              <a:spcBef>
-                <a:spcPts val="1900"/>
-              </a:spcBef>
-              <a:defRPr sz="8280"/>
+            <a:lvl1pPr defTabSz="514095">
+              <a:defRPr sz="14960"/>
             </a:lvl1pPr>
           </a:lstStyle>
           <a:p>
             <a:pPr/>
             <a:r>
-              <a:t>Slice Syntax</a:t>
-            </a:r>
-          </a:p>
-        </p:txBody>
-      </p:sp>
-      <p:sp>
-        <p:nvSpPr>
-          <p:cNvPr id="536" name="Shape 536"/>
-          <p:cNvSpPr/>
-          <p:nvPr/>
-        </p:nvSpPr>
-        <p:spPr>
-          <a:xfrm>
-            <a:off x="439081" y="4072620"/>
-            <a:ext cx="2606498" cy="1041401"/>
-          </a:xfrm>
-          <a:prstGeom prst="rect">
-            <a:avLst/>
-          </a:prstGeom>
-          <a:ln w="12700">
-            <a:miter lim="400000"/>
-          </a:ln>
-          <a:extLst>
-            <a:ext uri="{C572A759-6A51-4108-AA02-DFA0A04FC94B}">
-              <ma14:wrappingTextBoxFlag xmlns:ma14="http://schemas.microsoft.com/office/mac/drawingml/2011/main" val="1"/>
-            </a:ext>
-          </a:extLst>
-        </p:spPr>
-        <p:txBody>
-          <a:bodyPr wrap="none" lIns="50800" tIns="50800" rIns="50800" bIns="50800" anchor="ctr">
-            <a:spAutoFit/>
-          </a:bodyPr>
-          <a:lstStyle>
-            <a:lvl1pPr>
-              <a:defRPr sz="5400">
-                <a:latin typeface="Avenir Next"/>
-                <a:ea typeface="Avenir Next"/>
-                <a:cs typeface="Avenir Next"/>
-                <a:sym typeface="Avenir Next"/>
-              </a:defRPr>
-            </a:lvl1pPr>
-          </a:lstStyle>
-          <a:p>
-            <a:pPr/>
-            <a:r>
-              <a:t>English:</a:t>
-            </a:r>
-          </a:p>
-        </p:txBody>
-      </p:sp>
-      <p:sp>
-        <p:nvSpPr>
-          <p:cNvPr id="537" name="Shape 537"/>
-          <p:cNvSpPr/>
-          <p:nvPr/>
-        </p:nvSpPr>
-        <p:spPr>
-          <a:xfrm>
-            <a:off x="460247" y="5482166"/>
-            <a:ext cx="12105472" cy="1066801"/>
-          </a:xfrm>
-          <a:prstGeom prst="rect">
-            <a:avLst/>
-          </a:prstGeom>
-          <a:ln w="12700">
-            <a:miter lim="400000"/>
-          </a:ln>
-          <a:extLst>
-            <a:ext uri="{C572A759-6A51-4108-AA02-DFA0A04FC94B}">
-              <ma14:wrappingTextBoxFlag xmlns:ma14="http://schemas.microsoft.com/office/mac/drawingml/2011/main" val="1"/>
-            </a:ext>
-          </a:extLst>
-        </p:spPr>
-        <p:txBody>
-          <a:bodyPr lIns="50800" tIns="50800" rIns="50800" bIns="50800" anchor="ctr">
-            <a:spAutoFit/>
-          </a:bodyPr>
-          <a:lstStyle>
-            <a:lvl1pPr>
-              <a:defRPr i="1" sz="5600">
-                <a:latin typeface="Avenir Next"/>
-                <a:ea typeface="Avenir Next"/>
-                <a:cs typeface="Avenir Next"/>
-                <a:sym typeface="Avenir Next"/>
-              </a:defRPr>
-            </a:lvl1pPr>
-          </a:lstStyle>
-          <a:p>
-            <a:pPr/>
-            <a:r>
-              <a:t>get the first four elements of my_list</a:t>
+              <a:t>Functions</a:t>
+            </a:r>
+          </a:p>
+        </p:txBody>
+      </p:sp>
+      <p:sp>
+        <p:nvSpPr>
+          <p:cNvPr id="533" name="Shape 533"/>
+          <p:cNvSpPr/>
+          <p:nvPr>
+            <p:ph type="body" sz="quarter" idx="1"/>
+          </p:nvPr>
+        </p:nvSpPr>
+        <p:spPr>
+          <a:prstGeom prst="rect">
+            <a:avLst/>
+          </a:prstGeom>
+        </p:spPr>
+        <p:txBody>
+          <a:bodyPr/>
+          <a:lstStyle/>
+          <a:p>
+            <a:pPr/>
+            <a:r>
+              <a:t>Defining your own</a:t>
             </a:r>
           </a:p>
         </p:txBody>
@@ -19056,7 +19507,7 @@
       </p:grpSpPr>
       <p:sp>
         <p:nvSpPr>
-          <p:cNvPr id="539" name="Shape 539"/>
+          <p:cNvPr id="535" name="Shape 535"/>
           <p:cNvSpPr/>
           <p:nvPr>
             <p:ph type="title"/>
@@ -19084,52 +19535,45 @@
           <a:p>
             <a:pPr/>
             <a:r>
-              <a:t>SLICE Syntax</a:t>
-            </a:r>
-          </a:p>
-        </p:txBody>
-      </p:sp>
-      <p:sp>
-        <p:nvSpPr>
-          <p:cNvPr id="540" name="Shape 540"/>
-          <p:cNvSpPr/>
-          <p:nvPr/>
-        </p:nvSpPr>
-        <p:spPr>
-          <a:xfrm>
-            <a:off x="3774461" y="4078816"/>
-            <a:ext cx="5455878" cy="927101"/>
-          </a:xfrm>
-          <a:prstGeom prst="rect">
-            <a:avLst/>
-          </a:prstGeom>
-          <a:ln w="12700">
-            <a:miter lim="400000"/>
-          </a:ln>
-          <a:extLst>
-            <a:ext uri="{C572A759-6A51-4108-AA02-DFA0A04FC94B}">
-              <ma14:wrappingTextBoxFlag xmlns:ma14="http://schemas.microsoft.com/office/mac/drawingml/2011/main" val="1"/>
-            </a:ext>
-          </a:extLst>
-        </p:spPr>
-        <p:txBody>
-          <a:bodyPr lIns="50800" tIns="50800" rIns="50800" bIns="50800" anchor="ctr">
-            <a:spAutoFit/>
-          </a:bodyPr>
+              <a:t>Defining a Function</a:t>
+            </a:r>
+          </a:p>
+        </p:txBody>
+      </p:sp>
+      <p:sp>
+        <p:nvSpPr>
+          <p:cNvPr id="536" name="Shape 536"/>
+          <p:cNvSpPr/>
+          <p:nvPr>
+            <p:ph type="body" sz="half" idx="1"/>
+          </p:nvPr>
+        </p:nvSpPr>
+        <p:spPr>
+          <a:xfrm>
+            <a:off x="406400" y="3953767"/>
+            <a:ext cx="12192000" cy="2531601"/>
+          </a:xfrm>
+          <a:prstGeom prst="rect">
+            <a:avLst/>
+          </a:prstGeom>
+        </p:spPr>
+        <p:txBody>
+          <a:bodyPr/>
           <a:lstStyle>
-            <a:lvl1pPr>
-              <a:defRPr sz="5400">
-                <a:latin typeface="Anonymous Pro for Powerline"/>
-                <a:ea typeface="Anonymous Pro for Powerline"/>
-                <a:cs typeface="Anonymous Pro for Powerline"/>
-                <a:sym typeface="Anonymous Pro for Powerline"/>
-              </a:defRPr>
+            <a:lvl1pPr marL="705970" indent="-705970">
+              <a:buClrTx/>
+              <a:buSzPct val="40000"/>
+              <a:buFontTx/>
+              <a:buBlip>
+                <a:blip r:embed="rId2"/>
+              </a:buBlip>
+              <a:defRPr sz="6400"/>
             </a:lvl1pPr>
           </a:lstStyle>
           <a:p>
             <a:pPr/>
             <a:r>
-              <a:t>my_string[0:4]</a:t>
+              <a:t>Reusable chunk of code</a:t>
             </a:r>
           </a:p>
         </p:txBody>
@@ -19162,7 +19606,7 @@
       </p:grpSpPr>
       <p:sp>
         <p:nvSpPr>
-          <p:cNvPr id="542" name="Shape 542"/>
+          <p:cNvPr id="538" name="Shape 538"/>
           <p:cNvSpPr/>
           <p:nvPr>
             <p:ph type="title"/>
@@ -19190,144 +19634,63 @@
           <a:p>
             <a:pPr/>
             <a:r>
-              <a:t>SLICE Syntax</a:t>
-            </a:r>
-          </a:p>
-        </p:txBody>
-      </p:sp>
-      <p:sp>
-        <p:nvSpPr>
-          <p:cNvPr id="543" name="Shape 543"/>
-          <p:cNvSpPr/>
-          <p:nvPr/>
-        </p:nvSpPr>
-        <p:spPr>
-          <a:xfrm>
-            <a:off x="3774461" y="4078816"/>
-            <a:ext cx="5455878" cy="927101"/>
-          </a:xfrm>
-          <a:prstGeom prst="rect">
-            <a:avLst/>
-          </a:prstGeom>
-          <a:ln w="12700">
-            <a:miter lim="400000"/>
-          </a:ln>
-          <a:extLst>
-            <a:ext uri="{C572A759-6A51-4108-AA02-DFA0A04FC94B}">
-              <ma14:wrappingTextBoxFlag xmlns:ma14="http://schemas.microsoft.com/office/mac/drawingml/2011/main" val="1"/>
-            </a:ext>
-          </a:extLst>
-        </p:spPr>
-        <p:txBody>
-          <a:bodyPr lIns="50800" tIns="50800" rIns="50800" bIns="50800" anchor="ctr">
-            <a:spAutoFit/>
-          </a:bodyPr>
-          <a:lstStyle>
-            <a:lvl1pPr>
-              <a:defRPr sz="5400">
-                <a:latin typeface="Anonymous Pro for Powerline"/>
-                <a:ea typeface="Anonymous Pro for Powerline"/>
-                <a:cs typeface="Anonymous Pro for Powerline"/>
-                <a:sym typeface="Anonymous Pro for Powerline"/>
-              </a:defRPr>
-            </a:lvl1pPr>
-          </a:lstStyle>
-          <a:p>
-            <a:pPr/>
-            <a:r>
-              <a:t>my_string[0:4]</a:t>
-            </a:r>
-          </a:p>
-        </p:txBody>
-      </p:sp>
-      <p:sp>
-        <p:nvSpPr>
-          <p:cNvPr id="544" name="Shape 544"/>
-          <p:cNvSpPr/>
-          <p:nvPr/>
-        </p:nvSpPr>
-        <p:spPr>
-          <a:xfrm rot="16200000">
-            <a:off x="7306733" y="5596466"/>
-            <a:ext cx="2375297" cy="1270001"/>
-          </a:xfrm>
-          <a:prstGeom prst="rightArrow">
-            <a:avLst>
-              <a:gd name="adj1" fmla="val 32000"/>
-              <a:gd name="adj2" fmla="val 64000"/>
-            </a:avLst>
-          </a:prstGeom>
-          <a:solidFill>
-            <a:schemeClr val="accent5"/>
-          </a:solidFill>
-          <a:ln w="12700">
-            <a:miter lim="400000"/>
-          </a:ln>
-        </p:spPr>
-        <p:txBody>
-          <a:bodyPr lIns="50800" tIns="50800" rIns="50800" bIns="50800" anchor="ctr"/>
+              <a:t>Defining a Function</a:t>
+            </a:r>
+          </a:p>
+        </p:txBody>
+      </p:sp>
+      <p:sp>
+        <p:nvSpPr>
+          <p:cNvPr id="539" name="Shape 539"/>
+          <p:cNvSpPr/>
+          <p:nvPr>
+            <p:ph type="body" sz="half" idx="1"/>
+          </p:nvPr>
+        </p:nvSpPr>
+        <p:spPr>
+          <a:xfrm>
+            <a:off x="406400" y="3953767"/>
+            <a:ext cx="12192000" cy="2531601"/>
+          </a:xfrm>
+          <a:prstGeom prst="rect">
+            <a:avLst/>
+          </a:prstGeom>
+        </p:spPr>
+        <p:txBody>
+          <a:bodyPr/>
           <a:lstStyle/>
           <a:p>
-            <a:pPr algn="ctr">
-              <a:lnSpc>
-                <a:spcPct val="80000"/>
-              </a:lnSpc>
+            <a:pPr marL="663612" indent="-663612" defTabSz="549148">
               <a:spcBef>
-                <a:spcPts val="0"/>
+                <a:spcPts val="2600"/>
               </a:spcBef>
-              <a:defRPr cap="all" sz="2800">
-                <a:solidFill>
-                  <a:srgbClr val="FFFFFF"/>
-                </a:solidFill>
-                <a:latin typeface="+mn-lt"/>
-                <a:ea typeface="+mn-ea"/>
-                <a:cs typeface="+mn-cs"/>
-                <a:sym typeface="DIN Condensed"/>
-              </a:defRPr>
+              <a:buClrTx/>
+              <a:buSzPct val="40000"/>
+              <a:buFontTx/>
+              <a:buBlip>
+                <a:blip r:embed="rId2"/>
+              </a:buBlip>
+              <a:defRPr sz="6016"/>
             </a:pPr>
-          </a:p>
-        </p:txBody>
-      </p:sp>
-      <p:sp>
-        <p:nvSpPr>
-          <p:cNvPr id="545" name="Shape 545"/>
-          <p:cNvSpPr/>
-          <p:nvPr/>
-        </p:nvSpPr>
-        <p:spPr>
-          <a:xfrm>
-            <a:off x="6881481" y="7643283"/>
-            <a:ext cx="3225801" cy="800101"/>
-          </a:xfrm>
-          <a:prstGeom prst="rect">
-            <a:avLst/>
-          </a:prstGeom>
-          <a:ln w="12700">
-            <a:miter lim="400000"/>
-          </a:ln>
-          <a:extLst>
-            <a:ext uri="{C572A759-6A51-4108-AA02-DFA0A04FC94B}">
-              <ma14:wrappingTextBoxFlag xmlns:ma14="http://schemas.microsoft.com/office/mac/drawingml/2011/main" val="1"/>
-            </a:ext>
-          </a:extLst>
-        </p:spPr>
-        <p:txBody>
-          <a:bodyPr wrap="none" lIns="50800" tIns="50800" rIns="50800" bIns="50800" anchor="ctr">
-            <a:spAutoFit/>
-          </a:bodyPr>
-          <a:lstStyle>
-            <a:lvl1pPr>
-              <a:defRPr sz="4000">
-                <a:solidFill>
-                  <a:schemeClr val="accent5"/>
-                </a:solidFill>
-              </a:defRPr>
-            </a:lvl1pPr>
-          </a:lstStyle>
-          <a:p>
-            <a:pPr/>
-            <a:r>
-              <a:t>not included!</a:t>
+            <a:r>
+              <a:t>Reusable chunk of code</a:t>
+            </a:r>
+          </a:p>
+          <a:p>
+            <a:pPr marL="663612" indent="-663612" defTabSz="549148">
+              <a:spcBef>
+                <a:spcPts val="2600"/>
+              </a:spcBef>
+              <a:buClrTx/>
+              <a:buSzPct val="40000"/>
+              <a:buFontTx/>
+              <a:buBlip>
+                <a:blip r:embed="rId2"/>
+              </a:buBlip>
+              <a:defRPr sz="6016"/>
+            </a:pPr>
+            <a:r>
+              <a:t>Build action from basic functions</a:t>
             </a:r>
           </a:p>
         </p:txBody>
@@ -19360,7 +19723,7 @@
       </p:grpSpPr>
       <p:sp>
         <p:nvSpPr>
-          <p:cNvPr id="547" name="Shape 547"/>
+          <p:cNvPr id="541" name="Shape 541"/>
           <p:cNvSpPr/>
           <p:nvPr>
             <p:ph type="title"/>
@@ -19388,21 +19751,21 @@
           <a:p>
             <a:pPr/>
             <a:r>
-              <a:t>Slice Syntax</a:t>
-            </a:r>
-          </a:p>
-        </p:txBody>
-      </p:sp>
-      <p:sp>
-        <p:nvSpPr>
-          <p:cNvPr id="548" name="Shape 548"/>
+              <a:t>Defining A Function</a:t>
+            </a:r>
+          </a:p>
+        </p:txBody>
+      </p:sp>
+      <p:sp>
+        <p:nvSpPr>
+          <p:cNvPr id="542" name="Shape 542"/>
           <p:cNvSpPr/>
           <p:nvPr/>
         </p:nvSpPr>
         <p:spPr>
           <a:xfrm>
-            <a:off x="439081" y="4072620"/>
-            <a:ext cx="2606498" cy="1041401"/>
+            <a:off x="495150" y="3282950"/>
+            <a:ext cx="11562527" cy="3187701"/>
           </a:xfrm>
           <a:prstGeom prst="rect">
             <a:avLst/>
@@ -19417,68 +19780,55 @@
           </a:extLst>
         </p:spPr>
         <p:txBody>
-          <a:bodyPr wrap="none" lIns="50800" tIns="50800" rIns="50800" bIns="50800" anchor="ctr">
-            <a:spAutoFit/>
-          </a:bodyPr>
-          <a:lstStyle>
-            <a:lvl1pPr>
-              <a:defRPr sz="5400">
-                <a:latin typeface="Avenir Next"/>
-                <a:ea typeface="Avenir Next"/>
-                <a:cs typeface="Avenir Next"/>
-                <a:sym typeface="Avenir Next"/>
-              </a:defRPr>
-            </a:lvl1pPr>
-          </a:lstStyle>
-          <a:p>
-            <a:pPr/>
-            <a:r>
-              <a:t>English:</a:t>
-            </a:r>
-          </a:p>
-        </p:txBody>
-      </p:sp>
-      <p:sp>
-        <p:nvSpPr>
-          <p:cNvPr id="549" name="Shape 549"/>
-          <p:cNvSpPr/>
-          <p:nvPr/>
-        </p:nvSpPr>
-        <p:spPr>
-          <a:xfrm>
-            <a:off x="460247" y="5482166"/>
-            <a:ext cx="12105472" cy="1066801"/>
-          </a:xfrm>
-          <a:prstGeom prst="rect">
-            <a:avLst/>
-          </a:prstGeom>
-          <a:ln w="12700">
-            <a:miter lim="400000"/>
-          </a:ln>
-          <a:extLst>
-            <a:ext uri="{C572A759-6A51-4108-AA02-DFA0A04FC94B}">
-              <ma14:wrappingTextBoxFlag xmlns:ma14="http://schemas.microsoft.com/office/mac/drawingml/2011/main" val="1"/>
-            </a:ext>
-          </a:extLst>
-        </p:spPr>
-        <p:txBody>
           <a:bodyPr lIns="50800" tIns="50800" rIns="50800" bIns="50800" anchor="ctr">
             <a:spAutoFit/>
           </a:bodyPr>
-          <a:lstStyle>
-            <a:lvl1pPr>
-              <a:defRPr i="1" sz="5600">
-                <a:latin typeface="Avenir Next"/>
-                <a:ea typeface="Avenir Next"/>
-                <a:cs typeface="Avenir Next"/>
-                <a:sym typeface="Avenir Next"/>
+          <a:lstStyle/>
+          <a:p>
+            <a:pPr>
+              <a:defRPr sz="5400">
+                <a:latin typeface="Anonymous Pro for Powerline"/>
+                <a:ea typeface="Anonymous Pro for Powerline"/>
+                <a:cs typeface="Anonymous Pro for Powerline"/>
+                <a:sym typeface="Anonymous Pro for Powerline"/>
               </a:defRPr>
-            </a:lvl1pPr>
-          </a:lstStyle>
-          <a:p>
-            <a:pPr/>
-            <a:r>
-              <a:t>get all the elements up to the third</a:t>
+            </a:pPr>
+            <a:r>
+              <a:rPr>
+                <a:solidFill>
+                  <a:schemeClr val="accent3"/>
+                </a:solidFill>
+              </a:rPr>
+              <a:t>def</a:t>
+            </a:r>
+            <a:r>
+              <a:t> double(my_name):</a:t>
+            </a:r>
+          </a:p>
+          <a:p>
+            <a:pPr>
+              <a:defRPr sz="5400">
+                <a:latin typeface="Anonymous Pro for Powerline"/>
+                <a:ea typeface="Anonymous Pro for Powerline"/>
+                <a:cs typeface="Anonymous Pro for Powerline"/>
+                <a:sym typeface="Anonymous Pro for Powerline"/>
+              </a:defRPr>
+            </a:pPr>
+            <a:r>
+              <a:t>    answer = my_name + my_name</a:t>
+            </a:r>
+          </a:p>
+          <a:p>
+            <a:pPr>
+              <a:defRPr sz="5400">
+                <a:latin typeface="Anonymous Pro for Powerline"/>
+                <a:ea typeface="Anonymous Pro for Powerline"/>
+                <a:cs typeface="Anonymous Pro for Powerline"/>
+                <a:sym typeface="Anonymous Pro for Powerline"/>
+              </a:defRPr>
+            </a:pPr>
+            <a:r>
+              <a:t>    return answer</a:t>
             </a:r>
           </a:p>
         </p:txBody>
@@ -19511,7 +19861,7 @@
       </p:grpSpPr>
       <p:sp>
         <p:nvSpPr>
-          <p:cNvPr id="551" name="Shape 551"/>
+          <p:cNvPr id="544" name="Shape 544"/>
           <p:cNvSpPr/>
           <p:nvPr>
             <p:ph type="title"/>
@@ -19539,21 +19889,21 @@
           <a:p>
             <a:pPr/>
             <a:r>
-              <a:t>SLICE Syntax</a:t>
-            </a:r>
-          </a:p>
-        </p:txBody>
-      </p:sp>
-      <p:sp>
-        <p:nvSpPr>
-          <p:cNvPr id="552" name="Shape 552"/>
+              <a:t>Defining A Function</a:t>
+            </a:r>
+          </a:p>
+        </p:txBody>
+      </p:sp>
+      <p:sp>
+        <p:nvSpPr>
+          <p:cNvPr id="545" name="Shape 545"/>
           <p:cNvSpPr/>
           <p:nvPr/>
         </p:nvSpPr>
         <p:spPr>
           <a:xfrm>
-            <a:off x="3774461" y="4078816"/>
-            <a:ext cx="5455878" cy="927101"/>
+            <a:off x="495150" y="3282950"/>
+            <a:ext cx="11562527" cy="3187701"/>
           </a:xfrm>
           <a:prstGeom prst="rect">
             <a:avLst/>
@@ -19571,20 +19921,55 @@
           <a:bodyPr lIns="50800" tIns="50800" rIns="50800" bIns="50800" anchor="ctr">
             <a:spAutoFit/>
           </a:bodyPr>
-          <a:lstStyle>
-            <a:lvl1pPr>
+          <a:lstStyle/>
+          <a:p>
+            <a:pPr>
               <a:defRPr sz="5400">
                 <a:latin typeface="Anonymous Pro for Powerline"/>
                 <a:ea typeface="Anonymous Pro for Powerline"/>
                 <a:cs typeface="Anonymous Pro for Powerline"/>
                 <a:sym typeface="Anonymous Pro for Powerline"/>
               </a:defRPr>
-            </a:lvl1pPr>
-          </a:lstStyle>
-          <a:p>
-            <a:pPr/>
-            <a:r>
-              <a:t>my_string[:3]</a:t>
+            </a:pPr>
+            <a:r>
+              <a:t>def </a:t>
+            </a:r>
+            <a:r>
+              <a:rPr>
+                <a:solidFill>
+                  <a:schemeClr val="accent3"/>
+                </a:solidFill>
+              </a:rPr>
+              <a:t>double</a:t>
+            </a:r>
+            <a:r>
+              <a:t>(my_name):</a:t>
+            </a:r>
+          </a:p>
+          <a:p>
+            <a:pPr>
+              <a:defRPr sz="5400">
+                <a:latin typeface="Anonymous Pro for Powerline"/>
+                <a:ea typeface="Anonymous Pro for Powerline"/>
+                <a:cs typeface="Anonymous Pro for Powerline"/>
+                <a:sym typeface="Anonymous Pro for Powerline"/>
+              </a:defRPr>
+            </a:pPr>
+            <a:r>
+              <a:t>    answer = my_name + my_name</a:t>
+            </a:r>
+          </a:p>
+          <a:p>
+            <a:pPr>
+              <a:defRPr sz="5400">
+                <a:latin typeface="Anonymous Pro for Powerline"/>
+                <a:ea typeface="Anonymous Pro for Powerline"/>
+                <a:cs typeface="Anonymous Pro for Powerline"/>
+                <a:sym typeface="Anonymous Pro for Powerline"/>
+              </a:defRPr>
+            </a:pPr>
+            <a:r>
+              <a:t>    return answer</a:t>
             </a:r>
           </a:p>
         </p:txBody>
@@ -19617,7 +20002,7 @@
       </p:grpSpPr>
       <p:sp>
         <p:nvSpPr>
-          <p:cNvPr id="554" name="Shape 554"/>
+          <p:cNvPr id="547" name="Shape 547"/>
           <p:cNvSpPr/>
           <p:nvPr>
             <p:ph type="title"/>
@@ -19645,21 +20030,21 @@
           <a:p>
             <a:pPr/>
             <a:r>
-              <a:t>Slice Syntax</a:t>
-            </a:r>
-          </a:p>
-        </p:txBody>
-      </p:sp>
-      <p:sp>
-        <p:nvSpPr>
-          <p:cNvPr id="555" name="Shape 555"/>
+              <a:t>Defining A Function</a:t>
+            </a:r>
+          </a:p>
+        </p:txBody>
+      </p:sp>
+      <p:sp>
+        <p:nvSpPr>
+          <p:cNvPr id="548" name="Shape 548"/>
           <p:cNvSpPr/>
           <p:nvPr/>
         </p:nvSpPr>
         <p:spPr>
           <a:xfrm>
-            <a:off x="439081" y="4072620"/>
-            <a:ext cx="2606498" cy="1041401"/>
+            <a:off x="495150" y="3282950"/>
+            <a:ext cx="11562527" cy="3187701"/>
           </a:xfrm>
           <a:prstGeom prst="rect">
             <a:avLst/>
@@ -19674,68 +20059,58 @@
           </a:extLst>
         </p:spPr>
         <p:txBody>
-          <a:bodyPr wrap="none" lIns="50800" tIns="50800" rIns="50800" bIns="50800" anchor="ctr">
-            <a:spAutoFit/>
-          </a:bodyPr>
-          <a:lstStyle>
-            <a:lvl1pPr>
-              <a:defRPr sz="5400">
-                <a:latin typeface="Avenir Next"/>
-                <a:ea typeface="Avenir Next"/>
-                <a:cs typeface="Avenir Next"/>
-                <a:sym typeface="Avenir Next"/>
-              </a:defRPr>
-            </a:lvl1pPr>
-          </a:lstStyle>
-          <a:p>
-            <a:pPr/>
-            <a:r>
-              <a:t>English:</a:t>
-            </a:r>
-          </a:p>
-        </p:txBody>
-      </p:sp>
-      <p:sp>
-        <p:nvSpPr>
-          <p:cNvPr id="556" name="Shape 556"/>
-          <p:cNvSpPr/>
-          <p:nvPr/>
-        </p:nvSpPr>
-        <p:spPr>
-          <a:xfrm>
-            <a:off x="449664" y="5354242"/>
-            <a:ext cx="12105472" cy="2032001"/>
-          </a:xfrm>
-          <a:prstGeom prst="rect">
-            <a:avLst/>
-          </a:prstGeom>
-          <a:ln w="12700">
-            <a:miter lim="400000"/>
-          </a:ln>
-          <a:extLst>
-            <a:ext uri="{C572A759-6A51-4108-AA02-DFA0A04FC94B}">
-              <ma14:wrappingTextBoxFlag xmlns:ma14="http://schemas.microsoft.com/office/mac/drawingml/2011/main" val="1"/>
-            </a:ext>
-          </a:extLst>
-        </p:spPr>
-        <p:txBody>
           <a:bodyPr lIns="50800" tIns="50800" rIns="50800" bIns="50800" anchor="ctr">
             <a:spAutoFit/>
           </a:bodyPr>
-          <a:lstStyle>
-            <a:lvl1pPr>
-              <a:defRPr i="1" sz="5600">
-                <a:latin typeface="Avenir Next"/>
-                <a:ea typeface="Avenir Next"/>
-                <a:cs typeface="Avenir Next"/>
-                <a:sym typeface="Avenir Next"/>
+          <a:lstStyle/>
+          <a:p>
+            <a:pPr>
+              <a:defRPr sz="5400">
+                <a:latin typeface="Anonymous Pro for Powerline"/>
+                <a:ea typeface="Anonymous Pro for Powerline"/>
+                <a:cs typeface="Anonymous Pro for Powerline"/>
+                <a:sym typeface="Anonymous Pro for Powerline"/>
               </a:defRPr>
-            </a:lvl1pPr>
-          </a:lstStyle>
-          <a:p>
-            <a:pPr/>
-            <a:r>
-              <a:t>grab from the third element through until the end</a:t>
+            </a:pPr>
+            <a:r>
+              <a:t>def double(</a:t>
+            </a:r>
+            <a:r>
+              <a:rPr>
+                <a:solidFill>
+                  <a:schemeClr val="accent3"/>
+                </a:solidFill>
+              </a:rPr>
+              <a:t>my_name</a:t>
+            </a:r>
+            <a:r>
+              <a:t>):</a:t>
+            </a:r>
+          </a:p>
+          <a:p>
+            <a:pPr>
+              <a:defRPr sz="5400">
+                <a:latin typeface="Anonymous Pro for Powerline"/>
+                <a:ea typeface="Anonymous Pro for Powerline"/>
+                <a:cs typeface="Anonymous Pro for Powerline"/>
+                <a:sym typeface="Anonymous Pro for Powerline"/>
+              </a:defRPr>
+            </a:pPr>
+            <a:r>
+              <a:t>    answer = my_name + my_name</a:t>
+            </a:r>
+          </a:p>
+          <a:p>
+            <a:pPr>
+              <a:defRPr sz="5400">
+                <a:latin typeface="Anonymous Pro for Powerline"/>
+                <a:ea typeface="Anonymous Pro for Powerline"/>
+                <a:cs typeface="Anonymous Pro for Powerline"/>
+                <a:sym typeface="Anonymous Pro for Powerline"/>
+              </a:defRPr>
+            </a:pPr>
+            <a:r>
+              <a:t>    return answer</a:t>
             </a:r>
           </a:p>
         </p:txBody>
@@ -19768,7 +20143,7 @@
       </p:grpSpPr>
       <p:sp>
         <p:nvSpPr>
-          <p:cNvPr id="558" name="Shape 558"/>
+          <p:cNvPr id="550" name="Shape 550"/>
           <p:cNvSpPr/>
           <p:nvPr>
             <p:ph type="title"/>
@@ -19796,21 +20171,21 @@
           <a:p>
             <a:pPr/>
             <a:r>
-              <a:t>SLICE Syntax</a:t>
-            </a:r>
-          </a:p>
-        </p:txBody>
-      </p:sp>
-      <p:sp>
-        <p:nvSpPr>
-          <p:cNvPr id="559" name="Shape 559"/>
+              <a:t>Defining A Function</a:t>
+            </a:r>
+          </a:p>
+        </p:txBody>
+      </p:sp>
+      <p:sp>
+        <p:nvSpPr>
+          <p:cNvPr id="551" name="Shape 551"/>
           <p:cNvSpPr/>
           <p:nvPr/>
         </p:nvSpPr>
         <p:spPr>
           <a:xfrm>
-            <a:off x="3774461" y="4078816"/>
-            <a:ext cx="5455878" cy="927101"/>
+            <a:off x="495150" y="3282950"/>
+            <a:ext cx="11562527" cy="3187701"/>
           </a:xfrm>
           <a:prstGeom prst="rect">
             <a:avLst/>
@@ -19828,20 +20203,147 @@
           <a:bodyPr lIns="50800" tIns="50800" rIns="50800" bIns="50800" anchor="ctr">
             <a:spAutoFit/>
           </a:bodyPr>
-          <a:lstStyle>
-            <a:lvl1pPr>
+          <a:lstStyle/>
+          <a:p>
+            <a:pPr>
               <a:defRPr sz="5400">
                 <a:latin typeface="Anonymous Pro for Powerline"/>
                 <a:ea typeface="Anonymous Pro for Powerline"/>
                 <a:cs typeface="Anonymous Pro for Powerline"/>
                 <a:sym typeface="Anonymous Pro for Powerline"/>
               </a:defRPr>
+            </a:pPr>
+            <a:r>
+              <a:t>def double(</a:t>
+            </a:r>
+            <a:r>
+              <a:rPr>
+                <a:solidFill>
+                  <a:schemeClr val="accent3"/>
+                </a:solidFill>
+              </a:rPr>
+              <a:t>my_name</a:t>
+            </a:r>
+            <a:r>
+              <a:t>):</a:t>
+            </a:r>
+          </a:p>
+          <a:p>
+            <a:pPr>
+              <a:defRPr sz="5400">
+                <a:latin typeface="Anonymous Pro for Powerline"/>
+                <a:ea typeface="Anonymous Pro for Powerline"/>
+                <a:cs typeface="Anonymous Pro for Powerline"/>
+                <a:sym typeface="Anonymous Pro for Powerline"/>
+              </a:defRPr>
+            </a:pPr>
+            <a:r>
+              <a:t>    answer = my_name + my_name</a:t>
+            </a:r>
+          </a:p>
+          <a:p>
+            <a:pPr>
+              <a:defRPr sz="5400">
+                <a:latin typeface="Anonymous Pro for Powerline"/>
+                <a:ea typeface="Anonymous Pro for Powerline"/>
+                <a:cs typeface="Anonymous Pro for Powerline"/>
+                <a:sym typeface="Anonymous Pro for Powerline"/>
+              </a:defRPr>
+            </a:pPr>
+            <a:r>
+              <a:t>    return answer</a:t>
+            </a:r>
+          </a:p>
+        </p:txBody>
+      </p:sp>
+      <p:sp>
+        <p:nvSpPr>
+          <p:cNvPr id="552" name="Shape 552"/>
+          <p:cNvSpPr/>
+          <p:nvPr/>
+        </p:nvSpPr>
+        <p:spPr>
+          <a:xfrm rot="19262772">
+            <a:off x="3341633" y="5027739"/>
+            <a:ext cx="2933304" cy="518251"/>
+          </a:xfrm>
+          <a:prstGeom prst="rightArrow">
+            <a:avLst>
+              <a:gd name="adj1" fmla="val 34174"/>
+              <a:gd name="adj2" fmla="val 145948"/>
+            </a:avLst>
+          </a:prstGeom>
+          <a:solidFill>
+            <a:schemeClr val="accent5"/>
+          </a:solidFill>
+          <a:ln w="12700">
+            <a:miter lim="400000"/>
+          </a:ln>
+        </p:spPr>
+        <p:txBody>
+          <a:bodyPr lIns="50800" tIns="50800" rIns="50800" bIns="50800" anchor="ctr"/>
+          <a:lstStyle/>
+          <a:p>
+            <a:pPr algn="ctr">
+              <a:lnSpc>
+                <a:spcPct val="80000"/>
+              </a:lnSpc>
+              <a:spcBef>
+                <a:spcPts val="0"/>
+              </a:spcBef>
+              <a:defRPr cap="all" sz="2800">
+                <a:solidFill>
+                  <a:srgbClr val="FFFFFF"/>
+                </a:solidFill>
+                <a:latin typeface="+mn-lt"/>
+                <a:ea typeface="+mn-ea"/>
+                <a:cs typeface="+mn-cs"/>
+                <a:sym typeface="DIN Condensed"/>
+              </a:defRPr>
+            </a:pPr>
+          </a:p>
+        </p:txBody>
+      </p:sp>
+      <p:sp>
+        <p:nvSpPr>
+          <p:cNvPr id="553" name="Shape 553"/>
+          <p:cNvSpPr/>
+          <p:nvPr/>
+        </p:nvSpPr>
+        <p:spPr>
+          <a:xfrm>
+            <a:off x="694604" y="6302681"/>
+            <a:ext cx="8171689" cy="1143001"/>
+          </a:xfrm>
+          <a:prstGeom prst="rect">
+            <a:avLst/>
+          </a:prstGeom>
+          <a:ln w="12700">
+            <a:miter lim="400000"/>
+          </a:ln>
+          <a:extLst>
+            <a:ext uri="{C572A759-6A51-4108-AA02-DFA0A04FC94B}">
+              <ma14:wrappingTextBoxFlag xmlns:ma14="http://schemas.microsoft.com/office/mac/drawingml/2011/main" val="1"/>
+            </a:ext>
+          </a:extLst>
+        </p:spPr>
+        <p:txBody>
+          <a:bodyPr wrap="none" lIns="50800" tIns="50800" rIns="50800" bIns="50800" anchor="ctr">
+            <a:spAutoFit/>
+          </a:bodyPr>
+          <a:lstStyle>
+            <a:lvl1pPr>
+              <a:defRPr sz="6000">
+                <a:solidFill>
+                  <a:schemeClr val="accent5"/>
+                </a:solidFill>
+              </a:defRPr>
             </a:lvl1pPr>
           </a:lstStyle>
           <a:p>
             <a:pPr/>
             <a:r>
-              <a:t>my_string[2:]</a:t>
+              <a:t>arbitrary label for input</a:t>
             </a:r>
           </a:p>
         </p:txBody>
@@ -19874,7 +20376,7 @@
       </p:grpSpPr>
       <p:sp>
         <p:nvSpPr>
-          <p:cNvPr id="561" name="Shape 561"/>
+          <p:cNvPr id="555" name="Shape 555"/>
           <p:cNvSpPr/>
           <p:nvPr>
             <p:ph type="title"/>
@@ -19882,8 +20384,8 @@
         </p:nvSpPr>
         <p:spPr>
           <a:xfrm>
-            <a:off x="3204719" y="2539569"/>
-            <a:ext cx="7800902" cy="4674462"/>
+            <a:off x="406400" y="1536700"/>
+            <a:ext cx="12192000" cy="1169260"/>
           </a:xfrm>
           <a:prstGeom prst="rect">
             <a:avLst/>
@@ -19892,37 +20394,117 @@
         <p:txBody>
           <a:bodyPr/>
           <a:lstStyle>
-            <a:lvl1pPr>
-              <a:defRPr sz="15000"/>
+            <a:lvl1pPr defTabSz="403097">
+              <a:spcBef>
+                <a:spcPts val="1900"/>
+              </a:spcBef>
+              <a:defRPr sz="8280"/>
             </a:lvl1pPr>
           </a:lstStyle>
           <a:p>
             <a:pPr/>
             <a:r>
-              <a:t>Sequences</a:t>
-            </a:r>
-          </a:p>
-        </p:txBody>
-      </p:sp>
-      <p:sp>
-        <p:nvSpPr>
-          <p:cNvPr id="562" name="Shape 562"/>
+              <a:t>Defining A Function</a:t>
+            </a:r>
+          </a:p>
+        </p:txBody>
+      </p:sp>
+      <p:sp>
+        <p:nvSpPr>
+          <p:cNvPr id="556" name="Shape 556"/>
           <p:cNvSpPr/>
           <p:nvPr/>
         </p:nvSpPr>
         <p:spPr>
-          <a:xfrm rot="8100000">
-            <a:off x="4595992" y="4583105"/>
-            <a:ext cx="2375298" cy="1270001"/>
+          <a:xfrm>
+            <a:off x="495150" y="3282950"/>
+            <a:ext cx="11562527" cy="3187701"/>
+          </a:xfrm>
+          <a:prstGeom prst="rect">
+            <a:avLst/>
+          </a:prstGeom>
+          <a:ln w="12700">
+            <a:miter lim="400000"/>
+          </a:ln>
+          <a:extLst>
+            <a:ext uri="{C572A759-6A51-4108-AA02-DFA0A04FC94B}">
+              <ma14:wrappingTextBoxFlag xmlns:ma14="http://schemas.microsoft.com/office/mac/drawingml/2011/main" val="1"/>
+            </a:ext>
+          </a:extLst>
+        </p:spPr>
+        <p:txBody>
+          <a:bodyPr lIns="50800" tIns="50800" rIns="50800" bIns="50800" anchor="ctr">
+            <a:spAutoFit/>
+          </a:bodyPr>
+          <a:lstStyle/>
+          <a:p>
+            <a:pPr>
+              <a:defRPr sz="5400">
+                <a:latin typeface="Anonymous Pro for Powerline"/>
+                <a:ea typeface="Anonymous Pro for Powerline"/>
+                <a:cs typeface="Anonymous Pro for Powerline"/>
+                <a:sym typeface="Anonymous Pro for Powerline"/>
+              </a:defRPr>
+            </a:pPr>
+            <a:r>
+              <a:t>def double(my_name)</a:t>
+            </a:r>
+            <a:r>
+              <a:rPr>
+                <a:solidFill>
+                  <a:schemeClr val="accent3"/>
+                </a:solidFill>
+              </a:rPr>
+              <a:t>:</a:t>
+            </a:r>
+          </a:p>
+          <a:p>
+            <a:pPr>
+              <a:defRPr sz="5400">
+                <a:latin typeface="Anonymous Pro for Powerline"/>
+                <a:ea typeface="Anonymous Pro for Powerline"/>
+                <a:cs typeface="Anonymous Pro for Powerline"/>
+                <a:sym typeface="Anonymous Pro for Powerline"/>
+              </a:defRPr>
+            </a:pPr>
+            <a:r>
+              <a:t>    answer = my_name + my_name</a:t>
+            </a:r>
+          </a:p>
+          <a:p>
+            <a:pPr>
+              <a:defRPr sz="5400">
+                <a:latin typeface="Anonymous Pro for Powerline"/>
+                <a:ea typeface="Anonymous Pro for Powerline"/>
+                <a:cs typeface="Anonymous Pro for Powerline"/>
+                <a:sym typeface="Anonymous Pro for Powerline"/>
+              </a:defRPr>
+            </a:pPr>
+            <a:r>
+              <a:t>    return answer</a:t>
+            </a:r>
+          </a:p>
+        </p:txBody>
+      </p:sp>
+      <p:sp>
+        <p:nvSpPr>
+          <p:cNvPr id="557" name="Shape 557"/>
+          <p:cNvSpPr/>
+          <p:nvPr/>
+        </p:nvSpPr>
+        <p:spPr>
+          <a:xfrm rot="8773757">
+            <a:off x="8032305" y="2856737"/>
+            <a:ext cx="2208633" cy="518252"/>
           </a:xfrm>
           <a:prstGeom prst="rightArrow">
             <a:avLst>
-              <a:gd name="adj1" fmla="val 32000"/>
-              <a:gd name="adj2" fmla="val 64000"/>
+              <a:gd name="adj1" fmla="val 34174"/>
+              <a:gd name="adj2" fmla="val 145948"/>
             </a:avLst>
           </a:prstGeom>
           <a:solidFill>
-            <a:schemeClr val="accent1"/>
+            <a:schemeClr val="accent5"/>
           </a:solidFill>
           <a:ln w="12700">
             <a:miter lim="400000"/>
@@ -19954,62 +20536,14 @@
       </p:sp>
       <p:sp>
         <p:nvSpPr>
-          <p:cNvPr id="563" name="Shape 563"/>
+          <p:cNvPr id="558" name="Shape 558"/>
           <p:cNvSpPr/>
           <p:nvPr/>
         </p:nvSpPr>
         <p:spPr>
-          <a:xfrm rot="2700000">
-            <a:off x="5989363" y="4583105"/>
-            <a:ext cx="2375298" cy="1270001"/>
-          </a:xfrm>
-          <a:prstGeom prst="rightArrow">
-            <a:avLst>
-              <a:gd name="adj1" fmla="val 32000"/>
-              <a:gd name="adj2" fmla="val 64000"/>
-            </a:avLst>
-          </a:prstGeom>
-          <a:solidFill>
-            <a:schemeClr val="accent1"/>
-          </a:solidFill>
-          <a:ln w="12700">
-            <a:miter lim="400000"/>
-          </a:ln>
-        </p:spPr>
-        <p:txBody>
-          <a:bodyPr lIns="50800" tIns="50800" rIns="50800" bIns="50800" anchor="ctr"/>
-          <a:lstStyle/>
-          <a:p>
-            <a:pPr algn="ctr">
-              <a:lnSpc>
-                <a:spcPct val="80000"/>
-              </a:lnSpc>
-              <a:spcBef>
-                <a:spcPts val="0"/>
-              </a:spcBef>
-              <a:defRPr cap="all" sz="2800">
-                <a:solidFill>
-                  <a:srgbClr val="FFFFFF"/>
-                </a:solidFill>
-                <a:latin typeface="+mn-lt"/>
-                <a:ea typeface="+mn-ea"/>
-                <a:cs typeface="+mn-cs"/>
-                <a:sym typeface="DIN Condensed"/>
-              </a:defRPr>
-            </a:pPr>
-          </a:p>
-        </p:txBody>
-      </p:sp>
-      <p:sp>
-        <p:nvSpPr>
-          <p:cNvPr id="564" name="Shape 564"/>
-          <p:cNvSpPr/>
-          <p:nvPr/>
-        </p:nvSpPr>
-        <p:spPr>
-          <a:xfrm>
-            <a:off x="2027843" y="6174756"/>
-            <a:ext cx="3026428" cy="1169261"/>
+          <a:xfrm>
+            <a:off x="10194863" y="1549830"/>
+            <a:ext cx="2061973" cy="1143001"/>
           </a:xfrm>
           <a:prstGeom prst="rect">
             <a:avLst/>
@@ -20024,86 +20558,22 @@
           </a:extLst>
         </p:spPr>
         <p:txBody>
-          <a:bodyPr lIns="50800" tIns="50800" rIns="50800" bIns="50800">
-            <a:normAutofit fontScale="100000" lnSpcReduction="0"/>
+          <a:bodyPr wrap="none" lIns="50800" tIns="50800" rIns="50800" bIns="50800" anchor="ctr">
+            <a:spAutoFit/>
           </a:bodyPr>
           <a:lstStyle>
-            <a:lvl1pPr defTabSz="403097">
-              <a:lnSpc>
-                <a:spcPct val="80000"/>
-              </a:lnSpc>
-              <a:spcBef>
-                <a:spcPts val="1900"/>
-              </a:spcBef>
-              <a:defRPr cap="all" sz="8280">
+            <a:lvl1pPr>
+              <a:defRPr sz="6000">
                 <a:solidFill>
-                  <a:schemeClr val="accent1"/>
+                  <a:schemeClr val="accent5"/>
                 </a:solidFill>
-                <a:latin typeface="+mn-lt"/>
-                <a:ea typeface="+mn-ea"/>
-                <a:cs typeface="+mn-cs"/>
-                <a:sym typeface="DIN Condensed"/>
               </a:defRPr>
             </a:lvl1pPr>
           </a:lstStyle>
           <a:p>
             <a:pPr/>
             <a:r>
-              <a:t>Strings</a:t>
-            </a:r>
-          </a:p>
-        </p:txBody>
-      </p:sp>
-      <p:sp>
-        <p:nvSpPr>
-          <p:cNvPr id="565" name="Shape 565"/>
-          <p:cNvSpPr/>
-          <p:nvPr/>
-        </p:nvSpPr>
-        <p:spPr>
-          <a:xfrm>
-            <a:off x="8057803" y="6162056"/>
-            <a:ext cx="2008118" cy="1169261"/>
-          </a:xfrm>
-          <a:prstGeom prst="rect">
-            <a:avLst/>
-          </a:prstGeom>
-          <a:ln w="12700">
-            <a:miter lim="400000"/>
-          </a:ln>
-          <a:extLst>
-            <a:ext uri="{C572A759-6A51-4108-AA02-DFA0A04FC94B}">
-              <ma14:wrappingTextBoxFlag xmlns:ma14="http://schemas.microsoft.com/office/mac/drawingml/2011/main" val="1"/>
-            </a:ext>
-          </a:extLst>
-        </p:spPr>
-        <p:txBody>
-          <a:bodyPr lIns="50800" tIns="50800" rIns="50800" bIns="50800">
-            <a:normAutofit fontScale="100000" lnSpcReduction="0"/>
-          </a:bodyPr>
-          <a:lstStyle>
-            <a:lvl1pPr defTabSz="403097">
-              <a:lnSpc>
-                <a:spcPct val="80000"/>
-              </a:lnSpc>
-              <a:spcBef>
-                <a:spcPts val="1900"/>
-              </a:spcBef>
-              <a:defRPr cap="all" sz="8280">
-                <a:solidFill>
-                  <a:schemeClr val="accent1"/>
-                </a:solidFill>
-                <a:latin typeface="+mn-lt"/>
-                <a:ea typeface="+mn-ea"/>
-                <a:cs typeface="+mn-cs"/>
-                <a:sym typeface="DIN Condensed"/>
-              </a:defRPr>
-            </a:lvl1pPr>
-          </a:lstStyle>
-          <a:p>
-            <a:pPr/>
-            <a:r>
-              <a:t>Lists</a:t>
+              <a:t>colon</a:t>
             </a:r>
           </a:p>
         </p:txBody>
@@ -20136,7 +20606,7 @@
       </p:grpSpPr>
       <p:sp>
         <p:nvSpPr>
-          <p:cNvPr id="567" name="Shape 567"/>
+          <p:cNvPr id="560" name="Shape 560"/>
           <p:cNvSpPr/>
           <p:nvPr>
             <p:ph type="title"/>
@@ -20164,45 +20634,84 @@
           <a:p>
             <a:pPr/>
             <a:r>
-              <a:t>StringS: Same</a:t>
-            </a:r>
-          </a:p>
-        </p:txBody>
-      </p:sp>
-      <p:sp>
-        <p:nvSpPr>
-          <p:cNvPr id="568" name="Shape 568"/>
-          <p:cNvSpPr/>
-          <p:nvPr>
-            <p:ph type="body" sz="half" idx="1"/>
-          </p:nvPr>
-        </p:nvSpPr>
-        <p:spPr>
-          <a:xfrm>
-            <a:off x="406400" y="4538100"/>
-            <a:ext cx="12192000" cy="2531600"/>
-          </a:xfrm>
-          <a:prstGeom prst="rect">
-            <a:avLst/>
-          </a:prstGeom>
-        </p:spPr>
-        <p:txBody>
-          <a:bodyPr/>
-          <a:lstStyle>
-            <a:lvl1pPr marL="705970" indent="-705970">
-              <a:buClrTx/>
-              <a:buSzPct val="40000"/>
-              <a:buFontTx/>
-              <a:buBlip>
-                <a:blip r:embed="rId2"/>
-              </a:buBlip>
-              <a:defRPr sz="6400"/>
-            </a:lvl1pPr>
-          </a:lstStyle>
-          <a:p>
-            <a:pPr/>
-            <a:r>
-              <a:t>Same index and slice syntax!</a:t>
+              <a:t>Defining A Function</a:t>
+            </a:r>
+          </a:p>
+        </p:txBody>
+      </p:sp>
+      <p:sp>
+        <p:nvSpPr>
+          <p:cNvPr id="561" name="Shape 561"/>
+          <p:cNvSpPr/>
+          <p:nvPr/>
+        </p:nvSpPr>
+        <p:spPr>
+          <a:xfrm>
+            <a:off x="495150" y="3282950"/>
+            <a:ext cx="11562527" cy="3187701"/>
+          </a:xfrm>
+          <a:prstGeom prst="rect">
+            <a:avLst/>
+          </a:prstGeom>
+          <a:ln w="12700">
+            <a:miter lim="400000"/>
+          </a:ln>
+          <a:extLst>
+            <a:ext uri="{C572A759-6A51-4108-AA02-DFA0A04FC94B}">
+              <ma14:wrappingTextBoxFlag xmlns:ma14="http://schemas.microsoft.com/office/mac/drawingml/2011/main" val="1"/>
+            </a:ext>
+          </a:extLst>
+        </p:spPr>
+        <p:txBody>
+          <a:bodyPr lIns="50800" tIns="50800" rIns="50800" bIns="50800" anchor="ctr">
+            <a:spAutoFit/>
+          </a:bodyPr>
+          <a:lstStyle/>
+          <a:p>
+            <a:pPr>
+              <a:defRPr sz="5400">
+                <a:latin typeface="Anonymous Pro for Powerline"/>
+                <a:ea typeface="Anonymous Pro for Powerline"/>
+                <a:cs typeface="Anonymous Pro for Powerline"/>
+                <a:sym typeface="Anonymous Pro for Powerline"/>
+              </a:defRPr>
+            </a:pPr>
+            <a:r>
+              <a:t>def double(my_name):</a:t>
+            </a:r>
+          </a:p>
+          <a:p>
+            <a:pPr>
+              <a:defRPr sz="5400">
+                <a:latin typeface="Anonymous Pro for Powerline"/>
+                <a:ea typeface="Anonymous Pro for Powerline"/>
+                <a:cs typeface="Anonymous Pro for Powerline"/>
+                <a:sym typeface="Anonymous Pro for Powerline"/>
+              </a:defRPr>
+            </a:pPr>
+            <a:r>
+              <a:t>    </a:t>
+            </a:r>
+            <a:r>
+              <a:rPr>
+                <a:solidFill>
+                  <a:schemeClr val="accent3"/>
+                </a:solidFill>
+              </a:rPr>
+              <a:t>answer = my_name + my_name</a:t>
+            </a:r>
+          </a:p>
+          <a:p>
+            <a:pPr>
+              <a:defRPr sz="5400">
+                <a:latin typeface="Anonymous Pro for Powerline"/>
+                <a:ea typeface="Anonymous Pro for Powerline"/>
+                <a:cs typeface="Anonymous Pro for Powerline"/>
+                <a:sym typeface="Anonymous Pro for Powerline"/>
+              </a:defRPr>
+            </a:pPr>
+            <a:r>
+              <a:t>    return answer</a:t>
             </a:r>
           </a:p>
         </p:txBody>
@@ -20235,7 +20744,7 @@
       </p:grpSpPr>
       <p:sp>
         <p:nvSpPr>
-          <p:cNvPr id="570" name="Shape 570"/>
+          <p:cNvPr id="563" name="Shape 563"/>
           <p:cNvSpPr/>
           <p:nvPr>
             <p:ph type="title"/>
@@ -20263,45 +20772,176 @@
           <a:p>
             <a:pPr/>
             <a:r>
-              <a:t>StringS: but Different</a:t>
-            </a:r>
-          </a:p>
-        </p:txBody>
-      </p:sp>
-      <p:sp>
-        <p:nvSpPr>
-          <p:cNvPr id="571" name="Shape 571"/>
-          <p:cNvSpPr/>
-          <p:nvPr>
-            <p:ph type="body" sz="half" idx="1"/>
-          </p:nvPr>
-        </p:nvSpPr>
-        <p:spPr>
-          <a:xfrm>
-            <a:off x="406400" y="3953767"/>
-            <a:ext cx="12192000" cy="2531601"/>
-          </a:xfrm>
-          <a:prstGeom prst="rect">
-            <a:avLst/>
-          </a:prstGeom>
-        </p:spPr>
-        <p:txBody>
-          <a:bodyPr/>
+              <a:t>Defining A Function</a:t>
+            </a:r>
+          </a:p>
+        </p:txBody>
+      </p:sp>
+      <p:sp>
+        <p:nvSpPr>
+          <p:cNvPr id="564" name="Shape 564"/>
+          <p:cNvSpPr/>
+          <p:nvPr/>
+        </p:nvSpPr>
+        <p:spPr>
+          <a:xfrm>
+            <a:off x="495150" y="3282950"/>
+            <a:ext cx="11562527" cy="3187701"/>
+          </a:xfrm>
+          <a:prstGeom prst="rect">
+            <a:avLst/>
+          </a:prstGeom>
+          <a:ln w="12700">
+            <a:miter lim="400000"/>
+          </a:ln>
+          <a:extLst>
+            <a:ext uri="{C572A759-6A51-4108-AA02-DFA0A04FC94B}">
+              <ma14:wrappingTextBoxFlag xmlns:ma14="http://schemas.microsoft.com/office/mac/drawingml/2011/main" val="1"/>
+            </a:ext>
+          </a:extLst>
+        </p:spPr>
+        <p:txBody>
+          <a:bodyPr lIns="50800" tIns="50800" rIns="50800" bIns="50800" anchor="ctr">
+            <a:spAutoFit/>
+          </a:bodyPr>
+          <a:lstStyle/>
+          <a:p>
+            <a:pPr>
+              <a:defRPr sz="5400">
+                <a:latin typeface="Anonymous Pro for Powerline"/>
+                <a:ea typeface="Anonymous Pro for Powerline"/>
+                <a:cs typeface="Anonymous Pro for Powerline"/>
+                <a:sym typeface="Anonymous Pro for Powerline"/>
+              </a:defRPr>
+            </a:pPr>
+            <a:r>
+              <a:t>def double(my_name):</a:t>
+            </a:r>
+          </a:p>
+          <a:p>
+            <a:pPr>
+              <a:defRPr sz="5400">
+                <a:latin typeface="Anonymous Pro for Powerline"/>
+                <a:ea typeface="Anonymous Pro for Powerline"/>
+                <a:cs typeface="Anonymous Pro for Powerline"/>
+                <a:sym typeface="Anonymous Pro for Powerline"/>
+              </a:defRPr>
+            </a:pPr>
+            <a:r>
+              <a:t>    </a:t>
+            </a:r>
+            <a:r>
+              <a:rPr>
+                <a:solidFill>
+                  <a:schemeClr val="accent3"/>
+                </a:solidFill>
+              </a:rPr>
+              <a:t>answer = my_name + my_name</a:t>
+            </a:r>
+          </a:p>
+          <a:p>
+            <a:pPr>
+              <a:defRPr sz="5400">
+                <a:latin typeface="Anonymous Pro for Powerline"/>
+                <a:ea typeface="Anonymous Pro for Powerline"/>
+                <a:cs typeface="Anonymous Pro for Powerline"/>
+                <a:sym typeface="Anonymous Pro for Powerline"/>
+              </a:defRPr>
+            </a:pPr>
+            <a:r>
+              <a:t>    return answer</a:t>
+            </a:r>
+          </a:p>
+        </p:txBody>
+      </p:sp>
+      <p:sp>
+        <p:nvSpPr>
+          <p:cNvPr id="565" name="Shape 565"/>
+          <p:cNvSpPr/>
+          <p:nvPr/>
+        </p:nvSpPr>
+        <p:spPr>
+          <a:xfrm rot="13500000">
+            <a:off x="1586933" y="6735713"/>
+            <a:ext cx="2933305" cy="518251"/>
+          </a:xfrm>
+          <a:prstGeom prst="rightArrow">
+            <a:avLst>
+              <a:gd name="adj1" fmla="val 34174"/>
+              <a:gd name="adj2" fmla="val 145948"/>
+            </a:avLst>
+          </a:prstGeom>
+          <a:solidFill>
+            <a:schemeClr val="accent5"/>
+          </a:solidFill>
+          <a:ln w="12700">
+            <a:miter lim="400000"/>
+          </a:ln>
+        </p:spPr>
+        <p:txBody>
+          <a:bodyPr lIns="50800" tIns="50800" rIns="50800" bIns="50800" anchor="ctr"/>
+          <a:lstStyle/>
+          <a:p>
+            <a:pPr algn="ctr">
+              <a:lnSpc>
+                <a:spcPct val="80000"/>
+              </a:lnSpc>
+              <a:spcBef>
+                <a:spcPts val="0"/>
+              </a:spcBef>
+              <a:defRPr cap="all" sz="2800">
+                <a:solidFill>
+                  <a:srgbClr val="FFFFFF"/>
+                </a:solidFill>
+                <a:latin typeface="+mn-lt"/>
+                <a:ea typeface="+mn-ea"/>
+                <a:cs typeface="+mn-cs"/>
+                <a:sym typeface="DIN Condensed"/>
+              </a:defRPr>
+            </a:pPr>
+          </a:p>
+        </p:txBody>
+      </p:sp>
+      <p:sp>
+        <p:nvSpPr>
+          <p:cNvPr id="566" name="Shape 566"/>
+          <p:cNvSpPr/>
+          <p:nvPr/>
+        </p:nvSpPr>
+        <p:spPr>
+          <a:xfrm>
+            <a:off x="4241367" y="7681314"/>
+            <a:ext cx="5406391" cy="1143001"/>
+          </a:xfrm>
+          <a:prstGeom prst="rect">
+            <a:avLst/>
+          </a:prstGeom>
+          <a:ln w="12700">
+            <a:miter lim="400000"/>
+          </a:ln>
+          <a:extLst>
+            <a:ext uri="{C572A759-6A51-4108-AA02-DFA0A04FC94B}">
+              <ma14:wrappingTextBoxFlag xmlns:ma14="http://schemas.microsoft.com/office/mac/drawingml/2011/main" val="1"/>
+            </a:ext>
+          </a:extLst>
+        </p:spPr>
+        <p:txBody>
+          <a:bodyPr wrap="none" lIns="50800" tIns="50800" rIns="50800" bIns="50800" anchor="ctr">
+            <a:spAutoFit/>
+          </a:bodyPr>
           <a:lstStyle>
-            <a:lvl1pPr marL="705970" indent="-705970">
-              <a:buClrTx/>
-              <a:buSzPct val="40000"/>
-              <a:buFontTx/>
-              <a:buBlip>
-                <a:blip r:embed="rId2"/>
-              </a:buBlip>
-              <a:defRPr sz="6400"/>
+            <a:lvl1pPr>
+              <a:defRPr sz="6000">
+                <a:solidFill>
+                  <a:schemeClr val="accent5"/>
+                </a:solidFill>
+              </a:defRPr>
             </a:lvl1pPr>
           </a:lstStyle>
           <a:p>
             <a:pPr/>
             <a:r>
-              <a:t>Cannot add or remove characters</a:t>
+              <a:t>indented block</a:t>
             </a:r>
           </a:p>
         </p:txBody>

--- a/Session1_Slides.pptx
+++ b/Session1_Slides.pptx
@@ -112,6 +112,11 @@
     <p:sldId id="357" r:id="rId109"/>
     <p:sldId id="358" r:id="rId110"/>
     <p:sldId id="359" r:id="rId111"/>
+    <p:sldId id="360" r:id="rId112"/>
+    <p:sldId id="361" r:id="rId113"/>
+    <p:sldId id="362" r:id="rId114"/>
+    <p:sldId id="363" r:id="rId115"/>
+    <p:sldId id="364" r:id="rId116"/>
   </p:sldIdLst>
   <p:sldSz cx="13004800" cy="9753600"/>
   <p:notesSz cx="6858000" cy="9144000"/>
@@ -5672,7 +5677,7 @@
       </p:grpSpPr>
       <p:sp>
         <p:nvSpPr>
-          <p:cNvPr id="568" name="Shape 568"/>
+          <p:cNvPr id="574" name="Shape 574"/>
           <p:cNvSpPr/>
           <p:nvPr>
             <p:ph type="title"/>
@@ -5707,7 +5712,7 @@
       </p:sp>
       <p:sp>
         <p:nvSpPr>
-          <p:cNvPr id="569" name="Shape 569"/>
+          <p:cNvPr id="575" name="Shape 575"/>
           <p:cNvSpPr/>
           <p:nvPr/>
         </p:nvSpPr>
@@ -5743,7 +5748,18 @@
               </a:defRPr>
             </a:pPr>
             <a:r>
-              <a:t>def double(my_name):</a:t>
+              <a:t>def double(</a:t>
+            </a:r>
+            <a:r>
+              <a:rPr>
+                <a:solidFill>
+                  <a:schemeClr val="accent3"/>
+                </a:solidFill>
+              </a:rPr>
+              <a:t>my_name</a:t>
+            </a:r>
+            <a:r>
+              <a:t>):</a:t>
             </a:r>
           </a:p>
           <a:p>
@@ -5769,18 +5785,7 @@
               </a:defRPr>
             </a:pPr>
             <a:r>
-              <a:t>    </a:t>
-            </a:r>
-            <a:r>
-              <a:rPr>
-                <a:solidFill>
-                  <a:schemeClr val="accent3"/>
-                </a:solidFill>
-              </a:rPr>
-              <a:t>return</a:t>
-            </a:r>
-            <a:r>
-              <a:t> answer</a:t>
+              <a:t>    return answer</a:t>
             </a:r>
           </a:p>
         </p:txBody>
@@ -5813,7 +5818,7 @@
       </p:grpSpPr>
       <p:sp>
         <p:nvSpPr>
-          <p:cNvPr id="571" name="Shape 571"/>
+          <p:cNvPr id="577" name="Shape 577"/>
           <p:cNvSpPr/>
           <p:nvPr>
             <p:ph type="title"/>
@@ -5841,21 +5846,21 @@
           <a:p>
             <a:pPr/>
             <a:r>
-              <a:t>Calling A Function</a:t>
-            </a:r>
-          </a:p>
-        </p:txBody>
-      </p:sp>
-      <p:sp>
-        <p:nvSpPr>
-          <p:cNvPr id="572" name="Shape 572"/>
+              <a:t>Defining A Function</a:t>
+            </a:r>
+          </a:p>
+        </p:txBody>
+      </p:sp>
+      <p:sp>
+        <p:nvSpPr>
+          <p:cNvPr id="578" name="Shape 578"/>
           <p:cNvSpPr/>
           <p:nvPr/>
         </p:nvSpPr>
         <p:spPr>
           <a:xfrm>
-            <a:off x="495150" y="4413249"/>
-            <a:ext cx="11562527" cy="927101"/>
+            <a:off x="495150" y="3282950"/>
+            <a:ext cx="11562527" cy="3187701"/>
           </a:xfrm>
           <a:prstGeom prst="rect">
             <a:avLst/>
@@ -5873,20 +5878,147 @@
           <a:bodyPr lIns="50800" tIns="50800" rIns="50800" bIns="50800" anchor="ctr">
             <a:spAutoFit/>
           </a:bodyPr>
-          <a:lstStyle>
-            <a:lvl1pPr>
+          <a:lstStyle/>
+          <a:p>
+            <a:pPr>
               <a:defRPr sz="5400">
                 <a:latin typeface="Anonymous Pro for Powerline"/>
                 <a:ea typeface="Anonymous Pro for Powerline"/>
                 <a:cs typeface="Anonymous Pro for Powerline"/>
                 <a:sym typeface="Anonymous Pro for Powerline"/>
               </a:defRPr>
+            </a:pPr>
+            <a:r>
+              <a:t>def double(</a:t>
+            </a:r>
+            <a:r>
+              <a:rPr>
+                <a:solidFill>
+                  <a:schemeClr val="accent3"/>
+                </a:solidFill>
+              </a:rPr>
+              <a:t>my_name</a:t>
+            </a:r>
+            <a:r>
+              <a:t>):</a:t>
+            </a:r>
+          </a:p>
+          <a:p>
+            <a:pPr>
+              <a:defRPr sz="5400">
+                <a:latin typeface="Anonymous Pro for Powerline"/>
+                <a:ea typeface="Anonymous Pro for Powerline"/>
+                <a:cs typeface="Anonymous Pro for Powerline"/>
+                <a:sym typeface="Anonymous Pro for Powerline"/>
+              </a:defRPr>
+            </a:pPr>
+            <a:r>
+              <a:t>    answer = my_name + my_name</a:t>
+            </a:r>
+          </a:p>
+          <a:p>
+            <a:pPr>
+              <a:defRPr sz="5400">
+                <a:latin typeface="Anonymous Pro for Powerline"/>
+                <a:ea typeface="Anonymous Pro for Powerline"/>
+                <a:cs typeface="Anonymous Pro for Powerline"/>
+                <a:sym typeface="Anonymous Pro for Powerline"/>
+              </a:defRPr>
+            </a:pPr>
+            <a:r>
+              <a:t>    return answer</a:t>
+            </a:r>
+          </a:p>
+        </p:txBody>
+      </p:sp>
+      <p:sp>
+        <p:nvSpPr>
+          <p:cNvPr id="579" name="Shape 579"/>
+          <p:cNvSpPr/>
+          <p:nvPr/>
+        </p:nvSpPr>
+        <p:spPr>
+          <a:xfrm rot="19262772">
+            <a:off x="3341633" y="5027739"/>
+            <a:ext cx="2933304" cy="518251"/>
+          </a:xfrm>
+          <a:prstGeom prst="rightArrow">
+            <a:avLst>
+              <a:gd name="adj1" fmla="val 34174"/>
+              <a:gd name="adj2" fmla="val 145948"/>
+            </a:avLst>
+          </a:prstGeom>
+          <a:solidFill>
+            <a:schemeClr val="accent5"/>
+          </a:solidFill>
+          <a:ln w="12700">
+            <a:miter lim="400000"/>
+          </a:ln>
+        </p:spPr>
+        <p:txBody>
+          <a:bodyPr lIns="50800" tIns="50800" rIns="50800" bIns="50800" anchor="ctr"/>
+          <a:lstStyle/>
+          <a:p>
+            <a:pPr algn="ctr">
+              <a:lnSpc>
+                <a:spcPct val="80000"/>
+              </a:lnSpc>
+              <a:spcBef>
+                <a:spcPts val="0"/>
+              </a:spcBef>
+              <a:defRPr cap="all" sz="2800">
+                <a:solidFill>
+                  <a:srgbClr val="FFFFFF"/>
+                </a:solidFill>
+                <a:latin typeface="+mn-lt"/>
+                <a:ea typeface="+mn-ea"/>
+                <a:cs typeface="+mn-cs"/>
+                <a:sym typeface="DIN Condensed"/>
+              </a:defRPr>
+            </a:pPr>
+          </a:p>
+        </p:txBody>
+      </p:sp>
+      <p:sp>
+        <p:nvSpPr>
+          <p:cNvPr id="580" name="Shape 580"/>
+          <p:cNvSpPr/>
+          <p:nvPr/>
+        </p:nvSpPr>
+        <p:spPr>
+          <a:xfrm>
+            <a:off x="694604" y="6302681"/>
+            <a:ext cx="8171689" cy="1143001"/>
+          </a:xfrm>
+          <a:prstGeom prst="rect">
+            <a:avLst/>
+          </a:prstGeom>
+          <a:ln w="12700">
+            <a:miter lim="400000"/>
+          </a:ln>
+          <a:extLst>
+            <a:ext uri="{C572A759-6A51-4108-AA02-DFA0A04FC94B}">
+              <ma14:wrappingTextBoxFlag xmlns:ma14="http://schemas.microsoft.com/office/mac/drawingml/2011/main" val="1"/>
+            </a:ext>
+          </a:extLst>
+        </p:spPr>
+        <p:txBody>
+          <a:bodyPr wrap="none" lIns="50800" tIns="50800" rIns="50800" bIns="50800" anchor="ctr">
+            <a:spAutoFit/>
+          </a:bodyPr>
+          <a:lstStyle>
+            <a:lvl1pPr>
+              <a:defRPr sz="6000">
+                <a:solidFill>
+                  <a:schemeClr val="accent5"/>
+                </a:solidFill>
+              </a:defRPr>
             </a:lvl1pPr>
           </a:lstStyle>
           <a:p>
             <a:pPr/>
             <a:r>
-              <a:t>double(“Rob”)</a:t>
+              <a:t>arbitrary label for input</a:t>
             </a:r>
           </a:p>
         </p:txBody>
@@ -5919,7 +6051,7 @@
       </p:grpSpPr>
       <p:sp>
         <p:nvSpPr>
-          <p:cNvPr id="574" name="Shape 574"/>
+          <p:cNvPr id="582" name="Shape 582"/>
           <p:cNvSpPr/>
           <p:nvPr>
             <p:ph type="title"/>
@@ -5947,21 +6079,21 @@
           <a:p>
             <a:pPr/>
             <a:r>
-              <a:t>Calling A Function</a:t>
-            </a:r>
-          </a:p>
-        </p:txBody>
-      </p:sp>
-      <p:sp>
-        <p:nvSpPr>
-          <p:cNvPr id="575" name="Shape 575"/>
+              <a:t>Defining A Function</a:t>
+            </a:r>
+          </a:p>
+        </p:txBody>
+      </p:sp>
+      <p:sp>
+        <p:nvSpPr>
+          <p:cNvPr id="583" name="Shape 583"/>
           <p:cNvSpPr/>
           <p:nvPr/>
         </p:nvSpPr>
         <p:spPr>
           <a:xfrm>
-            <a:off x="495150" y="4413249"/>
-            <a:ext cx="11562527" cy="927101"/>
+            <a:off x="495150" y="3282950"/>
+            <a:ext cx="11562527" cy="3187701"/>
           </a:xfrm>
           <a:prstGeom prst="rect">
             <a:avLst/>
@@ -5979,34 +6111,66 @@
           <a:bodyPr lIns="50800" tIns="50800" rIns="50800" bIns="50800" anchor="ctr">
             <a:spAutoFit/>
           </a:bodyPr>
-          <a:lstStyle>
-            <a:lvl1pPr>
+          <a:lstStyle/>
+          <a:p>
+            <a:pPr>
               <a:defRPr sz="5400">
                 <a:latin typeface="Anonymous Pro for Powerline"/>
                 <a:ea typeface="Anonymous Pro for Powerline"/>
                 <a:cs typeface="Anonymous Pro for Powerline"/>
                 <a:sym typeface="Anonymous Pro for Powerline"/>
               </a:defRPr>
-            </a:lvl1pPr>
-          </a:lstStyle>
-          <a:p>
-            <a:pPr/>
-            <a:r>
-              <a:t>double(“Rob”)</a:t>
-            </a:r>
-          </a:p>
-        </p:txBody>
-      </p:sp>
-      <p:sp>
-        <p:nvSpPr>
-          <p:cNvPr id="576" name="Shape 576"/>
+            </a:pPr>
+            <a:r>
+              <a:t>def double(my_name)</a:t>
+            </a:r>
+            <a:r>
+              <a:rPr>
+                <a:solidFill>
+                  <a:schemeClr val="accent3"/>
+                </a:solidFill>
+              </a:rPr>
+              <a:t>:</a:t>
+            </a:r>
+          </a:p>
+          <a:p>
+            <a:pPr>
+              <a:defRPr sz="5400">
+                <a:latin typeface="Anonymous Pro for Powerline"/>
+                <a:ea typeface="Anonymous Pro for Powerline"/>
+                <a:cs typeface="Anonymous Pro for Powerline"/>
+                <a:sym typeface="Anonymous Pro for Powerline"/>
+              </a:defRPr>
+            </a:pPr>
+            <a:r>
+              <a:t>    answer = my_name + my_name</a:t>
+            </a:r>
+          </a:p>
+          <a:p>
+            <a:pPr>
+              <a:defRPr sz="5400">
+                <a:latin typeface="Anonymous Pro for Powerline"/>
+                <a:ea typeface="Anonymous Pro for Powerline"/>
+                <a:cs typeface="Anonymous Pro for Powerline"/>
+                <a:sym typeface="Anonymous Pro for Powerline"/>
+              </a:defRPr>
+            </a:pPr>
+            <a:r>
+              <a:t>    return answer</a:t>
+            </a:r>
+          </a:p>
+        </p:txBody>
+      </p:sp>
+      <p:sp>
+        <p:nvSpPr>
+          <p:cNvPr id="584" name="Shape 584"/>
           <p:cNvSpPr/>
           <p:nvPr/>
         </p:nvSpPr>
         <p:spPr>
-          <a:xfrm rot="13500000">
-            <a:off x="2473624" y="6203699"/>
-            <a:ext cx="2933304" cy="518251"/>
+          <a:xfrm rot="8773757">
+            <a:off x="8032305" y="2856737"/>
+            <a:ext cx="2208633" cy="518252"/>
           </a:xfrm>
           <a:prstGeom prst="rightArrow">
             <a:avLst>
@@ -6047,14 +6211,14 @@
       </p:sp>
       <p:sp>
         <p:nvSpPr>
-          <p:cNvPr id="577" name="Shape 577"/>
+          <p:cNvPr id="585" name="Shape 585"/>
           <p:cNvSpPr/>
           <p:nvPr/>
         </p:nvSpPr>
         <p:spPr>
           <a:xfrm>
-            <a:off x="5128058" y="7149299"/>
-            <a:ext cx="3260599" cy="1143001"/>
+            <a:off x="10194863" y="1549830"/>
+            <a:ext cx="2061973" cy="1143001"/>
           </a:xfrm>
           <a:prstGeom prst="rect">
             <a:avLst/>
@@ -6084,7 +6248,7 @@
           <a:p>
             <a:pPr/>
             <a:r>
-              <a:t>no space</a:t>
+              <a:t>colon</a:t>
             </a:r>
           </a:p>
         </p:txBody>
@@ -6117,7 +6281,7 @@
       </p:grpSpPr>
       <p:sp>
         <p:nvSpPr>
-          <p:cNvPr id="579" name="Shape 579"/>
+          <p:cNvPr id="587" name="Shape 587"/>
           <p:cNvSpPr/>
           <p:nvPr>
             <p:ph type="title"/>
@@ -6145,21 +6309,21 @@
           <a:p>
             <a:pPr/>
             <a:r>
-              <a:t>Calling A Function</a:t>
-            </a:r>
-          </a:p>
-        </p:txBody>
-      </p:sp>
-      <p:sp>
-        <p:nvSpPr>
-          <p:cNvPr id="580" name="Shape 580"/>
+              <a:t>Defining A Function</a:t>
+            </a:r>
+          </a:p>
+        </p:txBody>
+      </p:sp>
+      <p:sp>
+        <p:nvSpPr>
+          <p:cNvPr id="588" name="Shape 588"/>
           <p:cNvSpPr/>
           <p:nvPr/>
         </p:nvSpPr>
         <p:spPr>
           <a:xfrm>
-            <a:off x="495150" y="4413249"/>
-            <a:ext cx="11562527" cy="927101"/>
+            <a:off x="495150" y="3282950"/>
+            <a:ext cx="11562527" cy="3187701"/>
           </a:xfrm>
           <a:prstGeom prst="rect">
             <a:avLst/>
@@ -6177,112 +6341,52 @@
           <a:bodyPr lIns="50800" tIns="50800" rIns="50800" bIns="50800" anchor="ctr">
             <a:spAutoFit/>
           </a:bodyPr>
-          <a:lstStyle>
-            <a:lvl1pPr>
+          <a:lstStyle/>
+          <a:p>
+            <a:pPr>
               <a:defRPr sz="5400">
                 <a:latin typeface="Anonymous Pro for Powerline"/>
                 <a:ea typeface="Anonymous Pro for Powerline"/>
                 <a:cs typeface="Anonymous Pro for Powerline"/>
                 <a:sym typeface="Anonymous Pro for Powerline"/>
               </a:defRPr>
-            </a:lvl1pPr>
-          </a:lstStyle>
-          <a:p>
-            <a:pPr/>
-            <a:r>
-              <a:t>double(“Rob”)</a:t>
-            </a:r>
-          </a:p>
-        </p:txBody>
-      </p:sp>
-      <p:sp>
-        <p:nvSpPr>
-          <p:cNvPr id="581" name="Shape 581"/>
-          <p:cNvSpPr/>
-          <p:nvPr/>
-        </p:nvSpPr>
-        <p:spPr>
-          <a:xfrm rot="21591301">
-            <a:off x="686250" y="6138653"/>
-            <a:ext cx="1620784" cy="518252"/>
-          </a:xfrm>
-          <a:prstGeom prst="rightArrow">
-            <a:avLst>
-              <a:gd name="adj1" fmla="val 34174"/>
-              <a:gd name="adj2" fmla="val 145948"/>
-            </a:avLst>
-          </a:prstGeom>
-          <a:solidFill>
-            <a:schemeClr val="accent5"/>
-          </a:solidFill>
-          <a:ln w="12700">
-            <a:miter lim="400000"/>
-          </a:ln>
-        </p:spPr>
-        <p:txBody>
-          <a:bodyPr lIns="50800" tIns="50800" rIns="50800" bIns="50800" anchor="ctr"/>
-          <a:lstStyle/>
-          <a:p>
-            <a:pPr algn="ctr">
-              <a:lnSpc>
-                <a:spcPct val="80000"/>
-              </a:lnSpc>
-              <a:spcBef>
-                <a:spcPts val="0"/>
-              </a:spcBef>
-              <a:defRPr cap="all" sz="2800">
-                <a:solidFill>
-                  <a:srgbClr val="FFFFFF"/>
-                </a:solidFill>
-                <a:latin typeface="+mn-lt"/>
-                <a:ea typeface="+mn-ea"/>
-                <a:cs typeface="+mn-cs"/>
-                <a:sym typeface="DIN Condensed"/>
+            </a:pPr>
+            <a:r>
+              <a:t>def double(my_name):</a:t>
+            </a:r>
+          </a:p>
+          <a:p>
+            <a:pPr>
+              <a:defRPr sz="5400">
+                <a:latin typeface="Anonymous Pro for Powerline"/>
+                <a:ea typeface="Anonymous Pro for Powerline"/>
+                <a:cs typeface="Anonymous Pro for Powerline"/>
+                <a:sym typeface="Anonymous Pro for Powerline"/>
               </a:defRPr>
             </a:pPr>
-          </a:p>
-        </p:txBody>
-      </p:sp>
-      <p:sp>
-        <p:nvSpPr>
-          <p:cNvPr id="582" name="Shape 582"/>
-          <p:cNvSpPr/>
-          <p:nvPr/>
-        </p:nvSpPr>
-        <p:spPr>
-          <a:xfrm>
-            <a:off x="2506543" y="5826142"/>
-            <a:ext cx="3579877" cy="1143001"/>
-          </a:xfrm>
-          <a:prstGeom prst="rect">
-            <a:avLst/>
-          </a:prstGeom>
-          <a:ln w="12700">
-            <a:miter lim="400000"/>
-          </a:ln>
-          <a:extLst>
-            <a:ext uri="{C572A759-6A51-4108-AA02-DFA0A04FC94B}">
-              <ma14:wrappingTextBoxFlag xmlns:ma14="http://schemas.microsoft.com/office/mac/drawingml/2011/main" val="1"/>
-            </a:ext>
-          </a:extLst>
-        </p:spPr>
-        <p:txBody>
-          <a:bodyPr wrap="none" lIns="50800" tIns="50800" rIns="50800" bIns="50800" anchor="ctr">
-            <a:spAutoFit/>
-          </a:bodyPr>
-          <a:lstStyle>
-            <a:lvl1pPr>
-              <a:defRPr sz="6000">
+            <a:r>
+              <a:t>    </a:t>
+            </a:r>
+            <a:r>
+              <a:rPr>
                 <a:solidFill>
-                  <a:schemeClr val="accent5"/>
+                  <a:schemeClr val="accent3"/>
                 </a:solidFill>
+              </a:rPr>
+              <a:t>answer = my_name + my_name</a:t>
+            </a:r>
+          </a:p>
+          <a:p>
+            <a:pPr>
+              <a:defRPr sz="5400">
+                <a:latin typeface="Anonymous Pro for Powerline"/>
+                <a:ea typeface="Anonymous Pro for Powerline"/>
+                <a:cs typeface="Anonymous Pro for Powerline"/>
+                <a:sym typeface="Anonymous Pro for Powerline"/>
               </a:defRPr>
-            </a:lvl1pPr>
-          </a:lstStyle>
-          <a:p>
-            <a:pPr/>
-            <a:r>
-              <a:t>“RobRob”</a:t>
+            </a:pPr>
+            <a:r>
+              <a:t>    return answer</a:t>
             </a:r>
           </a:p>
         </p:txBody>
@@ -6315,7 +6419,880 @@
       </p:grpSpPr>
       <p:sp>
         <p:nvSpPr>
-          <p:cNvPr id="584" name="Shape 584"/>
+          <p:cNvPr id="590" name="Shape 590"/>
+          <p:cNvSpPr/>
+          <p:nvPr>
+            <p:ph type="title"/>
+          </p:nvPr>
+        </p:nvSpPr>
+        <p:spPr>
+          <a:xfrm>
+            <a:off x="406400" y="1536700"/>
+            <a:ext cx="12192000" cy="1169260"/>
+          </a:xfrm>
+          <a:prstGeom prst="rect">
+            <a:avLst/>
+          </a:prstGeom>
+        </p:spPr>
+        <p:txBody>
+          <a:bodyPr/>
+          <a:lstStyle>
+            <a:lvl1pPr defTabSz="403097">
+              <a:spcBef>
+                <a:spcPts val="1900"/>
+              </a:spcBef>
+              <a:defRPr sz="8280"/>
+            </a:lvl1pPr>
+          </a:lstStyle>
+          <a:p>
+            <a:pPr/>
+            <a:r>
+              <a:t>Defining A Function</a:t>
+            </a:r>
+          </a:p>
+        </p:txBody>
+      </p:sp>
+      <p:sp>
+        <p:nvSpPr>
+          <p:cNvPr id="591" name="Shape 591"/>
+          <p:cNvSpPr/>
+          <p:nvPr/>
+        </p:nvSpPr>
+        <p:spPr>
+          <a:xfrm>
+            <a:off x="495150" y="3282950"/>
+            <a:ext cx="11562527" cy="3187701"/>
+          </a:xfrm>
+          <a:prstGeom prst="rect">
+            <a:avLst/>
+          </a:prstGeom>
+          <a:ln w="12700">
+            <a:miter lim="400000"/>
+          </a:ln>
+          <a:extLst>
+            <a:ext uri="{C572A759-6A51-4108-AA02-DFA0A04FC94B}">
+              <ma14:wrappingTextBoxFlag xmlns:ma14="http://schemas.microsoft.com/office/mac/drawingml/2011/main" val="1"/>
+            </a:ext>
+          </a:extLst>
+        </p:spPr>
+        <p:txBody>
+          <a:bodyPr lIns="50800" tIns="50800" rIns="50800" bIns="50800" anchor="ctr">
+            <a:spAutoFit/>
+          </a:bodyPr>
+          <a:lstStyle/>
+          <a:p>
+            <a:pPr>
+              <a:defRPr sz="5400">
+                <a:latin typeface="Anonymous Pro for Powerline"/>
+                <a:ea typeface="Anonymous Pro for Powerline"/>
+                <a:cs typeface="Anonymous Pro for Powerline"/>
+                <a:sym typeface="Anonymous Pro for Powerline"/>
+              </a:defRPr>
+            </a:pPr>
+            <a:r>
+              <a:t>def double(my_name):</a:t>
+            </a:r>
+          </a:p>
+          <a:p>
+            <a:pPr>
+              <a:defRPr sz="5400">
+                <a:latin typeface="Anonymous Pro for Powerline"/>
+                <a:ea typeface="Anonymous Pro for Powerline"/>
+                <a:cs typeface="Anonymous Pro for Powerline"/>
+                <a:sym typeface="Anonymous Pro for Powerline"/>
+              </a:defRPr>
+            </a:pPr>
+            <a:r>
+              <a:t>    </a:t>
+            </a:r>
+            <a:r>
+              <a:rPr>
+                <a:solidFill>
+                  <a:schemeClr val="accent3"/>
+                </a:solidFill>
+              </a:rPr>
+              <a:t>answer = my_name + my_name</a:t>
+            </a:r>
+          </a:p>
+          <a:p>
+            <a:pPr>
+              <a:defRPr sz="5400">
+                <a:latin typeface="Anonymous Pro for Powerline"/>
+                <a:ea typeface="Anonymous Pro for Powerline"/>
+                <a:cs typeface="Anonymous Pro for Powerline"/>
+                <a:sym typeface="Anonymous Pro for Powerline"/>
+              </a:defRPr>
+            </a:pPr>
+            <a:r>
+              <a:t>    return answer</a:t>
+            </a:r>
+          </a:p>
+        </p:txBody>
+      </p:sp>
+      <p:sp>
+        <p:nvSpPr>
+          <p:cNvPr id="592" name="Shape 592"/>
+          <p:cNvSpPr/>
+          <p:nvPr/>
+        </p:nvSpPr>
+        <p:spPr>
+          <a:xfrm rot="13500000">
+            <a:off x="1586933" y="6735713"/>
+            <a:ext cx="2933305" cy="518251"/>
+          </a:xfrm>
+          <a:prstGeom prst="rightArrow">
+            <a:avLst>
+              <a:gd name="adj1" fmla="val 34174"/>
+              <a:gd name="adj2" fmla="val 145948"/>
+            </a:avLst>
+          </a:prstGeom>
+          <a:solidFill>
+            <a:schemeClr val="accent5"/>
+          </a:solidFill>
+          <a:ln w="12700">
+            <a:miter lim="400000"/>
+          </a:ln>
+        </p:spPr>
+        <p:txBody>
+          <a:bodyPr lIns="50800" tIns="50800" rIns="50800" bIns="50800" anchor="ctr"/>
+          <a:lstStyle/>
+          <a:p>
+            <a:pPr algn="ctr">
+              <a:lnSpc>
+                <a:spcPct val="80000"/>
+              </a:lnSpc>
+              <a:spcBef>
+                <a:spcPts val="0"/>
+              </a:spcBef>
+              <a:defRPr cap="all" sz="2800">
+                <a:solidFill>
+                  <a:srgbClr val="FFFFFF"/>
+                </a:solidFill>
+                <a:latin typeface="+mn-lt"/>
+                <a:ea typeface="+mn-ea"/>
+                <a:cs typeface="+mn-cs"/>
+                <a:sym typeface="DIN Condensed"/>
+              </a:defRPr>
+            </a:pPr>
+          </a:p>
+        </p:txBody>
+      </p:sp>
+      <p:sp>
+        <p:nvSpPr>
+          <p:cNvPr id="593" name="Shape 593"/>
+          <p:cNvSpPr/>
+          <p:nvPr/>
+        </p:nvSpPr>
+        <p:spPr>
+          <a:xfrm>
+            <a:off x="4241367" y="7681314"/>
+            <a:ext cx="5406391" cy="1143001"/>
+          </a:xfrm>
+          <a:prstGeom prst="rect">
+            <a:avLst/>
+          </a:prstGeom>
+          <a:ln w="12700">
+            <a:miter lim="400000"/>
+          </a:ln>
+          <a:extLst>
+            <a:ext uri="{C572A759-6A51-4108-AA02-DFA0A04FC94B}">
+              <ma14:wrappingTextBoxFlag xmlns:ma14="http://schemas.microsoft.com/office/mac/drawingml/2011/main" val="1"/>
+            </a:ext>
+          </a:extLst>
+        </p:spPr>
+        <p:txBody>
+          <a:bodyPr wrap="none" lIns="50800" tIns="50800" rIns="50800" bIns="50800" anchor="ctr">
+            <a:spAutoFit/>
+          </a:bodyPr>
+          <a:lstStyle>
+            <a:lvl1pPr>
+              <a:defRPr sz="6000">
+                <a:solidFill>
+                  <a:schemeClr val="accent5"/>
+                </a:solidFill>
+              </a:defRPr>
+            </a:lvl1pPr>
+          </a:lstStyle>
+          <a:p>
+            <a:pPr/>
+            <a:r>
+              <a:t>indented block</a:t>
+            </a:r>
+          </a:p>
+        </p:txBody>
+      </p:sp>
+    </p:spTree>
+  </p:cSld>
+  <p:clrMapOvr>
+    <a:masterClrMapping/>
+  </p:clrMapOvr>
+  <p:transition xmlns:p14="http://schemas.microsoft.com/office/powerpoint/2010/main" spd="med" advClick="1"/>
+</p:sld>
+</file>
+
+<file path=ppt/slides/slide105.xml><?xml version="1.0" encoding="utf-8"?>
+<p:sld xmlns:a="http://schemas.openxmlformats.org/drawingml/2006/main" xmlns:r="http://schemas.openxmlformats.org/officeDocument/2006/relationships" xmlns:p="http://schemas.openxmlformats.org/presentationml/2006/main" showMasterSp="1" showMasterPhAnim="1">
+  <p:cSld>
+    <p:spTree>
+      <p:nvGrpSpPr>
+        <p:cNvPr id="1" name=""/>
+        <p:cNvGrpSpPr/>
+        <p:nvPr/>
+      </p:nvGrpSpPr>
+      <p:grpSpPr>
+        <a:xfrm>
+          <a:off x="0" y="0"/>
+          <a:ext cx="0" cy="0"/>
+          <a:chOff x="0" y="0"/>
+          <a:chExt cx="0" cy="0"/>
+        </a:xfrm>
+      </p:grpSpPr>
+      <p:sp>
+        <p:nvSpPr>
+          <p:cNvPr id="595" name="Shape 595"/>
+          <p:cNvSpPr/>
+          <p:nvPr>
+            <p:ph type="title"/>
+          </p:nvPr>
+        </p:nvSpPr>
+        <p:spPr>
+          <a:xfrm>
+            <a:off x="406400" y="1536700"/>
+            <a:ext cx="12192000" cy="1169260"/>
+          </a:xfrm>
+          <a:prstGeom prst="rect">
+            <a:avLst/>
+          </a:prstGeom>
+        </p:spPr>
+        <p:txBody>
+          <a:bodyPr/>
+          <a:lstStyle>
+            <a:lvl1pPr defTabSz="403097">
+              <a:spcBef>
+                <a:spcPts val="1900"/>
+              </a:spcBef>
+              <a:defRPr sz="8280"/>
+            </a:lvl1pPr>
+          </a:lstStyle>
+          <a:p>
+            <a:pPr/>
+            <a:r>
+              <a:t>Defining A Function</a:t>
+            </a:r>
+          </a:p>
+        </p:txBody>
+      </p:sp>
+      <p:sp>
+        <p:nvSpPr>
+          <p:cNvPr id="596" name="Shape 596"/>
+          <p:cNvSpPr/>
+          <p:nvPr/>
+        </p:nvSpPr>
+        <p:spPr>
+          <a:xfrm>
+            <a:off x="495150" y="3282950"/>
+            <a:ext cx="11562527" cy="3187701"/>
+          </a:xfrm>
+          <a:prstGeom prst="rect">
+            <a:avLst/>
+          </a:prstGeom>
+          <a:ln w="12700">
+            <a:miter lim="400000"/>
+          </a:ln>
+          <a:extLst>
+            <a:ext uri="{C572A759-6A51-4108-AA02-DFA0A04FC94B}">
+              <ma14:wrappingTextBoxFlag xmlns:ma14="http://schemas.microsoft.com/office/mac/drawingml/2011/main" val="1"/>
+            </a:ext>
+          </a:extLst>
+        </p:spPr>
+        <p:txBody>
+          <a:bodyPr lIns="50800" tIns="50800" rIns="50800" bIns="50800" anchor="ctr">
+            <a:spAutoFit/>
+          </a:bodyPr>
+          <a:lstStyle/>
+          <a:p>
+            <a:pPr>
+              <a:defRPr sz="5400">
+                <a:latin typeface="Anonymous Pro for Powerline"/>
+                <a:ea typeface="Anonymous Pro for Powerline"/>
+                <a:cs typeface="Anonymous Pro for Powerline"/>
+                <a:sym typeface="Anonymous Pro for Powerline"/>
+              </a:defRPr>
+            </a:pPr>
+            <a:r>
+              <a:t>def double(my_name):</a:t>
+            </a:r>
+          </a:p>
+          <a:p>
+            <a:pPr>
+              <a:defRPr sz="5400">
+                <a:latin typeface="Anonymous Pro for Powerline"/>
+                <a:ea typeface="Anonymous Pro for Powerline"/>
+                <a:cs typeface="Anonymous Pro for Powerline"/>
+                <a:sym typeface="Anonymous Pro for Powerline"/>
+              </a:defRPr>
+            </a:pPr>
+            <a:r>
+              <a:t>    answer = my_name + my_name</a:t>
+            </a:r>
+          </a:p>
+          <a:p>
+            <a:pPr>
+              <a:defRPr sz="5400">
+                <a:latin typeface="Anonymous Pro for Powerline"/>
+                <a:ea typeface="Anonymous Pro for Powerline"/>
+                <a:cs typeface="Anonymous Pro for Powerline"/>
+                <a:sym typeface="Anonymous Pro for Powerline"/>
+              </a:defRPr>
+            </a:pPr>
+            <a:r>
+              <a:t>    </a:t>
+            </a:r>
+            <a:r>
+              <a:rPr>
+                <a:solidFill>
+                  <a:schemeClr val="accent3"/>
+                </a:solidFill>
+              </a:rPr>
+              <a:t>return</a:t>
+            </a:r>
+            <a:r>
+              <a:t> answer</a:t>
+            </a:r>
+          </a:p>
+        </p:txBody>
+      </p:sp>
+    </p:spTree>
+  </p:cSld>
+  <p:clrMapOvr>
+    <a:masterClrMapping/>
+  </p:clrMapOvr>
+  <p:transition xmlns:p14="http://schemas.microsoft.com/office/powerpoint/2010/main" spd="med" advClick="1"/>
+</p:sld>
+</file>
+
+<file path=ppt/slides/slide106.xml><?xml version="1.0" encoding="utf-8"?>
+<p:sld xmlns:a="http://schemas.openxmlformats.org/drawingml/2006/main" xmlns:r="http://schemas.openxmlformats.org/officeDocument/2006/relationships" xmlns:p="http://schemas.openxmlformats.org/presentationml/2006/main" showMasterSp="1" showMasterPhAnim="1">
+  <p:cSld>
+    <p:spTree>
+      <p:nvGrpSpPr>
+        <p:cNvPr id="1" name=""/>
+        <p:cNvGrpSpPr/>
+        <p:nvPr/>
+      </p:nvGrpSpPr>
+      <p:grpSpPr>
+        <a:xfrm>
+          <a:off x="0" y="0"/>
+          <a:ext cx="0" cy="0"/>
+          <a:chOff x="0" y="0"/>
+          <a:chExt cx="0" cy="0"/>
+        </a:xfrm>
+      </p:grpSpPr>
+      <p:sp>
+        <p:nvSpPr>
+          <p:cNvPr id="598" name="Shape 598"/>
+          <p:cNvSpPr/>
+          <p:nvPr>
+            <p:ph type="title"/>
+          </p:nvPr>
+        </p:nvSpPr>
+        <p:spPr>
+          <a:xfrm>
+            <a:off x="406400" y="1536700"/>
+            <a:ext cx="12192000" cy="1169260"/>
+          </a:xfrm>
+          <a:prstGeom prst="rect">
+            <a:avLst/>
+          </a:prstGeom>
+        </p:spPr>
+        <p:txBody>
+          <a:bodyPr/>
+          <a:lstStyle>
+            <a:lvl1pPr defTabSz="403097">
+              <a:spcBef>
+                <a:spcPts val="1900"/>
+              </a:spcBef>
+              <a:defRPr sz="8280"/>
+            </a:lvl1pPr>
+          </a:lstStyle>
+          <a:p>
+            <a:pPr/>
+            <a:r>
+              <a:t>Calling A Function</a:t>
+            </a:r>
+          </a:p>
+        </p:txBody>
+      </p:sp>
+      <p:sp>
+        <p:nvSpPr>
+          <p:cNvPr id="599" name="Shape 599"/>
+          <p:cNvSpPr/>
+          <p:nvPr/>
+        </p:nvSpPr>
+        <p:spPr>
+          <a:xfrm>
+            <a:off x="495150" y="4413249"/>
+            <a:ext cx="11562527" cy="927101"/>
+          </a:xfrm>
+          <a:prstGeom prst="rect">
+            <a:avLst/>
+          </a:prstGeom>
+          <a:ln w="12700">
+            <a:miter lim="400000"/>
+          </a:ln>
+          <a:extLst>
+            <a:ext uri="{C572A759-6A51-4108-AA02-DFA0A04FC94B}">
+              <ma14:wrappingTextBoxFlag xmlns:ma14="http://schemas.microsoft.com/office/mac/drawingml/2011/main" val="1"/>
+            </a:ext>
+          </a:extLst>
+        </p:spPr>
+        <p:txBody>
+          <a:bodyPr lIns="50800" tIns="50800" rIns="50800" bIns="50800" anchor="ctr">
+            <a:spAutoFit/>
+          </a:bodyPr>
+          <a:lstStyle>
+            <a:lvl1pPr>
+              <a:defRPr sz="5400">
+                <a:latin typeface="Anonymous Pro for Powerline"/>
+                <a:ea typeface="Anonymous Pro for Powerline"/>
+                <a:cs typeface="Anonymous Pro for Powerline"/>
+                <a:sym typeface="Anonymous Pro for Powerline"/>
+              </a:defRPr>
+            </a:lvl1pPr>
+          </a:lstStyle>
+          <a:p>
+            <a:pPr/>
+            <a:r>
+              <a:t>double(“Rob”)</a:t>
+            </a:r>
+          </a:p>
+        </p:txBody>
+      </p:sp>
+    </p:spTree>
+  </p:cSld>
+  <p:clrMapOvr>
+    <a:masterClrMapping/>
+  </p:clrMapOvr>
+  <p:transition xmlns:p14="http://schemas.microsoft.com/office/powerpoint/2010/main" spd="med" advClick="1"/>
+</p:sld>
+</file>
+
+<file path=ppt/slides/slide107.xml><?xml version="1.0" encoding="utf-8"?>
+<p:sld xmlns:a="http://schemas.openxmlformats.org/drawingml/2006/main" xmlns:r="http://schemas.openxmlformats.org/officeDocument/2006/relationships" xmlns:p="http://schemas.openxmlformats.org/presentationml/2006/main" showMasterSp="1" showMasterPhAnim="1">
+  <p:cSld>
+    <p:spTree>
+      <p:nvGrpSpPr>
+        <p:cNvPr id="1" name=""/>
+        <p:cNvGrpSpPr/>
+        <p:nvPr/>
+      </p:nvGrpSpPr>
+      <p:grpSpPr>
+        <a:xfrm>
+          <a:off x="0" y="0"/>
+          <a:ext cx="0" cy="0"/>
+          <a:chOff x="0" y="0"/>
+          <a:chExt cx="0" cy="0"/>
+        </a:xfrm>
+      </p:grpSpPr>
+      <p:sp>
+        <p:nvSpPr>
+          <p:cNvPr id="601" name="Shape 601"/>
+          <p:cNvSpPr/>
+          <p:nvPr>
+            <p:ph type="title"/>
+          </p:nvPr>
+        </p:nvSpPr>
+        <p:spPr>
+          <a:xfrm>
+            <a:off x="406400" y="1536700"/>
+            <a:ext cx="12192000" cy="1169260"/>
+          </a:xfrm>
+          <a:prstGeom prst="rect">
+            <a:avLst/>
+          </a:prstGeom>
+        </p:spPr>
+        <p:txBody>
+          <a:bodyPr/>
+          <a:lstStyle>
+            <a:lvl1pPr defTabSz="403097">
+              <a:spcBef>
+                <a:spcPts val="1900"/>
+              </a:spcBef>
+              <a:defRPr sz="8280"/>
+            </a:lvl1pPr>
+          </a:lstStyle>
+          <a:p>
+            <a:pPr/>
+            <a:r>
+              <a:t>Calling A Function</a:t>
+            </a:r>
+          </a:p>
+        </p:txBody>
+      </p:sp>
+      <p:sp>
+        <p:nvSpPr>
+          <p:cNvPr id="602" name="Shape 602"/>
+          <p:cNvSpPr/>
+          <p:nvPr/>
+        </p:nvSpPr>
+        <p:spPr>
+          <a:xfrm>
+            <a:off x="495150" y="4413249"/>
+            <a:ext cx="11562527" cy="927101"/>
+          </a:xfrm>
+          <a:prstGeom prst="rect">
+            <a:avLst/>
+          </a:prstGeom>
+          <a:ln w="12700">
+            <a:miter lim="400000"/>
+          </a:ln>
+          <a:extLst>
+            <a:ext uri="{C572A759-6A51-4108-AA02-DFA0A04FC94B}">
+              <ma14:wrappingTextBoxFlag xmlns:ma14="http://schemas.microsoft.com/office/mac/drawingml/2011/main" val="1"/>
+            </a:ext>
+          </a:extLst>
+        </p:spPr>
+        <p:txBody>
+          <a:bodyPr lIns="50800" tIns="50800" rIns="50800" bIns="50800" anchor="ctr">
+            <a:spAutoFit/>
+          </a:bodyPr>
+          <a:lstStyle>
+            <a:lvl1pPr>
+              <a:defRPr sz="5400">
+                <a:latin typeface="Anonymous Pro for Powerline"/>
+                <a:ea typeface="Anonymous Pro for Powerline"/>
+                <a:cs typeface="Anonymous Pro for Powerline"/>
+                <a:sym typeface="Anonymous Pro for Powerline"/>
+              </a:defRPr>
+            </a:lvl1pPr>
+          </a:lstStyle>
+          <a:p>
+            <a:pPr/>
+            <a:r>
+              <a:t>double(“Rob”)</a:t>
+            </a:r>
+          </a:p>
+        </p:txBody>
+      </p:sp>
+      <p:sp>
+        <p:nvSpPr>
+          <p:cNvPr id="603" name="Shape 603"/>
+          <p:cNvSpPr/>
+          <p:nvPr/>
+        </p:nvSpPr>
+        <p:spPr>
+          <a:xfrm rot="13500000">
+            <a:off x="2473624" y="6203699"/>
+            <a:ext cx="2933304" cy="518251"/>
+          </a:xfrm>
+          <a:prstGeom prst="rightArrow">
+            <a:avLst>
+              <a:gd name="adj1" fmla="val 34174"/>
+              <a:gd name="adj2" fmla="val 145948"/>
+            </a:avLst>
+          </a:prstGeom>
+          <a:solidFill>
+            <a:schemeClr val="accent5"/>
+          </a:solidFill>
+          <a:ln w="12700">
+            <a:miter lim="400000"/>
+          </a:ln>
+        </p:spPr>
+        <p:txBody>
+          <a:bodyPr lIns="50800" tIns="50800" rIns="50800" bIns="50800" anchor="ctr"/>
+          <a:lstStyle/>
+          <a:p>
+            <a:pPr algn="ctr">
+              <a:lnSpc>
+                <a:spcPct val="80000"/>
+              </a:lnSpc>
+              <a:spcBef>
+                <a:spcPts val="0"/>
+              </a:spcBef>
+              <a:defRPr cap="all" sz="2800">
+                <a:solidFill>
+                  <a:srgbClr val="FFFFFF"/>
+                </a:solidFill>
+                <a:latin typeface="+mn-lt"/>
+                <a:ea typeface="+mn-ea"/>
+                <a:cs typeface="+mn-cs"/>
+                <a:sym typeface="DIN Condensed"/>
+              </a:defRPr>
+            </a:pPr>
+          </a:p>
+        </p:txBody>
+      </p:sp>
+      <p:sp>
+        <p:nvSpPr>
+          <p:cNvPr id="604" name="Shape 604"/>
+          <p:cNvSpPr/>
+          <p:nvPr/>
+        </p:nvSpPr>
+        <p:spPr>
+          <a:xfrm>
+            <a:off x="5128058" y="7149299"/>
+            <a:ext cx="3260599" cy="1143001"/>
+          </a:xfrm>
+          <a:prstGeom prst="rect">
+            <a:avLst/>
+          </a:prstGeom>
+          <a:ln w="12700">
+            <a:miter lim="400000"/>
+          </a:ln>
+          <a:extLst>
+            <a:ext uri="{C572A759-6A51-4108-AA02-DFA0A04FC94B}">
+              <ma14:wrappingTextBoxFlag xmlns:ma14="http://schemas.microsoft.com/office/mac/drawingml/2011/main" val="1"/>
+            </a:ext>
+          </a:extLst>
+        </p:spPr>
+        <p:txBody>
+          <a:bodyPr wrap="none" lIns="50800" tIns="50800" rIns="50800" bIns="50800" anchor="ctr">
+            <a:spAutoFit/>
+          </a:bodyPr>
+          <a:lstStyle>
+            <a:lvl1pPr>
+              <a:defRPr sz="6000">
+                <a:solidFill>
+                  <a:schemeClr val="accent5"/>
+                </a:solidFill>
+              </a:defRPr>
+            </a:lvl1pPr>
+          </a:lstStyle>
+          <a:p>
+            <a:pPr/>
+            <a:r>
+              <a:t>no space</a:t>
+            </a:r>
+          </a:p>
+        </p:txBody>
+      </p:sp>
+    </p:spTree>
+  </p:cSld>
+  <p:clrMapOvr>
+    <a:masterClrMapping/>
+  </p:clrMapOvr>
+  <p:transition xmlns:p14="http://schemas.microsoft.com/office/powerpoint/2010/main" spd="med" advClick="1"/>
+</p:sld>
+</file>
+
+<file path=ppt/slides/slide108.xml><?xml version="1.0" encoding="utf-8"?>
+<p:sld xmlns:a="http://schemas.openxmlformats.org/drawingml/2006/main" xmlns:r="http://schemas.openxmlformats.org/officeDocument/2006/relationships" xmlns:p="http://schemas.openxmlformats.org/presentationml/2006/main" showMasterSp="1" showMasterPhAnim="1">
+  <p:cSld>
+    <p:spTree>
+      <p:nvGrpSpPr>
+        <p:cNvPr id="1" name=""/>
+        <p:cNvGrpSpPr/>
+        <p:nvPr/>
+      </p:nvGrpSpPr>
+      <p:grpSpPr>
+        <a:xfrm>
+          <a:off x="0" y="0"/>
+          <a:ext cx="0" cy="0"/>
+          <a:chOff x="0" y="0"/>
+          <a:chExt cx="0" cy="0"/>
+        </a:xfrm>
+      </p:grpSpPr>
+      <p:sp>
+        <p:nvSpPr>
+          <p:cNvPr id="606" name="Shape 606"/>
+          <p:cNvSpPr/>
+          <p:nvPr>
+            <p:ph type="title"/>
+          </p:nvPr>
+        </p:nvSpPr>
+        <p:spPr>
+          <a:xfrm>
+            <a:off x="406400" y="1536700"/>
+            <a:ext cx="12192000" cy="1169260"/>
+          </a:xfrm>
+          <a:prstGeom prst="rect">
+            <a:avLst/>
+          </a:prstGeom>
+        </p:spPr>
+        <p:txBody>
+          <a:bodyPr/>
+          <a:lstStyle>
+            <a:lvl1pPr defTabSz="403097">
+              <a:spcBef>
+                <a:spcPts val="1900"/>
+              </a:spcBef>
+              <a:defRPr sz="8280"/>
+            </a:lvl1pPr>
+          </a:lstStyle>
+          <a:p>
+            <a:pPr/>
+            <a:r>
+              <a:t>Calling A Function</a:t>
+            </a:r>
+          </a:p>
+        </p:txBody>
+      </p:sp>
+      <p:sp>
+        <p:nvSpPr>
+          <p:cNvPr id="607" name="Shape 607"/>
+          <p:cNvSpPr/>
+          <p:nvPr/>
+        </p:nvSpPr>
+        <p:spPr>
+          <a:xfrm>
+            <a:off x="495150" y="4413249"/>
+            <a:ext cx="11562527" cy="927101"/>
+          </a:xfrm>
+          <a:prstGeom prst="rect">
+            <a:avLst/>
+          </a:prstGeom>
+          <a:ln w="12700">
+            <a:miter lim="400000"/>
+          </a:ln>
+          <a:extLst>
+            <a:ext uri="{C572A759-6A51-4108-AA02-DFA0A04FC94B}">
+              <ma14:wrappingTextBoxFlag xmlns:ma14="http://schemas.microsoft.com/office/mac/drawingml/2011/main" val="1"/>
+            </a:ext>
+          </a:extLst>
+        </p:spPr>
+        <p:txBody>
+          <a:bodyPr lIns="50800" tIns="50800" rIns="50800" bIns="50800" anchor="ctr">
+            <a:spAutoFit/>
+          </a:bodyPr>
+          <a:lstStyle>
+            <a:lvl1pPr>
+              <a:defRPr sz="5400">
+                <a:latin typeface="Anonymous Pro for Powerline"/>
+                <a:ea typeface="Anonymous Pro for Powerline"/>
+                <a:cs typeface="Anonymous Pro for Powerline"/>
+                <a:sym typeface="Anonymous Pro for Powerline"/>
+              </a:defRPr>
+            </a:lvl1pPr>
+          </a:lstStyle>
+          <a:p>
+            <a:pPr/>
+            <a:r>
+              <a:t>double(“Rob”)</a:t>
+            </a:r>
+          </a:p>
+        </p:txBody>
+      </p:sp>
+      <p:sp>
+        <p:nvSpPr>
+          <p:cNvPr id="608" name="Shape 608"/>
+          <p:cNvSpPr/>
+          <p:nvPr/>
+        </p:nvSpPr>
+        <p:spPr>
+          <a:xfrm rot="21591301">
+            <a:off x="686250" y="6138653"/>
+            <a:ext cx="1620784" cy="518252"/>
+          </a:xfrm>
+          <a:prstGeom prst="rightArrow">
+            <a:avLst>
+              <a:gd name="adj1" fmla="val 34174"/>
+              <a:gd name="adj2" fmla="val 145948"/>
+            </a:avLst>
+          </a:prstGeom>
+          <a:solidFill>
+            <a:schemeClr val="accent5"/>
+          </a:solidFill>
+          <a:ln w="12700">
+            <a:miter lim="400000"/>
+          </a:ln>
+        </p:spPr>
+        <p:txBody>
+          <a:bodyPr lIns="50800" tIns="50800" rIns="50800" bIns="50800" anchor="ctr"/>
+          <a:lstStyle/>
+          <a:p>
+            <a:pPr algn="ctr">
+              <a:lnSpc>
+                <a:spcPct val="80000"/>
+              </a:lnSpc>
+              <a:spcBef>
+                <a:spcPts val="0"/>
+              </a:spcBef>
+              <a:defRPr cap="all" sz="2800">
+                <a:solidFill>
+                  <a:srgbClr val="FFFFFF"/>
+                </a:solidFill>
+                <a:latin typeface="+mn-lt"/>
+                <a:ea typeface="+mn-ea"/>
+                <a:cs typeface="+mn-cs"/>
+                <a:sym typeface="DIN Condensed"/>
+              </a:defRPr>
+            </a:pPr>
+          </a:p>
+        </p:txBody>
+      </p:sp>
+      <p:sp>
+        <p:nvSpPr>
+          <p:cNvPr id="609" name="Shape 609"/>
+          <p:cNvSpPr/>
+          <p:nvPr/>
+        </p:nvSpPr>
+        <p:spPr>
+          <a:xfrm>
+            <a:off x="2506543" y="5826142"/>
+            <a:ext cx="3579877" cy="1143001"/>
+          </a:xfrm>
+          <a:prstGeom prst="rect">
+            <a:avLst/>
+          </a:prstGeom>
+          <a:ln w="12700">
+            <a:miter lim="400000"/>
+          </a:ln>
+          <a:extLst>
+            <a:ext uri="{C572A759-6A51-4108-AA02-DFA0A04FC94B}">
+              <ma14:wrappingTextBoxFlag xmlns:ma14="http://schemas.microsoft.com/office/mac/drawingml/2011/main" val="1"/>
+            </a:ext>
+          </a:extLst>
+        </p:spPr>
+        <p:txBody>
+          <a:bodyPr wrap="none" lIns="50800" tIns="50800" rIns="50800" bIns="50800" anchor="ctr">
+            <a:spAutoFit/>
+          </a:bodyPr>
+          <a:lstStyle>
+            <a:lvl1pPr>
+              <a:defRPr sz="6000">
+                <a:solidFill>
+                  <a:schemeClr val="accent5"/>
+                </a:solidFill>
+              </a:defRPr>
+            </a:lvl1pPr>
+          </a:lstStyle>
+          <a:p>
+            <a:pPr/>
+            <a:r>
+              <a:t>“RobRob”</a:t>
+            </a:r>
+          </a:p>
+        </p:txBody>
+      </p:sp>
+    </p:spTree>
+  </p:cSld>
+  <p:clrMapOvr>
+    <a:masterClrMapping/>
+  </p:clrMapOvr>
+  <p:transition xmlns:p14="http://schemas.microsoft.com/office/powerpoint/2010/main" spd="med" advClick="1"/>
+</p:sld>
+</file>
+
+<file path=ppt/slides/slide109.xml><?xml version="1.0" encoding="utf-8"?>
+<p:sld xmlns:a="http://schemas.openxmlformats.org/drawingml/2006/main" xmlns:r="http://schemas.openxmlformats.org/officeDocument/2006/relationships" xmlns:p="http://schemas.openxmlformats.org/presentationml/2006/main" showMasterSp="1" showMasterPhAnim="1">
+  <p:cSld>
+    <p:spTree>
+      <p:nvGrpSpPr>
+        <p:cNvPr id="1" name=""/>
+        <p:cNvGrpSpPr/>
+        <p:nvPr/>
+      </p:nvGrpSpPr>
+      <p:grpSpPr>
+        <a:xfrm>
+          <a:off x="0" y="0"/>
+          <a:ext cx="0" cy="0"/>
+          <a:chOff x="0" y="0"/>
+          <a:chExt cx="0" cy="0"/>
+        </a:xfrm>
+      </p:grpSpPr>
+      <p:sp>
+        <p:nvSpPr>
+          <p:cNvPr id="611" name="Shape 611"/>
           <p:cNvSpPr/>
           <p:nvPr>
             <p:ph type="title"/>
@@ -19117,7 +20094,7 @@
         <p:spPr>
           <a:xfrm>
             <a:off x="406400" y="1536700"/>
-            <a:ext cx="12192000" cy="1367235"/>
+            <a:ext cx="12192000" cy="999530"/>
           </a:xfrm>
           <a:prstGeom prst="rect">
             <a:avLst/>
@@ -19133,7 +20110,7 @@
           <a:p>
             <a:pPr/>
             <a:r>
-              <a:t>Concepts covered so Far</a:t>
+              <a:t>Values: What kinds ARE THERE?</a:t>
             </a:r>
           </a:p>
         </p:txBody>
@@ -19148,8 +20125,8 @@
         </p:nvSpPr>
         <p:spPr>
           <a:xfrm>
-            <a:off x="406400" y="2929466"/>
-            <a:ext cx="12192000" cy="6108701"/>
+            <a:off x="647700" y="3066806"/>
+            <a:ext cx="11493038" cy="5109040"/>
           </a:xfrm>
           <a:prstGeom prst="rect">
             <a:avLst/>
@@ -19159,27 +20136,27 @@
           <a:bodyPr/>
           <a:lstStyle/>
           <a:p>
-            <a:pPr marL="444500" indent="-444500">
-              <a:defRPr sz="4800"/>
+            <a:pPr>
+              <a:defRPr sz="5400"/>
             </a:pPr>
             <a:r>
-              <a:t>Print statement</a:t>
-            </a:r>
-          </a:p>
-          <a:p>
-            <a:pPr marL="444500" indent="-444500">
-              <a:defRPr sz="4800"/>
+              <a:t>Int</a:t>
+            </a:r>
+          </a:p>
+          <a:p>
+            <a:pPr>
+              <a:defRPr sz="5400"/>
             </a:pPr>
             <a:r>
-              <a:t>Function</a:t>
-            </a:r>
-          </a:p>
-          <a:p>
-            <a:pPr marL="444500" indent="-444500">
-              <a:defRPr sz="4800"/>
+              <a:t>Float</a:t>
+            </a:r>
+          </a:p>
+          <a:p>
+            <a:pPr>
+              <a:defRPr sz="5400"/>
             </a:pPr>
             <a:r>
-              <a:t>Method</a:t>
+              <a:t>String</a:t>
             </a:r>
           </a:p>
         </p:txBody>
@@ -19220,8 +20197,8 @@
         </p:nvSpPr>
         <p:spPr>
           <a:xfrm>
-            <a:off x="2802102" y="4038600"/>
-            <a:ext cx="7400596" cy="4521200"/>
+            <a:off x="406400" y="1536700"/>
+            <a:ext cx="12192000" cy="999530"/>
           </a:xfrm>
           <a:prstGeom prst="rect">
             <a:avLst/>
@@ -19229,12 +20206,151 @@
         </p:spPr>
         <p:txBody>
           <a:bodyPr/>
+          <a:lstStyle>
+            <a:lvl1pPr>
+              <a:defRPr sz="7000"/>
+            </a:lvl1pPr>
+          </a:lstStyle>
+          <a:p>
+            <a:pPr/>
+            <a:r>
+              <a:t>Mixing data types</a:t>
+            </a:r>
+          </a:p>
+        </p:txBody>
+      </p:sp>
+      <p:sp>
+        <p:nvSpPr>
+          <p:cNvPr id="530" name="Shape 530"/>
+          <p:cNvSpPr/>
+          <p:nvPr/>
+        </p:nvSpPr>
+        <p:spPr>
+          <a:xfrm>
+            <a:off x="556367" y="4260849"/>
+            <a:ext cx="11454710" cy="927101"/>
+          </a:xfrm>
+          <a:prstGeom prst="rect">
+            <a:avLst/>
+          </a:prstGeom>
+          <a:ln w="12700">
+            <a:miter lim="400000"/>
+          </a:ln>
+          <a:extLst>
+            <a:ext uri="{C572A759-6A51-4108-AA02-DFA0A04FC94B}">
+              <ma14:wrappingTextBoxFlag xmlns:ma14="http://schemas.microsoft.com/office/mac/drawingml/2011/main" val="1"/>
+            </a:ext>
+          </a:extLst>
+        </p:spPr>
+        <p:txBody>
+          <a:bodyPr lIns="50800" tIns="50800" rIns="50800" bIns="50800" anchor="ctr">
+            <a:spAutoFit/>
+          </a:bodyPr>
+          <a:lstStyle>
+            <a:lvl1pPr>
+              <a:defRPr sz="5400">
+                <a:latin typeface="Anonymous Pro for Powerline"/>
+                <a:ea typeface="Anonymous Pro for Powerline"/>
+                <a:cs typeface="Anonymous Pro for Powerline"/>
+                <a:sym typeface="Anonymous Pro for Powerline"/>
+              </a:defRPr>
+            </a:lvl1pPr>
+          </a:lstStyle>
+          <a:p>
+            <a:pPr/>
+            <a:r>
+              <a:t>1 + 7.2 = 8.2</a:t>
+            </a:r>
+          </a:p>
+        </p:txBody>
+      </p:sp>
+      <p:sp>
+        <p:nvSpPr>
+          <p:cNvPr id="531" name="Shape 531"/>
+          <p:cNvSpPr/>
+          <p:nvPr/>
+        </p:nvSpPr>
+        <p:spPr>
+          <a:xfrm rot="18546354">
+            <a:off x="6693316" y="4412248"/>
+            <a:ext cx="157388" cy="717636"/>
+          </a:xfrm>
+          <a:prstGeom prst="rect">
+            <a:avLst/>
+          </a:prstGeom>
+          <a:solidFill>
+            <a:schemeClr val="accent3"/>
+          </a:solidFill>
+          <a:ln w="12700">
+            <a:miter lim="400000"/>
+          </a:ln>
+        </p:spPr>
+        <p:txBody>
+          <a:bodyPr lIns="50800" tIns="50800" rIns="50800" bIns="50800" anchor="ctr"/>
           <a:lstStyle/>
           <a:p>
-            <a:pPr/>
-            <a:r>
-              <a:t>Exercises</a:t>
-            </a:r>
+            <a:pPr algn="ctr">
+              <a:lnSpc>
+                <a:spcPct val="80000"/>
+              </a:lnSpc>
+              <a:spcBef>
+                <a:spcPts val="0"/>
+              </a:spcBef>
+              <a:defRPr cap="all" sz="2800">
+                <a:solidFill>
+                  <a:srgbClr val="FFFFFF"/>
+                </a:solidFill>
+                <a:latin typeface="+mn-lt"/>
+                <a:ea typeface="+mn-ea"/>
+                <a:cs typeface="+mn-cs"/>
+                <a:sym typeface="DIN Condensed"/>
+              </a:defRPr>
+            </a:pPr>
+          </a:p>
+        </p:txBody>
+      </p:sp>
+      <p:sp>
+        <p:nvSpPr>
+          <p:cNvPr id="532" name="Shape 532"/>
+          <p:cNvSpPr/>
+          <p:nvPr/>
+        </p:nvSpPr>
+        <p:spPr>
+          <a:xfrm rot="2624366">
+            <a:off x="7299697" y="3930634"/>
+            <a:ext cx="170441" cy="1227897"/>
+          </a:xfrm>
+          <a:prstGeom prst="rect">
+            <a:avLst/>
+          </a:prstGeom>
+          <a:solidFill>
+            <a:schemeClr val="accent3"/>
+          </a:solidFill>
+          <a:ln w="12700">
+            <a:miter lim="400000"/>
+          </a:ln>
+        </p:spPr>
+        <p:txBody>
+          <a:bodyPr lIns="50800" tIns="50800" rIns="50800" bIns="50800" anchor="ctr"/>
+          <a:lstStyle/>
+          <a:p>
+            <a:pPr algn="ctr">
+              <a:lnSpc>
+                <a:spcPct val="80000"/>
+              </a:lnSpc>
+              <a:spcBef>
+                <a:spcPts val="0"/>
+              </a:spcBef>
+              <a:defRPr cap="all" sz="2800">
+                <a:solidFill>
+                  <a:srgbClr val="FFFFFF"/>
+                </a:solidFill>
+                <a:latin typeface="+mn-lt"/>
+                <a:ea typeface="+mn-ea"/>
+                <a:cs typeface="+mn-cs"/>
+                <a:sym typeface="DIN Condensed"/>
+              </a:defRPr>
+            </a:pPr>
           </a:p>
         </p:txBody>
       </p:sp>
@@ -19398,44 +20514,19 @@
           <a:chExt cx="0" cy="0"/>
         </a:xfrm>
       </p:grpSpPr>
-      <p:pic>
-        <p:nvPicPr>
-          <p:cNvPr id="531" name="pasted-image.jpeg"/>
-          <p:cNvPicPr>
-            <a:picLocks noChangeAspect="1"/>
-          </p:cNvPicPr>
-          <p:nvPr>
-            <p:ph type="pic" idx="13"/>
-          </p:nvPr>
-        </p:nvPicPr>
-        <p:blipFill>
-          <a:blip r:embed="rId2">
-            <a:extLst/>
-          </a:blip>
-          <a:srcRect l="45970" t="0" r="18091" b="0"/>
-          <a:stretch>
-            <a:fillRect/>
-          </a:stretch>
-        </p:blipFill>
-        <p:spPr>
-          <a:xfrm>
-            <a:off x="0" y="0"/>
-            <a:ext cx="5486400" cy="9753600"/>
-          </a:xfrm>
-          <a:prstGeom prst="rect">
-            <a:avLst/>
-          </a:prstGeom>
-        </p:spPr>
-      </p:pic>
-      <p:sp>
-        <p:nvSpPr>
-          <p:cNvPr id="532" name="Shape 532"/>
+      <p:sp>
+        <p:nvSpPr>
+          <p:cNvPr id="534" name="Shape 534"/>
           <p:cNvSpPr/>
           <p:nvPr>
             <p:ph type="title"/>
           </p:nvPr>
         </p:nvSpPr>
         <p:spPr>
+          <a:xfrm>
+            <a:off x="406400" y="1536700"/>
+            <a:ext cx="12192000" cy="999530"/>
+          </a:xfrm>
           <a:prstGeom prst="rect">
             <a:avLst/>
           </a:prstGeom>
@@ -19443,39 +20534,291 @@
         <p:txBody>
           <a:bodyPr/>
           <a:lstStyle>
-            <a:lvl1pPr defTabSz="514095">
-              <a:defRPr sz="14960"/>
+            <a:lvl1pPr>
+              <a:defRPr sz="7000"/>
             </a:lvl1pPr>
           </a:lstStyle>
           <a:p>
             <a:pPr/>
             <a:r>
-              <a:t>Functions</a:t>
-            </a:r>
-          </a:p>
-        </p:txBody>
-      </p:sp>
-      <p:sp>
-        <p:nvSpPr>
-          <p:cNvPr id="533" name="Shape 533"/>
-          <p:cNvSpPr/>
-          <p:nvPr>
-            <p:ph type="body" sz="quarter" idx="1"/>
-          </p:nvPr>
-        </p:nvSpPr>
-        <p:spPr>
-          <a:prstGeom prst="rect">
-            <a:avLst/>
-          </a:prstGeom>
-        </p:spPr>
-        <p:txBody>
-          <a:bodyPr/>
+              <a:t>Mixing data types</a:t>
+            </a:r>
+          </a:p>
+        </p:txBody>
+      </p:sp>
+      <p:sp>
+        <p:nvSpPr>
+          <p:cNvPr id="535" name="Shape 535"/>
+          <p:cNvSpPr/>
+          <p:nvPr/>
+        </p:nvSpPr>
+        <p:spPr>
+          <a:xfrm>
+            <a:off x="556367" y="4260849"/>
+            <a:ext cx="11454710" cy="927101"/>
+          </a:xfrm>
+          <a:prstGeom prst="rect">
+            <a:avLst/>
+          </a:prstGeom>
+          <a:ln w="12700">
+            <a:miter lim="400000"/>
+          </a:ln>
+          <a:extLst>
+            <a:ext uri="{C572A759-6A51-4108-AA02-DFA0A04FC94B}">
+              <ma14:wrappingTextBoxFlag xmlns:ma14="http://schemas.microsoft.com/office/mac/drawingml/2011/main" val="1"/>
+            </a:ext>
+          </a:extLst>
+        </p:spPr>
+        <p:txBody>
+          <a:bodyPr lIns="50800" tIns="50800" rIns="50800" bIns="50800" anchor="ctr">
+            <a:spAutoFit/>
+          </a:bodyPr>
+          <a:lstStyle>
+            <a:lvl1pPr>
+              <a:defRPr sz="5400">
+                <a:latin typeface="Anonymous Pro for Powerline"/>
+                <a:ea typeface="Anonymous Pro for Powerline"/>
+                <a:cs typeface="Anonymous Pro for Powerline"/>
+                <a:sym typeface="Anonymous Pro for Powerline"/>
+              </a:defRPr>
+            </a:lvl1pPr>
+          </a:lstStyle>
+          <a:p>
+            <a:pPr/>
+            <a:r>
+              <a:t>1 + 7.2 = 8.2</a:t>
+            </a:r>
+          </a:p>
+        </p:txBody>
+      </p:sp>
+      <p:sp>
+        <p:nvSpPr>
+          <p:cNvPr id="536" name="Shape 536"/>
+          <p:cNvSpPr/>
+          <p:nvPr/>
+        </p:nvSpPr>
+        <p:spPr>
+          <a:xfrm rot="18546354">
+            <a:off x="6693316" y="4412248"/>
+            <a:ext cx="157388" cy="717636"/>
+          </a:xfrm>
+          <a:prstGeom prst="rect">
+            <a:avLst/>
+          </a:prstGeom>
+          <a:solidFill>
+            <a:schemeClr val="accent3"/>
+          </a:solidFill>
+          <a:ln w="12700">
+            <a:miter lim="400000"/>
+          </a:ln>
+        </p:spPr>
+        <p:txBody>
+          <a:bodyPr lIns="50800" tIns="50800" rIns="50800" bIns="50800" anchor="ctr"/>
           <a:lstStyle/>
           <a:p>
-            <a:pPr/>
-            <a:r>
-              <a:t>Defining your own</a:t>
-            </a:r>
+            <a:pPr algn="ctr">
+              <a:lnSpc>
+                <a:spcPct val="80000"/>
+              </a:lnSpc>
+              <a:spcBef>
+                <a:spcPts val="0"/>
+              </a:spcBef>
+              <a:defRPr cap="all" sz="2800">
+                <a:solidFill>
+                  <a:srgbClr val="FFFFFF"/>
+                </a:solidFill>
+                <a:latin typeface="+mn-lt"/>
+                <a:ea typeface="+mn-ea"/>
+                <a:cs typeface="+mn-cs"/>
+                <a:sym typeface="DIN Condensed"/>
+              </a:defRPr>
+            </a:pPr>
+          </a:p>
+        </p:txBody>
+      </p:sp>
+      <p:sp>
+        <p:nvSpPr>
+          <p:cNvPr id="537" name="Shape 537"/>
+          <p:cNvSpPr/>
+          <p:nvPr/>
+        </p:nvSpPr>
+        <p:spPr>
+          <a:xfrm rot="2624366">
+            <a:off x="7299697" y="3930634"/>
+            <a:ext cx="170441" cy="1227897"/>
+          </a:xfrm>
+          <a:prstGeom prst="rect">
+            <a:avLst/>
+          </a:prstGeom>
+          <a:solidFill>
+            <a:schemeClr val="accent3"/>
+          </a:solidFill>
+          <a:ln w="12700">
+            <a:miter lim="400000"/>
+          </a:ln>
+        </p:spPr>
+        <p:txBody>
+          <a:bodyPr lIns="50800" tIns="50800" rIns="50800" bIns="50800" anchor="ctr"/>
+          <a:lstStyle/>
+          <a:p>
+            <a:pPr algn="ctr">
+              <a:lnSpc>
+                <a:spcPct val="80000"/>
+              </a:lnSpc>
+              <a:spcBef>
+                <a:spcPts val="0"/>
+              </a:spcBef>
+              <a:defRPr cap="all" sz="2800">
+                <a:solidFill>
+                  <a:srgbClr val="FFFFFF"/>
+                </a:solidFill>
+                <a:latin typeface="+mn-lt"/>
+                <a:ea typeface="+mn-ea"/>
+                <a:cs typeface="+mn-cs"/>
+                <a:sym typeface="DIN Condensed"/>
+              </a:defRPr>
+            </a:pPr>
+          </a:p>
+        </p:txBody>
+      </p:sp>
+      <p:sp>
+        <p:nvSpPr>
+          <p:cNvPr id="538" name="Shape 538"/>
+          <p:cNvSpPr/>
+          <p:nvPr/>
+        </p:nvSpPr>
+        <p:spPr>
+          <a:xfrm>
+            <a:off x="556367" y="5691716"/>
+            <a:ext cx="11454710" cy="927101"/>
+          </a:xfrm>
+          <a:prstGeom prst="rect">
+            <a:avLst/>
+          </a:prstGeom>
+          <a:ln w="12700">
+            <a:miter lim="400000"/>
+          </a:ln>
+          <a:extLst>
+            <a:ext uri="{C572A759-6A51-4108-AA02-DFA0A04FC94B}">
+              <ma14:wrappingTextBoxFlag xmlns:ma14="http://schemas.microsoft.com/office/mac/drawingml/2011/main" val="1"/>
+            </a:ext>
+          </a:extLst>
+        </p:spPr>
+        <p:txBody>
+          <a:bodyPr lIns="50800" tIns="50800" rIns="50800" bIns="50800" anchor="ctr">
+            <a:spAutoFit/>
+          </a:bodyPr>
+          <a:lstStyle/>
+          <a:p>
+            <a:pPr>
+              <a:defRPr sz="5400">
+                <a:latin typeface="Anonymous Pro for Powerline"/>
+                <a:ea typeface="Anonymous Pro for Powerline"/>
+                <a:cs typeface="Anonymous Pro for Powerline"/>
+                <a:sym typeface="Anonymous Pro for Powerline"/>
+              </a:defRPr>
+            </a:pPr>
+            <a:r>
+              <a:t>1 + “7.2” = </a:t>
+            </a:r>
+            <a:r>
+              <a:rPr>
+                <a:solidFill>
+                  <a:schemeClr val="accent5"/>
+                </a:solidFill>
+              </a:rPr>
+              <a:t>error</a:t>
+            </a:r>
+          </a:p>
+        </p:txBody>
+      </p:sp>
+      <p:sp>
+        <p:nvSpPr>
+          <p:cNvPr id="539" name="Shape 539"/>
+          <p:cNvSpPr/>
+          <p:nvPr/>
+        </p:nvSpPr>
+        <p:spPr>
+          <a:xfrm rot="2859210">
+            <a:off x="6922709" y="6142974"/>
+            <a:ext cx="1542639" cy="325930"/>
+          </a:xfrm>
+          <a:prstGeom prst="rect">
+            <a:avLst/>
+          </a:prstGeom>
+          <a:solidFill>
+            <a:schemeClr val="accent5"/>
+          </a:solidFill>
+          <a:ln w="12700">
+            <a:miter lim="400000"/>
+          </a:ln>
+        </p:spPr>
+        <p:txBody>
+          <a:bodyPr lIns="50800" tIns="50800" rIns="50800" bIns="50800" anchor="ctr"/>
+          <a:lstStyle/>
+          <a:p>
+            <a:pPr algn="ctr">
+              <a:lnSpc>
+                <a:spcPct val="80000"/>
+              </a:lnSpc>
+              <a:spcBef>
+                <a:spcPts val="0"/>
+              </a:spcBef>
+              <a:defRPr cap="all" sz="2800">
+                <a:solidFill>
+                  <a:srgbClr val="FFFFFF"/>
+                </a:solidFill>
+                <a:latin typeface="+mn-lt"/>
+                <a:ea typeface="+mn-ea"/>
+                <a:cs typeface="+mn-cs"/>
+                <a:sym typeface="DIN Condensed"/>
+              </a:defRPr>
+            </a:pPr>
+          </a:p>
+        </p:txBody>
+      </p:sp>
+      <p:sp>
+        <p:nvSpPr>
+          <p:cNvPr id="540" name="Shape 540"/>
+          <p:cNvSpPr/>
+          <p:nvPr/>
+        </p:nvSpPr>
+        <p:spPr>
+          <a:xfrm rot="18911602">
+            <a:off x="6930445" y="6113328"/>
+            <a:ext cx="1597712" cy="310155"/>
+          </a:xfrm>
+          <a:prstGeom prst="rect">
+            <a:avLst/>
+          </a:prstGeom>
+          <a:solidFill>
+            <a:schemeClr val="accent5"/>
+          </a:solidFill>
+          <a:ln w="12700">
+            <a:miter lim="400000"/>
+          </a:ln>
+        </p:spPr>
+        <p:txBody>
+          <a:bodyPr lIns="50800" tIns="50800" rIns="50800" bIns="50800" anchor="ctr"/>
+          <a:lstStyle/>
+          <a:p>
+            <a:pPr algn="ctr">
+              <a:lnSpc>
+                <a:spcPct val="80000"/>
+              </a:lnSpc>
+              <a:spcBef>
+                <a:spcPts val="0"/>
+              </a:spcBef>
+              <a:defRPr cap="all" sz="2800">
+                <a:solidFill>
+                  <a:srgbClr val="FFFFFF"/>
+                </a:solidFill>
+                <a:latin typeface="+mn-lt"/>
+                <a:ea typeface="+mn-ea"/>
+                <a:cs typeface="+mn-cs"/>
+                <a:sym typeface="DIN Condensed"/>
+              </a:defRPr>
+            </a:pPr>
           </a:p>
         </p:txBody>
       </p:sp>
@@ -19507,7 +20850,7 @@
       </p:grpSpPr>
       <p:sp>
         <p:nvSpPr>
-          <p:cNvPr id="535" name="Shape 535"/>
+          <p:cNvPr id="542" name="Shape 542"/>
           <p:cNvSpPr/>
           <p:nvPr>
             <p:ph type="title"/>
@@ -19516,7 +20859,7 @@
         <p:spPr>
           <a:xfrm>
             <a:off x="406400" y="1536700"/>
-            <a:ext cx="12192000" cy="1169260"/>
+            <a:ext cx="12192000" cy="999530"/>
           </a:xfrm>
           <a:prstGeom prst="rect">
             <a:avLst/>
@@ -19525,56 +20868,285 @@
         <p:txBody>
           <a:bodyPr/>
           <a:lstStyle>
-            <a:lvl1pPr defTabSz="403097">
-              <a:spcBef>
-                <a:spcPts val="1900"/>
-              </a:spcBef>
-              <a:defRPr sz="8280"/>
+            <a:lvl1pPr>
+              <a:defRPr sz="7000"/>
             </a:lvl1pPr>
           </a:lstStyle>
           <a:p>
             <a:pPr/>
             <a:r>
-              <a:t>Defining a Function</a:t>
-            </a:r>
-          </a:p>
-        </p:txBody>
-      </p:sp>
-      <p:sp>
-        <p:nvSpPr>
-          <p:cNvPr id="536" name="Shape 536"/>
-          <p:cNvSpPr/>
-          <p:nvPr>
-            <p:ph type="body" sz="half" idx="1"/>
-          </p:nvPr>
-        </p:nvSpPr>
-        <p:spPr>
-          <a:xfrm>
-            <a:off x="406400" y="3953767"/>
-            <a:ext cx="12192000" cy="2531601"/>
-          </a:xfrm>
-          <a:prstGeom prst="rect">
-            <a:avLst/>
-          </a:prstGeom>
-        </p:spPr>
-        <p:txBody>
-          <a:bodyPr/>
+              <a:t>Mixing data types</a:t>
+            </a:r>
+          </a:p>
+        </p:txBody>
+      </p:sp>
+      <p:sp>
+        <p:nvSpPr>
+          <p:cNvPr id="543" name="Shape 543"/>
+          <p:cNvSpPr/>
+          <p:nvPr/>
+        </p:nvSpPr>
+        <p:spPr>
+          <a:xfrm>
+            <a:off x="556367" y="4260849"/>
+            <a:ext cx="11454710" cy="927101"/>
+          </a:xfrm>
+          <a:prstGeom prst="rect">
+            <a:avLst/>
+          </a:prstGeom>
+          <a:ln w="12700">
+            <a:miter lim="400000"/>
+          </a:ln>
+          <a:extLst>
+            <a:ext uri="{C572A759-6A51-4108-AA02-DFA0A04FC94B}">
+              <ma14:wrappingTextBoxFlag xmlns:ma14="http://schemas.microsoft.com/office/mac/drawingml/2011/main" val="1"/>
+            </a:ext>
+          </a:extLst>
+        </p:spPr>
+        <p:txBody>
+          <a:bodyPr lIns="50800" tIns="50800" rIns="50800" bIns="50800" anchor="ctr">
+            <a:spAutoFit/>
+          </a:bodyPr>
           <a:lstStyle>
-            <a:lvl1pPr marL="705970" indent="-705970">
-              <a:buClrTx/>
-              <a:buSzPct val="40000"/>
-              <a:buFontTx/>
-              <a:buBlip>
-                <a:blip r:embed="rId2"/>
-              </a:buBlip>
-              <a:defRPr sz="6400"/>
+            <a:lvl1pPr>
+              <a:defRPr sz="5400">
+                <a:latin typeface="Anonymous Pro for Powerline"/>
+                <a:ea typeface="Anonymous Pro for Powerline"/>
+                <a:cs typeface="Anonymous Pro for Powerline"/>
+                <a:sym typeface="Anonymous Pro for Powerline"/>
+              </a:defRPr>
             </a:lvl1pPr>
           </a:lstStyle>
           <a:p>
             <a:pPr/>
             <a:r>
-              <a:t>Reusable chunk of code</a:t>
-            </a:r>
+              <a:t>1 + 7.2 = 8.2</a:t>
+            </a:r>
+          </a:p>
+        </p:txBody>
+      </p:sp>
+      <p:sp>
+        <p:nvSpPr>
+          <p:cNvPr id="544" name="Shape 544"/>
+          <p:cNvSpPr/>
+          <p:nvPr/>
+        </p:nvSpPr>
+        <p:spPr>
+          <a:xfrm rot="18546354">
+            <a:off x="6693316" y="4412248"/>
+            <a:ext cx="157388" cy="717636"/>
+          </a:xfrm>
+          <a:prstGeom prst="rect">
+            <a:avLst/>
+          </a:prstGeom>
+          <a:solidFill>
+            <a:schemeClr val="accent3"/>
+          </a:solidFill>
+          <a:ln w="12700">
+            <a:miter lim="400000"/>
+          </a:ln>
+        </p:spPr>
+        <p:txBody>
+          <a:bodyPr lIns="50800" tIns="50800" rIns="50800" bIns="50800" anchor="ctr"/>
+          <a:lstStyle/>
+          <a:p>
+            <a:pPr algn="ctr">
+              <a:lnSpc>
+                <a:spcPct val="80000"/>
+              </a:lnSpc>
+              <a:spcBef>
+                <a:spcPts val="0"/>
+              </a:spcBef>
+              <a:defRPr cap="all" sz="2800">
+                <a:solidFill>
+                  <a:srgbClr val="FFFFFF"/>
+                </a:solidFill>
+                <a:latin typeface="+mn-lt"/>
+                <a:ea typeface="+mn-ea"/>
+                <a:cs typeface="+mn-cs"/>
+                <a:sym typeface="DIN Condensed"/>
+              </a:defRPr>
+            </a:pPr>
+          </a:p>
+        </p:txBody>
+      </p:sp>
+      <p:sp>
+        <p:nvSpPr>
+          <p:cNvPr id="545" name="Shape 545"/>
+          <p:cNvSpPr/>
+          <p:nvPr/>
+        </p:nvSpPr>
+        <p:spPr>
+          <a:xfrm rot="2624366">
+            <a:off x="7299697" y="3930634"/>
+            <a:ext cx="170441" cy="1227897"/>
+          </a:xfrm>
+          <a:prstGeom prst="rect">
+            <a:avLst/>
+          </a:prstGeom>
+          <a:solidFill>
+            <a:schemeClr val="accent3"/>
+          </a:solidFill>
+          <a:ln w="12700">
+            <a:miter lim="400000"/>
+          </a:ln>
+        </p:spPr>
+        <p:txBody>
+          <a:bodyPr lIns="50800" tIns="50800" rIns="50800" bIns="50800" anchor="ctr"/>
+          <a:lstStyle/>
+          <a:p>
+            <a:pPr algn="ctr">
+              <a:lnSpc>
+                <a:spcPct val="80000"/>
+              </a:lnSpc>
+              <a:spcBef>
+                <a:spcPts val="0"/>
+              </a:spcBef>
+              <a:defRPr cap="all" sz="2800">
+                <a:solidFill>
+                  <a:srgbClr val="FFFFFF"/>
+                </a:solidFill>
+                <a:latin typeface="+mn-lt"/>
+                <a:ea typeface="+mn-ea"/>
+                <a:cs typeface="+mn-cs"/>
+                <a:sym typeface="DIN Condensed"/>
+              </a:defRPr>
+            </a:pPr>
+          </a:p>
+        </p:txBody>
+      </p:sp>
+      <p:sp>
+        <p:nvSpPr>
+          <p:cNvPr id="546" name="Shape 546"/>
+          <p:cNvSpPr/>
+          <p:nvPr/>
+        </p:nvSpPr>
+        <p:spPr>
+          <a:xfrm>
+            <a:off x="556367" y="5691716"/>
+            <a:ext cx="11454710" cy="927101"/>
+          </a:xfrm>
+          <a:prstGeom prst="rect">
+            <a:avLst/>
+          </a:prstGeom>
+          <a:ln w="12700">
+            <a:miter lim="400000"/>
+          </a:ln>
+          <a:extLst>
+            <a:ext uri="{C572A759-6A51-4108-AA02-DFA0A04FC94B}">
+              <ma14:wrappingTextBoxFlag xmlns:ma14="http://schemas.microsoft.com/office/mac/drawingml/2011/main" val="1"/>
+            </a:ext>
+          </a:extLst>
+        </p:spPr>
+        <p:txBody>
+          <a:bodyPr lIns="50800" tIns="50800" rIns="50800" bIns="50800" anchor="ctr">
+            <a:spAutoFit/>
+          </a:bodyPr>
+          <a:lstStyle>
+            <a:lvl1pPr>
+              <a:defRPr sz="5400">
+                <a:latin typeface="Anonymous Pro for Powerline"/>
+                <a:ea typeface="Anonymous Pro for Powerline"/>
+                <a:cs typeface="Anonymous Pro for Powerline"/>
+                <a:sym typeface="Anonymous Pro for Powerline"/>
+              </a:defRPr>
+            </a:lvl1pPr>
+          </a:lstStyle>
+          <a:p>
+            <a:pPr/>
+            <a:r>
+              <a:t>1 + int(“7.2”) = 8.2</a:t>
+            </a:r>
+          </a:p>
+        </p:txBody>
+      </p:sp>
+      <p:sp>
+        <p:nvSpPr>
+          <p:cNvPr id="547" name="Shape 547"/>
+          <p:cNvSpPr/>
+          <p:nvPr/>
+        </p:nvSpPr>
+        <p:spPr>
+          <a:xfrm rot="18546354">
+            <a:off x="8564449" y="5809248"/>
+            <a:ext cx="157388" cy="717636"/>
+          </a:xfrm>
+          <a:prstGeom prst="rect">
+            <a:avLst/>
+          </a:prstGeom>
+          <a:solidFill>
+            <a:schemeClr val="accent3"/>
+          </a:solidFill>
+          <a:ln w="12700">
+            <a:miter lim="400000"/>
+          </a:ln>
+        </p:spPr>
+        <p:txBody>
+          <a:bodyPr lIns="50800" tIns="50800" rIns="50800" bIns="50800" anchor="ctr"/>
+          <a:lstStyle/>
+          <a:p>
+            <a:pPr algn="ctr">
+              <a:lnSpc>
+                <a:spcPct val="80000"/>
+              </a:lnSpc>
+              <a:spcBef>
+                <a:spcPts val="0"/>
+              </a:spcBef>
+              <a:defRPr cap="all" sz="2800">
+                <a:solidFill>
+                  <a:srgbClr val="FFFFFF"/>
+                </a:solidFill>
+                <a:latin typeface="+mn-lt"/>
+                <a:ea typeface="+mn-ea"/>
+                <a:cs typeface="+mn-cs"/>
+                <a:sym typeface="DIN Condensed"/>
+              </a:defRPr>
+            </a:pPr>
+          </a:p>
+        </p:txBody>
+      </p:sp>
+      <p:sp>
+        <p:nvSpPr>
+          <p:cNvPr id="548" name="Shape 548"/>
+          <p:cNvSpPr/>
+          <p:nvPr/>
+        </p:nvSpPr>
+        <p:spPr>
+          <a:xfrm rot="2624366">
+            <a:off x="9170830" y="5327634"/>
+            <a:ext cx="170441" cy="1227897"/>
+          </a:xfrm>
+          <a:prstGeom prst="rect">
+            <a:avLst/>
+          </a:prstGeom>
+          <a:solidFill>
+            <a:schemeClr val="accent3"/>
+          </a:solidFill>
+          <a:ln w="12700">
+            <a:miter lim="400000"/>
+          </a:ln>
+        </p:spPr>
+        <p:txBody>
+          <a:bodyPr lIns="50800" tIns="50800" rIns="50800" bIns="50800" anchor="ctr"/>
+          <a:lstStyle/>
+          <a:p>
+            <a:pPr algn="ctr">
+              <a:lnSpc>
+                <a:spcPct val="80000"/>
+              </a:lnSpc>
+              <a:spcBef>
+                <a:spcPts val="0"/>
+              </a:spcBef>
+              <a:defRPr cap="all" sz="2800">
+                <a:solidFill>
+                  <a:srgbClr val="FFFFFF"/>
+                </a:solidFill>
+                <a:latin typeface="+mn-lt"/>
+                <a:ea typeface="+mn-ea"/>
+                <a:cs typeface="+mn-cs"/>
+                <a:sym typeface="DIN Condensed"/>
+              </a:defRPr>
+            </a:pPr>
           </a:p>
         </p:txBody>
       </p:sp>
@@ -19606,7 +21178,7 @@
       </p:grpSpPr>
       <p:sp>
         <p:nvSpPr>
-          <p:cNvPr id="538" name="Shape 538"/>
+          <p:cNvPr id="550" name="Shape 550"/>
           <p:cNvSpPr/>
           <p:nvPr>
             <p:ph type="title"/>
@@ -19615,7 +21187,7 @@
         <p:spPr>
           <a:xfrm>
             <a:off x="406400" y="1536700"/>
-            <a:ext cx="12192000" cy="1169260"/>
+            <a:ext cx="12192000" cy="999530"/>
           </a:xfrm>
           <a:prstGeom prst="rect">
             <a:avLst/>
@@ -19624,33 +21196,30 @@
         <p:txBody>
           <a:bodyPr/>
           <a:lstStyle>
-            <a:lvl1pPr defTabSz="403097">
-              <a:spcBef>
-                <a:spcPts val="1900"/>
-              </a:spcBef>
-              <a:defRPr sz="8280"/>
+            <a:lvl1pPr>
+              <a:defRPr sz="7000"/>
             </a:lvl1pPr>
           </a:lstStyle>
           <a:p>
             <a:pPr/>
             <a:r>
-              <a:t>Defining a Function</a:t>
-            </a:r>
-          </a:p>
-        </p:txBody>
-      </p:sp>
-      <p:sp>
-        <p:nvSpPr>
-          <p:cNvPr id="539" name="Shape 539"/>
+              <a:t>Casting between Data types</a:t>
+            </a:r>
+          </a:p>
+        </p:txBody>
+      </p:sp>
+      <p:sp>
+        <p:nvSpPr>
+          <p:cNvPr id="551" name="Shape 551"/>
           <p:cNvSpPr/>
           <p:nvPr>
-            <p:ph type="body" sz="half" idx="1"/>
+            <p:ph type="body" idx="1"/>
           </p:nvPr>
         </p:nvSpPr>
         <p:spPr>
           <a:xfrm>
-            <a:off x="406400" y="3953767"/>
-            <a:ext cx="12192000" cy="2531601"/>
+            <a:off x="647700" y="3066806"/>
+            <a:ext cx="11493038" cy="5109040"/>
           </a:xfrm>
           <a:prstGeom prst="rect">
             <a:avLst/>
@@ -19660,37 +21229,27 @@
           <a:bodyPr/>
           <a:lstStyle/>
           <a:p>
-            <a:pPr marL="663612" indent="-663612" defTabSz="549148">
-              <a:spcBef>
-                <a:spcPts val="2600"/>
-              </a:spcBef>
-              <a:buClrTx/>
-              <a:buSzPct val="40000"/>
-              <a:buFontTx/>
-              <a:buBlip>
-                <a:blip r:embed="rId2"/>
-              </a:buBlip>
-              <a:defRPr sz="6016"/>
+            <a:pPr>
+              <a:defRPr sz="5400"/>
             </a:pPr>
             <a:r>
-              <a:t>Reusable chunk of code</a:t>
-            </a:r>
-          </a:p>
-          <a:p>
-            <a:pPr marL="663612" indent="-663612" defTabSz="549148">
-              <a:spcBef>
-                <a:spcPts val="2600"/>
-              </a:spcBef>
-              <a:buClrTx/>
-              <a:buSzPct val="40000"/>
-              <a:buFontTx/>
-              <a:buBlip>
-                <a:blip r:embed="rId2"/>
-              </a:buBlip>
-              <a:defRPr sz="6016"/>
+              <a:t>int()</a:t>
+            </a:r>
+          </a:p>
+          <a:p>
+            <a:pPr>
+              <a:defRPr sz="5400"/>
             </a:pPr>
             <a:r>
-              <a:t>Build action from basic functions</a:t>
+              <a:t>float()</a:t>
+            </a:r>
+          </a:p>
+          <a:p>
+            <a:pPr>
+              <a:defRPr sz="5400"/>
+            </a:pPr>
+            <a:r>
+              <a:t>str()</a:t>
             </a:r>
           </a:p>
         </p:txBody>
@@ -19723,7 +21282,7 @@
       </p:grpSpPr>
       <p:sp>
         <p:nvSpPr>
-          <p:cNvPr id="541" name="Shape 541"/>
+          <p:cNvPr id="553" name="Shape 553"/>
           <p:cNvSpPr/>
           <p:nvPr>
             <p:ph type="title"/>
@@ -19732,7 +21291,7 @@
         <p:spPr>
           <a:xfrm>
             <a:off x="406400" y="1536700"/>
-            <a:ext cx="12192000" cy="1169260"/>
+            <a:ext cx="12192000" cy="1367235"/>
           </a:xfrm>
           <a:prstGeom prst="rect">
             <a:avLst/>
@@ -19741,94 +21300,68 @@
         <p:txBody>
           <a:bodyPr/>
           <a:lstStyle>
-            <a:lvl1pPr defTabSz="403097">
-              <a:spcBef>
-                <a:spcPts val="1900"/>
-              </a:spcBef>
-              <a:defRPr sz="8280"/>
+            <a:lvl1pPr>
+              <a:defRPr sz="7000"/>
             </a:lvl1pPr>
           </a:lstStyle>
           <a:p>
             <a:pPr/>
             <a:r>
-              <a:t>Defining A Function</a:t>
-            </a:r>
-          </a:p>
-        </p:txBody>
-      </p:sp>
-      <p:sp>
-        <p:nvSpPr>
-          <p:cNvPr id="542" name="Shape 542"/>
-          <p:cNvSpPr/>
-          <p:nvPr/>
-        </p:nvSpPr>
-        <p:spPr>
-          <a:xfrm>
-            <a:off x="495150" y="3282950"/>
-            <a:ext cx="11562527" cy="3187701"/>
-          </a:xfrm>
-          <a:prstGeom prst="rect">
-            <a:avLst/>
-          </a:prstGeom>
-          <a:ln w="12700">
-            <a:miter lim="400000"/>
-          </a:ln>
-          <a:extLst>
-            <a:ext uri="{C572A759-6A51-4108-AA02-DFA0A04FC94B}">
-              <ma14:wrappingTextBoxFlag xmlns:ma14="http://schemas.microsoft.com/office/mac/drawingml/2011/main" val="1"/>
-            </a:ext>
-          </a:extLst>
-        </p:spPr>
-        <p:txBody>
-          <a:bodyPr lIns="50800" tIns="50800" rIns="50800" bIns="50800" anchor="ctr">
-            <a:spAutoFit/>
-          </a:bodyPr>
+              <a:t>Concepts covered so Far</a:t>
+            </a:r>
+          </a:p>
+        </p:txBody>
+      </p:sp>
+      <p:sp>
+        <p:nvSpPr>
+          <p:cNvPr id="554" name="Shape 554"/>
+          <p:cNvSpPr/>
+          <p:nvPr>
+            <p:ph type="body" idx="1"/>
+          </p:nvPr>
+        </p:nvSpPr>
+        <p:spPr>
+          <a:xfrm>
+            <a:off x="406400" y="2929466"/>
+            <a:ext cx="12192000" cy="6108701"/>
+          </a:xfrm>
+          <a:prstGeom prst="rect">
+            <a:avLst/>
+          </a:prstGeom>
+        </p:spPr>
+        <p:txBody>
+          <a:bodyPr/>
           <a:lstStyle/>
           <a:p>
-            <a:pPr>
-              <a:defRPr sz="5400">
-                <a:latin typeface="Anonymous Pro for Powerline"/>
-                <a:ea typeface="Anonymous Pro for Powerline"/>
-                <a:cs typeface="Anonymous Pro for Powerline"/>
-                <a:sym typeface="Anonymous Pro for Powerline"/>
-              </a:defRPr>
+            <a:pPr marL="444500" indent="-444500">
+              <a:defRPr sz="4800"/>
             </a:pPr>
             <a:r>
-              <a:rPr>
-                <a:solidFill>
-                  <a:schemeClr val="accent3"/>
-                </a:solidFill>
-              </a:rPr>
-              <a:t>def</a:t>
-            </a:r>
-            <a:r>
-              <a:t> double(my_name):</a:t>
-            </a:r>
-          </a:p>
-          <a:p>
-            <a:pPr>
-              <a:defRPr sz="5400">
-                <a:latin typeface="Anonymous Pro for Powerline"/>
-                <a:ea typeface="Anonymous Pro for Powerline"/>
-                <a:cs typeface="Anonymous Pro for Powerline"/>
-                <a:sym typeface="Anonymous Pro for Powerline"/>
-              </a:defRPr>
+              <a:t>Print statement</a:t>
+            </a:r>
+          </a:p>
+          <a:p>
+            <a:pPr marL="444500" indent="-444500">
+              <a:defRPr sz="4800"/>
             </a:pPr>
             <a:r>
-              <a:t>    answer = my_name + my_name</a:t>
-            </a:r>
-          </a:p>
-          <a:p>
-            <a:pPr>
-              <a:defRPr sz="5400">
-                <a:latin typeface="Anonymous Pro for Powerline"/>
-                <a:ea typeface="Anonymous Pro for Powerline"/>
-                <a:cs typeface="Anonymous Pro for Powerline"/>
-                <a:sym typeface="Anonymous Pro for Powerline"/>
-              </a:defRPr>
+              <a:t>Function</a:t>
+            </a:r>
+          </a:p>
+          <a:p>
+            <a:pPr marL="444500" indent="-444500">
+              <a:defRPr sz="4800"/>
             </a:pPr>
             <a:r>
-              <a:t>    return answer</a:t>
+              <a:t>Method</a:t>
+            </a:r>
+          </a:p>
+          <a:p>
+            <a:pPr marL="444500" indent="-444500">
+              <a:defRPr sz="4800"/>
+            </a:pPr>
+            <a:r>
+              <a:t>Casting</a:t>
             </a:r>
           </a:p>
         </p:txBody>
@@ -19861,7 +21394,7 @@
       </p:grpSpPr>
       <p:sp>
         <p:nvSpPr>
-          <p:cNvPr id="544" name="Shape 544"/>
+          <p:cNvPr id="556" name="Shape 556"/>
           <p:cNvSpPr/>
           <p:nvPr>
             <p:ph type="title"/>
@@ -19869,8 +21402,8 @@
         </p:nvSpPr>
         <p:spPr>
           <a:xfrm>
-            <a:off x="406400" y="1536700"/>
-            <a:ext cx="12192000" cy="1169260"/>
+            <a:off x="2802102" y="4038600"/>
+            <a:ext cx="7400596" cy="4521200"/>
           </a:xfrm>
           <a:prstGeom prst="rect">
             <a:avLst/>
@@ -19878,98 +21411,11 @@
         </p:spPr>
         <p:txBody>
           <a:bodyPr/>
-          <a:lstStyle>
-            <a:lvl1pPr defTabSz="403097">
-              <a:spcBef>
-                <a:spcPts val="1900"/>
-              </a:spcBef>
-              <a:defRPr sz="8280"/>
-            </a:lvl1pPr>
-          </a:lstStyle>
-          <a:p>
-            <a:pPr/>
-            <a:r>
-              <a:t>Defining A Function</a:t>
-            </a:r>
-          </a:p>
-        </p:txBody>
-      </p:sp>
-      <p:sp>
-        <p:nvSpPr>
-          <p:cNvPr id="545" name="Shape 545"/>
-          <p:cNvSpPr/>
-          <p:nvPr/>
-        </p:nvSpPr>
-        <p:spPr>
-          <a:xfrm>
-            <a:off x="495150" y="3282950"/>
-            <a:ext cx="11562527" cy="3187701"/>
-          </a:xfrm>
-          <a:prstGeom prst="rect">
-            <a:avLst/>
-          </a:prstGeom>
-          <a:ln w="12700">
-            <a:miter lim="400000"/>
-          </a:ln>
-          <a:extLst>
-            <a:ext uri="{C572A759-6A51-4108-AA02-DFA0A04FC94B}">
-              <ma14:wrappingTextBoxFlag xmlns:ma14="http://schemas.microsoft.com/office/mac/drawingml/2011/main" val="1"/>
-            </a:ext>
-          </a:extLst>
-        </p:spPr>
-        <p:txBody>
-          <a:bodyPr lIns="50800" tIns="50800" rIns="50800" bIns="50800" anchor="ctr">
-            <a:spAutoFit/>
-          </a:bodyPr>
           <a:lstStyle/>
           <a:p>
-            <a:pPr>
-              <a:defRPr sz="5400">
-                <a:latin typeface="Anonymous Pro for Powerline"/>
-                <a:ea typeface="Anonymous Pro for Powerline"/>
-                <a:cs typeface="Anonymous Pro for Powerline"/>
-                <a:sym typeface="Anonymous Pro for Powerline"/>
-              </a:defRPr>
-            </a:pPr>
-            <a:r>
-              <a:t>def </a:t>
-            </a:r>
-            <a:r>
-              <a:rPr>
-                <a:solidFill>
-                  <a:schemeClr val="accent3"/>
-                </a:solidFill>
-              </a:rPr>
-              <a:t>double</a:t>
-            </a:r>
-            <a:r>
-              <a:t>(my_name):</a:t>
-            </a:r>
-          </a:p>
-          <a:p>
-            <a:pPr>
-              <a:defRPr sz="5400">
-                <a:latin typeface="Anonymous Pro for Powerline"/>
-                <a:ea typeface="Anonymous Pro for Powerline"/>
-                <a:cs typeface="Anonymous Pro for Powerline"/>
-                <a:sym typeface="Anonymous Pro for Powerline"/>
-              </a:defRPr>
-            </a:pPr>
-            <a:r>
-              <a:t>    answer = my_name + my_name</a:t>
-            </a:r>
-          </a:p>
-          <a:p>
-            <a:pPr>
-              <a:defRPr sz="5400">
-                <a:latin typeface="Anonymous Pro for Powerline"/>
-                <a:ea typeface="Anonymous Pro for Powerline"/>
-                <a:cs typeface="Anonymous Pro for Powerline"/>
-                <a:sym typeface="Anonymous Pro for Powerline"/>
-              </a:defRPr>
-            </a:pPr>
-            <a:r>
-              <a:t>    return answer</a:t>
+            <a:pPr/>
+            <a:r>
+              <a:t>Exercises</a:t>
             </a:r>
           </a:p>
         </p:txBody>
@@ -20000,19 +21446,44 @@
           <a:chExt cx="0" cy="0"/>
         </a:xfrm>
       </p:grpSpPr>
-      <p:sp>
-        <p:nvSpPr>
-          <p:cNvPr id="547" name="Shape 547"/>
+      <p:pic>
+        <p:nvPicPr>
+          <p:cNvPr id="558" name="pasted-image.jpeg"/>
+          <p:cNvPicPr>
+            <a:picLocks noChangeAspect="1"/>
+          </p:cNvPicPr>
+          <p:nvPr>
+            <p:ph type="pic" idx="13"/>
+          </p:nvPr>
+        </p:nvPicPr>
+        <p:blipFill>
+          <a:blip r:embed="rId2">
+            <a:extLst/>
+          </a:blip>
+          <a:srcRect l="45970" t="0" r="18091" b="0"/>
+          <a:stretch>
+            <a:fillRect/>
+          </a:stretch>
+        </p:blipFill>
+        <p:spPr>
+          <a:xfrm>
+            <a:off x="0" y="0"/>
+            <a:ext cx="5486400" cy="9753600"/>
+          </a:xfrm>
+          <a:prstGeom prst="rect">
+            <a:avLst/>
+          </a:prstGeom>
+        </p:spPr>
+      </p:pic>
+      <p:sp>
+        <p:nvSpPr>
+          <p:cNvPr id="559" name="Shape 559"/>
           <p:cNvSpPr/>
           <p:nvPr>
             <p:ph type="title"/>
           </p:nvPr>
         </p:nvSpPr>
         <p:spPr>
-          <a:xfrm>
-            <a:off x="406400" y="1536700"/>
-            <a:ext cx="12192000" cy="1169260"/>
-          </a:xfrm>
           <a:prstGeom prst="rect">
             <a:avLst/>
           </a:prstGeom>
@@ -20020,97 +21491,38 @@
         <p:txBody>
           <a:bodyPr/>
           <a:lstStyle>
-            <a:lvl1pPr defTabSz="403097">
-              <a:spcBef>
-                <a:spcPts val="1900"/>
-              </a:spcBef>
-              <a:defRPr sz="8280"/>
+            <a:lvl1pPr defTabSz="514095">
+              <a:defRPr sz="14960"/>
             </a:lvl1pPr>
           </a:lstStyle>
           <a:p>
             <a:pPr/>
             <a:r>
-              <a:t>Defining A Function</a:t>
-            </a:r>
-          </a:p>
-        </p:txBody>
-      </p:sp>
-      <p:sp>
-        <p:nvSpPr>
-          <p:cNvPr id="548" name="Shape 548"/>
-          <p:cNvSpPr/>
-          <p:nvPr/>
-        </p:nvSpPr>
-        <p:spPr>
-          <a:xfrm>
-            <a:off x="495150" y="3282950"/>
-            <a:ext cx="11562527" cy="3187701"/>
-          </a:xfrm>
-          <a:prstGeom prst="rect">
-            <a:avLst/>
-          </a:prstGeom>
-          <a:ln w="12700">
-            <a:miter lim="400000"/>
-          </a:ln>
-          <a:extLst>
-            <a:ext uri="{C572A759-6A51-4108-AA02-DFA0A04FC94B}">
-              <ma14:wrappingTextBoxFlag xmlns:ma14="http://schemas.microsoft.com/office/mac/drawingml/2011/main" val="1"/>
-            </a:ext>
-          </a:extLst>
-        </p:spPr>
-        <p:txBody>
-          <a:bodyPr lIns="50800" tIns="50800" rIns="50800" bIns="50800" anchor="ctr">
-            <a:spAutoFit/>
-          </a:bodyPr>
+              <a:t>Functions</a:t>
+            </a:r>
+          </a:p>
+        </p:txBody>
+      </p:sp>
+      <p:sp>
+        <p:nvSpPr>
+          <p:cNvPr id="560" name="Shape 560"/>
+          <p:cNvSpPr/>
+          <p:nvPr>
+            <p:ph type="body" sz="quarter" idx="1"/>
+          </p:nvPr>
+        </p:nvSpPr>
+        <p:spPr>
+          <a:prstGeom prst="rect">
+            <a:avLst/>
+          </a:prstGeom>
+        </p:spPr>
+        <p:txBody>
+          <a:bodyPr/>
           <a:lstStyle/>
           <a:p>
-            <a:pPr>
-              <a:defRPr sz="5400">
-                <a:latin typeface="Anonymous Pro for Powerline"/>
-                <a:ea typeface="Anonymous Pro for Powerline"/>
-                <a:cs typeface="Anonymous Pro for Powerline"/>
-                <a:sym typeface="Anonymous Pro for Powerline"/>
-              </a:defRPr>
-            </a:pPr>
-            <a:r>
-              <a:t>def double(</a:t>
-            </a:r>
-            <a:r>
-              <a:rPr>
-                <a:solidFill>
-                  <a:schemeClr val="accent3"/>
-                </a:solidFill>
-              </a:rPr>
-              <a:t>my_name</a:t>
-            </a:r>
-            <a:r>
-              <a:t>):</a:t>
-            </a:r>
-          </a:p>
-          <a:p>
-            <a:pPr>
-              <a:defRPr sz="5400">
-                <a:latin typeface="Anonymous Pro for Powerline"/>
-                <a:ea typeface="Anonymous Pro for Powerline"/>
-                <a:cs typeface="Anonymous Pro for Powerline"/>
-                <a:sym typeface="Anonymous Pro for Powerline"/>
-              </a:defRPr>
-            </a:pPr>
-            <a:r>
-              <a:t>    answer = my_name + my_name</a:t>
-            </a:r>
-          </a:p>
-          <a:p>
-            <a:pPr>
-              <a:defRPr sz="5400">
-                <a:latin typeface="Anonymous Pro for Powerline"/>
-                <a:ea typeface="Anonymous Pro for Powerline"/>
-                <a:cs typeface="Anonymous Pro for Powerline"/>
-                <a:sym typeface="Anonymous Pro for Powerline"/>
-              </a:defRPr>
-            </a:pPr>
-            <a:r>
-              <a:t>    return answer</a:t>
+            <a:pPr/>
+            <a:r>
+              <a:t>Defining your own</a:t>
             </a:r>
           </a:p>
         </p:txBody>
@@ -20143,7 +21555,7 @@
       </p:grpSpPr>
       <p:sp>
         <p:nvSpPr>
-          <p:cNvPr id="550" name="Shape 550"/>
+          <p:cNvPr id="562" name="Shape 562"/>
           <p:cNvSpPr/>
           <p:nvPr>
             <p:ph type="title"/>
@@ -20171,179 +21583,45 @@
           <a:p>
             <a:pPr/>
             <a:r>
-              <a:t>Defining A Function</a:t>
-            </a:r>
-          </a:p>
-        </p:txBody>
-      </p:sp>
-      <p:sp>
-        <p:nvSpPr>
-          <p:cNvPr id="551" name="Shape 551"/>
-          <p:cNvSpPr/>
-          <p:nvPr/>
-        </p:nvSpPr>
-        <p:spPr>
-          <a:xfrm>
-            <a:off x="495150" y="3282950"/>
-            <a:ext cx="11562527" cy="3187701"/>
-          </a:xfrm>
-          <a:prstGeom prst="rect">
-            <a:avLst/>
-          </a:prstGeom>
-          <a:ln w="12700">
-            <a:miter lim="400000"/>
-          </a:ln>
-          <a:extLst>
-            <a:ext uri="{C572A759-6A51-4108-AA02-DFA0A04FC94B}">
-              <ma14:wrappingTextBoxFlag xmlns:ma14="http://schemas.microsoft.com/office/mac/drawingml/2011/main" val="1"/>
-            </a:ext>
-          </a:extLst>
-        </p:spPr>
-        <p:txBody>
-          <a:bodyPr lIns="50800" tIns="50800" rIns="50800" bIns="50800" anchor="ctr">
-            <a:spAutoFit/>
-          </a:bodyPr>
-          <a:lstStyle/>
-          <a:p>
-            <a:pPr>
-              <a:defRPr sz="5400">
-                <a:latin typeface="Anonymous Pro for Powerline"/>
-                <a:ea typeface="Anonymous Pro for Powerline"/>
-                <a:cs typeface="Anonymous Pro for Powerline"/>
-                <a:sym typeface="Anonymous Pro for Powerline"/>
-              </a:defRPr>
-            </a:pPr>
-            <a:r>
-              <a:t>def double(</a:t>
-            </a:r>
-            <a:r>
-              <a:rPr>
-                <a:solidFill>
-                  <a:schemeClr val="accent3"/>
-                </a:solidFill>
-              </a:rPr>
-              <a:t>my_name</a:t>
-            </a:r>
-            <a:r>
-              <a:t>):</a:t>
-            </a:r>
-          </a:p>
-          <a:p>
-            <a:pPr>
-              <a:defRPr sz="5400">
-                <a:latin typeface="Anonymous Pro for Powerline"/>
-                <a:ea typeface="Anonymous Pro for Powerline"/>
-                <a:cs typeface="Anonymous Pro for Powerline"/>
-                <a:sym typeface="Anonymous Pro for Powerline"/>
-              </a:defRPr>
-            </a:pPr>
-            <a:r>
-              <a:t>    answer = my_name + my_name</a:t>
-            </a:r>
-          </a:p>
-          <a:p>
-            <a:pPr>
-              <a:defRPr sz="5400">
-                <a:latin typeface="Anonymous Pro for Powerline"/>
-                <a:ea typeface="Anonymous Pro for Powerline"/>
-                <a:cs typeface="Anonymous Pro for Powerline"/>
-                <a:sym typeface="Anonymous Pro for Powerline"/>
-              </a:defRPr>
-            </a:pPr>
-            <a:r>
-              <a:t>    return answer</a:t>
-            </a:r>
-          </a:p>
-        </p:txBody>
-      </p:sp>
-      <p:sp>
-        <p:nvSpPr>
-          <p:cNvPr id="552" name="Shape 552"/>
-          <p:cNvSpPr/>
-          <p:nvPr/>
-        </p:nvSpPr>
-        <p:spPr>
-          <a:xfrm rot="19262772">
-            <a:off x="3341633" y="5027739"/>
-            <a:ext cx="2933304" cy="518251"/>
-          </a:xfrm>
-          <a:prstGeom prst="rightArrow">
-            <a:avLst>
-              <a:gd name="adj1" fmla="val 34174"/>
-              <a:gd name="adj2" fmla="val 145948"/>
-            </a:avLst>
-          </a:prstGeom>
-          <a:solidFill>
-            <a:schemeClr val="accent5"/>
-          </a:solidFill>
-          <a:ln w="12700">
-            <a:miter lim="400000"/>
-          </a:ln>
-        </p:spPr>
-        <p:txBody>
-          <a:bodyPr lIns="50800" tIns="50800" rIns="50800" bIns="50800" anchor="ctr"/>
-          <a:lstStyle/>
-          <a:p>
-            <a:pPr algn="ctr">
-              <a:lnSpc>
-                <a:spcPct val="80000"/>
-              </a:lnSpc>
-              <a:spcBef>
-                <a:spcPts val="0"/>
-              </a:spcBef>
-              <a:defRPr cap="all" sz="2800">
-                <a:solidFill>
-                  <a:srgbClr val="FFFFFF"/>
-                </a:solidFill>
-                <a:latin typeface="+mn-lt"/>
-                <a:ea typeface="+mn-ea"/>
-                <a:cs typeface="+mn-cs"/>
-                <a:sym typeface="DIN Condensed"/>
-              </a:defRPr>
-            </a:pPr>
-          </a:p>
-        </p:txBody>
-      </p:sp>
-      <p:sp>
-        <p:nvSpPr>
-          <p:cNvPr id="553" name="Shape 553"/>
-          <p:cNvSpPr/>
-          <p:nvPr/>
-        </p:nvSpPr>
-        <p:spPr>
-          <a:xfrm>
-            <a:off x="694604" y="6302681"/>
-            <a:ext cx="8171689" cy="1143001"/>
-          </a:xfrm>
-          <a:prstGeom prst="rect">
-            <a:avLst/>
-          </a:prstGeom>
-          <a:ln w="12700">
-            <a:miter lim="400000"/>
-          </a:ln>
-          <a:extLst>
-            <a:ext uri="{C572A759-6A51-4108-AA02-DFA0A04FC94B}">
-              <ma14:wrappingTextBoxFlag xmlns:ma14="http://schemas.microsoft.com/office/mac/drawingml/2011/main" val="1"/>
-            </a:ext>
-          </a:extLst>
-        </p:spPr>
-        <p:txBody>
-          <a:bodyPr wrap="none" lIns="50800" tIns="50800" rIns="50800" bIns="50800" anchor="ctr">
-            <a:spAutoFit/>
-          </a:bodyPr>
+              <a:t>Defining a Function</a:t>
+            </a:r>
+          </a:p>
+        </p:txBody>
+      </p:sp>
+      <p:sp>
+        <p:nvSpPr>
+          <p:cNvPr id="563" name="Shape 563"/>
+          <p:cNvSpPr/>
+          <p:nvPr>
+            <p:ph type="body" sz="half" idx="1"/>
+          </p:nvPr>
+        </p:nvSpPr>
+        <p:spPr>
+          <a:xfrm>
+            <a:off x="406400" y="3953767"/>
+            <a:ext cx="12192000" cy="2531601"/>
+          </a:xfrm>
+          <a:prstGeom prst="rect">
+            <a:avLst/>
+          </a:prstGeom>
+        </p:spPr>
+        <p:txBody>
+          <a:bodyPr/>
           <a:lstStyle>
-            <a:lvl1pPr>
-              <a:defRPr sz="6000">
-                <a:solidFill>
-                  <a:schemeClr val="accent5"/>
-                </a:solidFill>
-              </a:defRPr>
+            <a:lvl1pPr marL="705970" indent="-705970">
+              <a:buClrTx/>
+              <a:buSzPct val="40000"/>
+              <a:buFontTx/>
+              <a:buBlip>
+                <a:blip r:embed="rId2"/>
+              </a:buBlip>
+              <a:defRPr sz="6400"/>
             </a:lvl1pPr>
           </a:lstStyle>
           <a:p>
             <a:pPr/>
             <a:r>
-              <a:t>arbitrary label for input</a:t>
+              <a:t>Reusable chunk of code</a:t>
             </a:r>
           </a:p>
         </p:txBody>
@@ -20376,7 +21654,7 @@
       </p:grpSpPr>
       <p:sp>
         <p:nvSpPr>
-          <p:cNvPr id="555" name="Shape 555"/>
+          <p:cNvPr id="565" name="Shape 565"/>
           <p:cNvSpPr/>
           <p:nvPr>
             <p:ph type="title"/>
@@ -20404,176 +21682,63 @@
           <a:p>
             <a:pPr/>
             <a:r>
-              <a:t>Defining A Function</a:t>
-            </a:r>
-          </a:p>
-        </p:txBody>
-      </p:sp>
-      <p:sp>
-        <p:nvSpPr>
-          <p:cNvPr id="556" name="Shape 556"/>
-          <p:cNvSpPr/>
-          <p:nvPr/>
-        </p:nvSpPr>
-        <p:spPr>
-          <a:xfrm>
-            <a:off x="495150" y="3282950"/>
-            <a:ext cx="11562527" cy="3187701"/>
-          </a:xfrm>
-          <a:prstGeom prst="rect">
-            <a:avLst/>
-          </a:prstGeom>
-          <a:ln w="12700">
-            <a:miter lim="400000"/>
-          </a:ln>
-          <a:extLst>
-            <a:ext uri="{C572A759-6A51-4108-AA02-DFA0A04FC94B}">
-              <ma14:wrappingTextBoxFlag xmlns:ma14="http://schemas.microsoft.com/office/mac/drawingml/2011/main" val="1"/>
-            </a:ext>
-          </a:extLst>
-        </p:spPr>
-        <p:txBody>
-          <a:bodyPr lIns="50800" tIns="50800" rIns="50800" bIns="50800" anchor="ctr">
-            <a:spAutoFit/>
-          </a:bodyPr>
+              <a:t>Defining a Function</a:t>
+            </a:r>
+          </a:p>
+        </p:txBody>
+      </p:sp>
+      <p:sp>
+        <p:nvSpPr>
+          <p:cNvPr id="566" name="Shape 566"/>
+          <p:cNvSpPr/>
+          <p:nvPr>
+            <p:ph type="body" sz="half" idx="1"/>
+          </p:nvPr>
+        </p:nvSpPr>
+        <p:spPr>
+          <a:xfrm>
+            <a:off x="406400" y="3953767"/>
+            <a:ext cx="12192000" cy="2531601"/>
+          </a:xfrm>
+          <a:prstGeom prst="rect">
+            <a:avLst/>
+          </a:prstGeom>
+        </p:spPr>
+        <p:txBody>
+          <a:bodyPr/>
           <a:lstStyle/>
           <a:p>
-            <a:pPr>
-              <a:defRPr sz="5400">
-                <a:latin typeface="Anonymous Pro for Powerline"/>
-                <a:ea typeface="Anonymous Pro for Powerline"/>
-                <a:cs typeface="Anonymous Pro for Powerline"/>
-                <a:sym typeface="Anonymous Pro for Powerline"/>
-              </a:defRPr>
+            <a:pPr marL="663612" indent="-663612" defTabSz="549148">
+              <a:spcBef>
+                <a:spcPts val="2600"/>
+              </a:spcBef>
+              <a:buClrTx/>
+              <a:buSzPct val="40000"/>
+              <a:buFontTx/>
+              <a:buBlip>
+                <a:blip r:embed="rId2"/>
+              </a:buBlip>
+              <a:defRPr sz="6016"/>
             </a:pPr>
             <a:r>
-              <a:t>def double(my_name)</a:t>
-            </a:r>
-            <a:r>
-              <a:rPr>
-                <a:solidFill>
-                  <a:schemeClr val="accent3"/>
-                </a:solidFill>
-              </a:rPr>
-              <a:t>:</a:t>
-            </a:r>
-          </a:p>
-          <a:p>
-            <a:pPr>
-              <a:defRPr sz="5400">
-                <a:latin typeface="Anonymous Pro for Powerline"/>
-                <a:ea typeface="Anonymous Pro for Powerline"/>
-                <a:cs typeface="Anonymous Pro for Powerline"/>
-                <a:sym typeface="Anonymous Pro for Powerline"/>
-              </a:defRPr>
+              <a:t>Reusable chunk of code</a:t>
+            </a:r>
+          </a:p>
+          <a:p>
+            <a:pPr marL="663612" indent="-663612" defTabSz="549148">
+              <a:spcBef>
+                <a:spcPts val="2600"/>
+              </a:spcBef>
+              <a:buClrTx/>
+              <a:buSzPct val="40000"/>
+              <a:buFontTx/>
+              <a:buBlip>
+                <a:blip r:embed="rId2"/>
+              </a:buBlip>
+              <a:defRPr sz="6016"/>
             </a:pPr>
             <a:r>
-              <a:t>    answer = my_name + my_name</a:t>
-            </a:r>
-          </a:p>
-          <a:p>
-            <a:pPr>
-              <a:defRPr sz="5400">
-                <a:latin typeface="Anonymous Pro for Powerline"/>
-                <a:ea typeface="Anonymous Pro for Powerline"/>
-                <a:cs typeface="Anonymous Pro for Powerline"/>
-                <a:sym typeface="Anonymous Pro for Powerline"/>
-              </a:defRPr>
-            </a:pPr>
-            <a:r>
-              <a:t>    return answer</a:t>
-            </a:r>
-          </a:p>
-        </p:txBody>
-      </p:sp>
-      <p:sp>
-        <p:nvSpPr>
-          <p:cNvPr id="557" name="Shape 557"/>
-          <p:cNvSpPr/>
-          <p:nvPr/>
-        </p:nvSpPr>
-        <p:spPr>
-          <a:xfrm rot="8773757">
-            <a:off x="8032305" y="2856737"/>
-            <a:ext cx="2208633" cy="518252"/>
-          </a:xfrm>
-          <a:prstGeom prst="rightArrow">
-            <a:avLst>
-              <a:gd name="adj1" fmla="val 34174"/>
-              <a:gd name="adj2" fmla="val 145948"/>
-            </a:avLst>
-          </a:prstGeom>
-          <a:solidFill>
-            <a:schemeClr val="accent5"/>
-          </a:solidFill>
-          <a:ln w="12700">
-            <a:miter lim="400000"/>
-          </a:ln>
-        </p:spPr>
-        <p:txBody>
-          <a:bodyPr lIns="50800" tIns="50800" rIns="50800" bIns="50800" anchor="ctr"/>
-          <a:lstStyle/>
-          <a:p>
-            <a:pPr algn="ctr">
-              <a:lnSpc>
-                <a:spcPct val="80000"/>
-              </a:lnSpc>
-              <a:spcBef>
-                <a:spcPts val="0"/>
-              </a:spcBef>
-              <a:defRPr cap="all" sz="2800">
-                <a:solidFill>
-                  <a:srgbClr val="FFFFFF"/>
-                </a:solidFill>
-                <a:latin typeface="+mn-lt"/>
-                <a:ea typeface="+mn-ea"/>
-                <a:cs typeface="+mn-cs"/>
-                <a:sym typeface="DIN Condensed"/>
-              </a:defRPr>
-            </a:pPr>
-          </a:p>
-        </p:txBody>
-      </p:sp>
-      <p:sp>
-        <p:nvSpPr>
-          <p:cNvPr id="558" name="Shape 558"/>
-          <p:cNvSpPr/>
-          <p:nvPr/>
-        </p:nvSpPr>
-        <p:spPr>
-          <a:xfrm>
-            <a:off x="10194863" y="1549830"/>
-            <a:ext cx="2061973" cy="1143001"/>
-          </a:xfrm>
-          <a:prstGeom prst="rect">
-            <a:avLst/>
-          </a:prstGeom>
-          <a:ln w="12700">
-            <a:miter lim="400000"/>
-          </a:ln>
-          <a:extLst>
-            <a:ext uri="{C572A759-6A51-4108-AA02-DFA0A04FC94B}">
-              <ma14:wrappingTextBoxFlag xmlns:ma14="http://schemas.microsoft.com/office/mac/drawingml/2011/main" val="1"/>
-            </a:ext>
-          </a:extLst>
-        </p:spPr>
-        <p:txBody>
-          <a:bodyPr wrap="none" lIns="50800" tIns="50800" rIns="50800" bIns="50800" anchor="ctr">
-            <a:spAutoFit/>
-          </a:bodyPr>
-          <a:lstStyle>
-            <a:lvl1pPr>
-              <a:defRPr sz="6000">
-                <a:solidFill>
-                  <a:schemeClr val="accent5"/>
-                </a:solidFill>
-              </a:defRPr>
-            </a:lvl1pPr>
-          </a:lstStyle>
-          <a:p>
-            <a:pPr/>
-            <a:r>
-              <a:t>colon</a:t>
+              <a:t>Build action from basic functions</a:t>
             </a:r>
           </a:p>
         </p:txBody>
@@ -20606,7 +21771,7 @@
       </p:grpSpPr>
       <p:sp>
         <p:nvSpPr>
-          <p:cNvPr id="560" name="Shape 560"/>
+          <p:cNvPr id="568" name="Shape 568"/>
           <p:cNvSpPr/>
           <p:nvPr>
             <p:ph type="title"/>
@@ -20641,7 +21806,7 @@
       </p:sp>
       <p:sp>
         <p:nvSpPr>
-          <p:cNvPr id="561" name="Shape 561"/>
+          <p:cNvPr id="569" name="Shape 569"/>
           <p:cNvSpPr/>
           <p:nvPr/>
         </p:nvSpPr>
@@ -20677,7 +21842,15 @@
               </a:defRPr>
             </a:pPr>
             <a:r>
-              <a:t>def double(my_name):</a:t>
+              <a:rPr>
+                <a:solidFill>
+                  <a:schemeClr val="accent3"/>
+                </a:solidFill>
+              </a:rPr>
+              <a:t>def</a:t>
+            </a:r>
+            <a:r>
+              <a:t> double(my_name):</a:t>
             </a:r>
           </a:p>
           <a:p>
@@ -20690,15 +21863,7 @@
               </a:defRPr>
             </a:pPr>
             <a:r>
-              <a:t>    </a:t>
-            </a:r>
-            <a:r>
-              <a:rPr>
-                <a:solidFill>
-                  <a:schemeClr val="accent3"/>
-                </a:solidFill>
-              </a:rPr>
-              <a:t>answer = my_name + my_name</a:t>
+              <a:t>    answer = my_name + my_name</a:t>
             </a:r>
           </a:p>
           <a:p>
@@ -20744,7 +21909,7 @@
       </p:grpSpPr>
       <p:sp>
         <p:nvSpPr>
-          <p:cNvPr id="563" name="Shape 563"/>
+          <p:cNvPr id="571" name="Shape 571"/>
           <p:cNvSpPr/>
           <p:nvPr>
             <p:ph type="title"/>
@@ -20779,7 +21944,7 @@
       </p:sp>
       <p:sp>
         <p:nvSpPr>
-          <p:cNvPr id="564" name="Shape 564"/>
+          <p:cNvPr id="572" name="Shape 572"/>
           <p:cNvSpPr/>
           <p:nvPr/>
         </p:nvSpPr>
@@ -20815,7 +21980,18 @@
               </a:defRPr>
             </a:pPr>
             <a:r>
-              <a:t>def double(my_name):</a:t>
+              <a:t>def </a:t>
+            </a:r>
+            <a:r>
+              <a:rPr>
+                <a:solidFill>
+                  <a:schemeClr val="accent3"/>
+                </a:solidFill>
+              </a:rPr>
+              <a:t>double</a:t>
+            </a:r>
+            <a:r>
+              <a:t>(my_name):</a:t>
             </a:r>
           </a:p>
           <a:p>
@@ -20828,15 +22004,7 @@
               </a:defRPr>
             </a:pPr>
             <a:r>
-              <a:t>    </a:t>
-            </a:r>
-            <a:r>
-              <a:rPr>
-                <a:solidFill>
-                  <a:schemeClr val="accent3"/>
-                </a:solidFill>
-              </a:rPr>
-              <a:t>answer = my_name + my_name</a:t>
+              <a:t>    answer = my_name + my_name</a:t>
             </a:r>
           </a:p>
           <a:p>
@@ -20850,98 +22018,6 @@
             </a:pPr>
             <a:r>
               <a:t>    return answer</a:t>
-            </a:r>
-          </a:p>
-        </p:txBody>
-      </p:sp>
-      <p:sp>
-        <p:nvSpPr>
-          <p:cNvPr id="565" name="Shape 565"/>
-          <p:cNvSpPr/>
-          <p:nvPr/>
-        </p:nvSpPr>
-        <p:spPr>
-          <a:xfrm rot="13500000">
-            <a:off x="1586933" y="6735713"/>
-            <a:ext cx="2933305" cy="518251"/>
-          </a:xfrm>
-          <a:prstGeom prst="rightArrow">
-            <a:avLst>
-              <a:gd name="adj1" fmla="val 34174"/>
-              <a:gd name="adj2" fmla="val 145948"/>
-            </a:avLst>
-          </a:prstGeom>
-          <a:solidFill>
-            <a:schemeClr val="accent5"/>
-          </a:solidFill>
-          <a:ln w="12700">
-            <a:miter lim="400000"/>
-          </a:ln>
-        </p:spPr>
-        <p:txBody>
-          <a:bodyPr lIns="50800" tIns="50800" rIns="50800" bIns="50800" anchor="ctr"/>
-          <a:lstStyle/>
-          <a:p>
-            <a:pPr algn="ctr">
-              <a:lnSpc>
-                <a:spcPct val="80000"/>
-              </a:lnSpc>
-              <a:spcBef>
-                <a:spcPts val="0"/>
-              </a:spcBef>
-              <a:defRPr cap="all" sz="2800">
-                <a:solidFill>
-                  <a:srgbClr val="FFFFFF"/>
-                </a:solidFill>
-                <a:latin typeface="+mn-lt"/>
-                <a:ea typeface="+mn-ea"/>
-                <a:cs typeface="+mn-cs"/>
-                <a:sym typeface="DIN Condensed"/>
-              </a:defRPr>
-            </a:pPr>
-          </a:p>
-        </p:txBody>
-      </p:sp>
-      <p:sp>
-        <p:nvSpPr>
-          <p:cNvPr id="566" name="Shape 566"/>
-          <p:cNvSpPr/>
-          <p:nvPr/>
-        </p:nvSpPr>
-        <p:spPr>
-          <a:xfrm>
-            <a:off x="4241367" y="7681314"/>
-            <a:ext cx="5406391" cy="1143001"/>
-          </a:xfrm>
-          <a:prstGeom prst="rect">
-            <a:avLst/>
-          </a:prstGeom>
-          <a:ln w="12700">
-            <a:miter lim="400000"/>
-          </a:ln>
-          <a:extLst>
-            <a:ext uri="{C572A759-6A51-4108-AA02-DFA0A04FC94B}">
-              <ma14:wrappingTextBoxFlag xmlns:ma14="http://schemas.microsoft.com/office/mac/drawingml/2011/main" val="1"/>
-            </a:ext>
-          </a:extLst>
-        </p:spPr>
-        <p:txBody>
-          <a:bodyPr wrap="none" lIns="50800" tIns="50800" rIns="50800" bIns="50800" anchor="ctr">
-            <a:spAutoFit/>
-          </a:bodyPr>
-          <a:lstStyle>
-            <a:lvl1pPr>
-              <a:defRPr sz="6000">
-                <a:solidFill>
-                  <a:schemeClr val="accent5"/>
-                </a:solidFill>
-              </a:defRPr>
-            </a:lvl1pPr>
-          </a:lstStyle>
-          <a:p>
-            <a:pPr/>
-            <a:r>
-              <a:t>indented block</a:t>
             </a:r>
           </a:p>
         </p:txBody>
